--- a/Formation Git - basique.pptx
+++ b/Formation Git - basique.pptx
@@ -26,6 +26,10 @@
     <p:sldId id="276" r:id="rId20"/>
     <p:sldId id="277" r:id="rId21"/>
     <p:sldId id="275" r:id="rId22"/>
+    <p:sldId id="278" r:id="rId23"/>
+    <p:sldId id="279" r:id="rId24"/>
+    <p:sldId id="280" r:id="rId25"/>
+    <p:sldId id="281" r:id="rId26"/>
   </p:sldIdLst>
   <p:sldSz cx="12192000" cy="6858000"/>
   <p:notesSz cx="6858000" cy="9144000"/>
@@ -9685,7 +9689,7 @@
           <a:p>
             <a:fld id="{BD316801-2A97-4601-919F-FCA6A6B76BCF}" type="datetimeFigureOut">
               <a:rPr lang="fr-CH" smtClean="0"/>
-              <a:t>23.05.2019</a:t>
+              <a:t>24.05.2019</a:t>
             </a:fld>
             <a:endParaRPr lang="fr-CH"/>
           </a:p>
@@ -14862,8 +14866,12 @@
           <a:lstStyle/>
           <a:p>
             <a:r>
-              <a:rPr lang="fr-CH" dirty="0" smtClean="0"/>
-              <a:t>Représentation sous forme de graphe</a:t>
+              <a:rPr lang="fr-CH" dirty="0" err="1" smtClean="0"/>
+              <a:t>Représentationsous</a:t>
+            </a:r>
+            <a:r>
+              <a:rPr lang="fr-CH" dirty="0" smtClean="0"/>
+              <a:t> forme de graphe</a:t>
             </a:r>
             <a:endParaRPr lang="fr-CH" dirty="0"/>
           </a:p>
@@ -15456,6 +15464,968 @@
       </p:par>
     </p:tnLst>
   </p:timing>
+</p:sld>
+</file>
+
+<file path=ppt/slides/slide22.xml><?xml version="1.0" encoding="utf-8"?>
+<p:sld xmlns:a="http://schemas.openxmlformats.org/drawingml/2006/main" xmlns:r="http://schemas.openxmlformats.org/officeDocument/2006/relationships" xmlns:p="http://schemas.openxmlformats.org/presentationml/2006/main">
+  <p:cSld>
+    <p:spTree>
+      <p:nvGrpSpPr>
+        <p:cNvPr id="1" name=""/>
+        <p:cNvGrpSpPr/>
+        <p:nvPr/>
+      </p:nvGrpSpPr>
+      <p:grpSpPr>
+        <a:xfrm>
+          <a:off x="0" y="0"/>
+          <a:ext cx="0" cy="0"/>
+          <a:chOff x="0" y="0"/>
+          <a:chExt cx="0" cy="0"/>
+        </a:xfrm>
+      </p:grpSpPr>
+      <p:sp>
+        <p:nvSpPr>
+          <p:cNvPr id="2" name="Titre 1"/>
+          <p:cNvSpPr>
+            <a:spLocks noGrp="1"/>
+          </p:cNvSpPr>
+          <p:nvPr>
+            <p:ph type="title"/>
+          </p:nvPr>
+        </p:nvSpPr>
+        <p:spPr/>
+        <p:txBody>
+          <a:bodyPr>
+            <a:normAutofit/>
+          </a:bodyPr>
+          <a:lstStyle/>
+          <a:p>
+            <a:r>
+              <a:rPr lang="fr-FR" sz="3200" dirty="0" smtClean="0"/>
+              <a:t>git help </a:t>
+            </a:r>
+            <a:endParaRPr lang="fr-CH" sz="3200" dirty="0"/>
+          </a:p>
+        </p:txBody>
+      </p:sp>
+      <p:sp>
+        <p:nvSpPr>
+          <p:cNvPr id="3" name="Espace réservé du contenu 2"/>
+          <p:cNvSpPr>
+            <a:spLocks noGrp="1"/>
+          </p:cNvSpPr>
+          <p:nvPr>
+            <p:ph idx="1"/>
+          </p:nvPr>
+        </p:nvSpPr>
+        <p:spPr/>
+        <p:txBody>
+          <a:bodyPr/>
+          <a:lstStyle/>
+          <a:p>
+            <a:r>
+              <a:rPr lang="fr-FR" sz="1800" dirty="0"/>
+              <a:t>g</a:t>
+            </a:r>
+            <a:r>
+              <a:rPr lang="fr-FR" sz="1800" dirty="0" smtClean="0"/>
+              <a:t>it help</a:t>
+            </a:r>
+          </a:p>
+          <a:p>
+            <a:pPr lvl="1"/>
+            <a:r>
+              <a:rPr lang="fr-FR" sz="1600" dirty="0" smtClean="0"/>
+              <a:t>Retourne la liste des commandes regroupées « par type »</a:t>
+            </a:r>
+          </a:p>
+          <a:p>
+            <a:pPr lvl="1"/>
+            <a:endParaRPr lang="fr-FR" dirty="0" smtClean="0"/>
+          </a:p>
+          <a:p>
+            <a:r>
+              <a:rPr lang="fr-FR" sz="1800" dirty="0"/>
+              <a:t>g</a:t>
+            </a:r>
+            <a:r>
+              <a:rPr lang="fr-FR" sz="1800" dirty="0" smtClean="0"/>
+              <a:t>it help &lt;command&gt;</a:t>
+            </a:r>
+          </a:p>
+          <a:p>
+            <a:pPr lvl="1"/>
+            <a:r>
+              <a:rPr lang="fr-FR" sz="1600" dirty="0" smtClean="0"/>
+              <a:t>Redirige sur une page web local expliquant </a:t>
+            </a:r>
+            <a:r>
+              <a:rPr lang="fr-FR" sz="1600" dirty="0"/>
+              <a:t>la commande </a:t>
+            </a:r>
+            <a:r>
+              <a:rPr lang="fr-FR" sz="1600" dirty="0" smtClean="0"/>
+              <a:t>({</a:t>
+            </a:r>
+            <a:r>
+              <a:rPr lang="fr-FR" sz="1600" dirty="0" err="1" smtClean="0"/>
+              <a:t>gitbash_home</a:t>
+            </a:r>
+            <a:r>
+              <a:rPr lang="fr-FR" sz="1600" dirty="0" smtClean="0"/>
+              <a:t>}/mingw64/</a:t>
+            </a:r>
+            <a:r>
+              <a:rPr lang="fr-FR" sz="1600" dirty="0" err="1" smtClean="0"/>
+              <a:t>share</a:t>
+            </a:r>
+            <a:r>
+              <a:rPr lang="fr-FR" sz="1600" dirty="0" smtClean="0"/>
+              <a:t>/doc/git-doc</a:t>
+            </a:r>
+            <a:r>
+              <a:rPr lang="fr-FR" sz="1600" dirty="0"/>
+              <a:t>/)</a:t>
+            </a:r>
+            <a:endParaRPr lang="fr-FR" sz="1600" dirty="0" smtClean="0"/>
+          </a:p>
+          <a:p>
+            <a:pPr lvl="1"/>
+            <a:r>
+              <a:rPr lang="fr-FR" sz="1600" dirty="0" smtClean="0"/>
+              <a:t>Exemple: git help commit</a:t>
+            </a:r>
+          </a:p>
+          <a:p>
+            <a:pPr lvl="1"/>
+            <a:endParaRPr lang="fr-FR" dirty="0" smtClean="0"/>
+          </a:p>
+          <a:p>
+            <a:r>
+              <a:rPr lang="fr-FR" sz="1800" dirty="0"/>
+              <a:t>g</a:t>
+            </a:r>
+            <a:r>
+              <a:rPr lang="fr-FR" sz="1800" dirty="0" smtClean="0"/>
+              <a:t>it help tutorial</a:t>
+            </a:r>
+            <a:endParaRPr lang="fr-CH" sz="1800" dirty="0"/>
+          </a:p>
+        </p:txBody>
+      </p:sp>
+    </p:spTree>
+    <p:extLst>
+      <p:ext uri="{BB962C8B-B14F-4D97-AF65-F5344CB8AC3E}">
+        <p14:creationId xmlns:p14="http://schemas.microsoft.com/office/powerpoint/2010/main" val="2914928396"/>
+      </p:ext>
+    </p:extLst>
+  </p:cSld>
+  <p:clrMapOvr>
+    <a:masterClrMapping/>
+  </p:clrMapOvr>
+</p:sld>
+</file>
+
+<file path=ppt/slides/slide23.xml><?xml version="1.0" encoding="utf-8"?>
+<p:sld xmlns:a="http://schemas.openxmlformats.org/drawingml/2006/main" xmlns:r="http://schemas.openxmlformats.org/officeDocument/2006/relationships" xmlns:p="http://schemas.openxmlformats.org/presentationml/2006/main">
+  <p:cSld>
+    <p:spTree>
+      <p:nvGrpSpPr>
+        <p:cNvPr id="1" name=""/>
+        <p:cNvGrpSpPr/>
+        <p:nvPr/>
+      </p:nvGrpSpPr>
+      <p:grpSpPr>
+        <a:xfrm>
+          <a:off x="0" y="0"/>
+          <a:ext cx="0" cy="0"/>
+          <a:chOff x="0" y="0"/>
+          <a:chExt cx="0" cy="0"/>
+        </a:xfrm>
+      </p:grpSpPr>
+      <p:sp>
+        <p:nvSpPr>
+          <p:cNvPr id="2" name="Titre 1"/>
+          <p:cNvSpPr>
+            <a:spLocks noGrp="1"/>
+          </p:cNvSpPr>
+          <p:nvPr>
+            <p:ph type="title"/>
+          </p:nvPr>
+        </p:nvSpPr>
+        <p:spPr/>
+        <p:txBody>
+          <a:bodyPr/>
+          <a:lstStyle/>
+          <a:p>
+            <a:r>
+              <a:rPr lang="fr-FR" dirty="0" err="1" smtClean="0"/>
+              <a:t>Commits</a:t>
+            </a:r>
+            <a:r>
+              <a:rPr lang="fr-FR" dirty="0" smtClean="0"/>
+              <a:t> &amp; </a:t>
+            </a:r>
+            <a:r>
+              <a:rPr lang="fr-FR" dirty="0" err="1" smtClean="0"/>
+              <a:t>Diff</a:t>
+            </a:r>
+            <a:r>
+              <a:rPr lang="fr-FR" dirty="0" smtClean="0"/>
+              <a:t/>
+            </a:r>
+            <a:br>
+              <a:rPr lang="fr-FR" dirty="0" smtClean="0"/>
+            </a:br>
+            <a:endParaRPr lang="fr-CH" dirty="0"/>
+          </a:p>
+        </p:txBody>
+      </p:sp>
+      <p:sp>
+        <p:nvSpPr>
+          <p:cNvPr id="3" name="Espace réservé du contenu 2"/>
+          <p:cNvSpPr>
+            <a:spLocks noGrp="1"/>
+          </p:cNvSpPr>
+          <p:nvPr>
+            <p:ph idx="1"/>
+          </p:nvPr>
+        </p:nvSpPr>
+        <p:spPr/>
+        <p:txBody>
+          <a:bodyPr>
+            <a:normAutofit fontScale="92500" lnSpcReduction="20000"/>
+          </a:bodyPr>
+          <a:lstStyle/>
+          <a:p>
+            <a:r>
+              <a:rPr lang="fr-FR" sz="1900" dirty="0"/>
+              <a:t>g</a:t>
+            </a:r>
+            <a:r>
+              <a:rPr lang="fr-FR" sz="1900" dirty="0" smtClean="0"/>
+              <a:t>it commit –m « mon message de commit » </a:t>
+            </a:r>
+            <a:endParaRPr lang="fr-FR" sz="1900" dirty="0"/>
+          </a:p>
+          <a:p>
+            <a:pPr lvl="1"/>
+            <a:r>
+              <a:rPr lang="fr-FR" sz="1700" dirty="0" smtClean="0"/>
+              <a:t>commit </a:t>
+            </a:r>
+            <a:r>
+              <a:rPr lang="fr-FR" sz="1700" dirty="0" smtClean="0"/>
+              <a:t>les fichiers dans le </a:t>
+            </a:r>
+            <a:r>
+              <a:rPr lang="fr-FR" sz="1700" dirty="0" smtClean="0"/>
+              <a:t>stage</a:t>
+            </a:r>
+            <a:endParaRPr lang="fr-FR" sz="1700" dirty="0" smtClean="0"/>
+          </a:p>
+          <a:p>
+            <a:r>
+              <a:rPr lang="fr-FR" sz="1900" dirty="0"/>
+              <a:t>g</a:t>
+            </a:r>
+            <a:r>
+              <a:rPr lang="fr-FR" sz="1900" dirty="0" smtClean="0"/>
+              <a:t>it commit –</a:t>
+            </a:r>
+            <a:r>
+              <a:rPr lang="fr-FR" sz="1900" dirty="0" err="1" smtClean="0"/>
+              <a:t>am</a:t>
+            </a:r>
+            <a:r>
+              <a:rPr lang="fr-FR" sz="1900" dirty="0" smtClean="0"/>
+              <a:t> « message » </a:t>
+            </a:r>
+            <a:r>
+              <a:rPr lang="fr-FR" sz="1900" dirty="0" smtClean="0"/>
+              <a:t> </a:t>
+            </a:r>
+            <a:endParaRPr lang="fr-FR" sz="1900" dirty="0"/>
+          </a:p>
+          <a:p>
+            <a:pPr lvl="1"/>
+            <a:r>
+              <a:rPr lang="fr-FR" sz="1700" dirty="0" smtClean="0"/>
+              <a:t>=&gt;</a:t>
+            </a:r>
+            <a:r>
+              <a:rPr lang="fr-FR" sz="1700" dirty="0" smtClean="0"/>
+              <a:t> « git </a:t>
+            </a:r>
+            <a:r>
+              <a:rPr lang="fr-FR" sz="1700" dirty="0" err="1" smtClean="0"/>
+              <a:t>add</a:t>
+            </a:r>
+            <a:r>
+              <a:rPr lang="fr-FR" sz="1700" dirty="0" smtClean="0"/>
+              <a:t> </a:t>
+            </a:r>
+            <a:r>
+              <a:rPr lang="fr-FR" sz="1700" dirty="0" smtClean="0"/>
+              <a:t>. » </a:t>
+            </a:r>
+            <a:r>
+              <a:rPr lang="fr-FR" sz="1700" dirty="0" smtClean="0"/>
+              <a:t>et </a:t>
+            </a:r>
+            <a:r>
+              <a:rPr lang="fr-FR" sz="1700" dirty="0" smtClean="0"/>
+              <a:t>« git commit -m » </a:t>
+            </a:r>
+            <a:r>
+              <a:rPr lang="fr-FR" sz="1700" dirty="0" smtClean="0"/>
+              <a:t>(ne prends pas en compte les nouveaux </a:t>
+            </a:r>
+            <a:r>
+              <a:rPr lang="fr-FR" sz="1700" dirty="0" smtClean="0"/>
+              <a:t>fichiers ajoutés)  </a:t>
+            </a:r>
+            <a:endParaRPr lang="fr-FR" sz="1700" dirty="0"/>
+          </a:p>
+          <a:p>
+            <a:r>
+              <a:rPr lang="fr-FR" sz="1900" dirty="0"/>
+              <a:t>g</a:t>
+            </a:r>
+            <a:r>
+              <a:rPr lang="fr-FR" sz="1900" dirty="0" smtClean="0"/>
+              <a:t>it commit –</a:t>
+            </a:r>
+            <a:r>
+              <a:rPr lang="fr-FR" sz="1900" dirty="0" err="1" smtClean="0"/>
+              <a:t>amend</a:t>
+            </a:r>
+            <a:endParaRPr lang="fr-FR" sz="1900" dirty="0" smtClean="0"/>
+          </a:p>
+          <a:p>
+            <a:pPr lvl="1"/>
+            <a:r>
+              <a:rPr lang="fr-FR" sz="1700" dirty="0" smtClean="0"/>
+              <a:t>Modification du dernier commit (Attention!!! Réécriture de l’histoire)</a:t>
+            </a:r>
+            <a:r>
+              <a:rPr lang="fr-FR" sz="1600" dirty="0" smtClean="0"/>
+              <a:t> </a:t>
+            </a:r>
+            <a:endParaRPr lang="fr-FR" sz="1600" dirty="0"/>
+          </a:p>
+          <a:p>
+            <a:r>
+              <a:rPr lang="fr-FR" sz="1900" dirty="0"/>
+              <a:t>Comparer l’état entre le dernier commit et…</a:t>
+            </a:r>
+          </a:p>
+          <a:p>
+            <a:pPr lvl="1"/>
+            <a:r>
+              <a:rPr lang="fr-FR" sz="1700" dirty="0"/>
+              <a:t>git </a:t>
+            </a:r>
+            <a:r>
+              <a:rPr lang="fr-FR" sz="1700" dirty="0" err="1"/>
+              <a:t>diff</a:t>
+            </a:r>
+            <a:r>
+              <a:rPr lang="fr-FR" sz="1700" dirty="0"/>
+              <a:t> : les dernières modifications non </a:t>
+            </a:r>
+            <a:r>
+              <a:rPr lang="fr-FR" sz="1700" dirty="0" err="1"/>
+              <a:t>stagées</a:t>
+            </a:r>
+            <a:endParaRPr lang="fr-FR" sz="1700" dirty="0"/>
+          </a:p>
+          <a:p>
+            <a:pPr lvl="1"/>
+            <a:r>
+              <a:rPr lang="fr-FR" sz="1700" dirty="0"/>
+              <a:t>git </a:t>
+            </a:r>
+            <a:r>
+              <a:rPr lang="fr-FR" sz="1700" dirty="0" err="1"/>
+              <a:t>diff</a:t>
+            </a:r>
+            <a:r>
+              <a:rPr lang="fr-FR" sz="1700" dirty="0"/>
+              <a:t> </a:t>
+            </a:r>
+            <a:r>
+              <a:rPr lang="fr-FR" sz="1700" dirty="0" smtClean="0"/>
+              <a:t>--</a:t>
+            </a:r>
+            <a:r>
+              <a:rPr lang="fr-FR" sz="1700" dirty="0" err="1" smtClean="0"/>
+              <a:t>cached</a:t>
+            </a:r>
+            <a:r>
+              <a:rPr lang="fr-FR" sz="1700" dirty="0" smtClean="0"/>
+              <a:t> </a:t>
+            </a:r>
+            <a:r>
+              <a:rPr lang="fr-FR" sz="1700" dirty="0"/>
+              <a:t>:  les dernières modifications </a:t>
+            </a:r>
+            <a:r>
+              <a:rPr lang="fr-FR" sz="1700" dirty="0" err="1" smtClean="0"/>
+              <a:t>stagées</a:t>
+            </a:r>
+            <a:endParaRPr lang="fr-FR" sz="1700" dirty="0" smtClean="0"/>
+          </a:p>
+          <a:p>
+            <a:pPr lvl="1"/>
+            <a:r>
+              <a:rPr lang="fr-FR" sz="1700" dirty="0"/>
+              <a:t>g</a:t>
+            </a:r>
+            <a:r>
+              <a:rPr lang="fr-FR" sz="1700" dirty="0" smtClean="0"/>
+              <a:t>it </a:t>
+            </a:r>
+            <a:r>
+              <a:rPr lang="fr-FR" sz="1700" dirty="0" err="1" smtClean="0"/>
+              <a:t>diff</a:t>
+            </a:r>
+            <a:r>
+              <a:rPr lang="fr-FR" sz="1700" dirty="0" smtClean="0"/>
+              <a:t> --</a:t>
+            </a:r>
+            <a:r>
+              <a:rPr lang="fr-FR" sz="1700" dirty="0" err="1" smtClean="0"/>
+              <a:t>shortstat</a:t>
+            </a:r>
+            <a:r>
+              <a:rPr lang="fr-FR" sz="1700" dirty="0" smtClean="0"/>
+              <a:t> (ou --stat) </a:t>
+            </a:r>
+            <a:endParaRPr lang="fr-FR" sz="1700" dirty="0"/>
+          </a:p>
+          <a:p>
+            <a:pPr marL="80962" indent="0">
+              <a:buNone/>
+            </a:pPr>
+            <a:endParaRPr lang="fr-FR" dirty="0"/>
+          </a:p>
+          <a:p>
+            <a:pPr lvl="1"/>
+            <a:endParaRPr lang="fr-FR" sz="1600" dirty="0"/>
+          </a:p>
+        </p:txBody>
+      </p:sp>
+    </p:spTree>
+    <p:extLst>
+      <p:ext uri="{BB962C8B-B14F-4D97-AF65-F5344CB8AC3E}">
+        <p14:creationId xmlns:p14="http://schemas.microsoft.com/office/powerpoint/2010/main" val="1621459482"/>
+      </p:ext>
+    </p:extLst>
+  </p:cSld>
+  <p:clrMapOvr>
+    <a:masterClrMapping/>
+  </p:clrMapOvr>
+</p:sld>
+</file>
+
+<file path=ppt/slides/slide24.xml><?xml version="1.0" encoding="utf-8"?>
+<p:sld xmlns:a="http://schemas.openxmlformats.org/drawingml/2006/main" xmlns:r="http://schemas.openxmlformats.org/officeDocument/2006/relationships" xmlns:p="http://schemas.openxmlformats.org/presentationml/2006/main">
+  <p:cSld>
+    <p:spTree>
+      <p:nvGrpSpPr>
+        <p:cNvPr id="1" name=""/>
+        <p:cNvGrpSpPr/>
+        <p:nvPr/>
+      </p:nvGrpSpPr>
+      <p:grpSpPr>
+        <a:xfrm>
+          <a:off x="0" y="0"/>
+          <a:ext cx="0" cy="0"/>
+          <a:chOff x="0" y="0"/>
+          <a:chExt cx="0" cy="0"/>
+        </a:xfrm>
+      </p:grpSpPr>
+      <p:sp>
+        <p:nvSpPr>
+          <p:cNvPr id="2" name="Titre 1"/>
+          <p:cNvSpPr>
+            <a:spLocks noGrp="1"/>
+          </p:cNvSpPr>
+          <p:nvPr>
+            <p:ph type="title"/>
+          </p:nvPr>
+        </p:nvSpPr>
+        <p:spPr/>
+        <p:txBody>
+          <a:bodyPr/>
+          <a:lstStyle/>
+          <a:p>
+            <a:r>
+              <a:rPr lang="fr-FR" dirty="0" smtClean="0"/>
+              <a:t>Exercices: </a:t>
+            </a:r>
+            <a:r>
+              <a:rPr lang="fr-FR" dirty="0" err="1" smtClean="0"/>
+              <a:t>Commits</a:t>
+            </a:r>
+            <a:r>
+              <a:rPr lang="fr-FR" dirty="0" smtClean="0"/>
+              <a:t> &amp; </a:t>
+            </a:r>
+            <a:r>
+              <a:rPr lang="fr-FR" dirty="0" err="1" smtClean="0"/>
+              <a:t>Diff</a:t>
+            </a:r>
+            <a:endParaRPr lang="fr-CH" dirty="0"/>
+          </a:p>
+        </p:txBody>
+      </p:sp>
+      <p:sp>
+        <p:nvSpPr>
+          <p:cNvPr id="3" name="Espace réservé du contenu 2"/>
+          <p:cNvSpPr>
+            <a:spLocks noGrp="1"/>
+          </p:cNvSpPr>
+          <p:nvPr>
+            <p:ph idx="1"/>
+          </p:nvPr>
+        </p:nvSpPr>
+        <p:spPr/>
+        <p:txBody>
+          <a:bodyPr>
+            <a:normAutofit fontScale="92500" lnSpcReduction="20000"/>
+          </a:bodyPr>
+          <a:lstStyle/>
+          <a:p>
+            <a:r>
+              <a:rPr lang="fr-CH" sz="1900" dirty="0" smtClean="0"/>
+              <a:t>Modifiez </a:t>
+            </a:r>
+            <a:r>
+              <a:rPr lang="fr-CH" sz="1900" dirty="0"/>
+              <a:t>le fichier </a:t>
+            </a:r>
+            <a:r>
+              <a:rPr lang="fr-CH" sz="1900" i="1" dirty="0"/>
+              <a:t>readme.txt </a:t>
+            </a:r>
+            <a:r>
+              <a:rPr lang="fr-CH" sz="1900" dirty="0"/>
+              <a:t>une première fois en ajoutant du texte à </a:t>
+            </a:r>
+            <a:r>
+              <a:rPr lang="fr-CH" sz="1900" dirty="0" smtClean="0"/>
+              <a:t>l’intérieur</a:t>
+            </a:r>
+          </a:p>
+          <a:p>
+            <a:endParaRPr lang="fr-CH" sz="1900" dirty="0" smtClean="0"/>
+          </a:p>
+          <a:p>
+            <a:r>
+              <a:rPr lang="fr-CH" sz="1900" dirty="0"/>
+              <a:t>Affichez les </a:t>
+            </a:r>
+            <a:r>
+              <a:rPr lang="fr-CH" sz="1900" dirty="0" smtClean="0"/>
+              <a:t>changements</a:t>
+            </a:r>
+          </a:p>
+          <a:p>
+            <a:endParaRPr lang="fr-CH" sz="1900" dirty="0" smtClean="0"/>
+          </a:p>
+          <a:p>
+            <a:r>
+              <a:rPr lang="fr-CH" sz="1900" dirty="0"/>
+              <a:t>Créez un fichier </a:t>
+            </a:r>
+            <a:r>
+              <a:rPr lang="fr-CH" sz="1900" i="1" dirty="0" err="1"/>
+              <a:t>phpinfo.php</a:t>
+            </a:r>
+            <a:r>
+              <a:rPr lang="fr-CH" sz="1900" i="1" dirty="0"/>
+              <a:t> </a:t>
+            </a:r>
+            <a:r>
+              <a:rPr lang="fr-CH" sz="1900" dirty="0"/>
+              <a:t>avec &lt;?</a:t>
+            </a:r>
+            <a:r>
+              <a:rPr lang="fr-CH" sz="1900" dirty="0" err="1"/>
+              <a:t>php</a:t>
+            </a:r>
+            <a:r>
+              <a:rPr lang="fr-CH" sz="1900" dirty="0"/>
+              <a:t> </a:t>
+            </a:r>
+            <a:r>
+              <a:rPr lang="fr-CH" sz="1900" dirty="0" err="1"/>
+              <a:t>phpinfo</a:t>
+            </a:r>
+            <a:r>
+              <a:rPr lang="fr-CH" sz="1900" dirty="0"/>
+              <a:t>(); ?&gt; à </a:t>
+            </a:r>
+            <a:r>
+              <a:rPr lang="fr-CH" sz="1900" dirty="0" smtClean="0"/>
+              <a:t>l’intérieur</a:t>
+            </a:r>
+          </a:p>
+          <a:p>
+            <a:endParaRPr lang="fr-CH" sz="1900" dirty="0" smtClean="0"/>
+          </a:p>
+          <a:p>
+            <a:r>
+              <a:rPr lang="fr-CH" sz="1900" dirty="0" err="1"/>
+              <a:t>Commitez</a:t>
+            </a:r>
+            <a:r>
+              <a:rPr lang="fr-CH" sz="1900" dirty="0"/>
+              <a:t> vos changements avec l’option -</a:t>
+            </a:r>
+            <a:r>
+              <a:rPr lang="fr-CH" sz="1900" dirty="0" err="1" smtClean="0"/>
+              <a:t>am</a:t>
+            </a:r>
+            <a:endParaRPr lang="fr-CH" sz="1900" dirty="0" smtClean="0"/>
+          </a:p>
+          <a:p>
+            <a:pPr lvl="1"/>
+            <a:r>
+              <a:rPr lang="fr-CH" sz="1700" dirty="0"/>
+              <a:t>Que se passe t-il </a:t>
+            </a:r>
+            <a:r>
+              <a:rPr lang="fr-CH" sz="1700" dirty="0" smtClean="0"/>
+              <a:t>?</a:t>
+            </a:r>
+          </a:p>
+          <a:p>
+            <a:pPr lvl="1"/>
+            <a:endParaRPr lang="fr-CH" sz="1600" dirty="0" smtClean="0"/>
+          </a:p>
+          <a:p>
+            <a:r>
+              <a:rPr lang="fr-CH" sz="1900" dirty="0" err="1"/>
+              <a:t>C</a:t>
+            </a:r>
+            <a:r>
+              <a:rPr lang="fr-CH" sz="1900" dirty="0" err="1" smtClean="0"/>
+              <a:t>ommitez</a:t>
+            </a:r>
+            <a:r>
+              <a:rPr lang="fr-CH" sz="1900" dirty="0" smtClean="0"/>
+              <a:t> </a:t>
+            </a:r>
+            <a:r>
+              <a:rPr lang="fr-CH" sz="1900" dirty="0"/>
+              <a:t>le fichier </a:t>
+            </a:r>
+            <a:r>
+              <a:rPr lang="fr-CH" sz="1900" dirty="0" err="1"/>
+              <a:t>phpinfo.php</a:t>
+            </a:r>
+            <a:r>
+              <a:rPr lang="fr-CH" sz="1900" dirty="0"/>
+              <a:t> en amendant le dernier commit</a:t>
+            </a:r>
+            <a:endParaRPr lang="fr-FR" sz="1900" dirty="0"/>
+          </a:p>
+          <a:p>
+            <a:pPr lvl="1"/>
+            <a:endParaRPr lang="fr-FR" sz="1600" dirty="0" smtClean="0"/>
+          </a:p>
+        </p:txBody>
+      </p:sp>
+    </p:spTree>
+    <p:extLst>
+      <p:ext uri="{BB962C8B-B14F-4D97-AF65-F5344CB8AC3E}">
+        <p14:creationId xmlns:p14="http://schemas.microsoft.com/office/powerpoint/2010/main" val="869247745"/>
+      </p:ext>
+    </p:extLst>
+  </p:cSld>
+  <p:clrMapOvr>
+    <a:masterClrMapping/>
+  </p:clrMapOvr>
+</p:sld>
+</file>
+
+<file path=ppt/slides/slide25.xml><?xml version="1.0" encoding="utf-8"?>
+<p:sld xmlns:a="http://schemas.openxmlformats.org/drawingml/2006/main" xmlns:r="http://schemas.openxmlformats.org/officeDocument/2006/relationships" xmlns:p="http://schemas.openxmlformats.org/presentationml/2006/main">
+  <p:cSld>
+    <p:spTree>
+      <p:nvGrpSpPr>
+        <p:cNvPr id="1" name=""/>
+        <p:cNvGrpSpPr/>
+        <p:nvPr/>
+      </p:nvGrpSpPr>
+      <p:grpSpPr>
+        <a:xfrm>
+          <a:off x="0" y="0"/>
+          <a:ext cx="0" cy="0"/>
+          <a:chOff x="0" y="0"/>
+          <a:chExt cx="0" cy="0"/>
+        </a:xfrm>
+      </p:grpSpPr>
+      <p:sp>
+        <p:nvSpPr>
+          <p:cNvPr id="2" name="Titre 1"/>
+          <p:cNvSpPr>
+            <a:spLocks noGrp="1"/>
+          </p:cNvSpPr>
+          <p:nvPr>
+            <p:ph type="title"/>
+          </p:nvPr>
+        </p:nvSpPr>
+        <p:spPr/>
+        <p:txBody>
+          <a:bodyPr/>
+          <a:lstStyle/>
+          <a:p>
+            <a:r>
+              <a:rPr lang="fr-FR" dirty="0" smtClean="0"/>
+              <a:t>Log</a:t>
+            </a:r>
+            <a:endParaRPr lang="fr-CH" dirty="0"/>
+          </a:p>
+        </p:txBody>
+      </p:sp>
+      <p:sp>
+        <p:nvSpPr>
+          <p:cNvPr id="3" name="Espace réservé du contenu 2"/>
+          <p:cNvSpPr>
+            <a:spLocks noGrp="1"/>
+          </p:cNvSpPr>
+          <p:nvPr>
+            <p:ph idx="1"/>
+          </p:nvPr>
+        </p:nvSpPr>
+        <p:spPr/>
+        <p:txBody>
+          <a:bodyPr/>
+          <a:lstStyle/>
+          <a:p>
+            <a:r>
+              <a:rPr lang="fr-FR" dirty="0" smtClean="0"/>
+              <a:t>git log</a:t>
+            </a:r>
+          </a:p>
+          <a:p>
+            <a:pPr lvl="1"/>
+            <a:r>
+              <a:rPr lang="fr-FR" sz="1600" dirty="0" smtClean="0"/>
+              <a:t>Sha1, </a:t>
+            </a:r>
+            <a:r>
+              <a:rPr lang="fr-FR" sz="1600" dirty="0" err="1" smtClean="0"/>
+              <a:t>author</a:t>
+            </a:r>
+            <a:r>
+              <a:rPr lang="fr-FR" sz="1600" dirty="0" smtClean="0"/>
+              <a:t>, date, commentaire</a:t>
+            </a:r>
+            <a:endParaRPr lang="fr-FR" sz="1600" dirty="0"/>
+          </a:p>
+          <a:p>
+            <a:r>
+              <a:rPr lang="fr-FR" dirty="0" smtClean="0"/>
+              <a:t>git log --graph</a:t>
+            </a:r>
+          </a:p>
+          <a:p>
+            <a:r>
+              <a:rPr lang="fr-FR" dirty="0"/>
+              <a:t>g</a:t>
+            </a:r>
+            <a:r>
+              <a:rPr lang="fr-FR" dirty="0" smtClean="0"/>
+              <a:t>it log --p {</a:t>
+            </a:r>
+            <a:r>
+              <a:rPr lang="fr-FR" dirty="0" err="1" smtClean="0"/>
+              <a:t>filename</a:t>
+            </a:r>
+            <a:r>
+              <a:rPr lang="fr-FR" dirty="0" smtClean="0"/>
+              <a:t>}</a:t>
+            </a:r>
+          </a:p>
+          <a:p>
+            <a:pPr lvl="1"/>
+            <a:r>
+              <a:rPr lang="fr-FR" sz="1600" dirty="0" smtClean="0"/>
+              <a:t>Tous les </a:t>
+            </a:r>
+            <a:r>
+              <a:rPr lang="fr-FR" sz="1600" dirty="0" err="1" smtClean="0"/>
+              <a:t>commits</a:t>
+            </a:r>
+            <a:r>
+              <a:rPr lang="fr-FR" sz="1600" dirty="0" smtClean="0"/>
+              <a:t> du fichier</a:t>
+            </a:r>
+            <a:endParaRPr lang="fr-FR" sz="1600" dirty="0"/>
+          </a:p>
+          <a:p>
+            <a:r>
+              <a:rPr lang="fr-FR" dirty="0" smtClean="0"/>
+              <a:t>git log –stat</a:t>
+            </a:r>
+          </a:p>
+          <a:p>
+            <a:pPr lvl="1"/>
+            <a:r>
+              <a:rPr lang="fr-FR" sz="1600" dirty="0" smtClean="0"/>
+              <a:t>Lister les fichiers et leurs modifications des </a:t>
+            </a:r>
+            <a:r>
+              <a:rPr lang="fr-FR" sz="1600" dirty="0" err="1" smtClean="0"/>
+              <a:t>commits</a:t>
+            </a:r>
+            <a:endParaRPr lang="fr-FR" sz="1600" dirty="0" smtClean="0"/>
+          </a:p>
+        </p:txBody>
+      </p:sp>
+      <p:sp>
+        <p:nvSpPr>
+          <p:cNvPr id="4" name="Espace réservé du pied de page 3"/>
+          <p:cNvSpPr>
+            <a:spLocks noGrp="1"/>
+          </p:cNvSpPr>
+          <p:nvPr>
+            <p:ph type="ftr" sz="quarter" idx="11"/>
+          </p:nvPr>
+        </p:nvSpPr>
+        <p:spPr>
+          <a:xfrm>
+            <a:off x="947879" y="5504507"/>
+            <a:ext cx="8857023" cy="814536"/>
+          </a:xfrm>
+        </p:spPr>
+        <p:txBody>
+          <a:bodyPr/>
+          <a:lstStyle/>
+          <a:p>
+            <a:pPr algn="l" defTabSz="914400" eaLnBrk="0" fontAlgn="base" hangingPunct="0">
+              <a:spcBef>
+                <a:spcPct val="0"/>
+              </a:spcBef>
+              <a:spcAft>
+                <a:spcPct val="0"/>
+              </a:spcAft>
+            </a:pPr>
+            <a:r>
+              <a:rPr lang="fr-CH" b="1" dirty="0" smtClean="0">
+                <a:solidFill>
+                  <a:srgbClr val="000000"/>
+                </a:solidFill>
+                <a:latin typeface="HelveticaNeueLT Com 65 Md" charset="0"/>
+                <a:ea typeface="MS PGothic" charset="0"/>
+                <a:cs typeface="MS PGothic" charset="0"/>
+              </a:rPr>
+              <a:t>Titre de la présentation, </a:t>
+            </a:r>
+            <a:r>
+              <a:rPr lang="fr-CH" b="1" dirty="0" err="1" smtClean="0">
+                <a:solidFill>
+                  <a:srgbClr val="000000"/>
+                </a:solidFill>
+                <a:latin typeface="HelveticaNeueLT Com 65 Md" charset="0"/>
+                <a:ea typeface="MS PGothic" charset="0"/>
+                <a:cs typeface="MS PGothic" charset="0"/>
+              </a:rPr>
+              <a:t>HelveticaNeueLT</a:t>
+            </a:r>
+            <a:r>
+              <a:rPr lang="fr-CH" b="1" dirty="0" smtClean="0">
+                <a:solidFill>
+                  <a:srgbClr val="000000"/>
+                </a:solidFill>
+                <a:latin typeface="HelveticaNeueLT Com 65 Md" charset="0"/>
+                <a:ea typeface="MS PGothic" charset="0"/>
+                <a:cs typeface="MS PGothic" charset="0"/>
+              </a:rPr>
+              <a:t> 65, 10pts, gras</a:t>
+            </a:r>
+          </a:p>
+          <a:p>
+            <a:pPr algn="l" defTabSz="914400" eaLnBrk="0" fontAlgn="base" hangingPunct="0">
+              <a:spcBef>
+                <a:spcPct val="0"/>
+              </a:spcBef>
+              <a:spcAft>
+                <a:spcPct val="0"/>
+              </a:spcAft>
+            </a:pPr>
+            <a:r>
+              <a:rPr lang="fr-CH" dirty="0" smtClean="0">
+                <a:solidFill>
+                  <a:schemeClr val="tx1">
+                    <a:lumMod val="50000"/>
+                    <a:lumOff val="50000"/>
+                  </a:schemeClr>
+                </a:solidFill>
+                <a:latin typeface="HelveticaNeueLT Std Med"/>
+                <a:ea typeface="MS PGothic" charset="0"/>
+                <a:cs typeface="HelveticaNeueLT Std Med"/>
+              </a:rPr>
+              <a:t>Complément au titre </a:t>
+            </a:r>
+            <a:r>
+              <a:rPr lang="fr-CH" dirty="0" err="1" smtClean="0">
+                <a:solidFill>
+                  <a:schemeClr val="tx1">
+                    <a:lumMod val="50000"/>
+                    <a:lumOff val="50000"/>
+                  </a:schemeClr>
+                </a:solidFill>
+                <a:latin typeface="HelveticaNeueLT Std Med"/>
+                <a:ea typeface="MS PGothic" charset="0"/>
+                <a:cs typeface="HelveticaNeueLT Std Med"/>
+              </a:rPr>
+              <a:t>HelveticaNeueLT</a:t>
+            </a:r>
+            <a:r>
+              <a:rPr lang="fr-CH" dirty="0" smtClean="0">
+                <a:solidFill>
+                  <a:schemeClr val="tx1">
+                    <a:lumMod val="50000"/>
+                    <a:lumOff val="50000"/>
+                  </a:schemeClr>
+                </a:solidFill>
+                <a:latin typeface="HelveticaNeueLT Std Med"/>
+                <a:ea typeface="MS PGothic" charset="0"/>
+                <a:cs typeface="HelveticaNeueLT Std Med"/>
+              </a:rPr>
+              <a:t> 65, 10pts</a:t>
+            </a:r>
+            <a:endParaRPr lang="fr-CH" dirty="0" smtClean="0">
+              <a:solidFill>
+                <a:schemeClr val="tx1">
+                  <a:lumMod val="50000"/>
+                  <a:lumOff val="50000"/>
+                </a:schemeClr>
+              </a:solidFill>
+              <a:latin typeface="HelveticaNeueLT Std Med"/>
+              <a:ea typeface="MS PGothic" charset="0"/>
+              <a:cs typeface="HelveticaNeueLT Std Med"/>
+            </a:endParaRPr>
+          </a:p>
+        </p:txBody>
+      </p:sp>
+    </p:spTree>
+    <p:extLst>
+      <p:ext uri="{BB962C8B-B14F-4D97-AF65-F5344CB8AC3E}">
+        <p14:creationId xmlns:p14="http://schemas.microsoft.com/office/powerpoint/2010/main" val="3041169679"/>
+      </p:ext>
+    </p:extLst>
+  </p:cSld>
+  <p:clrMapOvr>
+    <a:masterClrMapping/>
+  </p:clrMapOvr>
 </p:sld>
 </file>
 

--- a/Formation Git - basique.pptx
+++ b/Formation Git - basique.pptx
@@ -30,6 +30,28 @@
     <p:sldId id="279" r:id="rId24"/>
     <p:sldId id="280" r:id="rId25"/>
     <p:sldId id="281" r:id="rId26"/>
+    <p:sldId id="282" r:id="rId27"/>
+    <p:sldId id="283" r:id="rId28"/>
+    <p:sldId id="284" r:id="rId29"/>
+    <p:sldId id="285" r:id="rId30"/>
+    <p:sldId id="286" r:id="rId31"/>
+    <p:sldId id="287" r:id="rId32"/>
+    <p:sldId id="288" r:id="rId33"/>
+    <p:sldId id="290" r:id="rId34"/>
+    <p:sldId id="289" r:id="rId35"/>
+    <p:sldId id="291" r:id="rId36"/>
+    <p:sldId id="292" r:id="rId37"/>
+    <p:sldId id="293" r:id="rId38"/>
+    <p:sldId id="294" r:id="rId39"/>
+    <p:sldId id="296" r:id="rId40"/>
+    <p:sldId id="297" r:id="rId41"/>
+    <p:sldId id="295" r:id="rId42"/>
+    <p:sldId id="298" r:id="rId43"/>
+    <p:sldId id="299" r:id="rId44"/>
+    <p:sldId id="300" r:id="rId45"/>
+    <p:sldId id="301" r:id="rId46"/>
+    <p:sldId id="302" r:id="rId47"/>
+    <p:sldId id="303" r:id="rId48"/>
   </p:sldIdLst>
   <p:sldSz cx="12192000" cy="6858000"/>
   <p:notesSz cx="6858000" cy="9144000"/>
@@ -9689,7 +9711,7 @@
           <a:p>
             <a:fld id="{BD316801-2A97-4601-919F-FCA6A6B76BCF}" type="datetimeFigureOut">
               <a:rPr lang="fr-CH" smtClean="0"/>
-              <a:t>24.05.2019</a:t>
+              <a:t>26.05.2019</a:t>
             </a:fld>
             <a:endParaRPr lang="fr-CH"/>
           </a:p>
@@ -15695,7 +15717,7 @@
         <p:spPr/>
         <p:txBody>
           <a:bodyPr>
-            <a:normAutofit fontScale="92500" lnSpcReduction="20000"/>
+            <a:normAutofit lnSpcReduction="10000"/>
           </a:bodyPr>
           <a:lstStyle/>
           <a:p>
@@ -15713,17 +15735,8 @@
             <a:pPr lvl="1"/>
             <a:r>
               <a:rPr lang="fr-FR" sz="1700" dirty="0" smtClean="0"/>
-              <a:t>commit </a:t>
-            </a:r>
-            <a:r>
-              <a:rPr lang="fr-FR" sz="1700" dirty="0" smtClean="0"/>
-              <a:t>les fichiers dans le </a:t>
-            </a:r>
-            <a:r>
-              <a:rPr lang="fr-FR" sz="1700" dirty="0" smtClean="0"/>
-              <a:t>stage</a:t>
-            </a:r>
-            <a:endParaRPr lang="fr-FR" sz="1700" dirty="0" smtClean="0"/>
+              <a:t>commit les fichiers dans le stage</a:t>
+            </a:r>
           </a:p>
           <a:p>
             <a:r>
@@ -15740,11 +15753,7 @@
             </a:r>
             <a:r>
               <a:rPr lang="fr-FR" sz="1900" dirty="0" smtClean="0"/>
-              <a:t> « message » </a:t>
-            </a:r>
-            <a:r>
-              <a:rPr lang="fr-FR" sz="1900" dirty="0" smtClean="0"/>
-              <a:t> </a:t>
+              <a:t> « message »  </a:t>
             </a:r>
             <a:endParaRPr lang="fr-FR" sz="1900" dirty="0"/>
           </a:p>
@@ -15752,11 +15761,7 @@
             <a:pPr lvl="1"/>
             <a:r>
               <a:rPr lang="fr-FR" sz="1700" dirty="0" smtClean="0"/>
-              <a:t>=&gt;</a:t>
-            </a:r>
-            <a:r>
-              <a:rPr lang="fr-FR" sz="1700" dirty="0" smtClean="0"/>
-              <a:t> « git </a:t>
+              <a:t>=&gt; « git </a:t>
             </a:r>
             <a:r>
               <a:rPr lang="fr-FR" sz="1700" dirty="0" err="1" smtClean="0"/>
@@ -15764,27 +15769,7 @@
             </a:r>
             <a:r>
               <a:rPr lang="fr-FR" sz="1700" dirty="0" smtClean="0"/>
-              <a:t> </a:t>
-            </a:r>
-            <a:r>
-              <a:rPr lang="fr-FR" sz="1700" dirty="0" smtClean="0"/>
-              <a:t>. » </a:t>
-            </a:r>
-            <a:r>
-              <a:rPr lang="fr-FR" sz="1700" dirty="0" smtClean="0"/>
-              <a:t>et </a:t>
-            </a:r>
-            <a:r>
-              <a:rPr lang="fr-FR" sz="1700" dirty="0" smtClean="0"/>
-              <a:t>« git commit -m » </a:t>
-            </a:r>
-            <a:r>
-              <a:rPr lang="fr-FR" sz="1700" dirty="0" smtClean="0"/>
-              <a:t>(ne prends pas en compte les nouveaux </a:t>
-            </a:r>
-            <a:r>
-              <a:rPr lang="fr-FR" sz="1700" dirty="0" smtClean="0"/>
-              <a:t>fichiers ajoutés)  </a:t>
+              <a:t> . » et « git commit -m » (ne prends pas en compte les nouveaux fichiers ajoutés)  </a:t>
             </a:r>
             <a:endParaRPr lang="fr-FR" sz="1700" dirty="0"/>
           </a:p>
@@ -15824,8 +15809,44 @@
           <a:p>
             <a:pPr lvl="1"/>
             <a:r>
+              <a:rPr lang="fr-FR" sz="1700" dirty="0" smtClean="0"/>
+              <a:t>les </a:t>
+            </a:r>
+            <a:r>
               <a:rPr lang="fr-FR" sz="1700" dirty="0"/>
-              <a:t>git </a:t>
+              <a:t>dernières modifications non </a:t>
+            </a:r>
+            <a:r>
+              <a:rPr lang="fr-FR" sz="1700" dirty="0" err="1" smtClean="0"/>
+              <a:t>stagées</a:t>
+            </a:r>
+            <a:r>
+              <a:rPr lang="fr-FR" sz="1700" dirty="0" smtClean="0"/>
+              <a:t>: git </a:t>
+            </a:r>
+            <a:r>
+              <a:rPr lang="fr-FR" sz="1700" dirty="0" err="1" smtClean="0"/>
+              <a:t>diff</a:t>
+            </a:r>
+            <a:endParaRPr lang="fr-FR" sz="1700" dirty="0"/>
+          </a:p>
+          <a:p>
+            <a:pPr lvl="1"/>
+            <a:r>
+              <a:rPr lang="fr-FR" sz="1700" dirty="0" smtClean="0"/>
+              <a:t>les </a:t>
+            </a:r>
+            <a:r>
+              <a:rPr lang="fr-FR" sz="1700" dirty="0"/>
+              <a:t>dernières modifications </a:t>
+            </a:r>
+            <a:r>
+              <a:rPr lang="fr-FR" sz="1700" dirty="0" err="1" smtClean="0"/>
+              <a:t>stagées</a:t>
+            </a:r>
+            <a:r>
+              <a:rPr lang="fr-FR" sz="1700" dirty="0"/>
+              <a:t>: git </a:t>
             </a:r>
             <a:r>
               <a:rPr lang="fr-FR" sz="1700" dirty="0" err="1"/>
@@ -15833,77 +15854,13 @@
             </a:r>
             <a:r>
               <a:rPr lang="fr-FR" sz="1700" dirty="0"/>
-              <a:t> : les dernières modifications non </a:t>
+              <a:t> --</a:t>
             </a:r>
             <a:r>
               <a:rPr lang="fr-FR" sz="1700" dirty="0" err="1"/>
-              <a:t>stagées</a:t>
-            </a:r>
-            <a:endParaRPr lang="fr-FR" sz="1700" dirty="0"/>
-          </a:p>
-          <a:p>
-            <a:pPr lvl="1"/>
-            <a:r>
-              <a:rPr lang="fr-FR" sz="1700" dirty="0"/>
-              <a:t>git </a:t>
-            </a:r>
-            <a:r>
-              <a:rPr lang="fr-FR" sz="1700" dirty="0" err="1"/>
-              <a:t>diff</a:t>
-            </a:r>
-            <a:r>
-              <a:rPr lang="fr-FR" sz="1700" dirty="0"/>
-              <a:t> </a:t>
-            </a:r>
-            <a:r>
-              <a:rPr lang="fr-FR" sz="1700" dirty="0" smtClean="0"/>
-              <a:t>--</a:t>
-            </a:r>
-            <a:r>
-              <a:rPr lang="fr-FR" sz="1700" dirty="0" err="1" smtClean="0"/>
               <a:t>cached</a:t>
             </a:r>
-            <a:r>
-              <a:rPr lang="fr-FR" sz="1700" dirty="0" smtClean="0"/>
-              <a:t> </a:t>
-            </a:r>
-            <a:r>
-              <a:rPr lang="fr-FR" sz="1700" dirty="0"/>
-              <a:t>:  les dernières modifications </a:t>
-            </a:r>
-            <a:r>
-              <a:rPr lang="fr-FR" sz="1700" dirty="0" err="1" smtClean="0"/>
-              <a:t>stagées</a:t>
-            </a:r>
             <a:endParaRPr lang="fr-FR" sz="1700" dirty="0" smtClean="0"/>
-          </a:p>
-          <a:p>
-            <a:pPr lvl="1"/>
-            <a:r>
-              <a:rPr lang="fr-FR" sz="1700" dirty="0"/>
-              <a:t>g</a:t>
-            </a:r>
-            <a:r>
-              <a:rPr lang="fr-FR" sz="1700" dirty="0" smtClean="0"/>
-              <a:t>it </a:t>
-            </a:r>
-            <a:r>
-              <a:rPr lang="fr-FR" sz="1700" dirty="0" err="1" smtClean="0"/>
-              <a:t>diff</a:t>
-            </a:r>
-            <a:r>
-              <a:rPr lang="fr-FR" sz="1700" dirty="0" smtClean="0"/>
-              <a:t> --</a:t>
-            </a:r>
-            <a:r>
-              <a:rPr lang="fr-FR" sz="1700" dirty="0" err="1" smtClean="0"/>
-              <a:t>shortstat</a:t>
-            </a:r>
-            <a:r>
-              <a:rPr lang="fr-FR" sz="1700" dirty="0" smtClean="0"/>
-              <a:t> (ou --stat) </a:t>
-            </a:r>
-            <a:endParaRPr lang="fr-FR" sz="1700" dirty="0"/>
           </a:p>
           <a:p>
             <a:pPr marL="80962" indent="0">
@@ -16203,14 +16160,36 @@
             <p:ph idx="1"/>
           </p:nvPr>
         </p:nvSpPr>
-        <p:spPr/>
-        <p:txBody>
-          <a:bodyPr/>
+        <p:spPr>
+          <a:xfrm>
+            <a:off x="947879" y="1535401"/>
+            <a:ext cx="10281992" cy="4034125"/>
+          </a:xfrm>
+        </p:spPr>
+        <p:txBody>
+          <a:bodyPr>
+            <a:normAutofit fontScale="77500" lnSpcReduction="20000"/>
+          </a:bodyPr>
           <a:lstStyle/>
           <a:p>
             <a:r>
               <a:rPr lang="fr-FR" dirty="0" smtClean="0"/>
-              <a:t>git log</a:t>
+              <a:t>Permet d’afficher la liste des commi</a:t>
+            </a:r>
+            <a:r>
+              <a:rPr lang="fr-FR" dirty="0" smtClean="0"/>
+              <a:t>t sous différente forme</a:t>
+            </a:r>
+            <a:endParaRPr lang="fr-FR" dirty="0" smtClean="0"/>
+          </a:p>
+          <a:p>
+            <a:r>
+              <a:rPr lang="fr-FR" dirty="0" smtClean="0"/>
+              <a:t>git </a:t>
+            </a:r>
+            <a:r>
+              <a:rPr lang="fr-FR" dirty="0" smtClean="0"/>
+              <a:t>log</a:t>
             </a:r>
           </a:p>
           <a:p>
@@ -16242,7 +16221,15 @@
             </a:r>
             <a:r>
               <a:rPr lang="fr-FR" dirty="0" smtClean="0"/>
-              <a:t>it log --p {</a:t>
+              <a:t>it log </a:t>
+            </a:r>
+            <a:r>
+              <a:rPr lang="fr-FR" dirty="0" smtClean="0"/>
+              <a:t>-p </a:t>
+            </a:r>
+            <a:r>
+              <a:rPr lang="fr-FR" dirty="0" smtClean="0"/>
+              <a:t>{</a:t>
             </a:r>
             <a:r>
               <a:rPr lang="fr-FR" dirty="0" err="1" smtClean="0"/>
@@ -16272,147 +16259,68 @@
           <a:p>
             <a:r>
               <a:rPr lang="fr-FR" dirty="0" smtClean="0"/>
-              <a:t>git log –stat</a:t>
-            </a:r>
+              <a:t>git log </a:t>
+            </a:r>
+            <a:r>
+              <a:rPr lang="fr-FR" dirty="0" smtClean="0"/>
+              <a:t>--stat</a:t>
+            </a:r>
+            <a:endParaRPr lang="fr-FR" dirty="0" smtClean="0"/>
           </a:p>
           <a:p>
             <a:pPr lvl="1"/>
             <a:r>
               <a:rPr lang="fr-FR" sz="1600" dirty="0" smtClean="0"/>
-              <a:t>Lister les fichiers et leurs modifications des </a:t>
-            </a:r>
-            <a:r>
-              <a:rPr lang="fr-FR" sz="1600" dirty="0" err="1" smtClean="0"/>
-              <a:t>commits</a:t>
-            </a:r>
-            <a:endParaRPr lang="fr-FR" sz="1600" dirty="0" smtClean="0"/>
-          </a:p>
-        </p:txBody>
-      </p:sp>
-      <p:sp>
-        <p:nvSpPr>
-          <p:cNvPr id="4" name="Espace réservé du pied de page 3"/>
-          <p:cNvSpPr>
-            <a:spLocks noGrp="1"/>
-          </p:cNvSpPr>
-          <p:nvPr>
-            <p:ph type="ftr" sz="quarter" idx="11"/>
-          </p:nvPr>
-        </p:nvSpPr>
-        <p:spPr>
-          <a:xfrm>
-            <a:off x="947879" y="5504507"/>
-            <a:ext cx="8857023" cy="814536"/>
-          </a:xfrm>
-        </p:spPr>
-        <p:txBody>
-          <a:bodyPr/>
-          <a:lstStyle/>
-          <a:p>
-            <a:pPr algn="l" defTabSz="914400" eaLnBrk="0" fontAlgn="base" hangingPunct="0">
-              <a:spcBef>
-                <a:spcPct val="0"/>
-              </a:spcBef>
-              <a:spcAft>
-                <a:spcPct val="0"/>
-              </a:spcAft>
+              <a:t>Lister les fichiers et leurs </a:t>
+            </a:r>
+            <a:r>
+              <a:rPr lang="fr-FR" sz="1600" dirty="0" smtClean="0"/>
+              <a:t>modifications</a:t>
+            </a:r>
+          </a:p>
+          <a:p>
+            <a:r>
+              <a:rPr lang="fr-FR" dirty="0" smtClean="0"/>
+              <a:t>g</a:t>
+            </a:r>
+            <a:r>
+              <a:rPr lang="fr-FR" dirty="0" smtClean="0"/>
+              <a:t>it log HEAD~2 </a:t>
+            </a:r>
+          </a:p>
+          <a:p>
+            <a:pPr lvl="1"/>
+            <a:r>
+              <a:rPr lang="fr-FR" dirty="0" smtClean="0"/>
+              <a:t>à partir </a:t>
+            </a:r>
+            <a:r>
+              <a:rPr lang="fr-FR" dirty="0"/>
+              <a:t>d</a:t>
+            </a:r>
+            <a:r>
+              <a:rPr lang="fr-FR" dirty="0" smtClean="0"/>
+              <a:t>es 2 derniers commit de la branches du HEAD</a:t>
+            </a:r>
+          </a:p>
+          <a:p>
+            <a:r>
+              <a:rPr lang="fr-FR" dirty="0" smtClean="0"/>
+              <a:t>git log –n2</a:t>
+            </a:r>
+          </a:p>
+          <a:p>
+            <a:pPr lvl="1"/>
+            <a:r>
+              <a:rPr lang="fr-FR" dirty="0" smtClean="0"/>
+              <a:t>Afficher les 2 derniers commit</a:t>
+            </a:r>
+          </a:p>
+          <a:p>
+            <a:pPr marL="361950" lvl="1" indent="0">
+              <a:buNone/>
             </a:pPr>
-            <a:r>
-              <a:rPr lang="fr-CH" b="1" dirty="0" smtClean="0">
-                <a:solidFill>
-                  <a:srgbClr val="000000"/>
-                </a:solidFill>
-                <a:latin typeface="HelveticaNeueLT Com 65 Md" charset="0"/>
-                <a:ea typeface="MS PGothic" charset="0"/>
-                <a:cs typeface="MS PGothic" charset="0"/>
-              </a:rPr>
-              <a:t>Titre de la présentation, </a:t>
-            </a:r>
-            <a:r>
-              <a:rPr lang="fr-CH" b="1" dirty="0" err="1" smtClean="0">
-                <a:solidFill>
-                  <a:srgbClr val="000000"/>
-                </a:solidFill>
-                <a:latin typeface="HelveticaNeueLT Com 65 Md" charset="0"/>
-                <a:ea typeface="MS PGothic" charset="0"/>
-                <a:cs typeface="MS PGothic" charset="0"/>
-              </a:rPr>
-              <a:t>HelveticaNeueLT</a:t>
-            </a:r>
-            <a:r>
-              <a:rPr lang="fr-CH" b="1" dirty="0" smtClean="0">
-                <a:solidFill>
-                  <a:srgbClr val="000000"/>
-                </a:solidFill>
-                <a:latin typeface="HelveticaNeueLT Com 65 Md" charset="0"/>
-                <a:ea typeface="MS PGothic" charset="0"/>
-                <a:cs typeface="MS PGothic" charset="0"/>
-              </a:rPr>
-              <a:t> 65, 10pts, gras</a:t>
-            </a:r>
-          </a:p>
-          <a:p>
-            <a:pPr algn="l" defTabSz="914400" eaLnBrk="0" fontAlgn="base" hangingPunct="0">
-              <a:spcBef>
-                <a:spcPct val="0"/>
-              </a:spcBef>
-              <a:spcAft>
-                <a:spcPct val="0"/>
-              </a:spcAft>
-            </a:pPr>
-            <a:r>
-              <a:rPr lang="fr-CH" dirty="0" smtClean="0">
-                <a:solidFill>
-                  <a:schemeClr val="tx1">
-                    <a:lumMod val="50000"/>
-                    <a:lumOff val="50000"/>
-                  </a:schemeClr>
-                </a:solidFill>
-                <a:latin typeface="HelveticaNeueLT Std Med"/>
-                <a:ea typeface="MS PGothic" charset="0"/>
-                <a:cs typeface="HelveticaNeueLT Std Med"/>
-              </a:rPr>
-              <a:t>Complément au titre </a:t>
-            </a:r>
-            <a:r>
-              <a:rPr lang="fr-CH" dirty="0" err="1" smtClean="0">
-                <a:solidFill>
-                  <a:schemeClr val="tx1">
-                    <a:lumMod val="50000"/>
-                    <a:lumOff val="50000"/>
-                  </a:schemeClr>
-                </a:solidFill>
-                <a:latin typeface="HelveticaNeueLT Std Med"/>
-                <a:ea typeface="MS PGothic" charset="0"/>
-                <a:cs typeface="HelveticaNeueLT Std Med"/>
-              </a:rPr>
-              <a:t>HelveticaNeueLT</a:t>
-            </a:r>
-            <a:r>
-              <a:rPr lang="fr-CH" dirty="0" smtClean="0">
-                <a:solidFill>
-                  <a:schemeClr val="tx1">
-                    <a:lumMod val="50000"/>
-                    <a:lumOff val="50000"/>
-                  </a:schemeClr>
-                </a:solidFill>
-                <a:latin typeface="HelveticaNeueLT Std Med"/>
-                <a:ea typeface="MS PGothic" charset="0"/>
-                <a:cs typeface="HelveticaNeueLT Std Med"/>
-              </a:rPr>
-              <a:t> 65, 10pts</a:t>
-            </a:r>
-            <a:endParaRPr lang="fr-CH" dirty="0" smtClean="0">
-              <a:solidFill>
-                <a:schemeClr val="tx1">
-                  <a:lumMod val="50000"/>
-                  <a:lumOff val="50000"/>
-                </a:schemeClr>
-              </a:solidFill>
-              <a:latin typeface="HelveticaNeueLT Std Med"/>
-              <a:ea typeface="MS PGothic" charset="0"/>
-              <a:cs typeface="HelveticaNeueLT Std Med"/>
-            </a:endParaRPr>
+            <a:endParaRPr lang="fr-FR" dirty="0" smtClean="0"/>
           </a:p>
         </p:txBody>
       </p:sp>
@@ -16420,6 +16328,802 @@
     <p:extLst>
       <p:ext uri="{BB962C8B-B14F-4D97-AF65-F5344CB8AC3E}">
         <p14:creationId xmlns:p14="http://schemas.microsoft.com/office/powerpoint/2010/main" val="3041169679"/>
+      </p:ext>
+    </p:extLst>
+  </p:cSld>
+  <p:clrMapOvr>
+    <a:masterClrMapping/>
+  </p:clrMapOvr>
+</p:sld>
+</file>
+
+<file path=ppt/slides/slide26.xml><?xml version="1.0" encoding="utf-8"?>
+<p:sld xmlns:a="http://schemas.openxmlformats.org/drawingml/2006/main" xmlns:r="http://schemas.openxmlformats.org/officeDocument/2006/relationships" xmlns:p="http://schemas.openxmlformats.org/presentationml/2006/main">
+  <p:cSld>
+    <p:spTree>
+      <p:nvGrpSpPr>
+        <p:cNvPr id="1" name=""/>
+        <p:cNvGrpSpPr/>
+        <p:nvPr/>
+      </p:nvGrpSpPr>
+      <p:grpSpPr>
+        <a:xfrm>
+          <a:off x="0" y="0"/>
+          <a:ext cx="0" cy="0"/>
+          <a:chOff x="0" y="0"/>
+          <a:chExt cx="0" cy="0"/>
+        </a:xfrm>
+      </p:grpSpPr>
+      <p:sp>
+        <p:nvSpPr>
+          <p:cNvPr id="2" name="Titre 1"/>
+          <p:cNvSpPr>
+            <a:spLocks noGrp="1"/>
+          </p:cNvSpPr>
+          <p:nvPr>
+            <p:ph type="title"/>
+          </p:nvPr>
+        </p:nvSpPr>
+        <p:spPr/>
+        <p:txBody>
+          <a:bodyPr/>
+          <a:lstStyle/>
+          <a:p>
+            <a:r>
+              <a:rPr lang="fr-FR" dirty="0" smtClean="0"/>
+              <a:t>Exercices Log</a:t>
+            </a:r>
+            <a:endParaRPr lang="fr-CH" dirty="0"/>
+          </a:p>
+        </p:txBody>
+      </p:sp>
+      <p:sp>
+        <p:nvSpPr>
+          <p:cNvPr id="3" name="Espace réservé du contenu 2"/>
+          <p:cNvSpPr>
+            <a:spLocks noGrp="1"/>
+          </p:cNvSpPr>
+          <p:nvPr>
+            <p:ph idx="1"/>
+          </p:nvPr>
+        </p:nvSpPr>
+        <p:spPr/>
+        <p:txBody>
+          <a:bodyPr/>
+          <a:lstStyle/>
+          <a:p>
+            <a:r>
+              <a:rPr lang="fr-FR" dirty="0" smtClean="0"/>
+              <a:t>En utilisant les options de git log (git help log)</a:t>
+            </a:r>
+          </a:p>
+          <a:p>
+            <a:pPr lvl="1"/>
+            <a:r>
+              <a:rPr lang="fr-FR" dirty="0" smtClean="0"/>
+              <a:t>Affichez les </a:t>
+            </a:r>
+            <a:r>
+              <a:rPr lang="fr-FR" dirty="0" err="1" smtClean="0"/>
+              <a:t>commits</a:t>
+            </a:r>
+            <a:r>
+              <a:rPr lang="fr-FR" dirty="0" smtClean="0"/>
+              <a:t> de votre repo git avec les étiquettes (ou </a:t>
+            </a:r>
+            <a:r>
+              <a:rPr lang="fr-FR" dirty="0" err="1" smtClean="0"/>
+              <a:t>refs</a:t>
+            </a:r>
+            <a:r>
+              <a:rPr lang="fr-FR" dirty="0" smtClean="0"/>
+              <a:t> </a:t>
+            </a:r>
+            <a:r>
+              <a:rPr lang="fr-FR" dirty="0" err="1" smtClean="0"/>
+              <a:t>name</a:t>
+            </a:r>
+            <a:r>
+              <a:rPr lang="fr-FR" dirty="0" smtClean="0"/>
+              <a:t>).</a:t>
+            </a:r>
+          </a:p>
+          <a:p>
+            <a:pPr lvl="1"/>
+            <a:r>
+              <a:rPr lang="fr-FR" dirty="0" smtClean="0"/>
+              <a:t>Affichez les </a:t>
+            </a:r>
+            <a:r>
+              <a:rPr lang="fr-FR" dirty="0" err="1" smtClean="0"/>
+              <a:t>commits</a:t>
+            </a:r>
+            <a:r>
+              <a:rPr lang="fr-FR" dirty="0" smtClean="0"/>
+              <a:t> sur une seule ligne: sha1 commentaire</a:t>
+            </a:r>
+          </a:p>
+          <a:p>
+            <a:pPr lvl="1"/>
+            <a:r>
+              <a:rPr lang="fr-FR" dirty="0" smtClean="0"/>
+              <a:t>Affichez les </a:t>
+            </a:r>
+            <a:r>
+              <a:rPr lang="fr-FR" dirty="0" err="1" smtClean="0"/>
+              <a:t>commits</a:t>
+            </a:r>
+            <a:r>
+              <a:rPr lang="fr-FR" dirty="0" smtClean="0"/>
+              <a:t> sous forme de graph</a:t>
+            </a:r>
+          </a:p>
+          <a:p>
+            <a:pPr lvl="1"/>
+            <a:r>
+              <a:rPr lang="fr-FR" dirty="0" smtClean="0"/>
+              <a:t>Combinez les 3 et créez un alias</a:t>
+            </a:r>
+          </a:p>
+          <a:p>
+            <a:pPr lvl="1"/>
+            <a:r>
+              <a:rPr lang="fr-FR" dirty="0" smtClean="0"/>
+              <a:t>Utilisez les hash de commit pour faire un </a:t>
+            </a:r>
+            <a:r>
+              <a:rPr lang="fr-FR" dirty="0" err="1" smtClean="0"/>
+              <a:t>diff</a:t>
+            </a:r>
+            <a:endParaRPr lang="fr-FR" dirty="0" smtClean="0"/>
+          </a:p>
+          <a:p>
+            <a:pPr marL="361950" lvl="1" indent="0">
+              <a:buNone/>
+            </a:pPr>
+            <a:endParaRPr lang="fr-FR" dirty="0" smtClean="0"/>
+          </a:p>
+        </p:txBody>
+      </p:sp>
+    </p:spTree>
+    <p:extLst>
+      <p:ext uri="{BB962C8B-B14F-4D97-AF65-F5344CB8AC3E}">
+        <p14:creationId xmlns:p14="http://schemas.microsoft.com/office/powerpoint/2010/main" val="472612757"/>
+      </p:ext>
+    </p:extLst>
+  </p:cSld>
+  <p:clrMapOvr>
+    <a:masterClrMapping/>
+  </p:clrMapOvr>
+</p:sld>
+</file>
+
+<file path=ppt/slides/slide27.xml><?xml version="1.0" encoding="utf-8"?>
+<p:sld xmlns:a="http://schemas.openxmlformats.org/drawingml/2006/main" xmlns:r="http://schemas.openxmlformats.org/officeDocument/2006/relationships" xmlns:p="http://schemas.openxmlformats.org/presentationml/2006/main">
+  <p:cSld>
+    <p:spTree>
+      <p:nvGrpSpPr>
+        <p:cNvPr id="1" name=""/>
+        <p:cNvGrpSpPr/>
+        <p:nvPr/>
+      </p:nvGrpSpPr>
+      <p:grpSpPr>
+        <a:xfrm>
+          <a:off x="0" y="0"/>
+          <a:ext cx="0" cy="0"/>
+          <a:chOff x="0" y="0"/>
+          <a:chExt cx="0" cy="0"/>
+        </a:xfrm>
+      </p:grpSpPr>
+      <p:sp>
+        <p:nvSpPr>
+          <p:cNvPr id="2" name="Titre 1"/>
+          <p:cNvSpPr>
+            <a:spLocks noGrp="1"/>
+          </p:cNvSpPr>
+          <p:nvPr>
+            <p:ph type="title"/>
+          </p:nvPr>
+        </p:nvSpPr>
+        <p:spPr/>
+        <p:txBody>
+          <a:bodyPr/>
+          <a:lstStyle/>
+          <a:p>
+            <a:r>
+              <a:rPr lang="fr-FR" dirty="0"/>
+              <a:t>Exercices Log</a:t>
+            </a:r>
+            <a:endParaRPr lang="fr-CH" dirty="0"/>
+          </a:p>
+        </p:txBody>
+      </p:sp>
+      <p:sp>
+        <p:nvSpPr>
+          <p:cNvPr id="3" name="Espace réservé du contenu 2"/>
+          <p:cNvSpPr>
+            <a:spLocks noGrp="1"/>
+          </p:cNvSpPr>
+          <p:nvPr>
+            <p:ph idx="1"/>
+          </p:nvPr>
+        </p:nvSpPr>
+        <p:spPr/>
+        <p:txBody>
+          <a:bodyPr>
+            <a:normAutofit lnSpcReduction="10000"/>
+          </a:bodyPr>
+          <a:lstStyle/>
+          <a:p>
+            <a:r>
+              <a:rPr lang="fr-FR" dirty="0"/>
+              <a:t>En utilisant les options de git log (git help log)</a:t>
+            </a:r>
+          </a:p>
+          <a:p>
+            <a:pPr lvl="1"/>
+            <a:r>
+              <a:rPr lang="fr-FR" dirty="0"/>
+              <a:t>Affichez les </a:t>
+            </a:r>
+            <a:r>
+              <a:rPr lang="fr-FR" dirty="0" err="1"/>
+              <a:t>commits</a:t>
+            </a:r>
+            <a:r>
+              <a:rPr lang="fr-FR" dirty="0"/>
+              <a:t> de votre repo git avec les étiquettes (ou </a:t>
+            </a:r>
+            <a:r>
+              <a:rPr lang="fr-FR" dirty="0" err="1"/>
+              <a:t>refs</a:t>
+            </a:r>
+            <a:r>
+              <a:rPr lang="fr-FR" dirty="0"/>
+              <a:t> </a:t>
+            </a:r>
+            <a:r>
+              <a:rPr lang="fr-FR" dirty="0" err="1"/>
+              <a:t>name</a:t>
+            </a:r>
+            <a:r>
+              <a:rPr lang="fr-FR" dirty="0" smtClean="0"/>
+              <a:t>)</a:t>
+            </a:r>
+            <a:br>
+              <a:rPr lang="fr-FR" dirty="0" smtClean="0"/>
+            </a:br>
+            <a:r>
+              <a:rPr lang="fr-FR" dirty="0" smtClean="0">
+                <a:solidFill>
+                  <a:srgbClr val="00B050"/>
+                </a:solidFill>
+              </a:rPr>
+              <a:t>git log --</a:t>
+            </a:r>
+            <a:r>
+              <a:rPr lang="fr-FR" dirty="0" err="1" smtClean="0">
+                <a:solidFill>
+                  <a:srgbClr val="00B050"/>
+                </a:solidFill>
+              </a:rPr>
+              <a:t>decorate</a:t>
+            </a:r>
+            <a:endParaRPr lang="fr-FR" dirty="0">
+              <a:solidFill>
+                <a:srgbClr val="00B050"/>
+              </a:solidFill>
+            </a:endParaRPr>
+          </a:p>
+          <a:p>
+            <a:pPr lvl="1"/>
+            <a:r>
+              <a:rPr lang="fr-FR" dirty="0"/>
+              <a:t>Affichez les </a:t>
+            </a:r>
+            <a:r>
+              <a:rPr lang="fr-FR" dirty="0" err="1"/>
+              <a:t>commits</a:t>
+            </a:r>
+            <a:r>
+              <a:rPr lang="fr-FR" dirty="0"/>
+              <a:t> sur une seule ligne: sha1 </a:t>
+            </a:r>
+            <a:r>
+              <a:rPr lang="fr-FR" dirty="0" smtClean="0"/>
+              <a:t>commentaire</a:t>
+            </a:r>
+            <a:br>
+              <a:rPr lang="fr-FR" dirty="0" smtClean="0"/>
+            </a:br>
+            <a:r>
+              <a:rPr lang="fr-FR" dirty="0" smtClean="0">
+                <a:solidFill>
+                  <a:srgbClr val="00B050"/>
+                </a:solidFill>
+              </a:rPr>
+              <a:t>git log --</a:t>
+            </a:r>
+            <a:r>
+              <a:rPr lang="fr-FR" dirty="0" err="1" smtClean="0">
+                <a:solidFill>
+                  <a:srgbClr val="00B050"/>
+                </a:solidFill>
+              </a:rPr>
+              <a:t>oneline</a:t>
+            </a:r>
+            <a:endParaRPr lang="fr-FR" dirty="0">
+              <a:solidFill>
+                <a:srgbClr val="00B050"/>
+              </a:solidFill>
+            </a:endParaRPr>
+          </a:p>
+          <a:p>
+            <a:pPr lvl="1"/>
+            <a:r>
+              <a:rPr lang="fr-FR" dirty="0"/>
+              <a:t>Affichez les </a:t>
+            </a:r>
+            <a:r>
+              <a:rPr lang="fr-FR" dirty="0" err="1"/>
+              <a:t>commits</a:t>
+            </a:r>
+            <a:r>
+              <a:rPr lang="fr-FR" dirty="0"/>
+              <a:t> sous forme de </a:t>
+            </a:r>
+            <a:r>
+              <a:rPr lang="fr-FR" dirty="0" smtClean="0"/>
+              <a:t>graph</a:t>
+            </a:r>
+            <a:br>
+              <a:rPr lang="fr-FR" dirty="0" smtClean="0"/>
+            </a:br>
+            <a:r>
+              <a:rPr lang="fr-FR" dirty="0" smtClean="0">
+                <a:solidFill>
+                  <a:srgbClr val="00B050"/>
+                </a:solidFill>
+              </a:rPr>
+              <a:t>git log --graph</a:t>
+            </a:r>
+            <a:endParaRPr lang="fr-FR" dirty="0">
+              <a:solidFill>
+                <a:srgbClr val="00B050"/>
+              </a:solidFill>
+            </a:endParaRPr>
+          </a:p>
+          <a:p>
+            <a:pPr lvl="1"/>
+            <a:r>
+              <a:rPr lang="fr-FR" dirty="0"/>
+              <a:t>Combinez les 3 et créez un </a:t>
+            </a:r>
+            <a:r>
+              <a:rPr lang="fr-FR" dirty="0" smtClean="0"/>
+              <a:t>alias</a:t>
+            </a:r>
+            <a:br>
+              <a:rPr lang="fr-FR" dirty="0" smtClean="0"/>
+            </a:br>
+            <a:r>
+              <a:rPr lang="fr-FR" dirty="0" err="1">
+                <a:solidFill>
+                  <a:srgbClr val="00B050"/>
+                </a:solidFill>
+              </a:rPr>
+              <a:t>alias</a:t>
+            </a:r>
+            <a:r>
+              <a:rPr lang="fr-FR" dirty="0">
+                <a:solidFill>
+                  <a:srgbClr val="00B050"/>
+                </a:solidFill>
+              </a:rPr>
+              <a:t> </a:t>
+            </a:r>
+            <a:r>
+              <a:rPr lang="fr-FR" dirty="0" err="1">
+                <a:solidFill>
+                  <a:srgbClr val="00B050"/>
+                </a:solidFill>
+              </a:rPr>
+              <a:t>gls</a:t>
+            </a:r>
+            <a:r>
+              <a:rPr lang="fr-FR" dirty="0" smtClean="0">
+                <a:solidFill>
+                  <a:srgbClr val="00B050"/>
+                </a:solidFill>
+              </a:rPr>
+              <a:t>=‘git log --graph --</a:t>
+            </a:r>
+            <a:r>
+              <a:rPr lang="fr-FR" dirty="0" err="1" smtClean="0">
+                <a:solidFill>
+                  <a:srgbClr val="00B050"/>
+                </a:solidFill>
+              </a:rPr>
+              <a:t>oneline</a:t>
+            </a:r>
+            <a:r>
+              <a:rPr lang="fr-FR" dirty="0" smtClean="0">
+                <a:solidFill>
+                  <a:srgbClr val="00B050"/>
+                </a:solidFill>
+              </a:rPr>
+              <a:t> --</a:t>
+            </a:r>
+            <a:r>
+              <a:rPr lang="fr-FR" dirty="0" err="1" smtClean="0">
+                <a:solidFill>
+                  <a:srgbClr val="00B050"/>
+                </a:solidFill>
+              </a:rPr>
+              <a:t>decorate</a:t>
+            </a:r>
+            <a:r>
+              <a:rPr lang="fr-FR" dirty="0" smtClean="0">
+                <a:solidFill>
+                  <a:srgbClr val="00B050"/>
+                </a:solidFill>
+              </a:rPr>
+              <a:t>’</a:t>
+            </a:r>
+            <a:endParaRPr lang="fr-FR" dirty="0">
+              <a:solidFill>
+                <a:srgbClr val="00B050"/>
+              </a:solidFill>
+            </a:endParaRPr>
+          </a:p>
+          <a:p>
+            <a:pPr lvl="1"/>
+            <a:r>
+              <a:rPr lang="fr-FR" dirty="0"/>
+              <a:t>Utilisez les hash de commit pour faire un </a:t>
+            </a:r>
+            <a:r>
+              <a:rPr lang="fr-FR" dirty="0" err="1" smtClean="0"/>
+              <a:t>diff</a:t>
+            </a:r>
+            <a:r>
+              <a:rPr lang="fr-FR" dirty="0" smtClean="0"/>
+              <a:t/>
+            </a:r>
+            <a:br>
+              <a:rPr lang="fr-FR" dirty="0" smtClean="0"/>
+            </a:br>
+            <a:r>
+              <a:rPr lang="fr-CH" dirty="0">
+                <a:solidFill>
+                  <a:srgbClr val="00B050"/>
+                </a:solidFill>
+              </a:rPr>
+              <a:t>git </a:t>
+            </a:r>
+            <a:r>
+              <a:rPr lang="fr-CH" dirty="0" err="1">
+                <a:solidFill>
+                  <a:srgbClr val="00B050"/>
+                </a:solidFill>
+              </a:rPr>
+              <a:t>diff</a:t>
+            </a:r>
+            <a:r>
+              <a:rPr lang="fr-CH" dirty="0">
+                <a:solidFill>
+                  <a:srgbClr val="00B050"/>
+                </a:solidFill>
+              </a:rPr>
+              <a:t> 98ef866 65e26fa</a:t>
+            </a:r>
+            <a:endParaRPr lang="fr-FR" dirty="0" smtClean="0">
+              <a:solidFill>
+                <a:srgbClr val="00B050"/>
+              </a:solidFill>
+            </a:endParaRPr>
+          </a:p>
+          <a:p>
+            <a:pPr marL="361950" lvl="1" indent="0">
+              <a:buNone/>
+            </a:pPr>
+            <a:endParaRPr lang="fr-FR" dirty="0"/>
+          </a:p>
+          <a:p>
+            <a:endParaRPr lang="fr-CH" dirty="0"/>
+          </a:p>
+        </p:txBody>
+      </p:sp>
+    </p:spTree>
+    <p:extLst>
+      <p:ext uri="{BB962C8B-B14F-4D97-AF65-F5344CB8AC3E}">
+        <p14:creationId xmlns:p14="http://schemas.microsoft.com/office/powerpoint/2010/main" val="2892175777"/>
+      </p:ext>
+    </p:extLst>
+  </p:cSld>
+  <p:clrMapOvr>
+    <a:masterClrMapping/>
+  </p:clrMapOvr>
+</p:sld>
+</file>
+
+<file path=ppt/slides/slide28.xml><?xml version="1.0" encoding="utf-8"?>
+<p:sld xmlns:a="http://schemas.openxmlformats.org/drawingml/2006/main" xmlns:r="http://schemas.openxmlformats.org/officeDocument/2006/relationships" xmlns:p="http://schemas.openxmlformats.org/presentationml/2006/main">
+  <p:cSld>
+    <p:spTree>
+      <p:nvGrpSpPr>
+        <p:cNvPr id="1" name=""/>
+        <p:cNvGrpSpPr/>
+        <p:nvPr/>
+      </p:nvGrpSpPr>
+      <p:grpSpPr>
+        <a:xfrm>
+          <a:off x="0" y="0"/>
+          <a:ext cx="0" cy="0"/>
+          <a:chOff x="0" y="0"/>
+          <a:chExt cx="0" cy="0"/>
+        </a:xfrm>
+      </p:grpSpPr>
+      <p:sp>
+        <p:nvSpPr>
+          <p:cNvPr id="2" name="Titre 1"/>
+          <p:cNvSpPr>
+            <a:spLocks noGrp="1"/>
+          </p:cNvSpPr>
+          <p:nvPr>
+            <p:ph type="title"/>
+          </p:nvPr>
+        </p:nvSpPr>
+        <p:spPr/>
+        <p:txBody>
+          <a:bodyPr/>
+          <a:lstStyle/>
+          <a:p>
+            <a:r>
+              <a:rPr lang="fr-FR" dirty="0" smtClean="0"/>
+              <a:t>Reset</a:t>
+            </a:r>
+            <a:endParaRPr lang="fr-CH" dirty="0"/>
+          </a:p>
+        </p:txBody>
+      </p:sp>
+      <p:sp>
+        <p:nvSpPr>
+          <p:cNvPr id="3" name="Espace réservé du contenu 2"/>
+          <p:cNvSpPr>
+            <a:spLocks noGrp="1"/>
+          </p:cNvSpPr>
+          <p:nvPr>
+            <p:ph idx="1"/>
+          </p:nvPr>
+        </p:nvSpPr>
+        <p:spPr/>
+        <p:txBody>
+          <a:bodyPr>
+            <a:normAutofit fontScale="85000" lnSpcReduction="20000"/>
+          </a:bodyPr>
+          <a:lstStyle/>
+          <a:p>
+            <a:r>
+              <a:rPr lang="fr-FR" dirty="0"/>
+              <a:t>g</a:t>
+            </a:r>
+            <a:r>
+              <a:rPr lang="fr-FR" dirty="0" smtClean="0"/>
+              <a:t>it </a:t>
+            </a:r>
+            <a:r>
+              <a:rPr lang="fr-FR" dirty="0" err="1" smtClean="0"/>
+              <a:t>checkout</a:t>
+            </a:r>
+            <a:r>
+              <a:rPr lang="fr-FR" dirty="0" smtClean="0"/>
+              <a:t> .</a:t>
+            </a:r>
+          </a:p>
+          <a:p>
+            <a:pPr lvl="1"/>
+            <a:r>
+              <a:rPr lang="fr-FR" sz="1600" dirty="0" smtClean="0"/>
+              <a:t>Supprimer toutes les modifications du </a:t>
+            </a:r>
+            <a:r>
+              <a:rPr lang="fr-FR" sz="1600" dirty="0" err="1" smtClean="0"/>
+              <a:t>working</a:t>
+            </a:r>
+            <a:r>
+              <a:rPr lang="fr-FR" sz="1600" dirty="0" smtClean="0"/>
+              <a:t> directory (=non </a:t>
+            </a:r>
+            <a:r>
+              <a:rPr lang="fr-FR" sz="1600" dirty="0" err="1" smtClean="0"/>
+              <a:t>stagées</a:t>
+            </a:r>
+            <a:r>
+              <a:rPr lang="fr-FR" sz="1600" dirty="0" smtClean="0"/>
+              <a:t>)</a:t>
+            </a:r>
+          </a:p>
+          <a:p>
+            <a:pPr lvl="1"/>
+            <a:endParaRPr lang="fr-FR" sz="1600" dirty="0" smtClean="0"/>
+          </a:p>
+          <a:p>
+            <a:r>
+              <a:rPr lang="fr-FR" dirty="0"/>
+              <a:t>g</a:t>
+            </a:r>
+            <a:r>
+              <a:rPr lang="fr-FR" dirty="0" smtClean="0"/>
+              <a:t>it reset</a:t>
+            </a:r>
+          </a:p>
+          <a:p>
+            <a:pPr lvl="1"/>
+            <a:r>
+              <a:rPr lang="fr-FR" sz="1600" dirty="0" smtClean="0"/>
+              <a:t>Nettoyer le stage (ou index) et remettre les fichiers dans le </a:t>
+            </a:r>
+            <a:r>
+              <a:rPr lang="fr-FR" sz="1600" dirty="0" err="1" smtClean="0"/>
+              <a:t>working</a:t>
+            </a:r>
+            <a:r>
+              <a:rPr lang="fr-FR" sz="1600" dirty="0" smtClean="0"/>
+              <a:t> directory</a:t>
+            </a:r>
+          </a:p>
+          <a:p>
+            <a:pPr lvl="1"/>
+            <a:endParaRPr lang="fr-FR" sz="1600" dirty="0" smtClean="0"/>
+          </a:p>
+          <a:p>
+            <a:r>
+              <a:rPr lang="fr-FR" dirty="0"/>
+              <a:t>g</a:t>
+            </a:r>
+            <a:r>
+              <a:rPr lang="fr-FR" dirty="0" smtClean="0"/>
+              <a:t>it reset --hard </a:t>
+            </a:r>
+          </a:p>
+          <a:p>
+            <a:pPr lvl="1"/>
+            <a:r>
+              <a:rPr lang="fr-FR" sz="1600" dirty="0" smtClean="0"/>
+              <a:t>Nettoyer le stage et supprimer les modification (= git reset + git </a:t>
+            </a:r>
+            <a:r>
+              <a:rPr lang="fr-FR" sz="1600" dirty="0" err="1" smtClean="0"/>
+              <a:t>checkout</a:t>
+            </a:r>
+            <a:r>
+              <a:rPr lang="fr-FR" sz="1600" dirty="0" smtClean="0"/>
+              <a:t>)</a:t>
+            </a:r>
+          </a:p>
+          <a:p>
+            <a:pPr lvl="1"/>
+            <a:endParaRPr lang="fr-FR" sz="1600" dirty="0" smtClean="0"/>
+          </a:p>
+          <a:p>
+            <a:r>
+              <a:rPr lang="fr-FR" dirty="0" smtClean="0"/>
+              <a:t>git [</a:t>
+            </a:r>
+            <a:r>
+              <a:rPr lang="fr-FR" dirty="0" err="1" smtClean="0"/>
+              <a:t>checkout</a:t>
+            </a:r>
+            <a:r>
+              <a:rPr lang="fr-FR" dirty="0" smtClean="0"/>
+              <a:t> | reset] &lt;</a:t>
+            </a:r>
+            <a:r>
+              <a:rPr lang="fr-FR" dirty="0" err="1" smtClean="0"/>
+              <a:t>filename</a:t>
+            </a:r>
+            <a:r>
+              <a:rPr lang="fr-FR" dirty="0" smtClean="0"/>
+              <a:t>&gt;</a:t>
+            </a:r>
+          </a:p>
+          <a:p>
+            <a:pPr lvl="1"/>
+            <a:r>
+              <a:rPr lang="fr-FR" dirty="0" smtClean="0"/>
+              <a:t>Ces 3 opérations peuvent être effectuées sur un seul fichier</a:t>
+            </a:r>
+            <a:endParaRPr lang="fr-CH" dirty="0"/>
+          </a:p>
+        </p:txBody>
+      </p:sp>
+    </p:spTree>
+    <p:extLst>
+      <p:ext uri="{BB962C8B-B14F-4D97-AF65-F5344CB8AC3E}">
+        <p14:creationId xmlns:p14="http://schemas.microsoft.com/office/powerpoint/2010/main" val="884569990"/>
+      </p:ext>
+    </p:extLst>
+  </p:cSld>
+  <p:clrMapOvr>
+    <a:masterClrMapping/>
+  </p:clrMapOvr>
+</p:sld>
+</file>
+
+<file path=ppt/slides/slide29.xml><?xml version="1.0" encoding="utf-8"?>
+<p:sld xmlns:a="http://schemas.openxmlformats.org/drawingml/2006/main" xmlns:r="http://schemas.openxmlformats.org/officeDocument/2006/relationships" xmlns:p="http://schemas.openxmlformats.org/presentationml/2006/main">
+  <p:cSld>
+    <p:spTree>
+      <p:nvGrpSpPr>
+        <p:cNvPr id="1" name=""/>
+        <p:cNvGrpSpPr/>
+        <p:nvPr/>
+      </p:nvGrpSpPr>
+      <p:grpSpPr>
+        <a:xfrm>
+          <a:off x="0" y="0"/>
+          <a:ext cx="0" cy="0"/>
+          <a:chOff x="0" y="0"/>
+          <a:chExt cx="0" cy="0"/>
+        </a:xfrm>
+      </p:grpSpPr>
+      <p:sp>
+        <p:nvSpPr>
+          <p:cNvPr id="2" name="Titre 1"/>
+          <p:cNvSpPr>
+            <a:spLocks noGrp="1"/>
+          </p:cNvSpPr>
+          <p:nvPr>
+            <p:ph type="title"/>
+          </p:nvPr>
+        </p:nvSpPr>
+        <p:spPr/>
+        <p:txBody>
+          <a:bodyPr/>
+          <a:lstStyle/>
+          <a:p>
+            <a:r>
+              <a:rPr lang="fr-FR" dirty="0" smtClean="0"/>
+              <a:t>Travailler avec un repo distant</a:t>
+            </a:r>
+            <a:endParaRPr lang="fr-CH" dirty="0"/>
+          </a:p>
+        </p:txBody>
+      </p:sp>
+      <p:pic>
+        <p:nvPicPr>
+          <p:cNvPr id="6" name="Espace réservé du contenu 5"/>
+          <p:cNvPicPr>
+            <a:picLocks noGrp="1" noChangeAspect="1"/>
+          </p:cNvPicPr>
+          <p:nvPr>
+            <p:ph idx="1"/>
+          </p:nvPr>
+        </p:nvPicPr>
+        <p:blipFill>
+          <a:blip r:embed="rId2">
+            <a:extLst>
+              <a:ext uri="{28A0092B-C50C-407E-A947-70E740481C1C}">
+                <a14:useLocalDpi xmlns:a14="http://schemas.microsoft.com/office/drawing/2010/main" val="0"/>
+              </a:ext>
+            </a:extLst>
+          </a:blip>
+          <a:stretch>
+            <a:fillRect/>
+          </a:stretch>
+        </p:blipFill>
+        <p:spPr>
+          <a:xfrm>
+            <a:off x="2185060" y="1017564"/>
+            <a:ext cx="7695210" cy="5216982"/>
+          </a:xfrm>
+        </p:spPr>
+      </p:pic>
+    </p:spTree>
+    <p:extLst>
+      <p:ext uri="{BB962C8B-B14F-4D97-AF65-F5344CB8AC3E}">
+        <p14:creationId xmlns:p14="http://schemas.microsoft.com/office/powerpoint/2010/main" val="544002868"/>
       </p:ext>
     </p:extLst>
   </p:cSld>
@@ -16530,6 +17234,2306 @@
 </p:sld>
 </file>
 
+<file path=ppt/slides/slide30.xml><?xml version="1.0" encoding="utf-8"?>
+<p:sld xmlns:a="http://schemas.openxmlformats.org/drawingml/2006/main" xmlns:r="http://schemas.openxmlformats.org/officeDocument/2006/relationships" xmlns:p="http://schemas.openxmlformats.org/presentationml/2006/main">
+  <p:cSld>
+    <p:spTree>
+      <p:nvGrpSpPr>
+        <p:cNvPr id="1" name=""/>
+        <p:cNvGrpSpPr/>
+        <p:nvPr/>
+      </p:nvGrpSpPr>
+      <p:grpSpPr>
+        <a:xfrm>
+          <a:off x="0" y="0"/>
+          <a:ext cx="0" cy="0"/>
+          <a:chOff x="0" y="0"/>
+          <a:chExt cx="0" cy="0"/>
+        </a:xfrm>
+      </p:grpSpPr>
+      <p:sp>
+        <p:nvSpPr>
+          <p:cNvPr id="2" name="Titre 1"/>
+          <p:cNvSpPr>
+            <a:spLocks noGrp="1"/>
+          </p:cNvSpPr>
+          <p:nvPr>
+            <p:ph type="title"/>
+          </p:nvPr>
+        </p:nvSpPr>
+        <p:spPr/>
+        <p:txBody>
+          <a:bodyPr/>
+          <a:lstStyle/>
+          <a:p>
+            <a:r>
+              <a:rPr lang="fr-FR" dirty="0" smtClean="0"/>
+              <a:t>Clone &amp; Pull</a:t>
+            </a:r>
+            <a:endParaRPr lang="fr-CH" dirty="0"/>
+          </a:p>
+        </p:txBody>
+      </p:sp>
+      <p:sp>
+        <p:nvSpPr>
+          <p:cNvPr id="3" name="Espace réservé du contenu 2"/>
+          <p:cNvSpPr>
+            <a:spLocks noGrp="1"/>
+          </p:cNvSpPr>
+          <p:nvPr>
+            <p:ph idx="1"/>
+          </p:nvPr>
+        </p:nvSpPr>
+        <p:spPr/>
+        <p:txBody>
+          <a:bodyPr>
+            <a:normAutofit lnSpcReduction="10000"/>
+          </a:bodyPr>
+          <a:lstStyle/>
+          <a:p>
+            <a:r>
+              <a:rPr lang="fr-CH" dirty="0"/>
+              <a:t>Cloner un dépôt distant pour l’avoir en </a:t>
+            </a:r>
+            <a:r>
+              <a:rPr lang="fr-CH" dirty="0" smtClean="0"/>
+              <a:t>local</a:t>
+            </a:r>
+          </a:p>
+          <a:p>
+            <a:pPr lvl="1"/>
+            <a:r>
+              <a:rPr lang="fr-CH" dirty="0"/>
+              <a:t>git </a:t>
+            </a:r>
+            <a:r>
+              <a:rPr lang="fr-CH" dirty="0" smtClean="0"/>
+              <a:t>clone </a:t>
+            </a:r>
+            <a:r>
+              <a:rPr lang="fr-CH" dirty="0" err="1" smtClean="0">
+                <a:hlinkClick r:id="rId2"/>
+              </a:rPr>
+              <a:t>git@gitlab.groupemutuel.ch:interdomaine</a:t>
+            </a:r>
+            <a:r>
+              <a:rPr lang="fr-CH" dirty="0" smtClean="0">
+                <a:hlinkClick r:id="rId2"/>
+              </a:rPr>
+              <a:t>/formation/</a:t>
+            </a:r>
+            <a:r>
+              <a:rPr lang="fr-CH" dirty="0" err="1" smtClean="0">
+                <a:hlinkClick r:id="rId2"/>
+              </a:rPr>
+              <a:t>repodistant.git</a:t>
+            </a:r>
+            <a:endParaRPr lang="fr-CH" dirty="0" smtClean="0"/>
+          </a:p>
+          <a:p>
+            <a:pPr lvl="1"/>
+            <a:endParaRPr lang="fr-CH" dirty="0"/>
+          </a:p>
+          <a:p>
+            <a:r>
+              <a:rPr lang="fr-CH" dirty="0" smtClean="0"/>
+              <a:t>Voir les informations sur le dépôt distant</a:t>
+            </a:r>
+          </a:p>
+          <a:p>
+            <a:pPr lvl="1"/>
+            <a:r>
+              <a:rPr lang="fr-CH" dirty="0" smtClean="0"/>
+              <a:t>git </a:t>
+            </a:r>
+            <a:r>
+              <a:rPr lang="fr-CH" dirty="0" err="1"/>
+              <a:t>remote</a:t>
+            </a:r>
+            <a:r>
+              <a:rPr lang="fr-CH" dirty="0"/>
+              <a:t> </a:t>
+            </a:r>
+            <a:r>
+              <a:rPr lang="fr-CH" dirty="0" smtClean="0"/>
+              <a:t>–v</a:t>
+            </a:r>
+          </a:p>
+          <a:p>
+            <a:pPr lvl="1"/>
+            <a:endParaRPr lang="fr-CH" dirty="0"/>
+          </a:p>
+          <a:p>
+            <a:r>
+              <a:rPr lang="fr-CH" dirty="0" smtClean="0"/>
+              <a:t>Mettre </a:t>
+            </a:r>
+            <a:r>
+              <a:rPr lang="fr-CH" dirty="0"/>
+              <a:t>à jour votre branche master du dépôt local depuis le dépôt distant (et la </a:t>
+            </a:r>
+            <a:r>
+              <a:rPr lang="fr-CH" dirty="0" err="1"/>
+              <a:t>merger</a:t>
+            </a:r>
+            <a:r>
+              <a:rPr lang="fr-CH" dirty="0"/>
+              <a:t> </a:t>
+            </a:r>
+            <a:r>
+              <a:rPr lang="fr-CH" dirty="0" smtClean="0"/>
+              <a:t>si </a:t>
+            </a:r>
+            <a:r>
+              <a:rPr lang="fr-CH" dirty="0" err="1" smtClean="0"/>
+              <a:t>necessaire</a:t>
+            </a:r>
+            <a:r>
+              <a:rPr lang="fr-CH" dirty="0" smtClean="0"/>
+              <a:t>)</a:t>
+            </a:r>
+          </a:p>
+          <a:p>
+            <a:pPr lvl="1"/>
+            <a:r>
+              <a:rPr lang="fr-CH" dirty="0" smtClean="0"/>
+              <a:t>git </a:t>
+            </a:r>
+            <a:r>
+              <a:rPr lang="fr-CH" dirty="0"/>
+              <a:t>pull </a:t>
+            </a:r>
+            <a:r>
+              <a:rPr lang="fr-CH" dirty="0" err="1"/>
+              <a:t>origin</a:t>
+            </a:r>
+            <a:r>
+              <a:rPr lang="fr-CH" dirty="0"/>
+              <a:t> master</a:t>
+            </a:r>
+            <a:endParaRPr lang="fr-CH" dirty="0"/>
+          </a:p>
+        </p:txBody>
+      </p:sp>
+      <p:sp>
+        <p:nvSpPr>
+          <p:cNvPr id="4" name="Espace réservé du pied de page 3"/>
+          <p:cNvSpPr>
+            <a:spLocks noGrp="1"/>
+          </p:cNvSpPr>
+          <p:nvPr>
+            <p:ph type="ftr" sz="quarter" idx="11"/>
+          </p:nvPr>
+        </p:nvSpPr>
+        <p:spPr>
+          <a:xfrm>
+            <a:off x="957509" y="5700156"/>
+            <a:ext cx="8875260" cy="794307"/>
+          </a:xfrm>
+          <a:solidFill>
+            <a:srgbClr val="D91E4B"/>
+          </a:solidFill>
+        </p:spPr>
+        <p:txBody>
+          <a:bodyPr/>
+          <a:lstStyle/>
+          <a:p>
+            <a:pPr marL="285750" indent="-285750" algn="l">
+              <a:buFont typeface="Arial" panose="020B0604020202020204" pitchFamily="34" charset="0"/>
+              <a:buChar char="•"/>
+            </a:pPr>
+            <a:r>
+              <a:rPr lang="fr-CH" sz="1800" dirty="0" smtClean="0">
+                <a:solidFill>
+                  <a:schemeClr val="bg1"/>
+                </a:solidFill>
+              </a:rPr>
+              <a:t>Quel </a:t>
+            </a:r>
+            <a:r>
+              <a:rPr lang="fr-CH" sz="1800" dirty="0">
+                <a:solidFill>
+                  <a:schemeClr val="bg1"/>
+                </a:solidFill>
+              </a:rPr>
+              <a:t>problème risquez-vous de rencontrer avec git pull </a:t>
+            </a:r>
+            <a:r>
+              <a:rPr lang="fr-CH" sz="1800" dirty="0" err="1">
+                <a:solidFill>
+                  <a:schemeClr val="bg1"/>
+                </a:solidFill>
+              </a:rPr>
+              <a:t>origin</a:t>
+            </a:r>
+            <a:r>
+              <a:rPr lang="fr-CH" sz="1800" dirty="0">
+                <a:solidFill>
+                  <a:schemeClr val="bg1"/>
+                </a:solidFill>
+              </a:rPr>
+              <a:t> master </a:t>
+            </a:r>
+            <a:r>
+              <a:rPr lang="fr-CH" sz="1800" dirty="0" smtClean="0">
+                <a:solidFill>
+                  <a:schemeClr val="bg1"/>
+                </a:solidFill>
+              </a:rPr>
+              <a:t>?</a:t>
+            </a:r>
+          </a:p>
+          <a:p>
+            <a:pPr marL="285750" indent="-285750" algn="l">
+              <a:buFont typeface="Arial" panose="020B0604020202020204" pitchFamily="34" charset="0"/>
+              <a:buChar char="•"/>
+            </a:pPr>
+            <a:r>
+              <a:rPr lang="fr-CH" sz="1800" dirty="0" smtClean="0">
+                <a:solidFill>
+                  <a:schemeClr val="bg1"/>
+                </a:solidFill>
+              </a:rPr>
+              <a:t>Comment </a:t>
+            </a:r>
+            <a:r>
+              <a:rPr lang="fr-CH" sz="1800" dirty="0">
+                <a:solidFill>
+                  <a:schemeClr val="bg1"/>
+                </a:solidFill>
+              </a:rPr>
+              <a:t>récupérer les informations sans effectuer le </a:t>
+            </a:r>
+            <a:r>
+              <a:rPr lang="fr-CH" sz="1800" dirty="0" err="1">
+                <a:solidFill>
+                  <a:schemeClr val="bg1"/>
+                </a:solidFill>
+              </a:rPr>
+              <a:t>merge</a:t>
+            </a:r>
+            <a:r>
+              <a:rPr lang="fr-CH" sz="1800" dirty="0">
+                <a:solidFill>
+                  <a:schemeClr val="bg1"/>
+                </a:solidFill>
+              </a:rPr>
+              <a:t> ?</a:t>
+            </a:r>
+            <a:endParaRPr lang="fr-CH" sz="1800" dirty="0" smtClean="0">
+              <a:solidFill>
+                <a:schemeClr val="bg1"/>
+              </a:solidFill>
+              <a:latin typeface="HelveticaNeueLT Std Med"/>
+              <a:ea typeface="MS PGothic" charset="0"/>
+              <a:cs typeface="HelveticaNeueLT Std Med"/>
+            </a:endParaRPr>
+          </a:p>
+        </p:txBody>
+      </p:sp>
+    </p:spTree>
+    <p:extLst>
+      <p:ext uri="{BB962C8B-B14F-4D97-AF65-F5344CB8AC3E}">
+        <p14:creationId xmlns:p14="http://schemas.microsoft.com/office/powerpoint/2010/main" val="2988441966"/>
+      </p:ext>
+    </p:extLst>
+  </p:cSld>
+  <p:clrMapOvr>
+    <a:masterClrMapping/>
+  </p:clrMapOvr>
+</p:sld>
+</file>
+
+<file path=ppt/slides/slide31.xml><?xml version="1.0" encoding="utf-8"?>
+<p:sld xmlns:a="http://schemas.openxmlformats.org/drawingml/2006/main" xmlns:r="http://schemas.openxmlformats.org/officeDocument/2006/relationships" xmlns:p="http://schemas.openxmlformats.org/presentationml/2006/main">
+  <p:cSld>
+    <p:spTree>
+      <p:nvGrpSpPr>
+        <p:cNvPr id="1" name=""/>
+        <p:cNvGrpSpPr/>
+        <p:nvPr/>
+      </p:nvGrpSpPr>
+      <p:grpSpPr>
+        <a:xfrm>
+          <a:off x="0" y="0"/>
+          <a:ext cx="0" cy="0"/>
+          <a:chOff x="0" y="0"/>
+          <a:chExt cx="0" cy="0"/>
+        </a:xfrm>
+      </p:grpSpPr>
+      <p:sp>
+        <p:nvSpPr>
+          <p:cNvPr id="2" name="Titre 1"/>
+          <p:cNvSpPr>
+            <a:spLocks noGrp="1"/>
+          </p:cNvSpPr>
+          <p:nvPr>
+            <p:ph type="title"/>
+          </p:nvPr>
+        </p:nvSpPr>
+        <p:spPr/>
+        <p:txBody>
+          <a:bodyPr/>
+          <a:lstStyle/>
+          <a:p>
+            <a:r>
+              <a:rPr lang="fr-FR" dirty="0" err="1" smtClean="0"/>
+              <a:t>Fetch</a:t>
+            </a:r>
+            <a:endParaRPr lang="fr-CH" dirty="0"/>
+          </a:p>
+        </p:txBody>
+      </p:sp>
+      <p:sp>
+        <p:nvSpPr>
+          <p:cNvPr id="3" name="Espace réservé du contenu 2"/>
+          <p:cNvSpPr>
+            <a:spLocks noGrp="1"/>
+          </p:cNvSpPr>
+          <p:nvPr>
+            <p:ph idx="1"/>
+          </p:nvPr>
+        </p:nvSpPr>
+        <p:spPr/>
+        <p:txBody>
+          <a:bodyPr/>
+          <a:lstStyle/>
+          <a:p>
+            <a:r>
+              <a:rPr lang="fr-FR" dirty="0"/>
+              <a:t>Synchroniser les informations entre le repo local et le repo distant</a:t>
+            </a:r>
+          </a:p>
+          <a:p>
+            <a:pPr lvl="1"/>
+            <a:r>
+              <a:rPr lang="fr-FR" dirty="0" smtClean="0"/>
+              <a:t>git </a:t>
+            </a:r>
+            <a:r>
+              <a:rPr lang="fr-FR" dirty="0" err="1" smtClean="0"/>
+              <a:t>fetch</a:t>
+            </a:r>
+            <a:r>
+              <a:rPr lang="fr-FR" dirty="0" smtClean="0"/>
+              <a:t> </a:t>
+            </a:r>
+            <a:r>
+              <a:rPr lang="fr-FR" dirty="0" err="1" smtClean="0"/>
+              <a:t>origin</a:t>
+            </a:r>
+            <a:endParaRPr lang="fr-FR" dirty="0" smtClean="0"/>
+          </a:p>
+          <a:p>
+            <a:pPr lvl="1"/>
+            <a:endParaRPr lang="fr-FR" dirty="0" smtClean="0"/>
+          </a:p>
+          <a:p>
+            <a:r>
+              <a:rPr lang="fr-FR" dirty="0"/>
+              <a:t>Afficher toutes les branches </a:t>
+            </a:r>
+            <a:endParaRPr lang="fr-CH" dirty="0"/>
+          </a:p>
+          <a:p>
+            <a:pPr lvl="1"/>
+            <a:r>
+              <a:rPr lang="fr-FR" dirty="0"/>
+              <a:t>g</a:t>
+            </a:r>
+            <a:r>
+              <a:rPr lang="fr-FR" dirty="0" smtClean="0"/>
+              <a:t>it </a:t>
+            </a:r>
+            <a:r>
+              <a:rPr lang="fr-FR" dirty="0" err="1" smtClean="0"/>
+              <a:t>branch</a:t>
+            </a:r>
+            <a:r>
+              <a:rPr lang="fr-FR" dirty="0" smtClean="0"/>
+              <a:t> –a</a:t>
+            </a:r>
+          </a:p>
+          <a:p>
+            <a:pPr lvl="1"/>
+            <a:endParaRPr lang="fr-FR" dirty="0" smtClean="0"/>
+          </a:p>
+          <a:p>
+            <a:r>
+              <a:rPr lang="fr-FR" dirty="0" smtClean="0"/>
+              <a:t>Afficher le retard entre la branche locale et la branche distante</a:t>
+            </a:r>
+          </a:p>
+          <a:p>
+            <a:pPr lvl="1"/>
+            <a:r>
+              <a:rPr lang="fr-FR" dirty="0" smtClean="0"/>
+              <a:t>git </a:t>
+            </a:r>
+            <a:r>
+              <a:rPr lang="fr-FR" dirty="0" err="1" smtClean="0"/>
+              <a:t>status</a:t>
+            </a:r>
+            <a:r>
+              <a:rPr lang="fr-FR" dirty="0" smtClean="0"/>
+              <a:t> </a:t>
+            </a:r>
+          </a:p>
+        </p:txBody>
+      </p:sp>
+      <p:sp>
+        <p:nvSpPr>
+          <p:cNvPr id="4" name="Espace réservé du pied de page 3"/>
+          <p:cNvSpPr>
+            <a:spLocks noGrp="1"/>
+          </p:cNvSpPr>
+          <p:nvPr>
+            <p:ph type="ftr" sz="quarter" idx="11"/>
+          </p:nvPr>
+        </p:nvSpPr>
+        <p:spPr>
+          <a:xfrm>
+            <a:off x="957509" y="5830784"/>
+            <a:ext cx="8732756" cy="663679"/>
+          </a:xfrm>
+          <a:solidFill>
+            <a:srgbClr val="D91E4B"/>
+          </a:solidFill>
+        </p:spPr>
+        <p:txBody>
+          <a:bodyPr/>
+          <a:lstStyle/>
+          <a:p>
+            <a:pPr algn="l" defTabSz="914400" eaLnBrk="0" fontAlgn="base" hangingPunct="0">
+              <a:spcBef>
+                <a:spcPct val="0"/>
+              </a:spcBef>
+              <a:spcAft>
+                <a:spcPct val="0"/>
+              </a:spcAft>
+            </a:pPr>
+            <a:r>
+              <a:rPr lang="fr-CH" sz="1600" dirty="0">
+                <a:solidFill>
+                  <a:schemeClr val="bg1"/>
+                </a:solidFill>
+              </a:rPr>
+              <a:t>Quel est l’impact de la commande git </a:t>
+            </a:r>
+            <a:r>
+              <a:rPr lang="fr-CH" sz="1600" dirty="0" err="1">
+                <a:solidFill>
+                  <a:schemeClr val="bg1"/>
+                </a:solidFill>
+              </a:rPr>
+              <a:t>fetch</a:t>
+            </a:r>
+            <a:r>
+              <a:rPr lang="fr-CH" sz="1600" dirty="0">
+                <a:solidFill>
+                  <a:schemeClr val="bg1"/>
+                </a:solidFill>
+              </a:rPr>
+              <a:t> sur votre dépôt local ?</a:t>
+            </a:r>
+            <a:endParaRPr lang="fr-CH" sz="1600" dirty="0" smtClean="0">
+              <a:solidFill>
+                <a:schemeClr val="bg1"/>
+              </a:solidFill>
+              <a:latin typeface="HelveticaNeueLT Std Med"/>
+              <a:ea typeface="MS PGothic" charset="0"/>
+              <a:cs typeface="HelveticaNeueLT Std Med"/>
+            </a:endParaRPr>
+          </a:p>
+        </p:txBody>
+      </p:sp>
+    </p:spTree>
+    <p:extLst>
+      <p:ext uri="{BB962C8B-B14F-4D97-AF65-F5344CB8AC3E}">
+        <p14:creationId xmlns:p14="http://schemas.microsoft.com/office/powerpoint/2010/main" val="1168706576"/>
+      </p:ext>
+    </p:extLst>
+  </p:cSld>
+  <p:clrMapOvr>
+    <a:masterClrMapping/>
+  </p:clrMapOvr>
+</p:sld>
+</file>
+
+<file path=ppt/slides/slide32.xml><?xml version="1.0" encoding="utf-8"?>
+<p:sld xmlns:a="http://schemas.openxmlformats.org/drawingml/2006/main" xmlns:r="http://schemas.openxmlformats.org/officeDocument/2006/relationships" xmlns:p="http://schemas.openxmlformats.org/presentationml/2006/main">
+  <p:cSld>
+    <p:spTree>
+      <p:nvGrpSpPr>
+        <p:cNvPr id="1" name=""/>
+        <p:cNvGrpSpPr/>
+        <p:nvPr/>
+      </p:nvGrpSpPr>
+      <p:grpSpPr>
+        <a:xfrm>
+          <a:off x="0" y="0"/>
+          <a:ext cx="0" cy="0"/>
+          <a:chOff x="0" y="0"/>
+          <a:chExt cx="0" cy="0"/>
+        </a:xfrm>
+      </p:grpSpPr>
+      <p:sp>
+        <p:nvSpPr>
+          <p:cNvPr id="2" name="Titre 1"/>
+          <p:cNvSpPr>
+            <a:spLocks noGrp="1"/>
+          </p:cNvSpPr>
+          <p:nvPr>
+            <p:ph type="title"/>
+          </p:nvPr>
+        </p:nvSpPr>
+        <p:spPr/>
+        <p:txBody>
+          <a:bodyPr/>
+          <a:lstStyle/>
+          <a:p>
+            <a:r>
+              <a:rPr lang="fr-FR" dirty="0" smtClean="0"/>
+              <a:t>Pull par l’exemple</a:t>
+            </a:r>
+            <a:endParaRPr lang="fr-CH" dirty="0"/>
+          </a:p>
+        </p:txBody>
+      </p:sp>
+      <p:pic>
+        <p:nvPicPr>
+          <p:cNvPr id="12" name="Espace réservé du contenu 11"/>
+          <p:cNvPicPr>
+            <a:picLocks noGrp="1" noChangeAspect="1"/>
+          </p:cNvPicPr>
+          <p:nvPr>
+            <p:ph idx="1"/>
+          </p:nvPr>
+        </p:nvPicPr>
+        <p:blipFill>
+          <a:blip r:embed="rId2">
+            <a:extLst>
+              <a:ext uri="{28A0092B-C50C-407E-A947-70E740481C1C}">
+                <a14:useLocalDpi xmlns:a14="http://schemas.microsoft.com/office/drawing/2010/main" val="0"/>
+              </a:ext>
+            </a:extLst>
+          </a:blip>
+          <a:stretch>
+            <a:fillRect/>
+          </a:stretch>
+        </p:blipFill>
+        <p:spPr>
+          <a:xfrm>
+            <a:off x="2434441" y="807225"/>
+            <a:ext cx="5813239" cy="5841493"/>
+          </a:xfrm>
+        </p:spPr>
+      </p:pic>
+    </p:spTree>
+    <p:extLst>
+      <p:ext uri="{BB962C8B-B14F-4D97-AF65-F5344CB8AC3E}">
+        <p14:creationId xmlns:p14="http://schemas.microsoft.com/office/powerpoint/2010/main" val="3410348830"/>
+      </p:ext>
+    </p:extLst>
+  </p:cSld>
+  <p:clrMapOvr>
+    <a:masterClrMapping/>
+  </p:clrMapOvr>
+</p:sld>
+</file>
+
+<file path=ppt/slides/slide33.xml><?xml version="1.0" encoding="utf-8"?>
+<p:sld xmlns:a="http://schemas.openxmlformats.org/drawingml/2006/main" xmlns:r="http://schemas.openxmlformats.org/officeDocument/2006/relationships" xmlns:p="http://schemas.openxmlformats.org/presentationml/2006/main">
+  <p:cSld>
+    <p:spTree>
+      <p:nvGrpSpPr>
+        <p:cNvPr id="1" name=""/>
+        <p:cNvGrpSpPr/>
+        <p:nvPr/>
+      </p:nvGrpSpPr>
+      <p:grpSpPr>
+        <a:xfrm>
+          <a:off x="0" y="0"/>
+          <a:ext cx="0" cy="0"/>
+          <a:chOff x="0" y="0"/>
+          <a:chExt cx="0" cy="0"/>
+        </a:xfrm>
+      </p:grpSpPr>
+      <p:sp>
+        <p:nvSpPr>
+          <p:cNvPr id="2" name="Titre 1"/>
+          <p:cNvSpPr>
+            <a:spLocks noGrp="1"/>
+          </p:cNvSpPr>
+          <p:nvPr>
+            <p:ph type="title"/>
+          </p:nvPr>
+        </p:nvSpPr>
+        <p:spPr/>
+        <p:txBody>
+          <a:bodyPr/>
+          <a:lstStyle/>
+          <a:p>
+            <a:r>
+              <a:rPr lang="fr-FR" dirty="0" err="1" smtClean="0"/>
+              <a:t>Remote</a:t>
+            </a:r>
+            <a:endParaRPr lang="fr-CH" dirty="0"/>
+          </a:p>
+        </p:txBody>
+      </p:sp>
+      <p:sp>
+        <p:nvSpPr>
+          <p:cNvPr id="3" name="Espace réservé du contenu 2"/>
+          <p:cNvSpPr>
+            <a:spLocks noGrp="1"/>
+          </p:cNvSpPr>
+          <p:nvPr>
+            <p:ph idx="1"/>
+          </p:nvPr>
+        </p:nvSpPr>
+        <p:spPr/>
+        <p:txBody>
+          <a:bodyPr/>
+          <a:lstStyle/>
+          <a:p>
+            <a:r>
+              <a:rPr lang="fr-CH" dirty="0"/>
+              <a:t>Pour ajouter une référence vers un dépôt </a:t>
+            </a:r>
+            <a:r>
+              <a:rPr lang="fr-CH" dirty="0" err="1"/>
+              <a:t>remote</a:t>
+            </a:r>
+            <a:r>
+              <a:rPr lang="fr-CH" dirty="0"/>
+              <a:t> :</a:t>
+            </a:r>
+          </a:p>
+          <a:p>
+            <a:pPr lvl="1"/>
+            <a:r>
+              <a:rPr lang="fr-CH" dirty="0" smtClean="0"/>
+              <a:t>git </a:t>
+            </a:r>
+            <a:r>
+              <a:rPr lang="fr-CH" dirty="0" err="1"/>
+              <a:t>remote</a:t>
+            </a:r>
+            <a:r>
+              <a:rPr lang="fr-CH" dirty="0"/>
+              <a:t> </a:t>
+            </a:r>
+            <a:r>
+              <a:rPr lang="fr-CH" dirty="0" err="1"/>
+              <a:t>add</a:t>
+            </a:r>
+            <a:r>
+              <a:rPr lang="fr-CH" dirty="0"/>
+              <a:t> </a:t>
+            </a:r>
+            <a:r>
+              <a:rPr lang="fr-CH" dirty="0" err="1"/>
+              <a:t>monrepo</a:t>
+            </a:r>
+            <a:r>
+              <a:rPr lang="fr-CH" dirty="0"/>
+              <a:t> </a:t>
+            </a:r>
+            <a:r>
+              <a:rPr lang="fr-CH" dirty="0" err="1"/>
+              <a:t>git@gitlab.com:xxxx</a:t>
+            </a:r>
+            <a:r>
+              <a:rPr lang="fr-CH" dirty="0"/>
+              <a:t>/</a:t>
+            </a:r>
+            <a:r>
+              <a:rPr lang="fr-CH" dirty="0" err="1"/>
+              <a:t>xxxx.git</a:t>
+            </a:r>
+            <a:endParaRPr lang="fr-CH" dirty="0"/>
+          </a:p>
+          <a:p>
+            <a:pPr lvl="1"/>
+            <a:r>
+              <a:rPr lang="fr-CH" dirty="0" smtClean="0"/>
+              <a:t>git </a:t>
+            </a:r>
+            <a:r>
+              <a:rPr lang="fr-CH" dirty="0" err="1"/>
+              <a:t>remote</a:t>
+            </a:r>
+            <a:r>
+              <a:rPr lang="fr-CH" dirty="0"/>
+              <a:t> </a:t>
+            </a:r>
+            <a:r>
+              <a:rPr lang="fr-CH" dirty="0" err="1"/>
+              <a:t>add</a:t>
+            </a:r>
+            <a:r>
+              <a:rPr lang="fr-CH" dirty="0"/>
+              <a:t> </a:t>
+            </a:r>
+            <a:r>
+              <a:rPr lang="fr-CH" dirty="0" err="1"/>
+              <a:t>monrepo</a:t>
+            </a:r>
+            <a:r>
+              <a:rPr lang="fr-CH" dirty="0"/>
+              <a:t> https://gitlab.com/xxxx/xxxx.git</a:t>
+            </a:r>
+          </a:p>
+          <a:p>
+            <a:r>
+              <a:rPr lang="fr-CH" dirty="0" smtClean="0"/>
+              <a:t>Pour </a:t>
+            </a:r>
+            <a:r>
+              <a:rPr lang="fr-CH" dirty="0"/>
+              <a:t>supprimer une référence d’un dépôt </a:t>
+            </a:r>
+            <a:r>
+              <a:rPr lang="fr-CH" dirty="0" err="1"/>
+              <a:t>remote</a:t>
+            </a:r>
+            <a:endParaRPr lang="fr-CH" dirty="0"/>
+          </a:p>
+          <a:p>
+            <a:pPr lvl="1"/>
+            <a:r>
+              <a:rPr lang="fr-CH" dirty="0" smtClean="0"/>
+              <a:t>git </a:t>
+            </a:r>
+            <a:r>
+              <a:rPr lang="fr-CH" dirty="0" err="1"/>
+              <a:t>remote</a:t>
+            </a:r>
+            <a:r>
+              <a:rPr lang="fr-CH" dirty="0"/>
+              <a:t> </a:t>
+            </a:r>
+            <a:r>
+              <a:rPr lang="fr-CH" dirty="0" err="1"/>
+              <a:t>remove</a:t>
+            </a:r>
+            <a:r>
+              <a:rPr lang="fr-CH" dirty="0"/>
+              <a:t> </a:t>
+            </a:r>
+            <a:r>
+              <a:rPr lang="fr-CH" dirty="0" err="1"/>
+              <a:t>monrepo</a:t>
+            </a:r>
+            <a:endParaRPr lang="fr-CH" dirty="0"/>
+          </a:p>
+        </p:txBody>
+      </p:sp>
+      <p:sp>
+        <p:nvSpPr>
+          <p:cNvPr id="4" name="Espace réservé du pied de page 3"/>
+          <p:cNvSpPr>
+            <a:spLocks noGrp="1"/>
+          </p:cNvSpPr>
+          <p:nvPr>
+            <p:ph type="ftr" sz="quarter" idx="11"/>
+          </p:nvPr>
+        </p:nvSpPr>
+        <p:spPr/>
+        <p:txBody>
+          <a:bodyPr/>
+          <a:lstStyle/>
+          <a:p>
+            <a:pPr algn="l" defTabSz="914400" eaLnBrk="0" fontAlgn="base" hangingPunct="0">
+              <a:spcBef>
+                <a:spcPct val="0"/>
+              </a:spcBef>
+              <a:spcAft>
+                <a:spcPct val="0"/>
+              </a:spcAft>
+            </a:pPr>
+            <a:r>
+              <a:rPr lang="fr-CH" b="1" smtClean="0">
+                <a:solidFill>
+                  <a:srgbClr val="000000"/>
+                </a:solidFill>
+                <a:latin typeface="HelveticaNeueLT Com 65 Md" charset="0"/>
+                <a:ea typeface="MS PGothic" charset="0"/>
+                <a:cs typeface="MS PGothic" charset="0"/>
+              </a:rPr>
+              <a:t>Titre de la présentation, HelveticaNeueLT 65, 10pts, gras</a:t>
+            </a:r>
+          </a:p>
+          <a:p>
+            <a:pPr algn="l" defTabSz="914400" eaLnBrk="0" fontAlgn="base" hangingPunct="0">
+              <a:spcBef>
+                <a:spcPct val="0"/>
+              </a:spcBef>
+              <a:spcAft>
+                <a:spcPct val="0"/>
+              </a:spcAft>
+            </a:pPr>
+            <a:r>
+              <a:rPr lang="fr-CH" smtClean="0">
+                <a:solidFill>
+                  <a:schemeClr val="tx1">
+                    <a:lumMod val="50000"/>
+                    <a:lumOff val="50000"/>
+                  </a:schemeClr>
+                </a:solidFill>
+                <a:latin typeface="HelveticaNeueLT Std Med"/>
+                <a:ea typeface="MS PGothic" charset="0"/>
+                <a:cs typeface="HelveticaNeueLT Std Med"/>
+              </a:rPr>
+              <a:t>Complément au titre HelveticaNeueLT 65, 10pts</a:t>
+            </a:r>
+            <a:endParaRPr lang="fr-CH" dirty="0" smtClean="0">
+              <a:solidFill>
+                <a:schemeClr val="tx1">
+                  <a:lumMod val="50000"/>
+                  <a:lumOff val="50000"/>
+                </a:schemeClr>
+              </a:solidFill>
+              <a:latin typeface="HelveticaNeueLT Std Med"/>
+              <a:ea typeface="MS PGothic" charset="0"/>
+              <a:cs typeface="HelveticaNeueLT Std Med"/>
+            </a:endParaRPr>
+          </a:p>
+        </p:txBody>
+      </p:sp>
+    </p:spTree>
+    <p:extLst>
+      <p:ext uri="{BB962C8B-B14F-4D97-AF65-F5344CB8AC3E}">
+        <p14:creationId xmlns:p14="http://schemas.microsoft.com/office/powerpoint/2010/main" val="1302987055"/>
+      </p:ext>
+    </p:extLst>
+  </p:cSld>
+  <p:clrMapOvr>
+    <a:masterClrMapping/>
+  </p:clrMapOvr>
+</p:sld>
+</file>
+
+<file path=ppt/slides/slide34.xml><?xml version="1.0" encoding="utf-8"?>
+<p:sld xmlns:a="http://schemas.openxmlformats.org/drawingml/2006/main" xmlns:r="http://schemas.openxmlformats.org/officeDocument/2006/relationships" xmlns:p="http://schemas.openxmlformats.org/presentationml/2006/main">
+  <p:cSld>
+    <p:spTree>
+      <p:nvGrpSpPr>
+        <p:cNvPr id="1" name=""/>
+        <p:cNvGrpSpPr/>
+        <p:nvPr/>
+      </p:nvGrpSpPr>
+      <p:grpSpPr>
+        <a:xfrm>
+          <a:off x="0" y="0"/>
+          <a:ext cx="0" cy="0"/>
+          <a:chOff x="0" y="0"/>
+          <a:chExt cx="0" cy="0"/>
+        </a:xfrm>
+      </p:grpSpPr>
+      <p:sp>
+        <p:nvSpPr>
+          <p:cNvPr id="2" name="Titre 1"/>
+          <p:cNvSpPr>
+            <a:spLocks noGrp="1"/>
+          </p:cNvSpPr>
+          <p:nvPr>
+            <p:ph type="title"/>
+          </p:nvPr>
+        </p:nvSpPr>
+        <p:spPr/>
+        <p:txBody>
+          <a:bodyPr/>
+          <a:lstStyle/>
+          <a:p>
+            <a:r>
+              <a:rPr lang="fr-FR" dirty="0" smtClean="0"/>
+              <a:t>Exercice: Mon premier repo distant</a:t>
+            </a:r>
+            <a:endParaRPr lang="fr-CH" dirty="0"/>
+          </a:p>
+        </p:txBody>
+      </p:sp>
+      <p:sp>
+        <p:nvSpPr>
+          <p:cNvPr id="3" name="Espace réservé du contenu 2"/>
+          <p:cNvSpPr>
+            <a:spLocks noGrp="1"/>
+          </p:cNvSpPr>
+          <p:nvPr>
+            <p:ph idx="1"/>
+          </p:nvPr>
+        </p:nvSpPr>
+        <p:spPr/>
+        <p:txBody>
+          <a:bodyPr>
+            <a:normAutofit/>
+          </a:bodyPr>
+          <a:lstStyle/>
+          <a:p>
+            <a:r>
+              <a:rPr lang="fr-FR" dirty="0"/>
+              <a:t>Créez un projet dans </a:t>
+            </a:r>
+            <a:r>
+              <a:rPr lang="fr-FR" dirty="0" err="1"/>
+              <a:t>gitlab</a:t>
+            </a:r>
+            <a:r>
+              <a:rPr lang="fr-FR" dirty="0"/>
+              <a:t> (dans votre domaine) </a:t>
+            </a:r>
+            <a:r>
+              <a:rPr lang="fr-FR" dirty="0" smtClean="0"/>
+              <a:t>&lt;login&gt;</a:t>
+            </a:r>
+          </a:p>
+          <a:p>
+            <a:r>
+              <a:rPr lang="fr-FR" dirty="0" smtClean="0"/>
+              <a:t>Créez un repo git local </a:t>
+            </a:r>
+            <a:r>
+              <a:rPr lang="fr-FR" dirty="0"/>
+              <a:t>&lt;login&gt;</a:t>
+            </a:r>
+            <a:endParaRPr lang="fr-FR" dirty="0" smtClean="0"/>
+          </a:p>
+          <a:p>
+            <a:r>
+              <a:rPr lang="fr-FR" dirty="0" smtClean="0"/>
+              <a:t>Récupérez l’url du repo distant</a:t>
+            </a:r>
+          </a:p>
+          <a:p>
+            <a:r>
+              <a:rPr lang="fr-FR" dirty="0" smtClean="0"/>
+              <a:t>Dans votre repo local renseignez l’url du repo distant</a:t>
+            </a:r>
+            <a:endParaRPr lang="fr-FR" dirty="0"/>
+          </a:p>
+          <a:p>
+            <a:pPr lvl="1"/>
+            <a:r>
+              <a:rPr lang="fr-FR" dirty="0" smtClean="0"/>
+              <a:t>git </a:t>
+            </a:r>
+            <a:r>
+              <a:rPr lang="fr-FR" dirty="0" err="1" smtClean="0"/>
+              <a:t>remote</a:t>
+            </a:r>
+            <a:r>
+              <a:rPr lang="fr-FR" dirty="0" smtClean="0"/>
+              <a:t> </a:t>
+            </a:r>
+            <a:r>
+              <a:rPr lang="fr-FR" dirty="0" err="1" smtClean="0"/>
+              <a:t>add</a:t>
+            </a:r>
+            <a:r>
+              <a:rPr lang="fr-FR" dirty="0" smtClean="0"/>
+              <a:t>  </a:t>
+            </a:r>
+            <a:r>
+              <a:rPr lang="fr-FR" dirty="0" err="1" smtClean="0"/>
+              <a:t>origin</a:t>
+            </a:r>
+            <a:r>
+              <a:rPr lang="fr-FR" dirty="0" smtClean="0"/>
+              <a:t> &lt;</a:t>
+            </a:r>
+            <a:r>
+              <a:rPr lang="fr-FR" dirty="0" err="1" smtClean="0"/>
+              <a:t>monurl</a:t>
+            </a:r>
+            <a:r>
+              <a:rPr lang="fr-FR" dirty="0" smtClean="0"/>
+              <a:t>&gt; </a:t>
+            </a:r>
+          </a:p>
+          <a:p>
+            <a:r>
+              <a:rPr lang="fr-FR" dirty="0" smtClean="0"/>
+              <a:t>Ajoutez un fichier dans votre repo local et </a:t>
+            </a:r>
+            <a:r>
+              <a:rPr lang="fr-FR" dirty="0" err="1" smtClean="0"/>
+              <a:t>committez</a:t>
+            </a:r>
+            <a:r>
+              <a:rPr lang="fr-FR" dirty="0" smtClean="0"/>
+              <a:t> le</a:t>
+            </a:r>
+          </a:p>
+          <a:p>
+            <a:r>
+              <a:rPr lang="fr-FR" dirty="0" err="1" smtClean="0"/>
+              <a:t>Pushez</a:t>
+            </a:r>
+            <a:r>
+              <a:rPr lang="fr-FR" dirty="0" smtClean="0"/>
+              <a:t> votre repo local</a:t>
+            </a:r>
+          </a:p>
+          <a:p>
+            <a:pPr lvl="1"/>
+            <a:r>
+              <a:rPr lang="fr-FR" dirty="0"/>
+              <a:t>g</a:t>
+            </a:r>
+            <a:r>
+              <a:rPr lang="fr-FR" dirty="0" smtClean="0"/>
+              <a:t>it push </a:t>
+            </a:r>
+            <a:r>
+              <a:rPr lang="fr-FR" dirty="0" err="1" smtClean="0"/>
+              <a:t>origin</a:t>
+            </a:r>
+            <a:r>
+              <a:rPr lang="fr-FR" dirty="0" smtClean="0"/>
+              <a:t> master</a:t>
+            </a:r>
+          </a:p>
+        </p:txBody>
+      </p:sp>
+    </p:spTree>
+    <p:extLst>
+      <p:ext uri="{BB962C8B-B14F-4D97-AF65-F5344CB8AC3E}">
+        <p14:creationId xmlns:p14="http://schemas.microsoft.com/office/powerpoint/2010/main" val="2358899414"/>
+      </p:ext>
+    </p:extLst>
+  </p:cSld>
+  <p:clrMapOvr>
+    <a:masterClrMapping/>
+  </p:clrMapOvr>
+</p:sld>
+</file>
+
+<file path=ppt/slides/slide35.xml><?xml version="1.0" encoding="utf-8"?>
+<p:sld xmlns:a="http://schemas.openxmlformats.org/drawingml/2006/main" xmlns:r="http://schemas.openxmlformats.org/officeDocument/2006/relationships" xmlns:p="http://schemas.openxmlformats.org/presentationml/2006/main">
+  <p:cSld>
+    <p:spTree>
+      <p:nvGrpSpPr>
+        <p:cNvPr id="1" name=""/>
+        <p:cNvGrpSpPr/>
+        <p:nvPr/>
+      </p:nvGrpSpPr>
+      <p:grpSpPr>
+        <a:xfrm>
+          <a:off x="0" y="0"/>
+          <a:ext cx="0" cy="0"/>
+          <a:chOff x="0" y="0"/>
+          <a:chExt cx="0" cy="0"/>
+        </a:xfrm>
+      </p:grpSpPr>
+      <p:sp>
+        <p:nvSpPr>
+          <p:cNvPr id="2" name="Titre 1"/>
+          <p:cNvSpPr>
+            <a:spLocks noGrp="1"/>
+          </p:cNvSpPr>
+          <p:nvPr>
+            <p:ph type="title"/>
+          </p:nvPr>
+        </p:nvSpPr>
+        <p:spPr/>
+        <p:txBody>
+          <a:bodyPr/>
+          <a:lstStyle/>
+          <a:p>
+            <a:r>
+              <a:rPr lang="fr-FR" dirty="0" smtClean="0"/>
+              <a:t>Push</a:t>
+            </a:r>
+            <a:endParaRPr lang="fr-CH" dirty="0"/>
+          </a:p>
+        </p:txBody>
+      </p:sp>
+      <p:sp>
+        <p:nvSpPr>
+          <p:cNvPr id="3" name="Espace réservé du contenu 2"/>
+          <p:cNvSpPr>
+            <a:spLocks noGrp="1"/>
+          </p:cNvSpPr>
+          <p:nvPr>
+            <p:ph idx="1"/>
+          </p:nvPr>
+        </p:nvSpPr>
+        <p:spPr/>
+        <p:txBody>
+          <a:bodyPr/>
+          <a:lstStyle/>
+          <a:p>
+            <a:r>
+              <a:rPr lang="fr-CH" dirty="0"/>
+              <a:t>Transférer les </a:t>
+            </a:r>
+            <a:r>
+              <a:rPr lang="fr-CH" dirty="0" err="1"/>
+              <a:t>commits</a:t>
+            </a:r>
+            <a:r>
+              <a:rPr lang="fr-CH" dirty="0"/>
+              <a:t> d’un dépôt local vers un dépôt </a:t>
+            </a:r>
+            <a:r>
+              <a:rPr lang="fr-CH" dirty="0" smtClean="0"/>
+              <a:t>distant</a:t>
+            </a:r>
+          </a:p>
+          <a:p>
+            <a:pPr lvl="1"/>
+            <a:r>
+              <a:rPr lang="fr-FR" dirty="0"/>
+              <a:t>g</a:t>
+            </a:r>
+            <a:r>
+              <a:rPr lang="fr-FR" dirty="0" smtClean="0"/>
+              <a:t>it push &lt;</a:t>
+            </a:r>
+            <a:r>
+              <a:rPr lang="fr-FR" dirty="0" err="1" smtClean="0"/>
+              <a:t>remote</a:t>
+            </a:r>
+            <a:r>
+              <a:rPr lang="fr-FR" dirty="0" smtClean="0"/>
+              <a:t>&gt; &lt;</a:t>
+            </a:r>
+            <a:r>
+              <a:rPr lang="fr-FR" dirty="0" err="1" smtClean="0"/>
+              <a:t>branch</a:t>
+            </a:r>
+            <a:r>
+              <a:rPr lang="fr-FR" dirty="0" smtClean="0"/>
+              <a:t>&gt;</a:t>
+            </a:r>
+          </a:p>
+          <a:p>
+            <a:pPr lvl="1"/>
+            <a:endParaRPr lang="fr-FR" dirty="0" smtClean="0"/>
+          </a:p>
+          <a:p>
+            <a:r>
+              <a:rPr lang="fr-FR" dirty="0" smtClean="0"/>
+              <a:t>Git empêche le push si ce dernier endommage les </a:t>
+            </a:r>
+            <a:r>
+              <a:rPr lang="fr-FR" dirty="0" err="1" smtClean="0"/>
+              <a:t>commits</a:t>
+            </a:r>
+            <a:r>
+              <a:rPr lang="fr-FR" dirty="0" smtClean="0"/>
+              <a:t> distants. </a:t>
+            </a:r>
+            <a:br>
+              <a:rPr lang="fr-FR" dirty="0" smtClean="0"/>
+            </a:br>
+            <a:r>
+              <a:rPr lang="fr-FR" dirty="0" smtClean="0"/>
+              <a:t>2 Possibilités:</a:t>
+            </a:r>
+          </a:p>
+          <a:p>
+            <a:pPr lvl="1"/>
+            <a:r>
+              <a:rPr lang="fr-FR" dirty="0" smtClean="0"/>
+              <a:t>git pull -&gt; récupération </a:t>
+            </a:r>
+            <a:r>
+              <a:rPr lang="fr-FR" dirty="0"/>
+              <a:t>d</a:t>
+            </a:r>
+            <a:r>
+              <a:rPr lang="fr-FR" dirty="0" smtClean="0"/>
+              <a:t>es </a:t>
+            </a:r>
+            <a:r>
+              <a:rPr lang="fr-FR" dirty="0" err="1" smtClean="0"/>
+              <a:t>commits</a:t>
+            </a:r>
+            <a:r>
+              <a:rPr lang="fr-FR" dirty="0" smtClean="0"/>
+              <a:t> distants en local (</a:t>
+            </a:r>
+            <a:r>
+              <a:rPr lang="fr-FR" dirty="0" err="1" smtClean="0"/>
+              <a:t>merge</a:t>
+            </a:r>
+            <a:r>
+              <a:rPr lang="fr-FR" dirty="0" smtClean="0"/>
+              <a:t>)</a:t>
+            </a:r>
+          </a:p>
+          <a:p>
+            <a:pPr lvl="1"/>
+            <a:r>
+              <a:rPr lang="fr-FR" dirty="0" smtClean="0"/>
+              <a:t>git push --force -&gt; écrase l’historique distant!!!</a:t>
+            </a:r>
+          </a:p>
+          <a:p>
+            <a:endParaRPr lang="fr-FR" dirty="0" smtClean="0"/>
+          </a:p>
+          <a:p>
+            <a:endParaRPr lang="fr-FR" dirty="0"/>
+          </a:p>
+          <a:p>
+            <a:pPr marL="0" indent="0">
+              <a:buNone/>
+            </a:pPr>
+            <a:endParaRPr lang="fr-FR" dirty="0"/>
+          </a:p>
+        </p:txBody>
+      </p:sp>
+      <p:sp>
+        <p:nvSpPr>
+          <p:cNvPr id="4" name="Espace réservé du pied de page 3"/>
+          <p:cNvSpPr>
+            <a:spLocks noGrp="1"/>
+          </p:cNvSpPr>
+          <p:nvPr>
+            <p:ph type="ftr" sz="quarter" idx="11"/>
+          </p:nvPr>
+        </p:nvSpPr>
+        <p:spPr>
+          <a:xfrm>
+            <a:off x="950384" y="4857008"/>
+            <a:ext cx="8792133" cy="1508167"/>
+          </a:xfrm>
+          <a:solidFill>
+            <a:srgbClr val="D91E4B"/>
+          </a:solidFill>
+        </p:spPr>
+        <p:txBody>
+          <a:bodyPr/>
+          <a:lstStyle/>
+          <a:p>
+            <a:pPr algn="l" defTabSz="914400" eaLnBrk="0" fontAlgn="base" hangingPunct="0">
+              <a:spcBef>
+                <a:spcPct val="0"/>
+              </a:spcBef>
+              <a:spcAft>
+                <a:spcPct val="0"/>
+              </a:spcAft>
+            </a:pPr>
+            <a:r>
+              <a:rPr lang="fr-FR" sz="1600" dirty="0" smtClean="0">
+                <a:solidFill>
+                  <a:schemeClr val="bg1"/>
+                </a:solidFill>
+                <a:latin typeface="HelveticaNeueLT Std Med"/>
+                <a:ea typeface="MS PGothic" charset="0"/>
+                <a:cs typeface="HelveticaNeueLT Std Med"/>
+              </a:rPr>
+              <a:t> Concernant git </a:t>
+            </a:r>
+            <a:r>
+              <a:rPr lang="fr-FR" sz="1600" dirty="0">
+                <a:solidFill>
+                  <a:schemeClr val="bg1"/>
+                </a:solidFill>
+                <a:latin typeface="HelveticaNeueLT Std Med"/>
+                <a:ea typeface="MS PGothic" charset="0"/>
+                <a:cs typeface="HelveticaNeueLT Std Med"/>
+              </a:rPr>
+              <a:t>push </a:t>
+            </a:r>
+            <a:r>
+              <a:rPr lang="fr-FR" sz="1600" dirty="0" smtClean="0">
+                <a:solidFill>
+                  <a:schemeClr val="bg1"/>
+                </a:solidFill>
+                <a:latin typeface="HelveticaNeueLT Std Med"/>
+                <a:ea typeface="MS PGothic" charset="0"/>
+                <a:cs typeface="HelveticaNeueLT Std Med"/>
+              </a:rPr>
+              <a:t>--force:</a:t>
+            </a:r>
+            <a:endParaRPr lang="fr-FR" sz="1600" dirty="0">
+              <a:solidFill>
+                <a:schemeClr val="bg1"/>
+              </a:solidFill>
+              <a:latin typeface="HelveticaNeueLT Std Med"/>
+              <a:ea typeface="MS PGothic" charset="0"/>
+              <a:cs typeface="HelveticaNeueLT Std Med"/>
+            </a:endParaRPr>
+          </a:p>
+          <a:p>
+            <a:pPr algn="l" defTabSz="914400" eaLnBrk="0" fontAlgn="base" hangingPunct="0">
+              <a:spcBef>
+                <a:spcPct val="0"/>
+              </a:spcBef>
+              <a:spcAft>
+                <a:spcPct val="0"/>
+              </a:spcAft>
+            </a:pPr>
+            <a:r>
+              <a:rPr lang="fr-FR" sz="1600" dirty="0" smtClean="0">
+                <a:solidFill>
+                  <a:schemeClr val="bg1"/>
+                </a:solidFill>
+                <a:latin typeface="HelveticaNeueLT Std Med"/>
+                <a:ea typeface="MS PGothic" charset="0"/>
+                <a:cs typeface="HelveticaNeueLT Std Med"/>
+              </a:rPr>
+              <a:t> Dans quel cas ne pas l’employer?  </a:t>
+            </a:r>
+            <a:endParaRPr lang="fr-FR" sz="1600" dirty="0">
+              <a:solidFill>
+                <a:schemeClr val="bg1"/>
+              </a:solidFill>
+              <a:latin typeface="HelveticaNeueLT Std Med"/>
+              <a:ea typeface="MS PGothic" charset="0"/>
+              <a:cs typeface="HelveticaNeueLT Std Med"/>
+            </a:endParaRPr>
+          </a:p>
+          <a:p>
+            <a:pPr algn="l" defTabSz="914400" eaLnBrk="0" fontAlgn="base" hangingPunct="0">
+              <a:spcBef>
+                <a:spcPct val="0"/>
+              </a:spcBef>
+              <a:spcAft>
+                <a:spcPct val="0"/>
+              </a:spcAft>
+            </a:pPr>
+            <a:r>
+              <a:rPr lang="fr-FR" sz="1600" dirty="0" smtClean="0">
+                <a:solidFill>
+                  <a:schemeClr val="bg1"/>
+                </a:solidFill>
+                <a:latin typeface="HelveticaNeueLT Std Med"/>
+                <a:ea typeface="MS PGothic" charset="0"/>
+                <a:cs typeface="HelveticaNeueLT Std Med"/>
+              </a:rPr>
+              <a:t> Dans quel cas l’employer?</a:t>
+            </a:r>
+          </a:p>
+          <a:p>
+            <a:r>
+              <a:rPr lang="fr-CH" sz="1800" b="1" dirty="0">
+                <a:solidFill>
+                  <a:schemeClr val="bg1"/>
+                </a:solidFill>
+              </a:rPr>
+              <a:t>En cas de doute, demander l’avis d’un collègue, n’expérimentez pas sur une branche</a:t>
+            </a:r>
+          </a:p>
+          <a:p>
+            <a:r>
+              <a:rPr lang="fr-CH" sz="1800" b="1" dirty="0">
+                <a:solidFill>
+                  <a:schemeClr val="bg1"/>
+                </a:solidFill>
+              </a:rPr>
+              <a:t>publique d’un </a:t>
+            </a:r>
+            <a:r>
+              <a:rPr lang="fr-CH" sz="1800" b="1" dirty="0" err="1">
+                <a:solidFill>
+                  <a:schemeClr val="bg1"/>
+                </a:solidFill>
+              </a:rPr>
+              <a:t>dépot</a:t>
+            </a:r>
+            <a:r>
+              <a:rPr lang="fr-CH" sz="1800" b="1" dirty="0">
+                <a:solidFill>
+                  <a:schemeClr val="bg1"/>
+                </a:solidFill>
+              </a:rPr>
+              <a:t> central !</a:t>
+            </a:r>
+          </a:p>
+          <a:p>
+            <a:endParaRPr lang="fr-FR" sz="1600" dirty="0" smtClean="0">
+              <a:solidFill>
+                <a:schemeClr val="bg1"/>
+              </a:solidFill>
+              <a:latin typeface="HelveticaNeueLT Std Med"/>
+              <a:ea typeface="MS PGothic" charset="0"/>
+              <a:cs typeface="HelveticaNeueLT Std Med"/>
+            </a:endParaRPr>
+          </a:p>
+        </p:txBody>
+      </p:sp>
+    </p:spTree>
+    <p:extLst>
+      <p:ext uri="{BB962C8B-B14F-4D97-AF65-F5344CB8AC3E}">
+        <p14:creationId xmlns:p14="http://schemas.microsoft.com/office/powerpoint/2010/main" val="3915343205"/>
+      </p:ext>
+    </p:extLst>
+  </p:cSld>
+  <p:clrMapOvr>
+    <a:masterClrMapping/>
+  </p:clrMapOvr>
+</p:sld>
+</file>
+
+<file path=ppt/slides/slide36.xml><?xml version="1.0" encoding="utf-8"?>
+<p:sld xmlns:a="http://schemas.openxmlformats.org/drawingml/2006/main" xmlns:r="http://schemas.openxmlformats.org/officeDocument/2006/relationships" xmlns:p="http://schemas.openxmlformats.org/presentationml/2006/main">
+  <p:cSld>
+    <p:spTree>
+      <p:nvGrpSpPr>
+        <p:cNvPr id="1" name=""/>
+        <p:cNvGrpSpPr/>
+        <p:nvPr/>
+      </p:nvGrpSpPr>
+      <p:grpSpPr>
+        <a:xfrm>
+          <a:off x="0" y="0"/>
+          <a:ext cx="0" cy="0"/>
+          <a:chOff x="0" y="0"/>
+          <a:chExt cx="0" cy="0"/>
+        </a:xfrm>
+      </p:grpSpPr>
+      <p:sp>
+        <p:nvSpPr>
+          <p:cNvPr id="2" name="Titre 1"/>
+          <p:cNvSpPr>
+            <a:spLocks noGrp="1"/>
+          </p:cNvSpPr>
+          <p:nvPr>
+            <p:ph type="title"/>
+          </p:nvPr>
+        </p:nvSpPr>
+        <p:spPr/>
+        <p:txBody>
+          <a:bodyPr/>
+          <a:lstStyle/>
+          <a:p>
+            <a:r>
+              <a:rPr lang="fr-FR" dirty="0"/>
+              <a:t>P</a:t>
+            </a:r>
+            <a:r>
+              <a:rPr lang="fr-FR" dirty="0" smtClean="0"/>
+              <a:t>ush</a:t>
+            </a:r>
+            <a:endParaRPr lang="fr-CH" dirty="0"/>
+          </a:p>
+        </p:txBody>
+      </p:sp>
+      <p:pic>
+        <p:nvPicPr>
+          <p:cNvPr id="5" name="Espace réservé du contenu 4"/>
+          <p:cNvPicPr>
+            <a:picLocks noGrp="1" noChangeAspect="1"/>
+          </p:cNvPicPr>
+          <p:nvPr>
+            <p:ph idx="1"/>
+          </p:nvPr>
+        </p:nvPicPr>
+        <p:blipFill>
+          <a:blip r:embed="rId2">
+            <a:extLst>
+              <a:ext uri="{28A0092B-C50C-407E-A947-70E740481C1C}">
+                <a14:useLocalDpi xmlns:a14="http://schemas.microsoft.com/office/drawing/2010/main" val="0"/>
+              </a:ext>
+            </a:extLst>
+          </a:blip>
+          <a:stretch>
+            <a:fillRect/>
+          </a:stretch>
+        </p:blipFill>
+        <p:spPr>
+          <a:xfrm>
+            <a:off x="2398816" y="807607"/>
+            <a:ext cx="5961413" cy="5560241"/>
+          </a:xfrm>
+        </p:spPr>
+      </p:pic>
+    </p:spTree>
+    <p:extLst>
+      <p:ext uri="{BB962C8B-B14F-4D97-AF65-F5344CB8AC3E}">
+        <p14:creationId xmlns:p14="http://schemas.microsoft.com/office/powerpoint/2010/main" val="3428790882"/>
+      </p:ext>
+    </p:extLst>
+  </p:cSld>
+  <p:clrMapOvr>
+    <a:masterClrMapping/>
+  </p:clrMapOvr>
+</p:sld>
+</file>
+
+<file path=ppt/slides/slide37.xml><?xml version="1.0" encoding="utf-8"?>
+<p:sld xmlns:a="http://schemas.openxmlformats.org/drawingml/2006/main" xmlns:r="http://schemas.openxmlformats.org/officeDocument/2006/relationships" xmlns:p="http://schemas.openxmlformats.org/presentationml/2006/main">
+  <p:cSld>
+    <p:spTree>
+      <p:nvGrpSpPr>
+        <p:cNvPr id="1" name=""/>
+        <p:cNvGrpSpPr/>
+        <p:nvPr/>
+      </p:nvGrpSpPr>
+      <p:grpSpPr>
+        <a:xfrm>
+          <a:off x="0" y="0"/>
+          <a:ext cx="0" cy="0"/>
+          <a:chOff x="0" y="0"/>
+          <a:chExt cx="0" cy="0"/>
+        </a:xfrm>
+      </p:grpSpPr>
+      <p:sp>
+        <p:nvSpPr>
+          <p:cNvPr id="2" name="Titre 1"/>
+          <p:cNvSpPr>
+            <a:spLocks noGrp="1"/>
+          </p:cNvSpPr>
+          <p:nvPr>
+            <p:ph type="title"/>
+          </p:nvPr>
+        </p:nvSpPr>
+        <p:spPr/>
+        <p:txBody>
+          <a:bodyPr/>
+          <a:lstStyle/>
+          <a:p>
+            <a:r>
+              <a:rPr lang="fr-FR" dirty="0" smtClean="0"/>
+              <a:t>Exercice: </a:t>
+            </a:r>
+            <a:r>
+              <a:rPr lang="fr-FR" dirty="0"/>
+              <a:t>C</a:t>
+            </a:r>
+            <a:r>
+              <a:rPr lang="fr-FR" dirty="0" smtClean="0"/>
+              <a:t>ollaborer sur le même </a:t>
+            </a:r>
+            <a:r>
+              <a:rPr lang="fr-FR" dirty="0" err="1" smtClean="0"/>
+              <a:t>repository</a:t>
+            </a:r>
+            <a:endParaRPr lang="fr-CH" dirty="0"/>
+          </a:p>
+        </p:txBody>
+      </p:sp>
+      <p:sp>
+        <p:nvSpPr>
+          <p:cNvPr id="3" name="Espace réservé du contenu 2"/>
+          <p:cNvSpPr>
+            <a:spLocks noGrp="1"/>
+          </p:cNvSpPr>
+          <p:nvPr>
+            <p:ph idx="1"/>
+          </p:nvPr>
+        </p:nvSpPr>
+        <p:spPr/>
+        <p:txBody>
+          <a:bodyPr/>
+          <a:lstStyle/>
+          <a:p>
+            <a:r>
+              <a:rPr lang="fr-FR" dirty="0" smtClean="0"/>
+              <a:t>Clonez le </a:t>
+            </a:r>
+            <a:r>
+              <a:rPr lang="fr-FR" dirty="0"/>
+              <a:t>dépôt </a:t>
+            </a:r>
+            <a:r>
+              <a:rPr lang="fr-FR" dirty="0">
+                <a:hlinkClick r:id="rId2"/>
+              </a:rPr>
+              <a:t>https://</a:t>
+            </a:r>
+            <a:r>
+              <a:rPr lang="fr-FR" dirty="0" smtClean="0">
+                <a:hlinkClick r:id="rId2"/>
+              </a:rPr>
+              <a:t>gitlab.groupemutuel.ch/interdomaine/formation/page-web-participative.git</a:t>
+            </a:r>
+            <a:endParaRPr lang="fr-FR" dirty="0" smtClean="0"/>
+          </a:p>
+          <a:p>
+            <a:r>
+              <a:rPr lang="fr-FR" dirty="0" smtClean="0"/>
+              <a:t>Ajoutez votre nom et prénom dans le fichier index.html</a:t>
+            </a:r>
+          </a:p>
+          <a:p>
+            <a:r>
+              <a:rPr lang="fr-FR" dirty="0" err="1" smtClean="0"/>
+              <a:t>Commitez</a:t>
+            </a:r>
+            <a:r>
+              <a:rPr lang="fr-FR" dirty="0" smtClean="0"/>
+              <a:t> et </a:t>
+            </a:r>
+            <a:r>
+              <a:rPr lang="fr-FR" dirty="0" err="1" smtClean="0"/>
+              <a:t>pushez</a:t>
+            </a:r>
+            <a:r>
+              <a:rPr lang="fr-FR" dirty="0" smtClean="0"/>
+              <a:t> vos modifications</a:t>
+            </a:r>
+          </a:p>
+          <a:p>
+            <a:endParaRPr lang="fr-FR" dirty="0"/>
+          </a:p>
+          <a:p>
+            <a:endParaRPr lang="fr-FR" dirty="0" smtClean="0"/>
+          </a:p>
+          <a:p>
+            <a:endParaRPr lang="fr-CH" dirty="0"/>
+          </a:p>
+        </p:txBody>
+      </p:sp>
+      <p:pic>
+        <p:nvPicPr>
+          <p:cNvPr id="5" name="Image 4"/>
+          <p:cNvPicPr>
+            <a:picLocks noChangeAspect="1"/>
+          </p:cNvPicPr>
+          <p:nvPr/>
+        </p:nvPicPr>
+        <p:blipFill>
+          <a:blip r:embed="rId3"/>
+          <a:stretch>
+            <a:fillRect/>
+          </a:stretch>
+        </p:blipFill>
+        <p:spPr>
+          <a:xfrm>
+            <a:off x="2018804" y="3771106"/>
+            <a:ext cx="6859928" cy="2692614"/>
+          </a:xfrm>
+          <a:prstGeom prst="rect">
+            <a:avLst/>
+          </a:prstGeom>
+        </p:spPr>
+      </p:pic>
+    </p:spTree>
+    <p:extLst>
+      <p:ext uri="{BB962C8B-B14F-4D97-AF65-F5344CB8AC3E}">
+        <p14:creationId xmlns:p14="http://schemas.microsoft.com/office/powerpoint/2010/main" val="3363287170"/>
+      </p:ext>
+    </p:extLst>
+  </p:cSld>
+  <p:clrMapOvr>
+    <a:masterClrMapping/>
+  </p:clrMapOvr>
+</p:sld>
+</file>
+
+<file path=ppt/slides/slide38.xml><?xml version="1.0" encoding="utf-8"?>
+<p:sld xmlns:a="http://schemas.openxmlformats.org/drawingml/2006/main" xmlns:r="http://schemas.openxmlformats.org/officeDocument/2006/relationships" xmlns:p="http://schemas.openxmlformats.org/presentationml/2006/main">
+  <p:cSld>
+    <p:spTree>
+      <p:nvGrpSpPr>
+        <p:cNvPr id="1" name=""/>
+        <p:cNvGrpSpPr/>
+        <p:nvPr/>
+      </p:nvGrpSpPr>
+      <p:grpSpPr>
+        <a:xfrm>
+          <a:off x="0" y="0"/>
+          <a:ext cx="0" cy="0"/>
+          <a:chOff x="0" y="0"/>
+          <a:chExt cx="0" cy="0"/>
+        </a:xfrm>
+      </p:grpSpPr>
+      <p:sp>
+        <p:nvSpPr>
+          <p:cNvPr id="2" name="Titre 1"/>
+          <p:cNvSpPr>
+            <a:spLocks noGrp="1"/>
+          </p:cNvSpPr>
+          <p:nvPr>
+            <p:ph type="title"/>
+          </p:nvPr>
+        </p:nvSpPr>
+        <p:spPr/>
+        <p:txBody>
+          <a:bodyPr/>
+          <a:lstStyle/>
+          <a:p>
+            <a:r>
+              <a:rPr lang="fr-FR" dirty="0" smtClean="0"/>
+              <a:t>Branch</a:t>
+            </a:r>
+            <a:endParaRPr lang="fr-CH" dirty="0"/>
+          </a:p>
+        </p:txBody>
+      </p:sp>
+      <p:sp>
+        <p:nvSpPr>
+          <p:cNvPr id="3" name="Espace réservé du contenu 2"/>
+          <p:cNvSpPr>
+            <a:spLocks noGrp="1"/>
+          </p:cNvSpPr>
+          <p:nvPr>
+            <p:ph idx="1"/>
+          </p:nvPr>
+        </p:nvSpPr>
+        <p:spPr>
+          <a:xfrm>
+            <a:off x="950384" y="997527"/>
+            <a:ext cx="10281992" cy="4857008"/>
+          </a:xfrm>
+        </p:spPr>
+        <p:txBody>
+          <a:bodyPr>
+            <a:normAutofit fontScale="92500" lnSpcReduction="20000"/>
+          </a:bodyPr>
+          <a:lstStyle/>
+          <a:p>
+            <a:r>
+              <a:rPr lang="fr-CH" dirty="0"/>
+              <a:t>Pour créer une branche locale :</a:t>
+            </a:r>
+          </a:p>
+          <a:p>
+            <a:pPr lvl="1"/>
+            <a:r>
+              <a:rPr lang="fr-CH" dirty="0" smtClean="0"/>
+              <a:t>git </a:t>
+            </a:r>
+            <a:r>
+              <a:rPr lang="fr-CH" dirty="0" err="1"/>
+              <a:t>branch</a:t>
+            </a:r>
+            <a:r>
+              <a:rPr lang="fr-CH" dirty="0"/>
+              <a:t> </a:t>
+            </a:r>
+            <a:r>
+              <a:rPr lang="fr-CH" dirty="0" err="1"/>
+              <a:t>mabranche</a:t>
+            </a:r>
+            <a:endParaRPr lang="fr-CH" dirty="0"/>
+          </a:p>
+          <a:p>
+            <a:r>
+              <a:rPr lang="fr-CH" dirty="0" smtClean="0"/>
+              <a:t>Passer </a:t>
+            </a:r>
+            <a:r>
+              <a:rPr lang="fr-CH" dirty="0"/>
+              <a:t>votre environnement de travail sur </a:t>
+            </a:r>
+            <a:r>
+              <a:rPr lang="fr-CH" dirty="0" err="1"/>
+              <a:t>mabranche</a:t>
+            </a:r>
+            <a:endParaRPr lang="fr-CH" dirty="0"/>
+          </a:p>
+          <a:p>
+            <a:pPr lvl="1"/>
+            <a:r>
+              <a:rPr lang="fr-CH" dirty="0" smtClean="0"/>
+              <a:t>git </a:t>
+            </a:r>
+            <a:r>
+              <a:rPr lang="fr-CH" dirty="0" err="1"/>
+              <a:t>checkout</a:t>
+            </a:r>
+            <a:r>
+              <a:rPr lang="fr-CH" dirty="0"/>
+              <a:t> </a:t>
+            </a:r>
+            <a:r>
+              <a:rPr lang="fr-CH" dirty="0" err="1"/>
+              <a:t>mabranche</a:t>
+            </a:r>
+            <a:endParaRPr lang="fr-CH" dirty="0"/>
+          </a:p>
+          <a:p>
+            <a:r>
+              <a:rPr lang="fr-CH" dirty="0" smtClean="0"/>
+              <a:t>On </a:t>
+            </a:r>
+            <a:r>
+              <a:rPr lang="fr-CH" dirty="0"/>
+              <a:t>fait des modifications, on commit etc. puis pousser sa branche en </a:t>
+            </a:r>
+            <a:r>
+              <a:rPr lang="fr-CH" dirty="0" err="1"/>
+              <a:t>remote</a:t>
+            </a:r>
+            <a:endParaRPr lang="fr-CH" dirty="0"/>
+          </a:p>
+          <a:p>
+            <a:pPr lvl="1"/>
+            <a:r>
+              <a:rPr lang="fr-CH" dirty="0" smtClean="0"/>
+              <a:t>git </a:t>
+            </a:r>
+            <a:r>
+              <a:rPr lang="fr-CH" dirty="0"/>
+              <a:t>push </a:t>
+            </a:r>
+            <a:r>
+              <a:rPr lang="fr-CH" dirty="0" err="1"/>
+              <a:t>origin</a:t>
+            </a:r>
+            <a:r>
+              <a:rPr lang="fr-CH" dirty="0"/>
+              <a:t> </a:t>
+            </a:r>
+            <a:r>
+              <a:rPr lang="fr-CH" dirty="0" err="1"/>
+              <a:t>mabranche</a:t>
+            </a:r>
+            <a:endParaRPr lang="fr-CH" dirty="0"/>
+          </a:p>
+          <a:p>
+            <a:r>
+              <a:rPr lang="fr-CH" dirty="0" smtClean="0"/>
+              <a:t>Administrer </a:t>
+            </a:r>
+            <a:r>
+              <a:rPr lang="fr-CH" dirty="0"/>
+              <a:t>ses </a:t>
+            </a:r>
+            <a:r>
+              <a:rPr lang="fr-CH" dirty="0" smtClean="0"/>
+              <a:t>branches</a:t>
+            </a:r>
+            <a:endParaRPr lang="fr-CH" dirty="0"/>
+          </a:p>
+          <a:p>
+            <a:pPr lvl="1"/>
+            <a:r>
+              <a:rPr lang="fr-CH" dirty="0" smtClean="0"/>
+              <a:t>git </a:t>
+            </a:r>
+            <a:r>
+              <a:rPr lang="fr-CH" dirty="0" err="1" smtClean="0"/>
+              <a:t>branch</a:t>
+            </a:r>
+            <a:r>
+              <a:rPr lang="fr-CH" dirty="0"/>
+              <a:t> </a:t>
+            </a:r>
+            <a:r>
+              <a:rPr lang="fr-CH" dirty="0" smtClean="0"/>
+              <a:t>-&gt; branches </a:t>
+            </a:r>
+            <a:r>
+              <a:rPr lang="fr-CH" dirty="0" err="1" smtClean="0"/>
+              <a:t>locals</a:t>
+            </a:r>
+            <a:endParaRPr lang="fr-CH" dirty="0"/>
+          </a:p>
+          <a:p>
+            <a:pPr lvl="1"/>
+            <a:r>
+              <a:rPr lang="fr-CH" dirty="0" smtClean="0"/>
+              <a:t>git </a:t>
+            </a:r>
+            <a:r>
+              <a:rPr lang="fr-CH" dirty="0" err="1"/>
+              <a:t>branch</a:t>
+            </a:r>
+            <a:r>
+              <a:rPr lang="fr-CH" dirty="0"/>
+              <a:t> –</a:t>
+            </a:r>
+            <a:r>
+              <a:rPr lang="fr-CH" dirty="0" smtClean="0"/>
+              <a:t>r -&gt; </a:t>
+            </a:r>
+            <a:r>
+              <a:rPr lang="fr-CH" dirty="0"/>
+              <a:t>montrer les branches </a:t>
+            </a:r>
+            <a:r>
+              <a:rPr lang="fr-CH" dirty="0" err="1"/>
+              <a:t>remotes</a:t>
+            </a:r>
+            <a:r>
+              <a:rPr lang="fr-CH" dirty="0"/>
+              <a:t> (pensez à </a:t>
+            </a:r>
+            <a:r>
+              <a:rPr lang="fr-CH" dirty="0" err="1"/>
+              <a:t>fetch</a:t>
+            </a:r>
+            <a:r>
+              <a:rPr lang="fr-CH" dirty="0"/>
+              <a:t> avant</a:t>
+            </a:r>
+            <a:r>
+              <a:rPr lang="fr-CH" dirty="0" smtClean="0"/>
+              <a:t>)</a:t>
+            </a:r>
+            <a:endParaRPr lang="fr-CH" dirty="0"/>
+          </a:p>
+          <a:p>
+            <a:r>
+              <a:rPr lang="fr-CH" dirty="0" smtClean="0"/>
+              <a:t>supprimer </a:t>
+            </a:r>
+            <a:r>
+              <a:rPr lang="fr-CH" dirty="0"/>
+              <a:t>la branche sur le repo. distant (définitif)</a:t>
+            </a:r>
+          </a:p>
+          <a:p>
+            <a:pPr lvl="1"/>
+            <a:r>
+              <a:rPr lang="fr-CH" dirty="0" smtClean="0"/>
+              <a:t>git </a:t>
+            </a:r>
+            <a:r>
+              <a:rPr lang="fr-CH" dirty="0"/>
+              <a:t>push </a:t>
+            </a:r>
+            <a:r>
+              <a:rPr lang="fr-CH" dirty="0" err="1"/>
+              <a:t>origin</a:t>
+            </a:r>
+            <a:r>
+              <a:rPr lang="fr-CH" dirty="0"/>
+              <a:t> :</a:t>
+            </a:r>
+            <a:r>
+              <a:rPr lang="fr-CH" dirty="0" err="1"/>
+              <a:t>mabranche</a:t>
+            </a:r>
+            <a:endParaRPr lang="fr-CH" dirty="0"/>
+          </a:p>
+          <a:p>
+            <a:r>
+              <a:rPr lang="fr-CH" dirty="0" smtClean="0"/>
+              <a:t>supprimer </a:t>
+            </a:r>
+            <a:r>
+              <a:rPr lang="fr-CH" dirty="0"/>
+              <a:t>la branche </a:t>
+            </a:r>
+            <a:r>
+              <a:rPr lang="fr-CH" dirty="0" err="1"/>
+              <a:t>mabranche</a:t>
+            </a:r>
+            <a:r>
+              <a:rPr lang="fr-CH" dirty="0"/>
+              <a:t> en local</a:t>
+            </a:r>
+          </a:p>
+          <a:p>
+            <a:pPr lvl="1"/>
+            <a:r>
+              <a:rPr lang="fr-CH" dirty="0" smtClean="0"/>
+              <a:t>git </a:t>
+            </a:r>
+            <a:r>
+              <a:rPr lang="fr-CH" dirty="0" err="1"/>
+              <a:t>branch</a:t>
+            </a:r>
+            <a:r>
+              <a:rPr lang="fr-CH" dirty="0"/>
+              <a:t> -D </a:t>
+            </a:r>
+            <a:r>
+              <a:rPr lang="fr-CH" dirty="0" err="1"/>
+              <a:t>mabranche</a:t>
+            </a:r>
+            <a:endParaRPr lang="fr-CH" dirty="0"/>
+          </a:p>
+        </p:txBody>
+      </p:sp>
+      <p:sp>
+        <p:nvSpPr>
+          <p:cNvPr id="4" name="Espace réservé du pied de page 3"/>
+          <p:cNvSpPr>
+            <a:spLocks noGrp="1"/>
+          </p:cNvSpPr>
+          <p:nvPr>
+            <p:ph type="ftr" sz="quarter" idx="11"/>
+          </p:nvPr>
+        </p:nvSpPr>
+        <p:spPr>
+          <a:xfrm>
+            <a:off x="957509" y="5854535"/>
+            <a:ext cx="8946512" cy="639928"/>
+          </a:xfrm>
+          <a:solidFill>
+            <a:srgbClr val="D91E4B"/>
+          </a:solidFill>
+        </p:spPr>
+        <p:txBody>
+          <a:bodyPr/>
+          <a:lstStyle/>
+          <a:p>
+            <a:pPr algn="l"/>
+            <a:r>
+              <a:rPr lang="fr-CH" sz="1600" dirty="0" smtClean="0">
+                <a:solidFill>
+                  <a:schemeClr val="bg1"/>
+                </a:solidFill>
+              </a:rPr>
+              <a:t> Comment </a:t>
+            </a:r>
+            <a:r>
+              <a:rPr lang="fr-CH" sz="1600" dirty="0">
+                <a:solidFill>
+                  <a:schemeClr val="bg1"/>
+                </a:solidFill>
+              </a:rPr>
+              <a:t>créer une branche et passer dessus en une seule commande ? </a:t>
+            </a:r>
+            <a:endParaRPr lang="fr-CH" sz="1600" dirty="0" smtClean="0">
+              <a:solidFill>
+                <a:schemeClr val="bg1"/>
+              </a:solidFill>
+            </a:endParaRPr>
+          </a:p>
+          <a:p>
+            <a:pPr algn="l"/>
+            <a:r>
+              <a:rPr lang="fr-CH" sz="1600" dirty="0" smtClean="0">
+                <a:solidFill>
+                  <a:schemeClr val="bg1"/>
+                </a:solidFill>
+              </a:rPr>
+              <a:t> Pourquoi </a:t>
+            </a:r>
+            <a:r>
+              <a:rPr lang="fr-CH" sz="1600" dirty="0">
+                <a:solidFill>
+                  <a:schemeClr val="bg1"/>
+                </a:solidFill>
+              </a:rPr>
+              <a:t>je ne peux pas supprimer la branche master sur </a:t>
+            </a:r>
+            <a:r>
+              <a:rPr lang="fr-CH" sz="1600" dirty="0" err="1">
+                <a:solidFill>
+                  <a:schemeClr val="bg1"/>
+                </a:solidFill>
+              </a:rPr>
+              <a:t>gitlab</a:t>
+            </a:r>
+            <a:r>
+              <a:rPr lang="fr-CH" sz="1600" dirty="0">
+                <a:solidFill>
+                  <a:schemeClr val="bg1"/>
+                </a:solidFill>
+              </a:rPr>
+              <a:t> ? </a:t>
+            </a:r>
+            <a:endParaRPr lang="fr-CH" sz="1600" dirty="0" smtClean="0">
+              <a:solidFill>
+                <a:schemeClr val="bg1"/>
+              </a:solidFill>
+            </a:endParaRPr>
+          </a:p>
+        </p:txBody>
+      </p:sp>
+    </p:spTree>
+    <p:extLst>
+      <p:ext uri="{BB962C8B-B14F-4D97-AF65-F5344CB8AC3E}">
+        <p14:creationId xmlns:p14="http://schemas.microsoft.com/office/powerpoint/2010/main" val="130035458"/>
+      </p:ext>
+    </p:extLst>
+  </p:cSld>
+  <p:clrMapOvr>
+    <a:masterClrMapping/>
+  </p:clrMapOvr>
+</p:sld>
+</file>
+
+<file path=ppt/slides/slide39.xml><?xml version="1.0" encoding="utf-8"?>
+<p:sld xmlns:a="http://schemas.openxmlformats.org/drawingml/2006/main" xmlns:r="http://schemas.openxmlformats.org/officeDocument/2006/relationships" xmlns:p="http://schemas.openxmlformats.org/presentationml/2006/main">
+  <p:cSld>
+    <p:spTree>
+      <p:nvGrpSpPr>
+        <p:cNvPr id="1" name=""/>
+        <p:cNvGrpSpPr/>
+        <p:nvPr/>
+      </p:nvGrpSpPr>
+      <p:grpSpPr>
+        <a:xfrm>
+          <a:off x="0" y="0"/>
+          <a:ext cx="0" cy="0"/>
+          <a:chOff x="0" y="0"/>
+          <a:chExt cx="0" cy="0"/>
+        </a:xfrm>
+      </p:grpSpPr>
+      <p:sp>
+        <p:nvSpPr>
+          <p:cNvPr id="2" name="Titre 1"/>
+          <p:cNvSpPr>
+            <a:spLocks noGrp="1"/>
+          </p:cNvSpPr>
+          <p:nvPr>
+            <p:ph type="title"/>
+          </p:nvPr>
+        </p:nvSpPr>
+        <p:spPr/>
+        <p:txBody>
+          <a:bodyPr/>
+          <a:lstStyle/>
+          <a:p>
+            <a:r>
+              <a:rPr lang="fr-FR" dirty="0" smtClean="0"/>
+              <a:t>Exercice: </a:t>
+            </a:r>
+            <a:r>
+              <a:rPr lang="fr-FR" dirty="0"/>
+              <a:t>C</a:t>
+            </a:r>
+            <a:r>
+              <a:rPr lang="fr-FR" dirty="0" smtClean="0"/>
+              <a:t>ollaborer sur le même </a:t>
+            </a:r>
+            <a:r>
+              <a:rPr lang="fr-FR" dirty="0" err="1" smtClean="0"/>
+              <a:t>repository</a:t>
+            </a:r>
+            <a:endParaRPr lang="fr-CH" dirty="0"/>
+          </a:p>
+        </p:txBody>
+      </p:sp>
+      <p:sp>
+        <p:nvSpPr>
+          <p:cNvPr id="3" name="Espace réservé du contenu 2"/>
+          <p:cNvSpPr>
+            <a:spLocks noGrp="1"/>
+          </p:cNvSpPr>
+          <p:nvPr>
+            <p:ph idx="1"/>
+          </p:nvPr>
+        </p:nvSpPr>
+        <p:spPr/>
+        <p:txBody>
+          <a:bodyPr/>
+          <a:lstStyle/>
+          <a:p>
+            <a:r>
+              <a:rPr lang="fr-FR" dirty="0" smtClean="0"/>
+              <a:t>Clonez le </a:t>
+            </a:r>
+            <a:r>
+              <a:rPr lang="fr-FR" dirty="0"/>
+              <a:t>dépôt </a:t>
+            </a:r>
+            <a:r>
+              <a:rPr lang="fr-FR" dirty="0">
+                <a:hlinkClick r:id="rId2"/>
+              </a:rPr>
+              <a:t>https://</a:t>
+            </a:r>
+            <a:r>
+              <a:rPr lang="fr-FR" dirty="0" smtClean="0">
+                <a:hlinkClick r:id="rId2"/>
+              </a:rPr>
+              <a:t>gitlab.groupemutuel.ch/interdomaine/formation/page-web-participative.git</a:t>
+            </a:r>
+            <a:endParaRPr lang="fr-FR" dirty="0" smtClean="0"/>
+          </a:p>
+          <a:p>
+            <a:r>
+              <a:rPr lang="fr-FR" dirty="0" smtClean="0"/>
+              <a:t>Créer une branche de travail </a:t>
+            </a:r>
+            <a:r>
+              <a:rPr lang="fr-FR" dirty="0" err="1" smtClean="0"/>
+              <a:t>add_name</a:t>
+            </a:r>
+            <a:r>
+              <a:rPr lang="fr-FR" dirty="0" smtClean="0"/>
+              <a:t>-{user}</a:t>
+            </a:r>
+          </a:p>
+          <a:p>
+            <a:r>
+              <a:rPr lang="fr-FR" dirty="0" smtClean="0"/>
+              <a:t>Ajoutez votre nom et prénom dans le fichier index.html</a:t>
+            </a:r>
+          </a:p>
+          <a:p>
+            <a:r>
+              <a:rPr lang="fr-FR" dirty="0" err="1" smtClean="0"/>
+              <a:t>Commitez</a:t>
+            </a:r>
+            <a:r>
+              <a:rPr lang="fr-FR" dirty="0" smtClean="0"/>
+              <a:t> et </a:t>
+            </a:r>
+            <a:r>
+              <a:rPr lang="fr-FR" dirty="0" err="1" smtClean="0"/>
+              <a:t>pushez</a:t>
+            </a:r>
+            <a:r>
+              <a:rPr lang="fr-FR" dirty="0" smtClean="0"/>
+              <a:t> vos modifications</a:t>
+            </a:r>
+          </a:p>
+          <a:p>
+            <a:pPr lvl="1"/>
+            <a:r>
+              <a:rPr lang="fr-FR" dirty="0" smtClean="0"/>
+              <a:t>git push </a:t>
+            </a:r>
+            <a:r>
+              <a:rPr lang="fr-FR" dirty="0" err="1" smtClean="0"/>
+              <a:t>origin</a:t>
+            </a:r>
+            <a:r>
+              <a:rPr lang="fr-FR" dirty="0" smtClean="0"/>
+              <a:t> </a:t>
+            </a:r>
+            <a:r>
+              <a:rPr lang="fr-FR" dirty="0" err="1" smtClean="0"/>
+              <a:t>add_name</a:t>
+            </a:r>
+            <a:r>
+              <a:rPr lang="fr-FR" dirty="0" smtClean="0"/>
+              <a:t>-{user} </a:t>
+            </a:r>
+          </a:p>
+          <a:p>
+            <a:r>
+              <a:rPr lang="fr-FR" dirty="0" smtClean="0"/>
+              <a:t>Créez une </a:t>
+            </a:r>
+            <a:r>
+              <a:rPr lang="fr-FR" dirty="0" err="1" smtClean="0"/>
+              <a:t>merge</a:t>
+            </a:r>
+            <a:r>
+              <a:rPr lang="fr-FR" dirty="0" smtClean="0"/>
+              <a:t> </a:t>
+            </a:r>
+            <a:r>
+              <a:rPr lang="fr-FR" dirty="0" err="1" smtClean="0"/>
+              <a:t>request</a:t>
+            </a:r>
+            <a:r>
+              <a:rPr lang="fr-FR" dirty="0" smtClean="0"/>
+              <a:t> dans </a:t>
+            </a:r>
+            <a:r>
+              <a:rPr lang="fr-FR" dirty="0" err="1" smtClean="0"/>
+              <a:t>gitlab</a:t>
+            </a:r>
+            <a:endParaRPr lang="fr-FR" dirty="0"/>
+          </a:p>
+          <a:p>
+            <a:endParaRPr lang="fr-FR" dirty="0" smtClean="0"/>
+          </a:p>
+          <a:p>
+            <a:endParaRPr lang="fr-CH" dirty="0"/>
+          </a:p>
+        </p:txBody>
+      </p:sp>
+    </p:spTree>
+    <p:extLst>
+      <p:ext uri="{BB962C8B-B14F-4D97-AF65-F5344CB8AC3E}">
+        <p14:creationId xmlns:p14="http://schemas.microsoft.com/office/powerpoint/2010/main" val="1693579718"/>
+      </p:ext>
+    </p:extLst>
+  </p:cSld>
+  <p:clrMapOvr>
+    <a:masterClrMapping/>
+  </p:clrMapOvr>
+</p:sld>
+</file>
+
 <file path=ppt/slides/slide4.xml><?xml version="1.0" encoding="utf-8"?>
 <p:sld xmlns:a="http://schemas.openxmlformats.org/drawingml/2006/main" xmlns:r="http://schemas.openxmlformats.org/officeDocument/2006/relationships" xmlns:p="http://schemas.openxmlformats.org/presentationml/2006/main">
   <p:cSld>
@@ -16756,6 +19760,1429 @@
       </p:par>
     </p:tnLst>
   </p:timing>
+</p:sld>
+</file>
+
+<file path=ppt/slides/slide40.xml><?xml version="1.0" encoding="utf-8"?>
+<p:sld xmlns:a="http://schemas.openxmlformats.org/drawingml/2006/main" xmlns:r="http://schemas.openxmlformats.org/officeDocument/2006/relationships" xmlns:p="http://schemas.openxmlformats.org/presentationml/2006/main">
+  <p:cSld>
+    <p:spTree>
+      <p:nvGrpSpPr>
+        <p:cNvPr id="1" name=""/>
+        <p:cNvGrpSpPr/>
+        <p:nvPr/>
+      </p:nvGrpSpPr>
+      <p:grpSpPr>
+        <a:xfrm>
+          <a:off x="0" y="0"/>
+          <a:ext cx="0" cy="0"/>
+          <a:chOff x="0" y="0"/>
+          <a:chExt cx="0" cy="0"/>
+        </a:xfrm>
+      </p:grpSpPr>
+      <p:sp>
+        <p:nvSpPr>
+          <p:cNvPr id="2" name="Titre 1"/>
+          <p:cNvSpPr>
+            <a:spLocks noGrp="1"/>
+          </p:cNvSpPr>
+          <p:nvPr>
+            <p:ph type="title"/>
+          </p:nvPr>
+        </p:nvSpPr>
+        <p:spPr/>
+        <p:txBody>
+          <a:bodyPr/>
+          <a:lstStyle/>
+          <a:p>
+            <a:r>
+              <a:rPr lang="fr-FR" dirty="0" err="1" smtClean="0"/>
+              <a:t>Merge</a:t>
+            </a:r>
+            <a:r>
+              <a:rPr lang="fr-FR" dirty="0" smtClean="0"/>
+              <a:t> avec conflit</a:t>
+            </a:r>
+            <a:endParaRPr lang="fr-CH" dirty="0"/>
+          </a:p>
+        </p:txBody>
+      </p:sp>
+      <p:sp>
+        <p:nvSpPr>
+          <p:cNvPr id="3" name="Espace réservé du contenu 2"/>
+          <p:cNvSpPr>
+            <a:spLocks noGrp="1"/>
+          </p:cNvSpPr>
+          <p:nvPr>
+            <p:ph idx="1"/>
+          </p:nvPr>
+        </p:nvSpPr>
+        <p:spPr>
+          <a:xfrm>
+            <a:off x="990227" y="1202891"/>
+            <a:ext cx="10281992" cy="4651643"/>
+          </a:xfrm>
+        </p:spPr>
+        <p:txBody>
+          <a:bodyPr>
+            <a:normAutofit/>
+          </a:bodyPr>
+          <a:lstStyle/>
+          <a:p>
+            <a:r>
+              <a:rPr lang="fr-FR" dirty="0" smtClean="0"/>
+              <a:t>En cas de conflit</a:t>
+            </a:r>
+          </a:p>
+          <a:p>
+            <a:pPr lvl="1"/>
+            <a:r>
+              <a:rPr lang="fr-FR" dirty="0" smtClean="0"/>
+              <a:t>Git redonne la main en mettant un message </a:t>
+            </a:r>
+          </a:p>
+          <a:p>
+            <a:pPr lvl="2"/>
+            <a:r>
+              <a:rPr lang="fr-CH" dirty="0" smtClean="0"/>
+              <a:t>CONFLICT </a:t>
+            </a:r>
+            <a:r>
+              <a:rPr lang="fr-CH" dirty="0"/>
+              <a:t>(content): </a:t>
+            </a:r>
+            <a:r>
+              <a:rPr lang="fr-CH" dirty="0" err="1"/>
+              <a:t>Merge</a:t>
+            </a:r>
+            <a:r>
+              <a:rPr lang="fr-CH" dirty="0"/>
+              <a:t> </a:t>
+            </a:r>
+            <a:r>
+              <a:rPr lang="fr-CH" dirty="0" err="1" smtClean="0"/>
+              <a:t>conflict</a:t>
+            </a:r>
+            <a:r>
+              <a:rPr lang="fr-CH" dirty="0" smtClean="0"/>
+              <a:t> in &lt;</a:t>
+            </a:r>
+            <a:r>
+              <a:rPr lang="fr-CH" dirty="0" err="1" smtClean="0"/>
+              <a:t>filename</a:t>
+            </a:r>
+            <a:r>
+              <a:rPr lang="fr-CH" dirty="0" smtClean="0"/>
+              <a:t>&gt;</a:t>
+            </a:r>
+            <a:endParaRPr lang="fr-FR" dirty="0"/>
+          </a:p>
+          <a:p>
+            <a:pPr lvl="1"/>
+            <a:r>
+              <a:rPr lang="fr-FR" dirty="0" smtClean="0"/>
+              <a:t>Git marque les parties du fichiers en conflit</a:t>
+            </a:r>
+          </a:p>
+          <a:p>
+            <a:pPr lvl="2"/>
+            <a:r>
+              <a:rPr lang="fr-CH" sz="1100" dirty="0" err="1" smtClean="0"/>
+              <a:t>here</a:t>
+            </a:r>
+            <a:r>
+              <a:rPr lang="fr-CH" sz="1100" dirty="0" smtClean="0"/>
+              <a:t> </a:t>
+            </a:r>
+            <a:r>
+              <a:rPr lang="fr-CH" sz="1100" dirty="0" err="1" smtClean="0"/>
+              <a:t>is</a:t>
+            </a:r>
+            <a:r>
+              <a:rPr lang="fr-CH" sz="1100" dirty="0" smtClean="0"/>
+              <a:t> </a:t>
+            </a:r>
+            <a:r>
+              <a:rPr lang="fr-CH" sz="1100" dirty="0" err="1" smtClean="0"/>
+              <a:t>my</a:t>
+            </a:r>
+            <a:r>
+              <a:rPr lang="fr-CH" sz="1100" dirty="0" smtClean="0"/>
+              <a:t> </a:t>
+            </a:r>
+            <a:r>
+              <a:rPr lang="fr-CH" sz="1100" dirty="0" err="1" smtClean="0"/>
+              <a:t>readme</a:t>
+            </a:r>
+            <a:r>
+              <a:rPr lang="fr-CH" sz="1100" dirty="0" smtClean="0"/>
+              <a:t/>
+            </a:r>
+            <a:br>
+              <a:rPr lang="fr-CH" sz="1100" dirty="0" smtClean="0"/>
+            </a:br>
+            <a:r>
+              <a:rPr lang="fr-CH" sz="1100" dirty="0" smtClean="0"/>
+              <a:t>&lt;&lt;&lt;&lt;&lt;&lt;&lt; HEAD</a:t>
+            </a:r>
+            <a:br>
+              <a:rPr lang="fr-CH" sz="1100" dirty="0" smtClean="0"/>
+            </a:br>
+            <a:r>
+              <a:rPr lang="en-US" sz="1100" dirty="0" smtClean="0"/>
+              <a:t>the cake is a lie.</a:t>
+            </a:r>
+            <a:br>
+              <a:rPr lang="en-US" sz="1100" dirty="0" smtClean="0"/>
+            </a:br>
+            <a:r>
+              <a:rPr lang="fr-CH" sz="1100" dirty="0" smtClean="0"/>
+              <a:t>=======</a:t>
+            </a:r>
+            <a:br>
+              <a:rPr lang="fr-CH" sz="1100" dirty="0" smtClean="0"/>
+            </a:br>
+            <a:r>
+              <a:rPr lang="en-US" sz="1100" dirty="0" smtClean="0"/>
+              <a:t>the cake is telling the truth!</a:t>
+            </a:r>
+            <a:br>
+              <a:rPr lang="en-US" sz="1100" dirty="0" smtClean="0"/>
+            </a:br>
+            <a:r>
+              <a:rPr lang="fr-CH" sz="1100" dirty="0" smtClean="0"/>
+              <a:t>&gt;&gt;&gt;&gt;&gt;&gt;&gt;</a:t>
+            </a:r>
+            <a:br>
+              <a:rPr lang="fr-CH" sz="1100" dirty="0" smtClean="0"/>
+            </a:br>
+            <a:r>
+              <a:rPr lang="fr-CH" sz="1100" dirty="0" smtClean="0"/>
+              <a:t>4e76d3542a7eee02ec516a47600002a90a4e4b48</a:t>
+            </a:r>
+          </a:p>
+          <a:p>
+            <a:pPr lvl="1"/>
+            <a:r>
+              <a:rPr lang="fr-FR" dirty="0" smtClean="0"/>
+              <a:t>Modifier le contenu du fichier et supprimer les </a:t>
+            </a:r>
+            <a:r>
+              <a:rPr lang="fr-FR" dirty="0" err="1" smtClean="0"/>
+              <a:t>maqueurs</a:t>
+            </a:r>
+            <a:endParaRPr lang="fr-FR" dirty="0" smtClean="0"/>
+          </a:p>
+          <a:p>
+            <a:pPr lvl="1"/>
+            <a:r>
+              <a:rPr lang="fr-FR" dirty="0" err="1" smtClean="0"/>
+              <a:t>Committez</a:t>
+            </a:r>
+            <a:r>
+              <a:rPr lang="fr-FR" dirty="0" smtClean="0"/>
+              <a:t> les fichiers </a:t>
+            </a:r>
+            <a:r>
+              <a:rPr lang="fr-FR" dirty="0" err="1" smtClean="0"/>
+              <a:t>mergés</a:t>
+            </a:r>
+            <a:endParaRPr lang="fr-FR" dirty="0" smtClean="0"/>
+          </a:p>
+          <a:p>
+            <a:pPr marL="361950" lvl="1" indent="0">
+              <a:buNone/>
+            </a:pPr>
+            <a:endParaRPr lang="fr-FR" dirty="0" smtClean="0"/>
+          </a:p>
+          <a:p>
+            <a:pPr lvl="1"/>
+            <a:endParaRPr lang="fr-CH" dirty="0"/>
+          </a:p>
+        </p:txBody>
+      </p:sp>
+    </p:spTree>
+    <p:extLst>
+      <p:ext uri="{BB962C8B-B14F-4D97-AF65-F5344CB8AC3E}">
+        <p14:creationId xmlns:p14="http://schemas.microsoft.com/office/powerpoint/2010/main" val="941900157"/>
+      </p:ext>
+    </p:extLst>
+  </p:cSld>
+  <p:clrMapOvr>
+    <a:masterClrMapping/>
+  </p:clrMapOvr>
+</p:sld>
+</file>
+
+<file path=ppt/slides/slide41.xml><?xml version="1.0" encoding="utf-8"?>
+<p:sld xmlns:a="http://schemas.openxmlformats.org/drawingml/2006/main" xmlns:r="http://schemas.openxmlformats.org/officeDocument/2006/relationships" xmlns:p="http://schemas.openxmlformats.org/presentationml/2006/main">
+  <p:cSld>
+    <p:spTree>
+      <p:nvGrpSpPr>
+        <p:cNvPr id="1" name=""/>
+        <p:cNvGrpSpPr/>
+        <p:nvPr/>
+      </p:nvGrpSpPr>
+      <p:grpSpPr>
+        <a:xfrm>
+          <a:off x="0" y="0"/>
+          <a:ext cx="0" cy="0"/>
+          <a:chOff x="0" y="0"/>
+          <a:chExt cx="0" cy="0"/>
+        </a:xfrm>
+      </p:grpSpPr>
+      <p:sp>
+        <p:nvSpPr>
+          <p:cNvPr id="2" name="Titre 1"/>
+          <p:cNvSpPr>
+            <a:spLocks noGrp="1"/>
+          </p:cNvSpPr>
+          <p:nvPr>
+            <p:ph type="title"/>
+          </p:nvPr>
+        </p:nvSpPr>
+        <p:spPr/>
+        <p:txBody>
+          <a:bodyPr/>
+          <a:lstStyle/>
+          <a:p>
+            <a:r>
+              <a:rPr lang="fr-FR" dirty="0" err="1" smtClean="0"/>
+              <a:t>Stash</a:t>
+            </a:r>
+            <a:r>
+              <a:rPr lang="fr-FR" dirty="0" smtClean="0"/>
+              <a:t> &amp; </a:t>
+            </a:r>
+            <a:r>
+              <a:rPr lang="fr-FR" dirty="0" err="1" smtClean="0"/>
+              <a:t>Blame</a:t>
+            </a:r>
+            <a:endParaRPr lang="fr-CH" dirty="0"/>
+          </a:p>
+        </p:txBody>
+      </p:sp>
+      <p:sp>
+        <p:nvSpPr>
+          <p:cNvPr id="3" name="Espace réservé du contenu 2"/>
+          <p:cNvSpPr>
+            <a:spLocks noGrp="1"/>
+          </p:cNvSpPr>
+          <p:nvPr>
+            <p:ph idx="1"/>
+          </p:nvPr>
+        </p:nvSpPr>
+        <p:spPr/>
+        <p:txBody>
+          <a:bodyPr/>
+          <a:lstStyle/>
+          <a:p>
+            <a:endParaRPr lang="fr-CH"/>
+          </a:p>
+        </p:txBody>
+      </p:sp>
+      <p:sp>
+        <p:nvSpPr>
+          <p:cNvPr id="4" name="Espace réservé du pied de page 3"/>
+          <p:cNvSpPr>
+            <a:spLocks noGrp="1"/>
+          </p:cNvSpPr>
+          <p:nvPr>
+            <p:ph type="ftr" sz="quarter" idx="11"/>
+          </p:nvPr>
+        </p:nvSpPr>
+        <p:spPr/>
+        <p:txBody>
+          <a:bodyPr/>
+          <a:lstStyle/>
+          <a:p>
+            <a:pPr algn="l" defTabSz="914400" eaLnBrk="0" fontAlgn="base" hangingPunct="0">
+              <a:spcBef>
+                <a:spcPct val="0"/>
+              </a:spcBef>
+              <a:spcAft>
+                <a:spcPct val="0"/>
+              </a:spcAft>
+            </a:pPr>
+            <a:r>
+              <a:rPr lang="fr-CH" b="1" smtClean="0">
+                <a:solidFill>
+                  <a:srgbClr val="000000"/>
+                </a:solidFill>
+                <a:latin typeface="HelveticaNeueLT Com 65 Md" charset="0"/>
+                <a:ea typeface="MS PGothic" charset="0"/>
+                <a:cs typeface="MS PGothic" charset="0"/>
+              </a:rPr>
+              <a:t>Titre de la présentation, HelveticaNeueLT 65, 10pts, gras</a:t>
+            </a:r>
+          </a:p>
+          <a:p>
+            <a:pPr algn="l" defTabSz="914400" eaLnBrk="0" fontAlgn="base" hangingPunct="0">
+              <a:spcBef>
+                <a:spcPct val="0"/>
+              </a:spcBef>
+              <a:spcAft>
+                <a:spcPct val="0"/>
+              </a:spcAft>
+            </a:pPr>
+            <a:r>
+              <a:rPr lang="fr-CH" smtClean="0">
+                <a:solidFill>
+                  <a:schemeClr val="tx1">
+                    <a:lumMod val="50000"/>
+                    <a:lumOff val="50000"/>
+                  </a:schemeClr>
+                </a:solidFill>
+                <a:latin typeface="HelveticaNeueLT Std Med"/>
+                <a:ea typeface="MS PGothic" charset="0"/>
+                <a:cs typeface="HelveticaNeueLT Std Med"/>
+              </a:rPr>
+              <a:t>Complément au titre HelveticaNeueLT 65, 10pts</a:t>
+            </a:r>
+            <a:endParaRPr lang="fr-CH" dirty="0" smtClean="0">
+              <a:solidFill>
+                <a:schemeClr val="tx1">
+                  <a:lumMod val="50000"/>
+                  <a:lumOff val="50000"/>
+                </a:schemeClr>
+              </a:solidFill>
+              <a:latin typeface="HelveticaNeueLT Std Med"/>
+              <a:ea typeface="MS PGothic" charset="0"/>
+              <a:cs typeface="HelveticaNeueLT Std Med"/>
+            </a:endParaRPr>
+          </a:p>
+        </p:txBody>
+      </p:sp>
+    </p:spTree>
+    <p:extLst>
+      <p:ext uri="{BB962C8B-B14F-4D97-AF65-F5344CB8AC3E}">
+        <p14:creationId xmlns:p14="http://schemas.microsoft.com/office/powerpoint/2010/main" val="577121423"/>
+      </p:ext>
+    </p:extLst>
+  </p:cSld>
+  <p:clrMapOvr>
+    <a:masterClrMapping/>
+  </p:clrMapOvr>
+</p:sld>
+</file>
+
+<file path=ppt/slides/slide42.xml><?xml version="1.0" encoding="utf-8"?>
+<p:sld xmlns:a="http://schemas.openxmlformats.org/drawingml/2006/main" xmlns:r="http://schemas.openxmlformats.org/officeDocument/2006/relationships" xmlns:p="http://schemas.openxmlformats.org/presentationml/2006/main">
+  <p:cSld>
+    <p:spTree>
+      <p:nvGrpSpPr>
+        <p:cNvPr id="1" name=""/>
+        <p:cNvGrpSpPr/>
+        <p:nvPr/>
+      </p:nvGrpSpPr>
+      <p:grpSpPr>
+        <a:xfrm>
+          <a:off x="0" y="0"/>
+          <a:ext cx="0" cy="0"/>
+          <a:chOff x="0" y="0"/>
+          <a:chExt cx="0" cy="0"/>
+        </a:xfrm>
+      </p:grpSpPr>
+      <p:sp>
+        <p:nvSpPr>
+          <p:cNvPr id="2" name="Titre 1"/>
+          <p:cNvSpPr>
+            <a:spLocks noGrp="1"/>
+          </p:cNvSpPr>
+          <p:nvPr>
+            <p:ph type="title"/>
+          </p:nvPr>
+        </p:nvSpPr>
+        <p:spPr/>
+        <p:txBody>
+          <a:bodyPr/>
+          <a:lstStyle/>
+          <a:p>
+            <a:r>
+              <a:rPr lang="fr-FR" dirty="0" err="1" smtClean="0"/>
+              <a:t>Stash</a:t>
+            </a:r>
+            <a:endParaRPr lang="fr-CH" dirty="0"/>
+          </a:p>
+        </p:txBody>
+      </p:sp>
+      <p:sp>
+        <p:nvSpPr>
+          <p:cNvPr id="3" name="Espace réservé du contenu 2"/>
+          <p:cNvSpPr>
+            <a:spLocks noGrp="1"/>
+          </p:cNvSpPr>
+          <p:nvPr>
+            <p:ph idx="1"/>
+          </p:nvPr>
+        </p:nvSpPr>
+        <p:spPr/>
+        <p:txBody>
+          <a:bodyPr/>
+          <a:lstStyle/>
+          <a:p>
+            <a:r>
+              <a:rPr lang="fr-FR" dirty="0" smtClean="0"/>
+              <a:t>Permet de transférer les fichiers modifiés du </a:t>
+            </a:r>
+            <a:r>
+              <a:rPr lang="fr-FR" dirty="0" err="1" smtClean="0"/>
+              <a:t>working</a:t>
+            </a:r>
+            <a:r>
+              <a:rPr lang="fr-FR" dirty="0" smtClean="0"/>
+              <a:t> directory dans un sauvegarde (=pile)</a:t>
+            </a:r>
+          </a:p>
+          <a:p>
+            <a:endParaRPr lang="fr-FR" dirty="0" smtClean="0"/>
+          </a:p>
+          <a:p>
+            <a:r>
+              <a:rPr lang="fr-FR" dirty="0" smtClean="0"/>
+              <a:t>Utile pour changer de branche sans perdre du travail</a:t>
+            </a:r>
+          </a:p>
+          <a:p>
+            <a:endParaRPr lang="fr-FR" dirty="0" smtClean="0"/>
+          </a:p>
+          <a:p>
+            <a:r>
+              <a:rPr lang="fr-FR" dirty="0" smtClean="0"/>
+              <a:t>Alternatives</a:t>
+            </a:r>
+          </a:p>
+          <a:p>
+            <a:pPr lvl="1"/>
+            <a:r>
+              <a:rPr lang="fr-FR" dirty="0" err="1" smtClean="0"/>
+              <a:t>Committer</a:t>
+            </a:r>
+            <a:r>
+              <a:rPr lang="fr-FR" dirty="0" smtClean="0"/>
+              <a:t> les fichiers et ensuite faire des git commit --</a:t>
+            </a:r>
+            <a:r>
+              <a:rPr lang="fr-FR" dirty="0" err="1" smtClean="0"/>
+              <a:t>amend</a:t>
+            </a:r>
+            <a:endParaRPr lang="fr-FR" dirty="0" smtClean="0"/>
+          </a:p>
+          <a:p>
+            <a:pPr lvl="1"/>
+            <a:r>
+              <a:rPr lang="fr-FR" dirty="0" smtClean="0"/>
+              <a:t>Utiliser une branche locale temporaire</a:t>
+            </a:r>
+            <a:endParaRPr lang="fr-CH" dirty="0"/>
+          </a:p>
+        </p:txBody>
+      </p:sp>
+    </p:spTree>
+    <p:extLst>
+      <p:ext uri="{BB962C8B-B14F-4D97-AF65-F5344CB8AC3E}">
+        <p14:creationId xmlns:p14="http://schemas.microsoft.com/office/powerpoint/2010/main" val="1828814820"/>
+      </p:ext>
+    </p:extLst>
+  </p:cSld>
+  <p:clrMapOvr>
+    <a:masterClrMapping/>
+  </p:clrMapOvr>
+</p:sld>
+</file>
+
+<file path=ppt/slides/slide43.xml><?xml version="1.0" encoding="utf-8"?>
+<p:sld xmlns:a="http://schemas.openxmlformats.org/drawingml/2006/main" xmlns:r="http://schemas.openxmlformats.org/officeDocument/2006/relationships" xmlns:p="http://schemas.openxmlformats.org/presentationml/2006/main">
+  <p:cSld>
+    <p:spTree>
+      <p:nvGrpSpPr>
+        <p:cNvPr id="1" name=""/>
+        <p:cNvGrpSpPr/>
+        <p:nvPr/>
+      </p:nvGrpSpPr>
+      <p:grpSpPr>
+        <a:xfrm>
+          <a:off x="0" y="0"/>
+          <a:ext cx="0" cy="0"/>
+          <a:chOff x="0" y="0"/>
+          <a:chExt cx="0" cy="0"/>
+        </a:xfrm>
+      </p:grpSpPr>
+      <p:sp>
+        <p:nvSpPr>
+          <p:cNvPr id="2" name="Titre 1"/>
+          <p:cNvSpPr>
+            <a:spLocks noGrp="1"/>
+          </p:cNvSpPr>
+          <p:nvPr>
+            <p:ph type="title"/>
+          </p:nvPr>
+        </p:nvSpPr>
+        <p:spPr/>
+        <p:txBody>
+          <a:bodyPr/>
+          <a:lstStyle/>
+          <a:p>
+            <a:r>
+              <a:rPr lang="fr-FR" dirty="0" err="1" smtClean="0"/>
+              <a:t>Stash</a:t>
+            </a:r>
+            <a:endParaRPr lang="fr-CH" dirty="0"/>
+          </a:p>
+        </p:txBody>
+      </p:sp>
+      <p:sp>
+        <p:nvSpPr>
+          <p:cNvPr id="3" name="Espace réservé du contenu 2"/>
+          <p:cNvSpPr>
+            <a:spLocks noGrp="1"/>
+          </p:cNvSpPr>
+          <p:nvPr>
+            <p:ph idx="1"/>
+          </p:nvPr>
+        </p:nvSpPr>
+        <p:spPr>
+          <a:xfrm>
+            <a:off x="950384" y="1045029"/>
+            <a:ext cx="10281992" cy="5142015"/>
+          </a:xfrm>
+        </p:spPr>
+        <p:txBody>
+          <a:bodyPr>
+            <a:normAutofit/>
+          </a:bodyPr>
+          <a:lstStyle/>
+          <a:p>
+            <a:r>
+              <a:rPr lang="fr-FR" dirty="0" smtClean="0"/>
+              <a:t>Créer un </a:t>
+            </a:r>
+            <a:r>
+              <a:rPr lang="fr-FR" dirty="0" err="1" smtClean="0"/>
+              <a:t>stash</a:t>
+            </a:r>
+            <a:endParaRPr lang="fr-FR" dirty="0" smtClean="0"/>
+          </a:p>
+          <a:p>
+            <a:pPr lvl="1"/>
+            <a:r>
+              <a:rPr lang="fr-FR" dirty="0" smtClean="0"/>
+              <a:t>git </a:t>
+            </a:r>
+            <a:r>
+              <a:rPr lang="fr-FR" dirty="0" err="1" smtClean="0"/>
+              <a:t>stash</a:t>
+            </a:r>
+            <a:endParaRPr lang="fr-FR" dirty="0" smtClean="0"/>
+          </a:p>
+          <a:p>
+            <a:pPr lvl="1"/>
+            <a:r>
+              <a:rPr lang="fr-FR" dirty="0" smtClean="0"/>
+              <a:t>git </a:t>
+            </a:r>
+            <a:r>
+              <a:rPr lang="fr-FR" dirty="0" err="1" smtClean="0"/>
+              <a:t>stash</a:t>
+            </a:r>
+            <a:r>
+              <a:rPr lang="fr-FR" dirty="0" smtClean="0"/>
+              <a:t> </a:t>
+            </a:r>
+            <a:r>
+              <a:rPr lang="fr-FR" dirty="0" err="1" smtClean="0"/>
+              <a:t>save</a:t>
+            </a:r>
+            <a:r>
+              <a:rPr lang="fr-FR" dirty="0" smtClean="0"/>
+              <a:t>/push &lt;mon message de </a:t>
+            </a:r>
+            <a:r>
+              <a:rPr lang="fr-FR" dirty="0" err="1" smtClean="0"/>
+              <a:t>stash</a:t>
+            </a:r>
+            <a:r>
+              <a:rPr lang="fr-FR" dirty="0" smtClean="0"/>
+              <a:t>&gt; </a:t>
+            </a:r>
+          </a:p>
+          <a:p>
+            <a:pPr lvl="1"/>
+            <a:r>
+              <a:rPr lang="fr-FR" dirty="0" smtClean="0"/>
+              <a:t>Git </a:t>
+            </a:r>
+            <a:r>
+              <a:rPr lang="fr-FR" dirty="0" err="1" smtClean="0"/>
+              <a:t>stash</a:t>
+            </a:r>
+            <a:r>
+              <a:rPr lang="fr-FR" dirty="0" smtClean="0"/>
+              <a:t> </a:t>
+            </a:r>
+            <a:r>
+              <a:rPr lang="fr-FR" dirty="0" err="1" smtClean="0"/>
+              <a:t>create</a:t>
+            </a:r>
+            <a:r>
+              <a:rPr lang="fr-FR" dirty="0" smtClean="0"/>
+              <a:t> + git </a:t>
+            </a:r>
+            <a:r>
+              <a:rPr lang="fr-FR" dirty="0" err="1" smtClean="0"/>
+              <a:t>stash</a:t>
+            </a:r>
+            <a:r>
+              <a:rPr lang="fr-FR" dirty="0" smtClean="0"/>
+              <a:t> store</a:t>
+            </a:r>
+          </a:p>
+          <a:p>
+            <a:r>
+              <a:rPr lang="fr-FR" dirty="0" smtClean="0"/>
+              <a:t>Lister les </a:t>
+            </a:r>
+            <a:r>
+              <a:rPr lang="fr-FR" dirty="0" err="1" smtClean="0"/>
+              <a:t>stashs</a:t>
+            </a:r>
+            <a:r>
+              <a:rPr lang="fr-FR" dirty="0" smtClean="0"/>
+              <a:t>: </a:t>
+            </a:r>
+          </a:p>
+          <a:p>
+            <a:pPr lvl="1"/>
+            <a:r>
+              <a:rPr lang="fr-FR" dirty="0" smtClean="0"/>
+              <a:t>git </a:t>
+            </a:r>
+            <a:r>
+              <a:rPr lang="fr-FR" dirty="0" err="1" smtClean="0"/>
+              <a:t>stash</a:t>
+            </a:r>
+            <a:r>
+              <a:rPr lang="fr-FR" dirty="0" smtClean="0"/>
+              <a:t> </a:t>
+            </a:r>
+            <a:r>
+              <a:rPr lang="fr-FR" dirty="0" err="1" smtClean="0"/>
+              <a:t>list</a:t>
+            </a:r>
+            <a:endParaRPr lang="fr-FR" dirty="0" smtClean="0"/>
+          </a:p>
+          <a:p>
+            <a:r>
+              <a:rPr lang="fr-FR" dirty="0" smtClean="0"/>
+              <a:t>Utiliser un </a:t>
+            </a:r>
+            <a:r>
+              <a:rPr lang="fr-FR" dirty="0" err="1" smtClean="0"/>
+              <a:t>stash</a:t>
+            </a:r>
+            <a:endParaRPr lang="fr-FR" dirty="0" smtClean="0"/>
+          </a:p>
+          <a:p>
+            <a:pPr lvl="1"/>
+            <a:r>
+              <a:rPr lang="fr-FR" dirty="0" smtClean="0"/>
+              <a:t>git </a:t>
+            </a:r>
+            <a:r>
+              <a:rPr lang="fr-FR" dirty="0" err="1" smtClean="0"/>
+              <a:t>stash</a:t>
+            </a:r>
+            <a:r>
+              <a:rPr lang="fr-FR" dirty="0" smtClean="0"/>
+              <a:t> </a:t>
+            </a:r>
+            <a:r>
+              <a:rPr lang="fr-FR" dirty="0" err="1" smtClean="0"/>
+              <a:t>apply</a:t>
+            </a:r>
+            <a:endParaRPr lang="fr-FR" dirty="0" smtClean="0"/>
+          </a:p>
+          <a:p>
+            <a:pPr lvl="1"/>
+            <a:r>
+              <a:rPr lang="en-US" dirty="0" err="1"/>
+              <a:t>git</a:t>
+            </a:r>
+            <a:r>
+              <a:rPr lang="en-US" dirty="0"/>
+              <a:t> stash apply stash@{0</a:t>
+            </a:r>
+            <a:r>
+              <a:rPr lang="en-US" dirty="0" smtClean="0"/>
+              <a:t>}</a:t>
+            </a:r>
+          </a:p>
+          <a:p>
+            <a:pPr lvl="1"/>
+            <a:r>
+              <a:rPr lang="fr-FR" dirty="0"/>
+              <a:t>git </a:t>
+            </a:r>
+            <a:r>
+              <a:rPr lang="fr-FR" dirty="0" err="1"/>
+              <a:t>stash</a:t>
+            </a:r>
+            <a:r>
+              <a:rPr lang="fr-FR" dirty="0"/>
+              <a:t> pop (</a:t>
+            </a:r>
+            <a:r>
+              <a:rPr lang="fr-FR" dirty="0" smtClean="0"/>
+              <a:t>applique </a:t>
+            </a:r>
+            <a:r>
+              <a:rPr lang="fr-FR" dirty="0"/>
+              <a:t>le dernier </a:t>
+            </a:r>
+            <a:r>
+              <a:rPr lang="fr-FR" dirty="0" err="1"/>
+              <a:t>stash</a:t>
+            </a:r>
+            <a:r>
+              <a:rPr lang="fr-FR" dirty="0"/>
+              <a:t> et le </a:t>
+            </a:r>
+            <a:r>
+              <a:rPr lang="fr-FR" dirty="0" smtClean="0"/>
+              <a:t>supprime)</a:t>
+            </a:r>
+            <a:endParaRPr lang="fr-FR" dirty="0"/>
+          </a:p>
+          <a:p>
+            <a:r>
+              <a:rPr lang="fr-FR" dirty="0" smtClean="0"/>
+              <a:t> Supprimer un </a:t>
+            </a:r>
+            <a:r>
+              <a:rPr lang="fr-FR" dirty="0" err="1" smtClean="0"/>
+              <a:t>stash</a:t>
+            </a:r>
+            <a:endParaRPr lang="fr-FR" dirty="0" smtClean="0"/>
+          </a:p>
+          <a:p>
+            <a:pPr lvl="1"/>
+            <a:r>
+              <a:rPr lang="fr-FR" dirty="0" smtClean="0"/>
+              <a:t>Git </a:t>
+            </a:r>
+            <a:r>
+              <a:rPr lang="fr-FR" dirty="0" err="1" smtClean="0"/>
+              <a:t>stash</a:t>
+            </a:r>
+            <a:r>
+              <a:rPr lang="fr-FR" dirty="0" smtClean="0"/>
+              <a:t> drop</a:t>
+            </a:r>
+            <a:endParaRPr lang="fr-CH" dirty="0"/>
+          </a:p>
+        </p:txBody>
+      </p:sp>
+    </p:spTree>
+    <p:extLst>
+      <p:ext uri="{BB962C8B-B14F-4D97-AF65-F5344CB8AC3E}">
+        <p14:creationId xmlns:p14="http://schemas.microsoft.com/office/powerpoint/2010/main" val="2278927565"/>
+      </p:ext>
+    </p:extLst>
+  </p:cSld>
+  <p:clrMapOvr>
+    <a:masterClrMapping/>
+  </p:clrMapOvr>
+</p:sld>
+</file>
+
+<file path=ppt/slides/slide44.xml><?xml version="1.0" encoding="utf-8"?>
+<p:sld xmlns:a="http://schemas.openxmlformats.org/drawingml/2006/main" xmlns:r="http://schemas.openxmlformats.org/officeDocument/2006/relationships" xmlns:p="http://schemas.openxmlformats.org/presentationml/2006/main">
+  <p:cSld>
+    <p:spTree>
+      <p:nvGrpSpPr>
+        <p:cNvPr id="1" name=""/>
+        <p:cNvGrpSpPr/>
+        <p:nvPr/>
+      </p:nvGrpSpPr>
+      <p:grpSpPr>
+        <a:xfrm>
+          <a:off x="0" y="0"/>
+          <a:ext cx="0" cy="0"/>
+          <a:chOff x="0" y="0"/>
+          <a:chExt cx="0" cy="0"/>
+        </a:xfrm>
+      </p:grpSpPr>
+      <p:sp>
+        <p:nvSpPr>
+          <p:cNvPr id="2" name="Titre 1"/>
+          <p:cNvSpPr>
+            <a:spLocks noGrp="1"/>
+          </p:cNvSpPr>
+          <p:nvPr>
+            <p:ph type="title"/>
+          </p:nvPr>
+        </p:nvSpPr>
+        <p:spPr/>
+        <p:txBody>
+          <a:bodyPr/>
+          <a:lstStyle/>
+          <a:p>
+            <a:r>
+              <a:rPr lang="fr-FR" dirty="0" smtClean="0"/>
+              <a:t>Exercice: </a:t>
+            </a:r>
+            <a:r>
+              <a:rPr lang="fr-FR" dirty="0" err="1" smtClean="0"/>
+              <a:t>Stash</a:t>
+            </a:r>
+            <a:endParaRPr lang="fr-CH" dirty="0"/>
+          </a:p>
+        </p:txBody>
+      </p:sp>
+      <p:sp>
+        <p:nvSpPr>
+          <p:cNvPr id="3" name="Espace réservé du contenu 2"/>
+          <p:cNvSpPr>
+            <a:spLocks noGrp="1"/>
+          </p:cNvSpPr>
+          <p:nvPr>
+            <p:ph idx="1"/>
+          </p:nvPr>
+        </p:nvSpPr>
+        <p:spPr/>
+        <p:txBody>
+          <a:bodyPr/>
+          <a:lstStyle/>
+          <a:p>
+            <a:r>
+              <a:rPr lang="fr-CH" dirty="0"/>
+              <a:t>Créer un nouveau dépôt en local</a:t>
+            </a:r>
+          </a:p>
+          <a:p>
+            <a:r>
+              <a:rPr lang="fr-CH" dirty="0" smtClean="0"/>
+              <a:t>Ajoutez </a:t>
+            </a:r>
+            <a:r>
+              <a:rPr lang="fr-CH" dirty="0"/>
+              <a:t>un fichier “stashme.txt” à votre repo. et </a:t>
+            </a:r>
+            <a:r>
+              <a:rPr lang="fr-CH" dirty="0" smtClean="0"/>
+              <a:t>l’ajoutez </a:t>
+            </a:r>
+            <a:r>
+              <a:rPr lang="fr-CH" dirty="0"/>
+              <a:t>au </a:t>
+            </a:r>
+            <a:r>
+              <a:rPr lang="fr-CH" dirty="0" err="1"/>
+              <a:t>staging</a:t>
+            </a:r>
+            <a:endParaRPr lang="fr-CH" dirty="0"/>
+          </a:p>
+          <a:p>
+            <a:r>
+              <a:rPr lang="fr-CH" dirty="0" smtClean="0"/>
+              <a:t>Faire </a:t>
+            </a:r>
+            <a:r>
+              <a:rPr lang="fr-CH" dirty="0"/>
+              <a:t>un premier commit</a:t>
+            </a:r>
+          </a:p>
+          <a:p>
+            <a:r>
+              <a:rPr lang="fr-CH" dirty="0" smtClean="0"/>
+              <a:t>Ajoutez </a:t>
+            </a:r>
+            <a:r>
+              <a:rPr lang="fr-CH" dirty="0"/>
+              <a:t>un autre fichier “stashmeagain.txt” à votre repo. et le </a:t>
+            </a:r>
+            <a:r>
+              <a:rPr lang="fr-CH" dirty="0" err="1"/>
+              <a:t>stasher</a:t>
+            </a:r>
+            <a:r>
+              <a:rPr lang="fr-CH" dirty="0"/>
+              <a:t>.</a:t>
+            </a:r>
+          </a:p>
+          <a:p>
+            <a:r>
+              <a:rPr lang="fr-CH" dirty="0" smtClean="0"/>
+              <a:t>Ajoutez </a:t>
+            </a:r>
+            <a:r>
+              <a:rPr lang="fr-CH" dirty="0"/>
+              <a:t>un autre fichier “stashmeagain2.txt” à votre repo. et le </a:t>
+            </a:r>
+            <a:r>
+              <a:rPr lang="fr-CH" dirty="0" err="1"/>
+              <a:t>stasher</a:t>
+            </a:r>
+            <a:r>
+              <a:rPr lang="fr-CH" dirty="0"/>
+              <a:t>.</a:t>
+            </a:r>
+          </a:p>
+          <a:p>
+            <a:r>
+              <a:rPr lang="fr-CH" dirty="0" smtClean="0"/>
+              <a:t>Listez </a:t>
+            </a:r>
+            <a:r>
+              <a:rPr lang="fr-CH" dirty="0"/>
+              <a:t>les </a:t>
+            </a:r>
+            <a:r>
+              <a:rPr lang="fr-CH" dirty="0" err="1"/>
+              <a:t>stashs</a:t>
+            </a:r>
+            <a:r>
+              <a:rPr lang="fr-CH" dirty="0"/>
+              <a:t>, puis appliquez le 1er </a:t>
+            </a:r>
+            <a:r>
+              <a:rPr lang="fr-CH" dirty="0" err="1"/>
+              <a:t>stash</a:t>
+            </a:r>
+            <a:r>
+              <a:rPr lang="fr-CH" dirty="0"/>
+              <a:t>.</a:t>
+            </a:r>
+          </a:p>
+          <a:p>
+            <a:r>
+              <a:rPr lang="fr-CH" dirty="0" smtClean="0"/>
+              <a:t>Comment </a:t>
+            </a:r>
+            <a:r>
+              <a:rPr lang="fr-CH" dirty="0"/>
+              <a:t>créer une branche avec le 2ème </a:t>
+            </a:r>
+            <a:r>
+              <a:rPr lang="fr-CH" dirty="0" err="1"/>
+              <a:t>stash</a:t>
+            </a:r>
+            <a:r>
+              <a:rPr lang="fr-CH" dirty="0"/>
+              <a:t> ?</a:t>
+            </a:r>
+            <a:endParaRPr lang="fr-CH" dirty="0"/>
+          </a:p>
+        </p:txBody>
+      </p:sp>
+    </p:spTree>
+    <p:extLst>
+      <p:ext uri="{BB962C8B-B14F-4D97-AF65-F5344CB8AC3E}">
+        <p14:creationId xmlns:p14="http://schemas.microsoft.com/office/powerpoint/2010/main" val="2639179278"/>
+      </p:ext>
+    </p:extLst>
+  </p:cSld>
+  <p:clrMapOvr>
+    <a:masterClrMapping/>
+  </p:clrMapOvr>
+</p:sld>
+</file>
+
+<file path=ppt/slides/slide45.xml><?xml version="1.0" encoding="utf-8"?>
+<p:sld xmlns:a="http://schemas.openxmlformats.org/drawingml/2006/main" xmlns:r="http://schemas.openxmlformats.org/officeDocument/2006/relationships" xmlns:p="http://schemas.openxmlformats.org/presentationml/2006/main">
+  <p:cSld>
+    <p:spTree>
+      <p:nvGrpSpPr>
+        <p:cNvPr id="1" name=""/>
+        <p:cNvGrpSpPr/>
+        <p:nvPr/>
+      </p:nvGrpSpPr>
+      <p:grpSpPr>
+        <a:xfrm>
+          <a:off x="0" y="0"/>
+          <a:ext cx="0" cy="0"/>
+          <a:chOff x="0" y="0"/>
+          <a:chExt cx="0" cy="0"/>
+        </a:xfrm>
+      </p:grpSpPr>
+      <p:sp>
+        <p:nvSpPr>
+          <p:cNvPr id="2" name="Titre 1"/>
+          <p:cNvSpPr>
+            <a:spLocks noGrp="1"/>
+          </p:cNvSpPr>
+          <p:nvPr>
+            <p:ph type="title"/>
+          </p:nvPr>
+        </p:nvSpPr>
+        <p:spPr/>
+        <p:txBody>
+          <a:bodyPr/>
+          <a:lstStyle/>
+          <a:p>
+            <a:r>
+              <a:rPr lang="fr-FR" dirty="0" err="1" smtClean="0"/>
+              <a:t>Blame</a:t>
+            </a:r>
+            <a:endParaRPr lang="fr-CH" dirty="0"/>
+          </a:p>
+        </p:txBody>
+      </p:sp>
+      <p:sp>
+        <p:nvSpPr>
+          <p:cNvPr id="3" name="Espace réservé du contenu 2"/>
+          <p:cNvSpPr>
+            <a:spLocks noGrp="1"/>
+          </p:cNvSpPr>
+          <p:nvPr>
+            <p:ph idx="1"/>
+          </p:nvPr>
+        </p:nvSpPr>
+        <p:spPr/>
+        <p:txBody>
+          <a:bodyPr/>
+          <a:lstStyle/>
+          <a:p>
+            <a:r>
+              <a:rPr lang="fr-CH" dirty="0"/>
+              <a:t>Permet de connaitre l’auteur et le commit de chaque ligne d’un </a:t>
+            </a:r>
+            <a:r>
+              <a:rPr lang="fr-CH" dirty="0" smtClean="0"/>
+              <a:t>fichier</a:t>
+            </a:r>
+          </a:p>
+          <a:p>
+            <a:pPr lvl="1"/>
+            <a:r>
+              <a:rPr lang="fr-FR" dirty="0"/>
+              <a:t>g</a:t>
+            </a:r>
+            <a:r>
+              <a:rPr lang="fr-FR" dirty="0" smtClean="0"/>
+              <a:t>it </a:t>
+            </a:r>
+            <a:r>
+              <a:rPr lang="fr-FR" dirty="0" err="1" smtClean="0"/>
+              <a:t>blame</a:t>
+            </a:r>
+            <a:r>
+              <a:rPr lang="fr-FR" dirty="0" smtClean="0"/>
+              <a:t> &lt;</a:t>
+            </a:r>
+            <a:r>
+              <a:rPr lang="fr-FR" dirty="0" err="1" smtClean="0"/>
+              <a:t>filename</a:t>
+            </a:r>
+            <a:r>
+              <a:rPr lang="fr-FR" dirty="0" smtClean="0"/>
+              <a:t>&gt;</a:t>
+            </a:r>
+          </a:p>
+          <a:p>
+            <a:pPr lvl="1"/>
+            <a:endParaRPr lang="fr-FR" dirty="0"/>
+          </a:p>
+          <a:p>
+            <a:r>
+              <a:rPr lang="fr-FR" dirty="0" smtClean="0"/>
+              <a:t>Exercice: </a:t>
+            </a:r>
+          </a:p>
+          <a:p>
+            <a:pPr lvl="1"/>
+            <a:r>
+              <a:rPr lang="fr-FR" dirty="0" smtClean="0"/>
+              <a:t>Aller dans le repo </a:t>
+            </a:r>
+            <a:r>
+              <a:rPr lang="fr-CH" dirty="0" smtClean="0"/>
+              <a:t>page-web-participative </a:t>
+            </a:r>
+          </a:p>
+          <a:p>
+            <a:pPr lvl="1"/>
+            <a:r>
+              <a:rPr lang="fr-FR" dirty="0" smtClean="0"/>
+              <a:t>Cherchez l’auteur de la ligne 20 du fichier README.md</a:t>
+            </a:r>
+          </a:p>
+          <a:p>
+            <a:pPr lvl="1"/>
+            <a:endParaRPr lang="fr-CH" dirty="0"/>
+          </a:p>
+        </p:txBody>
+      </p:sp>
+    </p:spTree>
+    <p:extLst>
+      <p:ext uri="{BB962C8B-B14F-4D97-AF65-F5344CB8AC3E}">
+        <p14:creationId xmlns:p14="http://schemas.microsoft.com/office/powerpoint/2010/main" val="1543318610"/>
+      </p:ext>
+    </p:extLst>
+  </p:cSld>
+  <p:clrMapOvr>
+    <a:masterClrMapping/>
+  </p:clrMapOvr>
+</p:sld>
+</file>
+
+<file path=ppt/slides/slide46.xml><?xml version="1.0" encoding="utf-8"?>
+<p:sld xmlns:a="http://schemas.openxmlformats.org/drawingml/2006/main" xmlns:r="http://schemas.openxmlformats.org/officeDocument/2006/relationships" xmlns:p="http://schemas.openxmlformats.org/presentationml/2006/main">
+  <p:cSld>
+    <p:spTree>
+      <p:nvGrpSpPr>
+        <p:cNvPr id="1" name=""/>
+        <p:cNvGrpSpPr/>
+        <p:nvPr/>
+      </p:nvGrpSpPr>
+      <p:grpSpPr>
+        <a:xfrm>
+          <a:off x="0" y="0"/>
+          <a:ext cx="0" cy="0"/>
+          <a:chOff x="0" y="0"/>
+          <a:chExt cx="0" cy="0"/>
+        </a:xfrm>
+      </p:grpSpPr>
+      <p:sp>
+        <p:nvSpPr>
+          <p:cNvPr id="2" name="Titre 1"/>
+          <p:cNvSpPr>
+            <a:spLocks noGrp="1"/>
+          </p:cNvSpPr>
+          <p:nvPr>
+            <p:ph type="title"/>
+          </p:nvPr>
+        </p:nvSpPr>
+        <p:spPr/>
+        <p:txBody>
+          <a:bodyPr/>
+          <a:lstStyle/>
+          <a:p>
+            <a:r>
+              <a:rPr lang="fr-FR" dirty="0" smtClean="0"/>
+              <a:t>Utiliser un workflow</a:t>
+            </a:r>
+            <a:endParaRPr lang="fr-CH" dirty="0"/>
+          </a:p>
+        </p:txBody>
+      </p:sp>
+      <p:sp>
+        <p:nvSpPr>
+          <p:cNvPr id="3" name="Espace réservé du contenu 2"/>
+          <p:cNvSpPr>
+            <a:spLocks noGrp="1"/>
+          </p:cNvSpPr>
+          <p:nvPr>
+            <p:ph idx="1"/>
+          </p:nvPr>
+        </p:nvSpPr>
+        <p:spPr/>
+        <p:txBody>
+          <a:bodyPr/>
+          <a:lstStyle/>
+          <a:p>
+            <a:endParaRPr lang="fr-CH"/>
+          </a:p>
+        </p:txBody>
+      </p:sp>
+    </p:spTree>
+    <p:extLst>
+      <p:ext uri="{BB962C8B-B14F-4D97-AF65-F5344CB8AC3E}">
+        <p14:creationId xmlns:p14="http://schemas.microsoft.com/office/powerpoint/2010/main" val="3320452912"/>
+      </p:ext>
+    </p:extLst>
+  </p:cSld>
+  <p:clrMapOvr>
+    <a:masterClrMapping/>
+  </p:clrMapOvr>
+</p:sld>
+</file>
+
+<file path=ppt/slides/slide47.xml><?xml version="1.0" encoding="utf-8"?>
+<p:sld xmlns:a="http://schemas.openxmlformats.org/drawingml/2006/main" xmlns:r="http://schemas.openxmlformats.org/officeDocument/2006/relationships" xmlns:p="http://schemas.openxmlformats.org/presentationml/2006/main">
+  <p:cSld>
+    <p:spTree>
+      <p:nvGrpSpPr>
+        <p:cNvPr id="1" name=""/>
+        <p:cNvGrpSpPr/>
+        <p:nvPr/>
+      </p:nvGrpSpPr>
+      <p:grpSpPr>
+        <a:xfrm>
+          <a:off x="0" y="0"/>
+          <a:ext cx="0" cy="0"/>
+          <a:chOff x="0" y="0"/>
+          <a:chExt cx="0" cy="0"/>
+        </a:xfrm>
+      </p:grpSpPr>
+      <p:sp>
+        <p:nvSpPr>
+          <p:cNvPr id="2" name="Titre 1"/>
+          <p:cNvSpPr>
+            <a:spLocks noGrp="1"/>
+          </p:cNvSpPr>
+          <p:nvPr>
+            <p:ph type="title"/>
+          </p:nvPr>
+        </p:nvSpPr>
+        <p:spPr/>
+        <p:txBody>
+          <a:bodyPr/>
+          <a:lstStyle/>
+          <a:p>
+            <a:r>
+              <a:rPr lang="fr-CH" b="1" dirty="0" err="1"/>
+              <a:t>Feature</a:t>
+            </a:r>
+            <a:r>
+              <a:rPr lang="fr-CH" b="1" dirty="0"/>
+              <a:t> </a:t>
+            </a:r>
+            <a:r>
+              <a:rPr lang="fr-CH" b="1" dirty="0" err="1"/>
+              <a:t>branch</a:t>
+            </a:r>
+            <a:endParaRPr lang="fr-CH" dirty="0"/>
+          </a:p>
+        </p:txBody>
+      </p:sp>
+      <p:sp>
+        <p:nvSpPr>
+          <p:cNvPr id="3" name="Espace réservé du contenu 2"/>
+          <p:cNvSpPr>
+            <a:spLocks noGrp="1"/>
+          </p:cNvSpPr>
+          <p:nvPr>
+            <p:ph idx="1"/>
+          </p:nvPr>
+        </p:nvSpPr>
+        <p:spPr/>
+        <p:txBody>
+          <a:bodyPr/>
+          <a:lstStyle/>
+          <a:p>
+            <a:r>
+              <a:rPr lang="fr-CH" dirty="0"/>
+              <a:t>créer une branche de travail</a:t>
+            </a:r>
+          </a:p>
+          <a:p>
+            <a:pPr lvl="1"/>
+            <a:r>
+              <a:rPr lang="fr-CH" dirty="0" smtClean="0"/>
+              <a:t>git </a:t>
+            </a:r>
+            <a:r>
+              <a:rPr lang="fr-CH" dirty="0" err="1"/>
+              <a:t>checkout</a:t>
+            </a:r>
+            <a:r>
+              <a:rPr lang="fr-CH" dirty="0"/>
+              <a:t> -b </a:t>
+            </a:r>
+            <a:r>
+              <a:rPr lang="fr-CH" dirty="0" err="1"/>
+              <a:t>ma_branche</a:t>
+            </a:r>
+            <a:endParaRPr lang="fr-CH" dirty="0"/>
+          </a:p>
+          <a:p>
+            <a:r>
+              <a:rPr lang="fr-CH" dirty="0" smtClean="0"/>
+              <a:t>faire </a:t>
+            </a:r>
+            <a:r>
+              <a:rPr lang="fr-CH" dirty="0"/>
+              <a:t>vos </a:t>
+            </a:r>
+            <a:r>
+              <a:rPr lang="fr-CH" dirty="0" err="1"/>
+              <a:t>commits</a:t>
+            </a:r>
+            <a:r>
+              <a:rPr lang="fr-CH" dirty="0"/>
+              <a:t> régulièrement</a:t>
+            </a:r>
+          </a:p>
+          <a:p>
+            <a:r>
+              <a:rPr lang="fr-CH" dirty="0" smtClean="0"/>
+              <a:t>synchroniser </a:t>
+            </a:r>
+            <a:r>
+              <a:rPr lang="fr-CH" dirty="0"/>
+              <a:t>votre branche régulièrement</a:t>
+            </a:r>
+          </a:p>
+          <a:p>
+            <a:pPr lvl="1"/>
+            <a:r>
+              <a:rPr lang="en-US" dirty="0" err="1" smtClean="0"/>
+              <a:t>git</a:t>
+            </a:r>
+            <a:r>
+              <a:rPr lang="en-US" dirty="0" smtClean="0"/>
+              <a:t> </a:t>
+            </a:r>
+            <a:r>
+              <a:rPr lang="en-US" dirty="0"/>
+              <a:t>pull --rebase origin master</a:t>
+            </a:r>
+          </a:p>
+          <a:p>
+            <a:r>
+              <a:rPr lang="fr-CH" dirty="0" smtClean="0"/>
+              <a:t>pousser </a:t>
+            </a:r>
+            <a:r>
+              <a:rPr lang="fr-CH" dirty="0"/>
+              <a:t>vers </a:t>
+            </a:r>
+            <a:r>
+              <a:rPr lang="fr-CH" dirty="0" err="1"/>
+              <a:t>gitlab</a:t>
+            </a:r>
+            <a:r>
+              <a:rPr lang="fr-CH" dirty="0"/>
+              <a:t> régulièrement</a:t>
+            </a:r>
+          </a:p>
+          <a:p>
+            <a:pPr lvl="1"/>
+            <a:r>
+              <a:rPr lang="fr-CH" dirty="0" smtClean="0"/>
+              <a:t>git </a:t>
+            </a:r>
+            <a:r>
+              <a:rPr lang="fr-CH" dirty="0"/>
+              <a:t>push </a:t>
+            </a:r>
+            <a:r>
+              <a:rPr lang="fr-CH" dirty="0" err="1"/>
+              <a:t>origin</a:t>
+            </a:r>
+            <a:r>
+              <a:rPr lang="fr-CH" dirty="0"/>
+              <a:t> </a:t>
+            </a:r>
+            <a:r>
+              <a:rPr lang="fr-CH" dirty="0" err="1"/>
+              <a:t>ma_branche</a:t>
+            </a:r>
+            <a:endParaRPr lang="fr-CH" dirty="0"/>
+          </a:p>
+        </p:txBody>
+      </p:sp>
+    </p:spTree>
+    <p:extLst>
+      <p:ext uri="{BB962C8B-B14F-4D97-AF65-F5344CB8AC3E}">
+        <p14:creationId xmlns:p14="http://schemas.microsoft.com/office/powerpoint/2010/main" val="1005402051"/>
+      </p:ext>
+    </p:extLst>
+  </p:cSld>
+  <p:clrMapOvr>
+    <a:masterClrMapping/>
+  </p:clrMapOvr>
 </p:sld>
 </file>
 

--- a/Formation Git - basique.pptx
+++ b/Formation Git - basique.pptx
@@ -9711,7 +9711,7 @@
           <a:p>
             <a:fld id="{BD316801-2A97-4601-919F-FCA6A6B76BCF}" type="datetimeFigureOut">
               <a:rPr lang="fr-CH" smtClean="0"/>
-              <a:t>26.05.2019</a:t>
+              <a:t>27.05.2019</a:t>
             </a:fld>
             <a:endParaRPr lang="fr-CH"/>
           </a:p>
@@ -16174,22 +16174,13 @@
           <a:p>
             <a:r>
               <a:rPr lang="fr-FR" dirty="0" smtClean="0"/>
-              <a:t>Permet d’afficher la liste des commi</a:t>
-            </a:r>
+              <a:t>Permet d’afficher la liste des commit sous différente forme</a:t>
+            </a:r>
+          </a:p>
+          <a:p>
             <a:r>
               <a:rPr lang="fr-FR" dirty="0" smtClean="0"/>
-              <a:t>t sous différente forme</a:t>
-            </a:r>
-            <a:endParaRPr lang="fr-FR" dirty="0" smtClean="0"/>
-          </a:p>
-          <a:p>
-            <a:r>
-              <a:rPr lang="fr-FR" dirty="0" smtClean="0"/>
-              <a:t>git </a:t>
-            </a:r>
-            <a:r>
-              <a:rPr lang="fr-FR" dirty="0" smtClean="0"/>
-              <a:t>log</a:t>
+              <a:t>git log</a:t>
             </a:r>
           </a:p>
           <a:p>
@@ -16221,15 +16212,7 @@
             </a:r>
             <a:r>
               <a:rPr lang="fr-FR" dirty="0" smtClean="0"/>
-              <a:t>it log </a:t>
-            </a:r>
-            <a:r>
-              <a:rPr lang="fr-FR" dirty="0" smtClean="0"/>
-              <a:t>-p </a:t>
-            </a:r>
-            <a:r>
-              <a:rPr lang="fr-FR" dirty="0" smtClean="0"/>
-              <a:t>{</a:t>
+              <a:t>it log -p {</a:t>
             </a:r>
             <a:r>
               <a:rPr lang="fr-FR" dirty="0" err="1" smtClean="0"/>
@@ -16259,33 +16242,20 @@
           <a:p>
             <a:r>
               <a:rPr lang="fr-FR" dirty="0" smtClean="0"/>
-              <a:t>git log </a:t>
-            </a:r>
+              <a:t>git log --stat</a:t>
+            </a:r>
+          </a:p>
+          <a:p>
+            <a:pPr lvl="1"/>
+            <a:r>
+              <a:rPr lang="fr-FR" sz="1600" dirty="0" smtClean="0"/>
+              <a:t>Lister les fichiers et leurs modifications</a:t>
+            </a:r>
+          </a:p>
+          <a:p>
             <a:r>
               <a:rPr lang="fr-FR" dirty="0" smtClean="0"/>
-              <a:t>--stat</a:t>
-            </a:r>
-            <a:endParaRPr lang="fr-FR" dirty="0" smtClean="0"/>
-          </a:p>
-          <a:p>
-            <a:pPr lvl="1"/>
-            <a:r>
-              <a:rPr lang="fr-FR" sz="1600" dirty="0" smtClean="0"/>
-              <a:t>Lister les fichiers et leurs </a:t>
-            </a:r>
-            <a:r>
-              <a:rPr lang="fr-FR" sz="1600" dirty="0" smtClean="0"/>
-              <a:t>modifications</a:t>
-            </a:r>
-          </a:p>
-          <a:p>
-            <a:r>
-              <a:rPr lang="fr-FR" dirty="0" smtClean="0"/>
-              <a:t>g</a:t>
-            </a:r>
-            <a:r>
-              <a:rPr lang="fr-FR" dirty="0" smtClean="0"/>
-              <a:t>it log HEAD~2 </a:t>
+              <a:t>git log HEAD~2 </a:t>
             </a:r>
           </a:p>
           <a:p>
@@ -17411,7 +17381,6 @@
               <a:rPr lang="fr-CH" dirty="0"/>
               <a:t> master</a:t>
             </a:r>
-            <a:endParaRPr lang="fr-CH" dirty="0"/>
           </a:p>
         </p:txBody>
       </p:sp>
@@ -20231,7 +20200,15 @@
             </a:r>
             <a:r>
               <a:rPr lang="fr-FR" dirty="0" smtClean="0"/>
-              <a:t> directory dans un sauvegarde (=pile)</a:t>
+              <a:t> directory dans </a:t>
+            </a:r>
+            <a:r>
+              <a:rPr lang="fr-FR" dirty="0" smtClean="0"/>
+              <a:t>une mémoire tampon (=</a:t>
+            </a:r>
+            <a:r>
+              <a:rPr lang="fr-FR" dirty="0" smtClean="0"/>
+              <a:t>pile)</a:t>
             </a:r>
           </a:p>
           <a:p>
@@ -20771,7 +20748,6 @@
               <a:rPr lang="fr-CH" dirty="0"/>
               <a:t> ?</a:t>
             </a:r>
-            <a:endParaRPr lang="fr-CH" dirty="0"/>
           </a:p>
         </p:txBody>
       </p:sp>
@@ -21126,8 +21102,17 @@
             </a:r>
             <a:r>
               <a:rPr lang="en-US" dirty="0"/>
-              <a:t>pull --rebase origin master</a:t>
-            </a:r>
+              <a:t>pull --rebase </a:t>
+            </a:r>
+            <a:r>
+              <a:rPr lang="en-US"/>
+              <a:t>origin </a:t>
+            </a:r>
+            <a:r>
+              <a:rPr lang="en-US" smtClean="0"/>
+              <a:t>develop</a:t>
+            </a:r>
+            <a:endParaRPr lang="en-US" dirty="0"/>
           </a:p>
           <a:p>
             <a:r>
@@ -21173,6 +21158,30 @@
           </a:p>
         </p:txBody>
       </p:sp>
+      <p:pic>
+        <p:nvPicPr>
+          <p:cNvPr id="4" name="Image 3"/>
+          <p:cNvPicPr>
+            <a:picLocks noChangeAspect="1"/>
+          </p:cNvPicPr>
+          <p:nvPr/>
+        </p:nvPicPr>
+        <p:blipFill>
+          <a:blip r:embed="rId2"/>
+          <a:stretch>
+            <a:fillRect/>
+          </a:stretch>
+        </p:blipFill>
+        <p:spPr>
+          <a:xfrm>
+            <a:off x="7699311" y="1443038"/>
+            <a:ext cx="2588250" cy="4293750"/>
+          </a:xfrm>
+          <a:prstGeom prst="rect">
+            <a:avLst/>
+          </a:prstGeom>
+        </p:spPr>
+      </p:pic>
     </p:spTree>
     <p:extLst>
       <p:ext uri="{BB962C8B-B14F-4D97-AF65-F5344CB8AC3E}">

--- a/Formation Git - basique.pptx
+++ b/Formation Git - basique.pptx
@@ -52,6 +52,12 @@
     <p:sldId id="301" r:id="rId46"/>
     <p:sldId id="302" r:id="rId47"/>
     <p:sldId id="303" r:id="rId48"/>
+    <p:sldId id="304" r:id="rId49"/>
+    <p:sldId id="305" r:id="rId50"/>
+    <p:sldId id="306" r:id="rId51"/>
+    <p:sldId id="307" r:id="rId52"/>
+    <p:sldId id="308" r:id="rId53"/>
+    <p:sldId id="309" r:id="rId54"/>
   </p:sldIdLst>
   <p:sldSz cx="12192000" cy="6858000"/>
   <p:notesSz cx="6858000" cy="9144000"/>
@@ -18950,8 +18956,13 @@
           <a:p>
             <a:r>
               <a:rPr lang="fr-CH" dirty="0"/>
-              <a:t>Pour créer une branche locale :</a:t>
-            </a:r>
+              <a:t>Pour créer une branche </a:t>
+            </a:r>
+            <a:r>
+              <a:rPr lang="fr-CH" dirty="0" smtClean="0"/>
+              <a:t>locale à partir de la branche courante:</a:t>
+            </a:r>
+            <a:endParaRPr lang="fr-CH" dirty="0"/>
           </a:p>
           <a:p>
             <a:pPr lvl="1"/>
@@ -18968,19 +18979,39 @@
               <a:t> </a:t>
             </a:r>
             <a:r>
+              <a:rPr lang="fr-CH" dirty="0" err="1" smtClean="0"/>
+              <a:t>mabranche</a:t>
+            </a:r>
+            <a:endParaRPr lang="fr-CH" dirty="0"/>
+          </a:p>
+          <a:p>
+            <a:r>
+              <a:rPr lang="fr-CH" dirty="0" smtClean="0"/>
+              <a:t>Passer </a:t>
+            </a:r>
+            <a:r>
+              <a:rPr lang="fr-CH" dirty="0"/>
+              <a:t>votre environnement de travail sur </a:t>
+            </a:r>
+            <a:r>
               <a:rPr lang="fr-CH" dirty="0" err="1"/>
               <a:t>mabranche</a:t>
             </a:r>
             <a:endParaRPr lang="fr-CH" dirty="0"/>
           </a:p>
           <a:p>
-            <a:r>
-              <a:rPr lang="fr-CH" dirty="0" smtClean="0"/>
-              <a:t>Passer </a:t>
+            <a:pPr lvl="1"/>
+            <a:r>
+              <a:rPr lang="fr-CH" dirty="0" smtClean="0"/>
+              <a:t>git </a:t>
+            </a:r>
+            <a:r>
+              <a:rPr lang="fr-CH" dirty="0" err="1"/>
+              <a:t>checkout</a:t>
             </a:r>
             <a:r>
               <a:rPr lang="fr-CH" dirty="0"/>
-              <a:t>votre environnement de travail sur </a:t>
+              <a:t> </a:t>
             </a:r>
             <a:r>
               <a:rPr lang="fr-CH" dirty="0" err="1"/>
@@ -18989,14 +19020,33 @@
             <a:endParaRPr lang="fr-CH" dirty="0"/>
           </a:p>
           <a:p>
+            <a:r>
+              <a:rPr lang="fr-CH" dirty="0" smtClean="0"/>
+              <a:t>On </a:t>
+            </a:r>
+            <a:r>
+              <a:rPr lang="fr-CH" dirty="0"/>
+              <a:t>fait des modifications, on commit etc. puis pousser sa branche en </a:t>
+            </a:r>
+            <a:r>
+              <a:rPr lang="fr-CH" dirty="0" err="1"/>
+              <a:t>remote</a:t>
+            </a:r>
+            <a:endParaRPr lang="fr-CH" dirty="0"/>
+          </a:p>
+          <a:p>
             <a:pPr lvl="1"/>
             <a:r>
               <a:rPr lang="fr-CH" dirty="0" smtClean="0"/>
               <a:t>git </a:t>
             </a:r>
             <a:r>
+              <a:rPr lang="fr-CH" dirty="0"/>
+              <a:t>push </a:t>
+            </a:r>
+            <a:r>
               <a:rPr lang="fr-CH" dirty="0" err="1"/>
-              <a:t>checkout</a:t>
+              <a:t>origin</a:t>
             </a:r>
             <a:r>
               <a:rPr lang="fr-CH" dirty="0"/>
@@ -19011,15 +19061,15 @@
           <a:p>
             <a:r>
               <a:rPr lang="fr-CH" dirty="0" smtClean="0"/>
-              <a:t>On </a:t>
+              <a:t>Administrer </a:t>
             </a:r>
             <a:r>
               <a:rPr lang="fr-CH" dirty="0"/>
-              <a:t>fait des modifications, on commit etc. puis pousser sa branche en </a:t>
-            </a:r>
-            <a:r>
-              <a:rPr lang="fr-CH" dirty="0" err="1"/>
-              <a:t>remote</a:t>
+              <a:t>ses </a:t>
+            </a:r>
+            <a:r>
+              <a:rPr lang="fr-CH" dirty="0" smtClean="0"/>
+              <a:t>branches</a:t>
             </a:r>
             <a:endParaRPr lang="fr-CH" dirty="0"/>
           </a:p>
@@ -19030,59 +19080,20 @@
               <a:t>git </a:t>
             </a:r>
             <a:r>
-              <a:rPr lang="fr-CH" dirty="0"/>
-              <a:t>push </a:t>
-            </a:r>
-            <a:r>
-              <a:rPr lang="fr-CH" dirty="0" err="1"/>
-              <a:t>origin</a:t>
+              <a:rPr lang="fr-CH" dirty="0" err="1" smtClean="0"/>
+              <a:t>branch</a:t>
             </a:r>
             <a:r>
               <a:rPr lang="fr-CH" dirty="0"/>
               <a:t> </a:t>
             </a:r>
             <a:r>
-              <a:rPr lang="fr-CH" dirty="0" err="1"/>
-              <a:t>mabranche</a:t>
-            </a:r>
-            <a:endParaRPr lang="fr-CH" dirty="0"/>
-          </a:p>
-          <a:p>
-            <a:r>
-              <a:rPr lang="fr-CH" dirty="0" smtClean="0"/>
-              <a:t>Administrer </a:t>
-            </a:r>
-            <a:r>
-              <a:rPr lang="fr-CH" dirty="0"/>
-              <a:t>ses </a:t>
-            </a:r>
-            <a:r>
-              <a:rPr lang="fr-CH" dirty="0" smtClean="0"/>
-              <a:t>branches</a:t>
-            </a:r>
-            <a:endParaRPr lang="fr-CH" dirty="0"/>
-          </a:p>
-          <a:p>
-            <a:pPr lvl="1"/>
-            <a:r>
-              <a:rPr lang="fr-CH" dirty="0" smtClean="0"/>
-              <a:t>git </a:t>
-            </a:r>
-            <a:r>
-              <a:rPr lang="fr-CH" dirty="0" err="1" smtClean="0"/>
-              <a:t>branch</a:t>
-            </a:r>
-            <a:r>
-              <a:rPr lang="fr-CH" dirty="0"/>
-              <a:t> </a:t>
-            </a:r>
-            <a:r>
               <a:rPr lang="fr-CH" dirty="0" smtClean="0"/>
               <a:t>-&gt; branches </a:t>
             </a:r>
             <a:r>
-              <a:rPr lang="fr-CH" dirty="0" err="1" smtClean="0"/>
-              <a:t>locals</a:t>
+              <a:rPr lang="fr-CH" dirty="0" smtClean="0"/>
+              <a:t>locales</a:t>
             </a:r>
             <a:endParaRPr lang="fr-CH" dirty="0"/>
           </a:p>
@@ -19117,12 +19128,20 @@
               <a:t> (pensez à </a:t>
             </a:r>
             <a:r>
-              <a:rPr lang="fr-CH" dirty="0" err="1"/>
+              <a:rPr lang="fr-CH" dirty="0" smtClean="0"/>
+              <a:t>faire </a:t>
+            </a:r>
+            <a:r>
+              <a:rPr lang="fr-CH" dirty="0" err="1" smtClean="0"/>
               <a:t>fetch</a:t>
             </a:r>
             <a:r>
+              <a:rPr lang="fr-CH" dirty="0" smtClean="0"/>
+              <a:t> </a:t>
+            </a:r>
+            <a:r>
               <a:rPr lang="fr-CH" dirty="0"/>
-              <a:t> avant</a:t>
+              <a:t>avant</a:t>
             </a:r>
             <a:r>
               <a:rPr lang="fr-CH" dirty="0" smtClean="0"/>
@@ -21102,14 +21121,10 @@
             </a:r>
             <a:r>
               <a:rPr lang="en-US" dirty="0"/>
-              <a:t>pull --rebase </a:t>
-            </a:r>
-            <a:r>
-              <a:rPr lang="en-US"/>
-              <a:t>origin </a:t>
-            </a:r>
-            <a:r>
-              <a:rPr lang="en-US" smtClean="0"/>
+              <a:t>pull --rebase origin </a:t>
+            </a:r>
+            <a:r>
+              <a:rPr lang="en-US" dirty="0" smtClean="0"/>
               <a:t>develop</a:t>
             </a:r>
             <a:endParaRPr lang="en-US" dirty="0"/>
@@ -21151,10 +21166,10 @@
               <a:t> </a:t>
             </a:r>
             <a:r>
-              <a:rPr lang="fr-CH" dirty="0" err="1"/>
+              <a:rPr lang="fr-CH" dirty="0" err="1" smtClean="0"/>
               <a:t>ma_branche</a:t>
             </a:r>
-            <a:endParaRPr lang="fr-CH" dirty="0"/>
+            <a:endParaRPr lang="fr-CH" dirty="0" smtClean="0"/>
           </a:p>
         </p:txBody>
       </p:sp>
@@ -21195,6 +21210,168 @@
 </p:sld>
 </file>
 
+<file path=ppt/slides/slide48.xml><?xml version="1.0" encoding="utf-8"?>
+<p:sld xmlns:a="http://schemas.openxmlformats.org/drawingml/2006/main" xmlns:r="http://schemas.openxmlformats.org/officeDocument/2006/relationships" xmlns:p="http://schemas.openxmlformats.org/presentationml/2006/main">
+  <p:cSld>
+    <p:spTree>
+      <p:nvGrpSpPr>
+        <p:cNvPr id="1" name=""/>
+        <p:cNvGrpSpPr/>
+        <p:nvPr/>
+      </p:nvGrpSpPr>
+      <p:grpSpPr>
+        <a:xfrm>
+          <a:off x="0" y="0"/>
+          <a:ext cx="0" cy="0"/>
+          <a:chOff x="0" y="0"/>
+          <a:chExt cx="0" cy="0"/>
+        </a:xfrm>
+      </p:grpSpPr>
+      <p:sp>
+        <p:nvSpPr>
+          <p:cNvPr id="2" name="Titre 1"/>
+          <p:cNvSpPr>
+            <a:spLocks noGrp="1"/>
+          </p:cNvSpPr>
+          <p:nvPr>
+            <p:ph type="title"/>
+          </p:nvPr>
+        </p:nvSpPr>
+        <p:spPr/>
+        <p:txBody>
+          <a:bodyPr/>
+          <a:lstStyle/>
+          <a:p>
+            <a:r>
+              <a:rPr lang="fr-CH" b="1" dirty="0"/>
+              <a:t>Comprendre le workflow de </a:t>
+            </a:r>
+            <a:r>
+              <a:rPr lang="fr-CH" b="1" dirty="0" err="1"/>
+              <a:t>GitFlow</a:t>
+            </a:r>
+            <a:endParaRPr lang="fr-CH" dirty="0"/>
+          </a:p>
+        </p:txBody>
+      </p:sp>
+      <p:pic>
+        <p:nvPicPr>
+          <p:cNvPr id="7" name="Espace réservé du contenu 6"/>
+          <p:cNvPicPr>
+            <a:picLocks noGrp="1" noChangeAspect="1"/>
+          </p:cNvPicPr>
+          <p:nvPr>
+            <p:ph idx="1"/>
+          </p:nvPr>
+        </p:nvPicPr>
+        <p:blipFill>
+          <a:blip r:embed="rId2">
+            <a:extLst>
+              <a:ext uri="{28A0092B-C50C-407E-A947-70E740481C1C}">
+                <a14:useLocalDpi xmlns:a14="http://schemas.microsoft.com/office/drawing/2010/main" val="0"/>
+              </a:ext>
+            </a:extLst>
+          </a:blip>
+          <a:stretch>
+            <a:fillRect/>
+          </a:stretch>
+        </p:blipFill>
+        <p:spPr>
+          <a:xfrm>
+            <a:off x="1872867" y="1181594"/>
+            <a:ext cx="8185534" cy="5023873"/>
+          </a:xfrm>
+        </p:spPr>
+      </p:pic>
+    </p:spTree>
+    <p:extLst>
+      <p:ext uri="{BB962C8B-B14F-4D97-AF65-F5344CB8AC3E}">
+        <p14:creationId xmlns:p14="http://schemas.microsoft.com/office/powerpoint/2010/main" val="3008056003"/>
+      </p:ext>
+    </p:extLst>
+  </p:cSld>
+  <p:clrMapOvr>
+    <a:masterClrMapping/>
+  </p:clrMapOvr>
+</p:sld>
+</file>
+
+<file path=ppt/slides/slide49.xml><?xml version="1.0" encoding="utf-8"?>
+<p:sld xmlns:a="http://schemas.openxmlformats.org/drawingml/2006/main" xmlns:r="http://schemas.openxmlformats.org/officeDocument/2006/relationships" xmlns:p="http://schemas.openxmlformats.org/presentationml/2006/main">
+  <p:cSld>
+    <p:spTree>
+      <p:nvGrpSpPr>
+        <p:cNvPr id="1" name=""/>
+        <p:cNvGrpSpPr/>
+        <p:nvPr/>
+      </p:nvGrpSpPr>
+      <p:grpSpPr>
+        <a:xfrm>
+          <a:off x="0" y="0"/>
+          <a:ext cx="0" cy="0"/>
+          <a:chOff x="0" y="0"/>
+          <a:chExt cx="0" cy="0"/>
+        </a:xfrm>
+      </p:grpSpPr>
+      <p:sp>
+        <p:nvSpPr>
+          <p:cNvPr id="2" name="Titre 1"/>
+          <p:cNvSpPr>
+            <a:spLocks noGrp="1"/>
+          </p:cNvSpPr>
+          <p:nvPr>
+            <p:ph type="title"/>
+          </p:nvPr>
+        </p:nvSpPr>
+        <p:spPr/>
+        <p:txBody>
+          <a:bodyPr/>
+          <a:lstStyle/>
+          <a:p>
+            <a:r>
+              <a:rPr lang="fr-FR" dirty="0" err="1" smtClean="0"/>
+              <a:t>Ré-écrire</a:t>
+            </a:r>
+            <a:r>
+              <a:rPr lang="fr-FR" dirty="0" smtClean="0"/>
+              <a:t> l’histoire</a:t>
+            </a:r>
+            <a:endParaRPr lang="fr-CH" dirty="0"/>
+          </a:p>
+        </p:txBody>
+      </p:sp>
+      <p:sp>
+        <p:nvSpPr>
+          <p:cNvPr id="3" name="Espace réservé du contenu 2"/>
+          <p:cNvSpPr>
+            <a:spLocks noGrp="1"/>
+          </p:cNvSpPr>
+          <p:nvPr>
+            <p:ph idx="1"/>
+          </p:nvPr>
+        </p:nvSpPr>
+        <p:spPr/>
+        <p:txBody>
+          <a:bodyPr/>
+          <a:lstStyle/>
+          <a:p>
+            <a:endParaRPr lang="fr-CH" dirty="0"/>
+          </a:p>
+        </p:txBody>
+      </p:sp>
+    </p:spTree>
+    <p:extLst>
+      <p:ext uri="{BB962C8B-B14F-4D97-AF65-F5344CB8AC3E}">
+        <p14:creationId xmlns:p14="http://schemas.microsoft.com/office/powerpoint/2010/main" val="4122106432"/>
+      </p:ext>
+    </p:extLst>
+  </p:cSld>
+  <p:clrMapOvr>
+    <a:masterClrMapping/>
+  </p:clrMapOvr>
+</p:sld>
+</file>
+
 <file path=ppt/slides/slide5.xml><?xml version="1.0" encoding="utf-8"?>
 <p:sld xmlns:a="http://schemas.openxmlformats.org/drawingml/2006/main" xmlns:r="http://schemas.openxmlformats.org/officeDocument/2006/relationships" xmlns:p="http://schemas.openxmlformats.org/presentationml/2006/main">
   <p:cSld>
@@ -21363,6 +21540,692 @@
       </p:par>
     </p:tnLst>
   </p:timing>
+</p:sld>
+</file>
+
+<file path=ppt/slides/slide50.xml><?xml version="1.0" encoding="utf-8"?>
+<p:sld xmlns:a="http://schemas.openxmlformats.org/drawingml/2006/main" xmlns:r="http://schemas.openxmlformats.org/officeDocument/2006/relationships" xmlns:p="http://schemas.openxmlformats.org/presentationml/2006/main">
+  <p:cSld>
+    <p:spTree>
+      <p:nvGrpSpPr>
+        <p:cNvPr id="1" name=""/>
+        <p:cNvGrpSpPr/>
+        <p:nvPr/>
+      </p:nvGrpSpPr>
+      <p:grpSpPr>
+        <a:xfrm>
+          <a:off x="0" y="0"/>
+          <a:ext cx="0" cy="0"/>
+          <a:chOff x="0" y="0"/>
+          <a:chExt cx="0" cy="0"/>
+        </a:xfrm>
+      </p:grpSpPr>
+      <p:sp>
+        <p:nvSpPr>
+          <p:cNvPr id="2" name="Titre 1"/>
+          <p:cNvSpPr>
+            <a:spLocks noGrp="1"/>
+          </p:cNvSpPr>
+          <p:nvPr>
+            <p:ph type="title"/>
+          </p:nvPr>
+        </p:nvSpPr>
+        <p:spPr/>
+        <p:txBody>
+          <a:bodyPr/>
+          <a:lstStyle/>
+          <a:p>
+            <a:r>
+              <a:rPr lang="fr-FR" dirty="0" err="1" smtClean="0"/>
+              <a:t>Amend</a:t>
+            </a:r>
+            <a:endParaRPr lang="fr-CH" dirty="0"/>
+          </a:p>
+        </p:txBody>
+      </p:sp>
+      <p:sp>
+        <p:nvSpPr>
+          <p:cNvPr id="10" name="Espace réservé du contenu 9"/>
+          <p:cNvSpPr>
+            <a:spLocks noGrp="1"/>
+          </p:cNvSpPr>
+          <p:nvPr>
+            <p:ph idx="1"/>
+          </p:nvPr>
+        </p:nvSpPr>
+        <p:spPr/>
+        <p:txBody>
+          <a:bodyPr/>
+          <a:lstStyle/>
+          <a:p>
+            <a:r>
+              <a:rPr lang="fr-FR" dirty="0" smtClean="0"/>
+              <a:t>Permet  « d’amender » le dernier commit afin de</a:t>
+            </a:r>
+          </a:p>
+          <a:p>
+            <a:pPr lvl="1"/>
+            <a:r>
+              <a:rPr lang="fr-FR" dirty="0" smtClean="0"/>
+              <a:t>Modifier le message du commit</a:t>
+            </a:r>
+          </a:p>
+          <a:p>
+            <a:pPr lvl="1"/>
+            <a:r>
+              <a:rPr lang="fr-FR" dirty="0" smtClean="0"/>
+              <a:t>Modifier le contenu du commit</a:t>
+            </a:r>
+          </a:p>
+          <a:p>
+            <a:pPr lvl="1"/>
+            <a:endParaRPr lang="fr-FR" dirty="0"/>
+          </a:p>
+          <a:p>
+            <a:r>
+              <a:rPr lang="fr-FR" dirty="0" smtClean="0"/>
+              <a:t>Exercice</a:t>
+            </a:r>
+          </a:p>
+          <a:p>
+            <a:pPr lvl="1"/>
+            <a:r>
+              <a:rPr lang="fr-FR" dirty="0" smtClean="0"/>
+              <a:t>Se placez dans un repo existant</a:t>
+            </a:r>
+          </a:p>
+          <a:p>
+            <a:pPr lvl="1"/>
+            <a:r>
+              <a:rPr lang="fr-FR" dirty="0" smtClean="0"/>
+              <a:t>Modifiez un fichier</a:t>
+            </a:r>
+          </a:p>
+          <a:p>
+            <a:pPr lvl="1"/>
+            <a:r>
+              <a:rPr lang="fr-FR" dirty="0" smtClean="0"/>
+              <a:t>Ajoutez ce fichier au dernier commit</a:t>
+            </a:r>
+            <a:endParaRPr lang="fr-CH" dirty="0"/>
+          </a:p>
+        </p:txBody>
+      </p:sp>
+      <p:pic>
+        <p:nvPicPr>
+          <p:cNvPr id="11" name="Image 10"/>
+          <p:cNvPicPr>
+            <a:picLocks noChangeAspect="1"/>
+          </p:cNvPicPr>
+          <p:nvPr/>
+        </p:nvPicPr>
+        <p:blipFill>
+          <a:blip r:embed="rId2">
+            <a:extLst>
+              <a:ext uri="{28A0092B-C50C-407E-A947-70E740481C1C}">
+                <a14:useLocalDpi xmlns:a14="http://schemas.microsoft.com/office/drawing/2010/main" val="0"/>
+              </a:ext>
+            </a:extLst>
+          </a:blip>
+          <a:stretch>
+            <a:fillRect/>
+          </a:stretch>
+        </p:blipFill>
+        <p:spPr>
+          <a:xfrm>
+            <a:off x="7892954" y="1808716"/>
+            <a:ext cx="2584087" cy="3214039"/>
+          </a:xfrm>
+          <a:prstGeom prst="rect">
+            <a:avLst/>
+          </a:prstGeom>
+        </p:spPr>
+      </p:pic>
+    </p:spTree>
+    <p:extLst>
+      <p:ext uri="{BB962C8B-B14F-4D97-AF65-F5344CB8AC3E}">
+        <p14:creationId xmlns:p14="http://schemas.microsoft.com/office/powerpoint/2010/main" val="89987842"/>
+      </p:ext>
+    </p:extLst>
+  </p:cSld>
+  <p:clrMapOvr>
+    <a:masterClrMapping/>
+  </p:clrMapOvr>
+</p:sld>
+</file>
+
+<file path=ppt/slides/slide51.xml><?xml version="1.0" encoding="utf-8"?>
+<p:sld xmlns:a="http://schemas.openxmlformats.org/drawingml/2006/main" xmlns:r="http://schemas.openxmlformats.org/officeDocument/2006/relationships" xmlns:p="http://schemas.openxmlformats.org/presentationml/2006/main">
+  <p:cSld>
+    <p:spTree>
+      <p:nvGrpSpPr>
+        <p:cNvPr id="1" name=""/>
+        <p:cNvGrpSpPr/>
+        <p:nvPr/>
+      </p:nvGrpSpPr>
+      <p:grpSpPr>
+        <a:xfrm>
+          <a:off x="0" y="0"/>
+          <a:ext cx="0" cy="0"/>
+          <a:chOff x="0" y="0"/>
+          <a:chExt cx="0" cy="0"/>
+        </a:xfrm>
+      </p:grpSpPr>
+      <p:sp>
+        <p:nvSpPr>
+          <p:cNvPr id="2" name="Titre 1"/>
+          <p:cNvSpPr>
+            <a:spLocks noGrp="1"/>
+          </p:cNvSpPr>
+          <p:nvPr>
+            <p:ph type="title"/>
+          </p:nvPr>
+        </p:nvSpPr>
+        <p:spPr/>
+        <p:txBody>
+          <a:bodyPr/>
+          <a:lstStyle/>
+          <a:p>
+            <a:r>
+              <a:rPr lang="fr-FR" dirty="0" err="1" smtClean="0"/>
+              <a:t>Rebase</a:t>
+            </a:r>
+            <a:r>
+              <a:rPr lang="fr-FR" dirty="0" smtClean="0"/>
+              <a:t> interactif</a:t>
+            </a:r>
+            <a:endParaRPr lang="fr-CH" dirty="0"/>
+          </a:p>
+        </p:txBody>
+      </p:sp>
+      <p:sp>
+        <p:nvSpPr>
+          <p:cNvPr id="3" name="Espace réservé du contenu 2"/>
+          <p:cNvSpPr>
+            <a:spLocks noGrp="1"/>
+          </p:cNvSpPr>
+          <p:nvPr>
+            <p:ph idx="1"/>
+          </p:nvPr>
+        </p:nvSpPr>
+        <p:spPr>
+          <a:xfrm>
+            <a:off x="950384" y="1951038"/>
+            <a:ext cx="10281992" cy="4218408"/>
+          </a:xfrm>
+        </p:spPr>
+        <p:txBody>
+          <a:bodyPr>
+            <a:normAutofit lnSpcReduction="10000"/>
+          </a:bodyPr>
+          <a:lstStyle/>
+          <a:p>
+            <a:r>
+              <a:rPr lang="fr-FR" dirty="0" smtClean="0"/>
+              <a:t>Réordonner les </a:t>
+            </a:r>
+            <a:r>
+              <a:rPr lang="fr-FR" dirty="0" err="1" smtClean="0"/>
+              <a:t>commits</a:t>
+            </a:r>
+            <a:endParaRPr lang="fr-FR" dirty="0" smtClean="0"/>
+          </a:p>
+          <a:p>
+            <a:r>
+              <a:rPr lang="fr-FR" dirty="0" smtClean="0"/>
+              <a:t>Fusionner des </a:t>
+            </a:r>
+            <a:r>
+              <a:rPr lang="fr-FR" dirty="0" err="1" smtClean="0"/>
+              <a:t>commits</a:t>
+            </a:r>
+            <a:endParaRPr lang="fr-FR" dirty="0" smtClean="0"/>
+          </a:p>
+          <a:p>
+            <a:r>
+              <a:rPr lang="fr-FR" dirty="0" smtClean="0"/>
+              <a:t>Modifier les messages des </a:t>
+            </a:r>
+            <a:r>
+              <a:rPr lang="fr-FR" dirty="0" err="1" smtClean="0"/>
+              <a:t>commits</a:t>
+            </a:r>
+            <a:endParaRPr lang="fr-FR" dirty="0" smtClean="0"/>
+          </a:p>
+          <a:p>
+            <a:r>
+              <a:rPr lang="fr-FR" dirty="0" smtClean="0"/>
+              <a:t>Supprimer des </a:t>
+            </a:r>
+            <a:r>
+              <a:rPr lang="fr-FR" dirty="0" err="1" smtClean="0"/>
+              <a:t>commits</a:t>
+            </a:r>
+            <a:endParaRPr lang="fr-FR" dirty="0" smtClean="0"/>
+          </a:p>
+          <a:p>
+            <a:endParaRPr lang="fr-FR" dirty="0"/>
+          </a:p>
+          <a:p>
+            <a:endParaRPr lang="fr-FR" dirty="0" smtClean="0"/>
+          </a:p>
+          <a:p>
+            <a:r>
+              <a:rPr lang="fr-FR" dirty="0" smtClean="0"/>
+              <a:t>Exercice</a:t>
+            </a:r>
+          </a:p>
+          <a:p>
+            <a:pPr lvl="1"/>
+            <a:r>
+              <a:rPr lang="fr-FR" dirty="0" smtClean="0"/>
+              <a:t>Se placez dans un repo existant </a:t>
+            </a:r>
+          </a:p>
+          <a:p>
+            <a:pPr lvl="1"/>
+            <a:r>
+              <a:rPr lang="fr-FR" dirty="0" smtClean="0"/>
+              <a:t>Fusionnez les 2 derniers </a:t>
+            </a:r>
+            <a:r>
+              <a:rPr lang="fr-FR" dirty="0" err="1" smtClean="0"/>
+              <a:t>commits</a:t>
+            </a:r>
+            <a:endParaRPr lang="fr-FR" dirty="0" smtClean="0"/>
+          </a:p>
+          <a:p>
+            <a:pPr lvl="2"/>
+            <a:r>
+              <a:rPr lang="fr-FR" dirty="0"/>
+              <a:t>g</a:t>
+            </a:r>
+            <a:r>
+              <a:rPr lang="fr-FR" dirty="0" smtClean="0"/>
+              <a:t>it </a:t>
+            </a:r>
+            <a:r>
+              <a:rPr lang="fr-FR" dirty="0" err="1" smtClean="0"/>
+              <a:t>rebase</a:t>
+            </a:r>
+            <a:r>
+              <a:rPr lang="fr-FR" dirty="0" smtClean="0"/>
+              <a:t> –i &lt;</a:t>
+            </a:r>
+            <a:r>
+              <a:rPr lang="fr-FR" dirty="0" err="1" smtClean="0"/>
+              <a:t>shorthash</a:t>
+            </a:r>
+            <a:r>
+              <a:rPr lang="fr-FR" dirty="0" smtClean="0"/>
+              <a:t>&gt;</a:t>
+            </a:r>
+            <a:endParaRPr lang="fr-CH" dirty="0"/>
+          </a:p>
+        </p:txBody>
+      </p:sp>
+      <p:pic>
+        <p:nvPicPr>
+          <p:cNvPr id="5" name="Image 4"/>
+          <p:cNvPicPr>
+            <a:picLocks noChangeAspect="1"/>
+          </p:cNvPicPr>
+          <p:nvPr/>
+        </p:nvPicPr>
+        <p:blipFill>
+          <a:blip r:embed="rId2">
+            <a:extLst>
+              <a:ext uri="{28A0092B-C50C-407E-A947-70E740481C1C}">
+                <a14:useLocalDpi xmlns:a14="http://schemas.microsoft.com/office/drawing/2010/main" val="0"/>
+              </a:ext>
+            </a:extLst>
+          </a:blip>
+          <a:stretch>
+            <a:fillRect/>
+          </a:stretch>
+        </p:blipFill>
+        <p:spPr>
+          <a:xfrm>
+            <a:off x="6215842" y="1690233"/>
+            <a:ext cx="4509758" cy="3900941"/>
+          </a:xfrm>
+          <a:prstGeom prst="rect">
+            <a:avLst/>
+          </a:prstGeom>
+        </p:spPr>
+      </p:pic>
+    </p:spTree>
+    <p:extLst>
+      <p:ext uri="{BB962C8B-B14F-4D97-AF65-F5344CB8AC3E}">
+        <p14:creationId xmlns:p14="http://schemas.microsoft.com/office/powerpoint/2010/main" val="3545655747"/>
+      </p:ext>
+    </p:extLst>
+  </p:cSld>
+  <p:clrMapOvr>
+    <a:masterClrMapping/>
+  </p:clrMapOvr>
+</p:sld>
+</file>
+
+<file path=ppt/slides/slide52.xml><?xml version="1.0" encoding="utf-8"?>
+<p:sld xmlns:a="http://schemas.openxmlformats.org/drawingml/2006/main" xmlns:r="http://schemas.openxmlformats.org/officeDocument/2006/relationships" xmlns:p="http://schemas.openxmlformats.org/presentationml/2006/main">
+  <p:cSld>
+    <p:spTree>
+      <p:nvGrpSpPr>
+        <p:cNvPr id="1" name=""/>
+        <p:cNvGrpSpPr/>
+        <p:nvPr/>
+      </p:nvGrpSpPr>
+      <p:grpSpPr>
+        <a:xfrm>
+          <a:off x="0" y="0"/>
+          <a:ext cx="0" cy="0"/>
+          <a:chOff x="0" y="0"/>
+          <a:chExt cx="0" cy="0"/>
+        </a:xfrm>
+      </p:grpSpPr>
+      <p:sp>
+        <p:nvSpPr>
+          <p:cNvPr id="2" name="Titre 1"/>
+          <p:cNvSpPr>
+            <a:spLocks noGrp="1"/>
+          </p:cNvSpPr>
+          <p:nvPr>
+            <p:ph type="title"/>
+          </p:nvPr>
+        </p:nvSpPr>
+        <p:spPr/>
+        <p:txBody>
+          <a:bodyPr/>
+          <a:lstStyle/>
+          <a:p>
+            <a:r>
+              <a:rPr lang="fr-FR" dirty="0" err="1" smtClean="0"/>
+              <a:t>Reflog</a:t>
+            </a:r>
+            <a:endParaRPr lang="fr-CH" dirty="0"/>
+          </a:p>
+        </p:txBody>
+      </p:sp>
+      <p:sp>
+        <p:nvSpPr>
+          <p:cNvPr id="3" name="Espace réservé du contenu 2"/>
+          <p:cNvSpPr>
+            <a:spLocks noGrp="1"/>
+          </p:cNvSpPr>
+          <p:nvPr>
+            <p:ph idx="1"/>
+          </p:nvPr>
+        </p:nvSpPr>
+        <p:spPr/>
+        <p:txBody>
+          <a:bodyPr>
+            <a:normAutofit/>
+          </a:bodyPr>
+          <a:lstStyle/>
+          <a:p>
+            <a:r>
+              <a:rPr lang="fr-FR" dirty="0" smtClean="0"/>
+              <a:t>Afficher toutes les opérations faites dans le repo</a:t>
+            </a:r>
+          </a:p>
+          <a:p>
+            <a:pPr lvl="1"/>
+            <a:r>
+              <a:rPr lang="fr-FR" dirty="0"/>
+              <a:t>g</a:t>
+            </a:r>
+            <a:r>
+              <a:rPr lang="fr-FR" dirty="0" smtClean="0"/>
+              <a:t>it </a:t>
+            </a:r>
+            <a:r>
+              <a:rPr lang="fr-FR" dirty="0" err="1" smtClean="0"/>
+              <a:t>reflog</a:t>
+            </a:r>
+            <a:endParaRPr lang="fr-FR" dirty="0"/>
+          </a:p>
+          <a:p>
+            <a:r>
+              <a:rPr lang="fr-FR" dirty="0" smtClean="0"/>
+              <a:t>Annuler une opération</a:t>
+            </a:r>
+          </a:p>
+          <a:p>
+            <a:pPr lvl="1"/>
+            <a:r>
+              <a:rPr lang="fr-FR" dirty="0" smtClean="0"/>
+              <a:t>git reset –hard &lt;</a:t>
+            </a:r>
+            <a:r>
+              <a:rPr lang="fr-FR" dirty="0" err="1" smtClean="0"/>
+              <a:t>shorthash</a:t>
+            </a:r>
+            <a:r>
+              <a:rPr lang="fr-FR" dirty="0" smtClean="0"/>
+              <a:t>&gt;</a:t>
+            </a:r>
+          </a:p>
+          <a:p>
+            <a:r>
+              <a:rPr lang="fr-FR" dirty="0" smtClean="0"/>
+              <a:t>Exercice </a:t>
+            </a:r>
+          </a:p>
+          <a:p>
+            <a:pPr lvl="1"/>
+            <a:r>
+              <a:rPr lang="fr-FR" dirty="0" smtClean="0"/>
+              <a:t>Reprendre le repo précédent </a:t>
+            </a:r>
+          </a:p>
+          <a:p>
+            <a:pPr lvl="1"/>
+            <a:r>
+              <a:rPr lang="fr-FR" dirty="0" smtClean="0"/>
+              <a:t>Revenir à l’état avant le </a:t>
+            </a:r>
+            <a:r>
+              <a:rPr lang="fr-FR" dirty="0" err="1" smtClean="0"/>
+              <a:t>rebase</a:t>
+            </a:r>
+            <a:r>
+              <a:rPr lang="fr-FR" dirty="0" smtClean="0"/>
+              <a:t> interactif </a:t>
+            </a:r>
+          </a:p>
+          <a:p>
+            <a:pPr marL="361950" lvl="1" indent="0">
+              <a:buNone/>
+            </a:pPr>
+            <a:endParaRPr lang="fr-FR" dirty="0"/>
+          </a:p>
+          <a:p>
+            <a:pPr marL="80962" indent="0">
+              <a:buNone/>
+            </a:pPr>
+            <a:endParaRPr lang="fr-CH" dirty="0"/>
+          </a:p>
+        </p:txBody>
+      </p:sp>
+      <p:pic>
+        <p:nvPicPr>
+          <p:cNvPr id="6" name="Image 5"/>
+          <p:cNvPicPr>
+            <a:picLocks noChangeAspect="1"/>
+          </p:cNvPicPr>
+          <p:nvPr/>
+        </p:nvPicPr>
+        <p:blipFill>
+          <a:blip r:embed="rId2"/>
+          <a:stretch>
+            <a:fillRect/>
+          </a:stretch>
+        </p:blipFill>
+        <p:spPr>
+          <a:xfrm>
+            <a:off x="4663463" y="2317616"/>
+            <a:ext cx="7029450" cy="790575"/>
+          </a:xfrm>
+          <a:prstGeom prst="rect">
+            <a:avLst/>
+          </a:prstGeom>
+        </p:spPr>
+      </p:pic>
+    </p:spTree>
+    <p:extLst>
+      <p:ext uri="{BB962C8B-B14F-4D97-AF65-F5344CB8AC3E}">
+        <p14:creationId xmlns:p14="http://schemas.microsoft.com/office/powerpoint/2010/main" val="4070964728"/>
+      </p:ext>
+    </p:extLst>
+  </p:cSld>
+  <p:clrMapOvr>
+    <a:masterClrMapping/>
+  </p:clrMapOvr>
+</p:sld>
+</file>
+
+<file path=ppt/slides/slide53.xml><?xml version="1.0" encoding="utf-8"?>
+<p:sld xmlns:a="http://schemas.openxmlformats.org/drawingml/2006/main" xmlns:r="http://schemas.openxmlformats.org/officeDocument/2006/relationships" xmlns:p="http://schemas.openxmlformats.org/presentationml/2006/main">
+  <p:cSld>
+    <p:spTree>
+      <p:nvGrpSpPr>
+        <p:cNvPr id="1" name=""/>
+        <p:cNvGrpSpPr/>
+        <p:nvPr/>
+      </p:nvGrpSpPr>
+      <p:grpSpPr>
+        <a:xfrm>
+          <a:off x="0" y="0"/>
+          <a:ext cx="0" cy="0"/>
+          <a:chOff x="0" y="0"/>
+          <a:chExt cx="0" cy="0"/>
+        </a:xfrm>
+      </p:grpSpPr>
+      <p:sp>
+        <p:nvSpPr>
+          <p:cNvPr id="2" name="Titre 1"/>
+          <p:cNvSpPr>
+            <a:spLocks noGrp="1"/>
+          </p:cNvSpPr>
+          <p:nvPr>
+            <p:ph type="title"/>
+          </p:nvPr>
+        </p:nvSpPr>
+        <p:spPr/>
+        <p:txBody>
+          <a:bodyPr/>
+          <a:lstStyle/>
+          <a:p>
+            <a:r>
+              <a:rPr lang="fr-FR" dirty="0" smtClean="0"/>
+              <a:t>Questions?</a:t>
+            </a:r>
+            <a:endParaRPr lang="fr-CH" dirty="0"/>
+          </a:p>
+        </p:txBody>
+      </p:sp>
+      <p:sp>
+        <p:nvSpPr>
+          <p:cNvPr id="3" name="Espace réservé du contenu 2"/>
+          <p:cNvSpPr>
+            <a:spLocks noGrp="1"/>
+          </p:cNvSpPr>
+          <p:nvPr>
+            <p:ph idx="1"/>
+          </p:nvPr>
+        </p:nvSpPr>
+        <p:spPr/>
+        <p:txBody>
+          <a:bodyPr/>
+          <a:lstStyle/>
+          <a:p>
+            <a:endParaRPr lang="fr-CH"/>
+          </a:p>
+        </p:txBody>
+      </p:sp>
+      <p:sp>
+        <p:nvSpPr>
+          <p:cNvPr id="4" name="Espace réservé du pied de page 3"/>
+          <p:cNvSpPr>
+            <a:spLocks noGrp="1"/>
+          </p:cNvSpPr>
+          <p:nvPr>
+            <p:ph type="ftr" sz="quarter" idx="11"/>
+          </p:nvPr>
+        </p:nvSpPr>
+        <p:spPr/>
+        <p:txBody>
+          <a:bodyPr/>
+          <a:lstStyle/>
+          <a:p>
+            <a:pPr algn="l" defTabSz="914400" eaLnBrk="0" fontAlgn="base" hangingPunct="0">
+              <a:spcBef>
+                <a:spcPct val="0"/>
+              </a:spcBef>
+              <a:spcAft>
+                <a:spcPct val="0"/>
+              </a:spcAft>
+            </a:pPr>
+            <a:r>
+              <a:rPr lang="fr-CH" b="1" smtClean="0">
+                <a:solidFill>
+                  <a:srgbClr val="000000"/>
+                </a:solidFill>
+                <a:latin typeface="HelveticaNeueLT Com 65 Md" charset="0"/>
+                <a:ea typeface="MS PGothic" charset="0"/>
+                <a:cs typeface="MS PGothic" charset="0"/>
+              </a:rPr>
+              <a:t>Titre de la présentation, HelveticaNeueLT 65, 10pts, gras</a:t>
+            </a:r>
+          </a:p>
+          <a:p>
+            <a:pPr algn="l" defTabSz="914400" eaLnBrk="0" fontAlgn="base" hangingPunct="0">
+              <a:spcBef>
+                <a:spcPct val="0"/>
+              </a:spcBef>
+              <a:spcAft>
+                <a:spcPct val="0"/>
+              </a:spcAft>
+            </a:pPr>
+            <a:r>
+              <a:rPr lang="fr-CH" smtClean="0">
+                <a:solidFill>
+                  <a:schemeClr val="tx1">
+                    <a:lumMod val="50000"/>
+                    <a:lumOff val="50000"/>
+                  </a:schemeClr>
+                </a:solidFill>
+                <a:latin typeface="HelveticaNeueLT Std Med"/>
+                <a:ea typeface="MS PGothic" charset="0"/>
+                <a:cs typeface="HelveticaNeueLT Std Med"/>
+              </a:rPr>
+              <a:t>Complément au titre HelveticaNeueLT 65, 10pts</a:t>
+            </a:r>
+            <a:endParaRPr lang="fr-CH" dirty="0" smtClean="0">
+              <a:solidFill>
+                <a:schemeClr val="tx1">
+                  <a:lumMod val="50000"/>
+                  <a:lumOff val="50000"/>
+                </a:schemeClr>
+              </a:solidFill>
+              <a:latin typeface="HelveticaNeueLT Std Med"/>
+              <a:ea typeface="MS PGothic" charset="0"/>
+              <a:cs typeface="HelveticaNeueLT Std Med"/>
+            </a:endParaRPr>
+          </a:p>
+        </p:txBody>
+      </p:sp>
+    </p:spTree>
+    <p:extLst>
+      <p:ext uri="{BB962C8B-B14F-4D97-AF65-F5344CB8AC3E}">
+        <p14:creationId xmlns:p14="http://schemas.microsoft.com/office/powerpoint/2010/main" val="262972144"/>
+      </p:ext>
+    </p:extLst>
+  </p:cSld>
+  <p:clrMapOvr>
+    <a:masterClrMapping/>
+  </p:clrMapOvr>
 </p:sld>
 </file>
 

--- a/Formation Git - basique.pptx
+++ b/Formation Git - basique.pptx
@@ -57,7 +57,8 @@
     <p:sldId id="306" r:id="rId51"/>
     <p:sldId id="307" r:id="rId52"/>
     <p:sldId id="308" r:id="rId53"/>
-    <p:sldId id="309" r:id="rId54"/>
+    <p:sldId id="310" r:id="rId54"/>
+    <p:sldId id="309" r:id="rId55"/>
   </p:sldIdLst>
   <p:sldSz cx="12192000" cy="6858000"/>
   <p:notesSz cx="6858000" cy="9144000"/>
@@ -19089,11 +19090,7 @@
             </a:r>
             <a:r>
               <a:rPr lang="fr-CH" dirty="0" smtClean="0"/>
-              <a:t>-&gt; branches </a:t>
-            </a:r>
-            <a:r>
-              <a:rPr lang="fr-CH" dirty="0" smtClean="0"/>
-              <a:t>locales</a:t>
+              <a:t>-&gt; branches locales</a:t>
             </a:r>
             <a:endParaRPr lang="fr-CH" dirty="0"/>
           </a:p>
@@ -20050,97 +20047,49 @@
           </a:p>
         </p:txBody>
       </p:sp>
-      <p:sp>
-        <p:nvSpPr>
-          <p:cNvPr id="3" name="Espace réservé du contenu 2"/>
-          <p:cNvSpPr>
-            <a:spLocks noGrp="1"/>
-          </p:cNvSpPr>
+      <p:pic>
+        <p:nvPicPr>
+          <p:cNvPr id="5" name="Picture 6" descr="File:Cartoon Man Doing Research Using A Computer.svg"/>
+          <p:cNvPicPr>
+            <a:picLocks noGrp="1" noChangeAspect="1" noChangeArrowheads="1"/>
+          </p:cNvPicPr>
           <p:nvPr>
             <p:ph idx="1"/>
           </p:nvPr>
-        </p:nvSpPr>
-        <p:spPr/>
-        <p:txBody>
-          <a:bodyPr/>
-          <a:lstStyle/>
-          <a:p>
-            <a:endParaRPr lang="fr-CH"/>
-          </a:p>
-        </p:txBody>
-      </p:sp>
-      <p:sp>
-        <p:nvSpPr>
-          <p:cNvPr id="4" name="Espace réservé du pied de page 3"/>
-          <p:cNvSpPr>
-            <a:spLocks noGrp="1"/>
-          </p:cNvSpPr>
-          <p:nvPr>
-            <p:ph type="ftr" sz="quarter" idx="11"/>
-          </p:nvPr>
-        </p:nvSpPr>
-        <p:spPr/>
-        <p:txBody>
-          <a:bodyPr/>
-          <a:lstStyle/>
-          <a:p>
-            <a:pPr algn="l" defTabSz="914400" eaLnBrk="0" fontAlgn="base" hangingPunct="0">
-              <a:spcBef>
-                <a:spcPct val="0"/>
-              </a:spcBef>
-              <a:spcAft>
-                <a:spcPct val="0"/>
-              </a:spcAft>
-            </a:pPr>
-            <a:r>
-              <a:rPr lang="fr-CH" b="1" smtClean="0">
-                <a:solidFill>
-                  <a:srgbClr val="000000"/>
-                </a:solidFill>
-                <a:latin typeface="HelveticaNeueLT Com 65 Md" charset="0"/>
-                <a:ea typeface="MS PGothic" charset="0"/>
-                <a:cs typeface="MS PGothic" charset="0"/>
-              </a:rPr>
-              <a:t>Titre de la présentation, HelveticaNeueLT 65, 10pts, gras</a:t>
-            </a:r>
-          </a:p>
-          <a:p>
-            <a:pPr algn="l" defTabSz="914400" eaLnBrk="0" fontAlgn="base" hangingPunct="0">
-              <a:spcBef>
-                <a:spcPct val="0"/>
-              </a:spcBef>
-              <a:spcAft>
-                <a:spcPct val="0"/>
-              </a:spcAft>
-            </a:pPr>
-            <a:r>
-              <a:rPr lang="fr-CH" smtClean="0">
-                <a:solidFill>
-                  <a:schemeClr val="tx1">
-                    <a:lumMod val="50000"/>
-                    <a:lumOff val="50000"/>
-                  </a:schemeClr>
-                </a:solidFill>
-                <a:latin typeface="HelveticaNeueLT Std Med"/>
-                <a:ea typeface="MS PGothic" charset="0"/>
-                <a:cs typeface="HelveticaNeueLT Std Med"/>
-              </a:rPr>
-              <a:t>Complément au titre HelveticaNeueLT 65, 10pts</a:t>
-            </a:r>
-            <a:endParaRPr lang="fr-CH" dirty="0" smtClean="0">
-              <a:solidFill>
-                <a:schemeClr val="tx1">
-                  <a:lumMod val="50000"/>
-                  <a:lumOff val="50000"/>
-                </a:schemeClr>
-              </a:solidFill>
-              <a:latin typeface="HelveticaNeueLT Std Med"/>
-              <a:ea typeface="MS PGothic" charset="0"/>
-              <a:cs typeface="HelveticaNeueLT Std Med"/>
-            </a:endParaRPr>
-          </a:p>
-        </p:txBody>
-      </p:sp>
+        </p:nvPicPr>
+        <p:blipFill>
+          <a:blip r:embed="rId2">
+            <a:extLst>
+              <a:ext uri="{28A0092B-C50C-407E-A947-70E740481C1C}">
+                <a14:useLocalDpi xmlns:a14="http://schemas.microsoft.com/office/drawing/2010/main" val="0"/>
+              </a:ext>
+            </a:extLst>
+          </a:blip>
+          <a:srcRect/>
+          <a:stretch>
+            <a:fillRect/>
+          </a:stretch>
+        </p:blipFill>
+        <p:spPr bwMode="auto">
+          <a:xfrm>
+            <a:off x="3795416" y="934392"/>
+            <a:ext cx="4489267" cy="5807931"/>
+          </a:xfrm>
+          <a:prstGeom prst="rect">
+            <a:avLst/>
+          </a:prstGeom>
+          <a:noFill/>
+          <a:extLst>
+            <a:ext uri="{909E8E84-426E-40DD-AFC4-6F175D3DCCD1}">
+              <a14:hiddenFill xmlns:a14="http://schemas.microsoft.com/office/drawing/2010/main">
+                <a:solidFill>
+                  <a:srgbClr val="FFFFFF"/>
+                </a:solidFill>
+              </a14:hiddenFill>
+            </a:ext>
+          </a:extLst>
+        </p:spPr>
+      </p:pic>
     </p:spTree>
     <p:extLst>
       <p:ext uri="{BB962C8B-B14F-4D97-AF65-F5344CB8AC3E}">
@@ -20219,15 +20168,7 @@
             </a:r>
             <a:r>
               <a:rPr lang="fr-FR" dirty="0" smtClean="0"/>
-              <a:t> directory dans </a:t>
-            </a:r>
-            <a:r>
-              <a:rPr lang="fr-FR" dirty="0" smtClean="0"/>
-              <a:t>une mémoire tampon (=</a:t>
-            </a:r>
-            <a:r>
-              <a:rPr lang="fr-FR" dirty="0" smtClean="0"/>
-              <a:t>pile)</a:t>
+              <a:t> directory dans une mémoire tampon (=pile)</a:t>
             </a:r>
           </a:p>
           <a:p>
@@ -20961,25 +20902,35 @@
           </a:p>
         </p:txBody>
       </p:sp>
-      <p:sp>
-        <p:nvSpPr>
-          <p:cNvPr id="3" name="Espace réservé du contenu 2"/>
-          <p:cNvSpPr>
-            <a:spLocks noGrp="1"/>
-          </p:cNvSpPr>
+      <p:pic>
+        <p:nvPicPr>
+          <p:cNvPr id="4" name="Espace réservé du contenu 3"/>
+          <p:cNvPicPr>
+            <a:picLocks noGrp="1" noChangeAspect="1"/>
+          </p:cNvPicPr>
           <p:nvPr>
             <p:ph idx="1"/>
           </p:nvPr>
-        </p:nvSpPr>
-        <p:spPr/>
-        <p:txBody>
-          <a:bodyPr/>
-          <a:lstStyle/>
-          <a:p>
-            <a:endParaRPr lang="fr-CH"/>
-          </a:p>
-        </p:txBody>
-      </p:sp>
+        </p:nvPicPr>
+        <p:blipFill>
+          <a:blip r:embed="rId2">
+            <a:extLst>
+              <a:ext uri="{28A0092B-C50C-407E-A947-70E740481C1C}">
+                <a14:useLocalDpi xmlns:a14="http://schemas.microsoft.com/office/drawing/2010/main" val="0"/>
+              </a:ext>
+            </a:extLst>
+          </a:blip>
+          <a:stretch>
+            <a:fillRect/>
+          </a:stretch>
+        </p:blipFill>
+        <p:spPr>
+          <a:xfrm>
+            <a:off x="950385" y="961604"/>
+            <a:ext cx="10209702" cy="4989688"/>
+          </a:xfrm>
+        </p:spPr>
+      </p:pic>
     </p:spTree>
     <p:extLst>
       <p:ext uri="{BB962C8B-B14F-4D97-AF65-F5344CB8AC3E}">
@@ -21340,25 +21291,35 @@
           </a:p>
         </p:txBody>
       </p:sp>
-      <p:sp>
-        <p:nvSpPr>
-          <p:cNvPr id="3" name="Espace réservé du contenu 2"/>
-          <p:cNvSpPr>
-            <a:spLocks noGrp="1"/>
-          </p:cNvSpPr>
+      <p:pic>
+        <p:nvPicPr>
+          <p:cNvPr id="4" name="Espace réservé du contenu 3"/>
+          <p:cNvPicPr>
+            <a:picLocks noGrp="1" noChangeAspect="1"/>
+          </p:cNvPicPr>
           <p:nvPr>
             <p:ph idx="1"/>
           </p:nvPr>
-        </p:nvSpPr>
-        <p:spPr/>
-        <p:txBody>
-          <a:bodyPr/>
-          <a:lstStyle/>
-          <a:p>
-            <a:endParaRPr lang="fr-CH" dirty="0"/>
-          </a:p>
-        </p:txBody>
-      </p:sp>
+        </p:nvPicPr>
+        <p:blipFill>
+          <a:blip r:embed="rId2">
+            <a:extLst>
+              <a:ext uri="{28A0092B-C50C-407E-A947-70E740481C1C}">
+                <a14:useLocalDpi xmlns:a14="http://schemas.microsoft.com/office/drawing/2010/main" val="0"/>
+              </a:ext>
+            </a:extLst>
+          </a:blip>
+          <a:stretch>
+            <a:fillRect/>
+          </a:stretch>
+        </p:blipFill>
+        <p:spPr>
+          <a:xfrm>
+            <a:off x="3051672" y="961604"/>
+            <a:ext cx="5464366" cy="5464366"/>
+          </a:xfrm>
+        </p:spPr>
+      </p:pic>
     </p:spTree>
     <p:extLst>
       <p:ext uri="{BB962C8B-B14F-4D97-AF65-F5344CB8AC3E}">
@@ -22119,7 +22080,7 @@
           <a:p>
             <a:r>
               <a:rPr lang="fr-FR" dirty="0" smtClean="0"/>
-              <a:t>Questions?</a:t>
+              <a:t>Les dangers</a:t>
             </a:r>
             <a:endParaRPr lang="fr-CH" dirty="0"/>
           </a:p>
@@ -22140,18 +22101,123 @@
           <a:bodyPr/>
           <a:lstStyle/>
           <a:p>
-            <a:endParaRPr lang="fr-CH"/>
-          </a:p>
-        </p:txBody>
-      </p:sp>
-      <p:sp>
-        <p:nvSpPr>
-          <p:cNvPr id="4" name="Espace réservé du pied de page 3"/>
+            <a:r>
+              <a:rPr lang="fr-FR" dirty="0" smtClean="0"/>
+              <a:t>Si les </a:t>
+            </a:r>
+            <a:r>
+              <a:rPr lang="fr-FR" dirty="0" err="1" smtClean="0"/>
+              <a:t>commits</a:t>
+            </a:r>
+            <a:r>
+              <a:rPr lang="fr-FR" dirty="0" smtClean="0"/>
+              <a:t> qui sont </a:t>
+            </a:r>
+            <a:r>
+              <a:rPr lang="fr-FR" dirty="0" err="1" smtClean="0"/>
+              <a:t>ré-écrit</a:t>
+            </a:r>
+            <a:r>
+              <a:rPr lang="fr-FR" dirty="0" smtClean="0"/>
+              <a:t> ont été </a:t>
+            </a:r>
+            <a:r>
+              <a:rPr lang="fr-FR" dirty="0" err="1" smtClean="0"/>
+              <a:t>pushés</a:t>
+            </a:r>
+            <a:r>
+              <a:rPr lang="fr-FR" dirty="0" smtClean="0"/>
+              <a:t> sur le repo distant git bloquera le push</a:t>
+            </a:r>
+          </a:p>
+          <a:p>
+            <a:endParaRPr lang="fr-FR" dirty="0" smtClean="0"/>
+          </a:p>
+          <a:p>
+            <a:r>
+              <a:rPr lang="fr-FR" dirty="0" smtClean="0"/>
+              <a:t>Utilisation de git push --force -&gt; écrase l’historique distant</a:t>
+            </a:r>
+          </a:p>
+          <a:p>
+            <a:pPr marL="361950" lvl="1" indent="0">
+              <a:buNone/>
+            </a:pPr>
+            <a:endParaRPr lang="fr-FR" dirty="0" smtClean="0"/>
+          </a:p>
+          <a:p>
+            <a:r>
+              <a:rPr lang="fr-FR" dirty="0" smtClean="0"/>
+              <a:t>Si plusieurs personnes utilisent le même historique (=travaillent sur la même branche)</a:t>
+            </a:r>
+          </a:p>
+          <a:p>
+            <a:endParaRPr lang="fr-FR" dirty="0" smtClean="0"/>
+          </a:p>
+          <a:p>
+            <a:r>
+              <a:rPr lang="fr-FR" dirty="0" smtClean="0"/>
+              <a:t>Communication </a:t>
+            </a:r>
+            <a:r>
+              <a:rPr lang="fr-FR" b="1" dirty="0" smtClean="0"/>
+              <a:t>indispensable</a:t>
+            </a:r>
+            <a:r>
+              <a:rPr lang="fr-FR" dirty="0" smtClean="0"/>
+              <a:t> avant un push force pour une branche partagée</a:t>
+            </a:r>
+          </a:p>
+          <a:p>
+            <a:endParaRPr lang="fr-FR" dirty="0" smtClean="0"/>
+          </a:p>
+          <a:p>
+            <a:pPr lvl="1"/>
+            <a:endParaRPr lang="fr-FR" dirty="0" smtClean="0"/>
+          </a:p>
+          <a:p>
+            <a:endParaRPr lang="fr-CH" dirty="0"/>
+          </a:p>
+        </p:txBody>
+      </p:sp>
+    </p:spTree>
+    <p:extLst>
+      <p:ext uri="{BB962C8B-B14F-4D97-AF65-F5344CB8AC3E}">
+        <p14:creationId xmlns:p14="http://schemas.microsoft.com/office/powerpoint/2010/main" val="531401785"/>
+      </p:ext>
+    </p:extLst>
+  </p:cSld>
+  <p:clrMapOvr>
+    <a:masterClrMapping/>
+  </p:clrMapOvr>
+</p:sld>
+</file>
+
+<file path=ppt/slides/slide54.xml><?xml version="1.0" encoding="utf-8"?>
+<p:sld xmlns:a="http://schemas.openxmlformats.org/drawingml/2006/main" xmlns:r="http://schemas.openxmlformats.org/officeDocument/2006/relationships" xmlns:p="http://schemas.openxmlformats.org/presentationml/2006/main">
+  <p:cSld>
+    <p:spTree>
+      <p:nvGrpSpPr>
+        <p:cNvPr id="1" name=""/>
+        <p:cNvGrpSpPr/>
+        <p:nvPr/>
+      </p:nvGrpSpPr>
+      <p:grpSpPr>
+        <a:xfrm>
+          <a:off x="0" y="0"/>
+          <a:ext cx="0" cy="0"/>
+          <a:chOff x="0" y="0"/>
+          <a:chExt cx="0" cy="0"/>
+        </a:xfrm>
+      </p:grpSpPr>
+      <p:sp>
+        <p:nvSpPr>
+          <p:cNvPr id="2" name="Titre 1"/>
           <p:cNvSpPr>
             <a:spLocks noGrp="1"/>
           </p:cNvSpPr>
           <p:nvPr>
-            <p:ph type="ftr" sz="quarter" idx="11"/>
+            <p:ph type="title"/>
           </p:nvPr>
         </p:nvSpPr>
         <p:spPr/>
@@ -22159,63 +22225,57 @@
           <a:bodyPr/>
           <a:lstStyle/>
           <a:p>
-            <a:pPr algn="l" defTabSz="914400" eaLnBrk="0" fontAlgn="base" hangingPunct="0">
-              <a:spcBef>
-                <a:spcPct val="0"/>
-              </a:spcBef>
-              <a:spcAft>
-                <a:spcPct val="0"/>
-              </a:spcAft>
-            </a:pPr>
-            <a:r>
-              <a:rPr lang="fr-CH" b="1" smtClean="0">
-                <a:solidFill>
-                  <a:srgbClr val="000000"/>
-                </a:solidFill>
-                <a:latin typeface="HelveticaNeueLT Com 65 Md" charset="0"/>
-                <a:ea typeface="MS PGothic" charset="0"/>
-                <a:cs typeface="MS PGothic" charset="0"/>
-              </a:rPr>
-              <a:t>Titre de la présentation, HelveticaNeueLT 65, 10pts, gras</a:t>
-            </a:r>
-          </a:p>
-          <a:p>
-            <a:pPr algn="l" defTabSz="914400" eaLnBrk="0" fontAlgn="base" hangingPunct="0">
-              <a:spcBef>
-                <a:spcPct val="0"/>
-              </a:spcBef>
-              <a:spcAft>
-                <a:spcPct val="0"/>
-              </a:spcAft>
-            </a:pPr>
-            <a:r>
-              <a:rPr lang="fr-CH" smtClean="0">
-                <a:solidFill>
-                  <a:schemeClr val="tx1">
-                    <a:lumMod val="50000"/>
-                    <a:lumOff val="50000"/>
-                  </a:schemeClr>
-                </a:solidFill>
-                <a:latin typeface="HelveticaNeueLT Std Med"/>
-                <a:ea typeface="MS PGothic" charset="0"/>
-                <a:cs typeface="HelveticaNeueLT Std Med"/>
-              </a:rPr>
-              <a:t>Complément au titre HelveticaNeueLT 65, 10pts</a:t>
-            </a:r>
-            <a:endParaRPr lang="fr-CH" dirty="0" smtClean="0">
-              <a:solidFill>
-                <a:schemeClr val="tx1">
-                  <a:lumMod val="50000"/>
-                  <a:lumOff val="50000"/>
-                </a:schemeClr>
-              </a:solidFill>
-              <a:latin typeface="HelveticaNeueLT Std Med"/>
-              <a:ea typeface="MS PGothic" charset="0"/>
-              <a:cs typeface="HelveticaNeueLT Std Med"/>
-            </a:endParaRPr>
-          </a:p>
-        </p:txBody>
-      </p:sp>
+            <a:r>
+              <a:rPr lang="fr-FR" dirty="0" smtClean="0"/>
+              <a:t>Questions?</a:t>
+            </a:r>
+            <a:endParaRPr lang="fr-CH" dirty="0"/>
+          </a:p>
+        </p:txBody>
+      </p:sp>
+      <p:pic>
+        <p:nvPicPr>
+          <p:cNvPr id="1026" name="Picture 2" descr="Questions, RÃ©ponses, Point D'Interrogation, RÃ©ponse"/>
+          <p:cNvPicPr>
+            <a:picLocks noGrp="1" noChangeAspect="1" noChangeArrowheads="1"/>
+          </p:cNvPicPr>
+          <p:nvPr>
+            <p:ph idx="1"/>
+          </p:nvPr>
+        </p:nvPicPr>
+        <p:blipFill>
+          <a:blip r:embed="rId2">
+            <a:extLst>
+              <a:ext uri="{28A0092B-C50C-407E-A947-70E740481C1C}">
+                <a14:useLocalDpi xmlns:a14="http://schemas.microsoft.com/office/drawing/2010/main" val="0"/>
+              </a:ext>
+            </a:extLst>
+          </a:blip>
+          <a:srcRect/>
+          <a:stretch>
+            <a:fillRect/>
+          </a:stretch>
+        </p:blipFill>
+        <p:spPr bwMode="auto">
+          <a:xfrm>
+            <a:off x="2864385" y="829306"/>
+            <a:ext cx="5805889" cy="5805889"/>
+          </a:xfrm>
+          <a:prstGeom prst="rect">
+            <a:avLst/>
+          </a:prstGeom>
+          <a:noFill/>
+          <a:extLst>
+            <a:ext uri="{909E8E84-426E-40DD-AFC4-6F175D3DCCD1}">
+              <a14:hiddenFill xmlns:a14="http://schemas.microsoft.com/office/drawing/2010/main">
+                <a:solidFill>
+                  <a:srgbClr val="FFFFFF"/>
+                </a:solidFill>
+              </a14:hiddenFill>
+            </a:ext>
+          </a:extLst>
+        </p:spPr>
+      </p:pic>
     </p:spTree>
     <p:extLst>
       <p:ext uri="{BB962C8B-B14F-4D97-AF65-F5344CB8AC3E}">

--- a/Formation Git - basique.pptx
+++ b/Formation Git - basique.pptx
@@ -15776,7 +15776,15 @@
             </a:r>
             <a:r>
               <a:rPr lang="fr-FR" sz="1700" dirty="0" smtClean="0"/>
-              <a:t> . » et « git commit -m » (ne prends pas en compte les nouveaux fichiers ajoutés)  </a:t>
+              <a:t> . » et « git commit -m » </a:t>
+            </a:r>
+            <a:r>
+              <a:rPr lang="fr-FR" sz="1700" dirty="0" smtClean="0"/>
+              <a:t>(ignore </a:t>
+            </a:r>
+            <a:r>
+              <a:rPr lang="fr-FR" sz="1700" dirty="0" smtClean="0"/>
+              <a:t>les nouveaux fichiers ajoutés)  </a:t>
             </a:r>
             <a:endParaRPr lang="fr-FR" sz="1700" dirty="0"/>
           </a:p>
@@ -15787,7 +15795,11 @@
             </a:r>
             <a:r>
               <a:rPr lang="fr-FR" sz="1900" dirty="0" smtClean="0"/>
-              <a:t>it commit –</a:t>
+              <a:t>it commit </a:t>
+            </a:r>
+            <a:r>
+              <a:rPr lang="fr-FR" sz="1900" dirty="0" smtClean="0"/>
+              <a:t>--</a:t>
             </a:r>
             <a:r>
               <a:rPr lang="fr-FR" sz="1900" dirty="0" err="1" smtClean="0"/>
@@ -15928,7 +15940,7 @@
           <a:p>
             <a:r>
               <a:rPr lang="fr-FR" dirty="0" smtClean="0"/>
-              <a:t>Exercices: </a:t>
+              <a:t>Exercice: </a:t>
             </a:r>
             <a:r>
               <a:rPr lang="fr-FR" dirty="0" err="1" smtClean="0"/>
@@ -16348,7 +16360,11 @@
           <a:p>
             <a:r>
               <a:rPr lang="fr-FR" dirty="0" smtClean="0"/>
-              <a:t>Exercices Log</a:t>
+              <a:t>Exercice: </a:t>
+            </a:r>
+            <a:r>
+              <a:rPr lang="fr-FR" dirty="0" smtClean="0"/>
+              <a:t>Log</a:t>
             </a:r>
             <a:endParaRPr lang="fr-CH" dirty="0"/>
           </a:p>
@@ -16386,7 +16402,15 @@
             </a:r>
             <a:r>
               <a:rPr lang="fr-FR" dirty="0" smtClean="0"/>
-              <a:t> de votre repo git avec les étiquettes (ou </a:t>
+              <a:t> de votre repo git avec les étiquettes </a:t>
+            </a:r>
+            <a:r>
+              <a:rPr lang="fr-FR" dirty="0" smtClean="0"/>
+              <a:t>(</a:t>
+            </a:r>
+            <a:r>
+              <a:rPr lang="fr-FR" dirty="0"/>
+              <a:t>=</a:t>
             </a:r>
             <a:r>
               <a:rPr lang="fr-FR" dirty="0" err="1" smtClean="0"/>
@@ -16439,8 +16463,32 @@
             <a:pPr lvl="1"/>
             <a:r>
               <a:rPr lang="fr-FR" dirty="0" smtClean="0"/>
-              <a:t>Combinez les 3 et créez un alias</a:t>
-            </a:r>
+              <a:t>Combinez les 3 et créez un </a:t>
+            </a:r>
+            <a:r>
+              <a:rPr lang="fr-FR" dirty="0" smtClean="0"/>
+              <a:t>alias</a:t>
+            </a:r>
+          </a:p>
+          <a:p>
+            <a:pPr lvl="2"/>
+            <a:r>
+              <a:rPr lang="fr-FR" dirty="0"/>
+              <a:t>a</a:t>
+            </a:r>
+            <a:r>
+              <a:rPr lang="fr-FR" dirty="0" smtClean="0"/>
+              <a:t>lias </a:t>
+            </a:r>
+            <a:r>
+              <a:rPr lang="fr-FR" dirty="0" err="1" smtClean="0"/>
+              <a:t>gls</a:t>
+            </a:r>
+            <a:r>
+              <a:rPr lang="fr-FR" dirty="0" smtClean="0"/>
+              <a:t> = ‘git log …’</a:t>
+            </a:r>
+            <a:endParaRPr lang="fr-FR" dirty="0" smtClean="0"/>
           </a:p>
           <a:p>
             <a:pPr lvl="1"/>
@@ -16451,6 +16499,14 @@
             <a:r>
               <a:rPr lang="fr-FR" dirty="0" err="1" smtClean="0"/>
               <a:t>diff</a:t>
+            </a:r>
+            <a:r>
+              <a:rPr lang="fr-FR" dirty="0" smtClean="0"/>
+              <a:t> entre 2 </a:t>
+            </a:r>
+            <a:r>
+              <a:rPr lang="fr-FR" dirty="0" err="1" smtClean="0"/>
+              <a:t>commits</a:t>
             </a:r>
             <a:endParaRPr lang="fr-FR" dirty="0" smtClean="0"/>
           </a:p>
@@ -16508,8 +16564,12 @@
           <a:lstStyle/>
           <a:p>
             <a:r>
+              <a:rPr lang="fr-FR" dirty="0" smtClean="0"/>
+              <a:t>Exercice: </a:t>
+            </a:r>
+            <a:r>
               <a:rPr lang="fr-FR" dirty="0"/>
-              <a:t>Exercices Log</a:t>
+              <a:t>Log</a:t>
             </a:r>
             <a:endParaRPr lang="fr-CH" dirty="0"/>
           </a:p>
@@ -16762,6 +16822,14 @@
             <a:r>
               <a:rPr lang="fr-FR" dirty="0" err="1" smtClean="0"/>
               <a:t>diff</a:t>
+            </a:r>
+            <a:r>
+              <a:rPr lang="fr-FR" dirty="0"/>
+              <a:t> entre 2 </a:t>
+            </a:r>
+            <a:r>
+              <a:rPr lang="fr-FR" dirty="0" err="1"/>
+              <a:t>commits</a:t>
             </a:r>
             <a:r>
               <a:rPr lang="fr-FR" dirty="0" smtClean="0"/>
@@ -17689,12 +17757,20 @@
               </a:spcAft>
             </a:pPr>
             <a:r>
+              <a:rPr lang="fr-CH" sz="1600" dirty="0" smtClean="0">
+                <a:solidFill>
+                  <a:schemeClr val="bg1"/>
+                </a:solidFill>
+              </a:rPr>
+              <a:t> Quel </a:t>
+            </a:r>
+            <a:r>
               <a:rPr lang="fr-CH" sz="1600" dirty="0">
                 <a:solidFill>
                   <a:schemeClr val="bg1"/>
                 </a:solidFill>
               </a:rPr>
-              <a:t>Quel est l’impact de la commande git </a:t>
+              <a:t>est l’impact de la commande git </a:t>
             </a:r>
             <a:r>
               <a:rPr lang="fr-CH" sz="1600" dirty="0" err="1">
@@ -17800,7 +17876,7 @@
         </p:blipFill>
         <p:spPr>
           <a:xfrm>
-            <a:off x="2434441" y="807225"/>
+            <a:off x="2434441" y="829259"/>
             <a:ext cx="5813239" cy="5841493"/>
           </a:xfrm>
         </p:spPr>
@@ -19496,6 +19572,17 @@
               <a:rPr lang="fr-FR" dirty="0" err="1" smtClean="0"/>
               <a:t>gitlab</a:t>
             </a:r>
+            <a:endParaRPr lang="fr-FR" dirty="0" smtClean="0"/>
+          </a:p>
+          <a:p>
+            <a:r>
+              <a:rPr lang="fr-FR" dirty="0" smtClean="0"/>
+              <a:t>Code </a:t>
+            </a:r>
+            <a:r>
+              <a:rPr lang="fr-FR" dirty="0" err="1" smtClean="0"/>
+              <a:t>review</a:t>
+            </a:r>
             <a:endParaRPr lang="fr-FR" dirty="0"/>
           </a:p>
           <a:p>
@@ -19816,7 +19903,25 @@
           <a:p>
             <a:r>
               <a:rPr lang="fr-FR" dirty="0" smtClean="0"/>
-              <a:t>En cas de conflit</a:t>
+              <a:t>Git </a:t>
+            </a:r>
+            <a:r>
+              <a:rPr lang="fr-FR" dirty="0" err="1" smtClean="0"/>
+              <a:t>merge</a:t>
+            </a:r>
+            <a:r>
+              <a:rPr lang="fr-FR" dirty="0" smtClean="0"/>
+              <a:t> automatiquement les fichiers mais il peut y avoir des conflits</a:t>
+            </a:r>
+          </a:p>
+          <a:p>
+            <a:r>
+              <a:rPr lang="fr-FR" dirty="0" smtClean="0"/>
+              <a:t>En </a:t>
+            </a:r>
+            <a:r>
+              <a:rPr lang="fr-FR" dirty="0" smtClean="0"/>
+              <a:t>cas de conflit</a:t>
             </a:r>
           </a:p>
           <a:p>
@@ -20785,18 +20890,15 @@
             </a:r>
             <a:r>
               <a:rPr lang="fr-CH" dirty="0" smtClean="0"/>
-              <a:t>fichier</a:t>
-            </a:r>
+              <a:t>fichier (équivalent au show annotation des IDE)</a:t>
+            </a:r>
+            <a:endParaRPr lang="fr-CH" dirty="0" smtClean="0"/>
           </a:p>
           <a:p>
             <a:pPr lvl="1"/>
             <a:r>
-              <a:rPr lang="fr-FR" dirty="0"/>
-              <a:t>g</a:t>
-            </a:r>
-            <a:r>
               <a:rPr lang="fr-FR" dirty="0" smtClean="0"/>
-              <a:t>it </a:t>
+              <a:t>git </a:t>
             </a:r>
             <a:r>
               <a:rPr lang="fr-FR" dirty="0" err="1" smtClean="0"/>

--- a/Formation Git - basique.pptx
+++ b/Formation Git - basique.pptx
@@ -14815,6 +14815,47 @@
           </a:p>
         </p:txBody>
       </p:sp>
+      <p:pic>
+        <p:nvPicPr>
+          <p:cNvPr id="1026" name="Picture 2" descr="Image associÃ©e"/>
+          <p:cNvPicPr>
+            <a:picLocks noChangeAspect="1" noChangeArrowheads="1"/>
+          </p:cNvPicPr>
+          <p:nvPr/>
+        </p:nvPicPr>
+        <p:blipFill>
+          <a:blip r:embed="rId2">
+            <a:extLst>
+              <a:ext uri="{28A0092B-C50C-407E-A947-70E740481C1C}">
+                <a14:useLocalDpi xmlns:a14="http://schemas.microsoft.com/office/drawing/2010/main" val="0"/>
+              </a:ext>
+            </a:extLst>
+          </a:blip>
+          <a:srcRect/>
+          <a:stretch>
+            <a:fillRect/>
+          </a:stretch>
+        </p:blipFill>
+        <p:spPr bwMode="auto">
+          <a:xfrm>
+            <a:off x="2437456" y="1025210"/>
+            <a:ext cx="5569722" cy="4565964"/>
+          </a:xfrm>
+          <a:prstGeom prst="rect">
+            <a:avLst/>
+          </a:prstGeom>
+          <a:noFill/>
+          <a:extLst>
+            <a:ext uri="{909E8E84-426E-40DD-AFC4-6F175D3DCCD1}">
+              <a14:hiddenFill xmlns:a14="http://schemas.microsoft.com/office/drawing/2010/main">
+                <a:solidFill>
+                  <a:srgbClr val="FFFFFF"/>
+                </a:solidFill>
+              </a14:hiddenFill>
+            </a:ext>
+          </a:extLst>
+        </p:spPr>
+      </p:pic>
     </p:spTree>
     <p:extLst>
       <p:ext uri="{BB962C8B-B14F-4D97-AF65-F5344CB8AC3E}">
@@ -15776,15 +15817,7 @@
             </a:r>
             <a:r>
               <a:rPr lang="fr-FR" sz="1700" dirty="0" smtClean="0"/>
-              <a:t> . » et « git commit -m » </a:t>
-            </a:r>
-            <a:r>
-              <a:rPr lang="fr-FR" sz="1700" dirty="0" smtClean="0"/>
-              <a:t>(ignore </a:t>
-            </a:r>
-            <a:r>
-              <a:rPr lang="fr-FR" sz="1700" dirty="0" smtClean="0"/>
-              <a:t>les nouveaux fichiers ajoutés)  </a:t>
+              <a:t> . » et « git commit -m » (ignore les nouveaux fichiers ajoutés)  </a:t>
             </a:r>
             <a:endParaRPr lang="fr-FR" sz="1700" dirty="0"/>
           </a:p>
@@ -15795,11 +15828,7 @@
             </a:r>
             <a:r>
               <a:rPr lang="fr-FR" sz="1900" dirty="0" smtClean="0"/>
-              <a:t>it commit </a:t>
-            </a:r>
-            <a:r>
-              <a:rPr lang="fr-FR" sz="1900" dirty="0" smtClean="0"/>
-              <a:t>--</a:t>
+              <a:t>it commit --</a:t>
             </a:r>
             <a:r>
               <a:rPr lang="fr-FR" sz="1900" dirty="0" err="1" smtClean="0"/>
@@ -16360,11 +16389,7 @@
           <a:p>
             <a:r>
               <a:rPr lang="fr-FR" dirty="0" smtClean="0"/>
-              <a:t>Exercice: </a:t>
-            </a:r>
-            <a:r>
-              <a:rPr lang="fr-FR" dirty="0" smtClean="0"/>
-              <a:t>Log</a:t>
+              <a:t>Exercice: Log</a:t>
             </a:r>
             <a:endParaRPr lang="fr-CH" dirty="0"/>
           </a:p>
@@ -16402,11 +16427,7 @@
             </a:r>
             <a:r>
               <a:rPr lang="fr-FR" dirty="0" smtClean="0"/>
-              <a:t> de votre repo git avec les étiquettes </a:t>
-            </a:r>
-            <a:r>
-              <a:rPr lang="fr-FR" dirty="0" smtClean="0"/>
-              <a:t>(</a:t>
+              <a:t> de votre repo git avec les étiquettes (</a:t>
             </a:r>
             <a:r>
               <a:rPr lang="fr-FR" dirty="0"/>
@@ -16463,11 +16484,7 @@
             <a:pPr lvl="1"/>
             <a:r>
               <a:rPr lang="fr-FR" dirty="0" smtClean="0"/>
-              <a:t>Combinez les 3 et créez un </a:t>
-            </a:r>
-            <a:r>
-              <a:rPr lang="fr-FR" dirty="0" smtClean="0"/>
-              <a:t>alias</a:t>
+              <a:t>Combinez les 3 et créez un alias</a:t>
             </a:r>
           </a:p>
           <a:p>
@@ -16488,7 +16505,6 @@
               <a:rPr lang="fr-FR" dirty="0" smtClean="0"/>
               <a:t> = ‘git log …’</a:t>
             </a:r>
-            <a:endParaRPr lang="fr-FR" dirty="0" smtClean="0"/>
           </a:p>
           <a:p>
             <a:pPr lvl="1"/>
@@ -19917,11 +19933,7 @@
           <a:p>
             <a:r>
               <a:rPr lang="fr-FR" dirty="0" smtClean="0"/>
-              <a:t>En </a:t>
-            </a:r>
-            <a:r>
-              <a:rPr lang="fr-FR" dirty="0" smtClean="0"/>
-              <a:t>cas de conflit</a:t>
+              <a:t>En cas de conflit</a:t>
             </a:r>
           </a:p>
           <a:p>
@@ -20892,7 +20904,6 @@
               <a:rPr lang="fr-CH" dirty="0" smtClean="0"/>
               <a:t>fichier (équivalent au show annotation des IDE)</a:t>
             </a:r>
-            <a:endParaRPr lang="fr-CH" dirty="0" smtClean="0"/>
           </a:p>
           <a:p>
             <a:pPr lvl="1"/>

--- a/Formation Git - basique.pptx
+++ b/Formation Git - basique.pptx
@@ -159,7 +159,7 @@
   </p:defaultTextStyle>
   <p:extLst>
     <p:ext uri="{EFAFB233-063F-42B5-8137-9DF3F51BA10A}">
-      <p15:sldGuideLst xmlns:p15="http://schemas.microsoft.com/office/powerpoint/2012/main"/>
+      <p15:sldGuideLst xmlns:p15="http://schemas.microsoft.com/office/powerpoint/2012/main" xmlns=""/>
     </p:ext>
   </p:extLst>
 </p:presentation>
@@ -171,7 +171,7 @@
     <p:bg>
       <p:bgPr>
         <a:blipFill rotWithShape="1">
-          <a:blip r:embed="rId2"/>
+          <a:blip r:embed="rId2" cstate="print"/>
           <a:stretch>
             <a:fillRect/>
           </a:stretch>
@@ -233,7 +233,7 @@
     </p:spTree>
     <p:extLst>
       <p:ext uri="{BB962C8B-B14F-4D97-AF65-F5344CB8AC3E}">
-        <p14:creationId xmlns:p14="http://schemas.microsoft.com/office/powerpoint/2010/main" val="4231328773"/>
+        <p14:creationId xmlns:p14="http://schemas.microsoft.com/office/powerpoint/2010/main" xmlns="" val="4231328773"/>
       </p:ext>
     </p:extLst>
   </p:cSld>
@@ -517,7 +517,7 @@
     </p:spTree>
     <p:extLst>
       <p:ext uri="{BB962C8B-B14F-4D97-AF65-F5344CB8AC3E}">
-        <p14:creationId xmlns:p14="http://schemas.microsoft.com/office/powerpoint/2010/main" val="723301155"/>
+        <p14:creationId xmlns:p14="http://schemas.microsoft.com/office/powerpoint/2010/main" xmlns="" val="723301155"/>
       </p:ext>
     </p:extLst>
   </p:cSld>
@@ -935,7 +935,7 @@
     </p:spTree>
     <p:extLst>
       <p:ext uri="{BB962C8B-B14F-4D97-AF65-F5344CB8AC3E}">
-        <p14:creationId xmlns:p14="http://schemas.microsoft.com/office/powerpoint/2010/main" val="2666674251"/>
+        <p14:creationId xmlns:p14="http://schemas.microsoft.com/office/powerpoint/2010/main" xmlns="" val="2666674251"/>
       </p:ext>
     </p:extLst>
   </p:cSld>
@@ -1181,7 +1181,7 @@
     </p:spTree>
     <p:extLst>
       <p:ext uri="{BB962C8B-B14F-4D97-AF65-F5344CB8AC3E}">
-        <p14:creationId xmlns:p14="http://schemas.microsoft.com/office/powerpoint/2010/main" val="2989494173"/>
+        <p14:creationId xmlns:p14="http://schemas.microsoft.com/office/powerpoint/2010/main" xmlns="" val="2989494173"/>
       </p:ext>
     </p:extLst>
   </p:cSld>
@@ -1197,7 +1197,7 @@
     <p:bg>
       <p:bgPr>
         <a:blipFill rotWithShape="1">
-          <a:blip r:embed="rId2"/>
+          <a:blip r:embed="rId2" cstate="print"/>
           <a:stretch>
             <a:fillRect/>
           </a:stretch>
@@ -1598,7 +1598,7 @@
     </p:spTree>
     <p:extLst>
       <p:ext uri="{BB962C8B-B14F-4D97-AF65-F5344CB8AC3E}">
-        <p14:creationId xmlns:p14="http://schemas.microsoft.com/office/powerpoint/2010/main" val="2077341824"/>
+        <p14:creationId xmlns:p14="http://schemas.microsoft.com/office/powerpoint/2010/main" xmlns="" val="2077341824"/>
       </p:ext>
     </p:extLst>
   </p:cSld>
@@ -1614,7 +1614,7 @@
     <p:bg>
       <p:bgPr>
         <a:blipFill rotWithShape="1">
-          <a:blip r:embed="rId2"/>
+          <a:blip r:embed="rId2" cstate="print"/>
           <a:stretch>
             <a:fillRect/>
           </a:stretch>
@@ -2023,7 +2023,7 @@
     </p:spTree>
     <p:extLst>
       <p:ext uri="{BB962C8B-B14F-4D97-AF65-F5344CB8AC3E}">
-        <p14:creationId xmlns:p14="http://schemas.microsoft.com/office/powerpoint/2010/main" val="3732294202"/>
+        <p14:creationId xmlns:p14="http://schemas.microsoft.com/office/powerpoint/2010/main" xmlns="" val="3732294202"/>
       </p:ext>
     </p:extLst>
   </p:cSld>
@@ -2039,7 +2039,7 @@
     <p:bg>
       <p:bgPr>
         <a:blipFill rotWithShape="1">
-          <a:blip r:embed="rId2"/>
+          <a:blip r:embed="rId2" cstate="print"/>
           <a:stretch>
             <a:fillRect/>
           </a:stretch>
@@ -2312,7 +2312,7 @@
     </p:spTree>
     <p:extLst>
       <p:ext uri="{BB962C8B-B14F-4D97-AF65-F5344CB8AC3E}">
-        <p14:creationId xmlns:p14="http://schemas.microsoft.com/office/powerpoint/2010/main" val="1276228306"/>
+        <p14:creationId xmlns:p14="http://schemas.microsoft.com/office/powerpoint/2010/main" xmlns="" val="1276228306"/>
       </p:ext>
     </p:extLst>
   </p:cSld>
@@ -2328,7 +2328,7 @@
     <p:bg>
       <p:bgPr>
         <a:blipFill rotWithShape="1">
-          <a:blip r:embed="rId2"/>
+          <a:blip r:embed="rId2" cstate="print"/>
           <a:stretch>
             <a:fillRect/>
           </a:stretch>
@@ -2796,7 +2796,7 @@
     </p:spTree>
     <p:extLst>
       <p:ext uri="{BB962C8B-B14F-4D97-AF65-F5344CB8AC3E}">
-        <p14:creationId xmlns:p14="http://schemas.microsoft.com/office/powerpoint/2010/main" val="1063254940"/>
+        <p14:creationId xmlns:p14="http://schemas.microsoft.com/office/powerpoint/2010/main" xmlns="" val="1063254940"/>
       </p:ext>
     </p:extLst>
   </p:cSld>
@@ -2812,7 +2812,7 @@
     <p:bg>
       <p:bgPr>
         <a:blipFill rotWithShape="1">
-          <a:blip r:embed="rId2"/>
+          <a:blip r:embed="rId2" cstate="print"/>
           <a:stretch>
             <a:fillRect/>
           </a:stretch>
@@ -3070,7 +3070,7 @@
     </p:spTree>
     <p:extLst>
       <p:ext uri="{BB962C8B-B14F-4D97-AF65-F5344CB8AC3E}">
-        <p14:creationId xmlns:p14="http://schemas.microsoft.com/office/powerpoint/2010/main" val="4189395775"/>
+        <p14:creationId xmlns:p14="http://schemas.microsoft.com/office/powerpoint/2010/main" xmlns="" val="4189395775"/>
       </p:ext>
     </p:extLst>
   </p:cSld>
@@ -3086,7 +3086,7 @@
     <p:bg>
       <p:bgPr>
         <a:blipFill rotWithShape="1">
-          <a:blip r:embed="rId2"/>
+          <a:blip r:embed="rId2" cstate="print"/>
           <a:stretch>
             <a:fillRect/>
           </a:stretch>
@@ -3487,7 +3487,7 @@
     </p:spTree>
     <p:extLst>
       <p:ext uri="{BB962C8B-B14F-4D97-AF65-F5344CB8AC3E}">
-        <p14:creationId xmlns:p14="http://schemas.microsoft.com/office/powerpoint/2010/main" val="260384451"/>
+        <p14:creationId xmlns:p14="http://schemas.microsoft.com/office/powerpoint/2010/main" xmlns="" val="260384451"/>
       </p:ext>
     </p:extLst>
   </p:cSld>
@@ -3503,7 +3503,7 @@
     <p:bg>
       <p:bgPr>
         <a:blipFill rotWithShape="1">
-          <a:blip r:embed="rId2"/>
+          <a:blip r:embed="rId2" cstate="print"/>
           <a:stretch>
             <a:fillRect/>
           </a:stretch>
@@ -3912,7 +3912,7 @@
     </p:spTree>
     <p:extLst>
       <p:ext uri="{BB962C8B-B14F-4D97-AF65-F5344CB8AC3E}">
-        <p14:creationId xmlns:p14="http://schemas.microsoft.com/office/powerpoint/2010/main" val="163408545"/>
+        <p14:creationId xmlns:p14="http://schemas.microsoft.com/office/powerpoint/2010/main" xmlns="" val="163408545"/>
       </p:ext>
     </p:extLst>
   </p:cSld>
@@ -4079,7 +4079,7 @@
     </p:spTree>
     <p:extLst>
       <p:ext uri="{BB962C8B-B14F-4D97-AF65-F5344CB8AC3E}">
-        <p14:creationId xmlns:p14="http://schemas.microsoft.com/office/powerpoint/2010/main" val="197449342"/>
+        <p14:creationId xmlns:p14="http://schemas.microsoft.com/office/powerpoint/2010/main" xmlns="" val="197449342"/>
       </p:ext>
     </p:extLst>
   </p:cSld>
@@ -4095,7 +4095,7 @@
     <p:bg>
       <p:bgPr>
         <a:blipFill rotWithShape="1">
-          <a:blip r:embed="rId2"/>
+          <a:blip r:embed="rId2" cstate="print"/>
           <a:stretch>
             <a:fillRect/>
           </a:stretch>
@@ -4368,7 +4368,7 @@
     </p:spTree>
     <p:extLst>
       <p:ext uri="{BB962C8B-B14F-4D97-AF65-F5344CB8AC3E}">
-        <p14:creationId xmlns:p14="http://schemas.microsoft.com/office/powerpoint/2010/main" val="685700072"/>
+        <p14:creationId xmlns:p14="http://schemas.microsoft.com/office/powerpoint/2010/main" xmlns="" val="685700072"/>
       </p:ext>
     </p:extLst>
   </p:cSld>
@@ -4384,7 +4384,7 @@
     <p:bg>
       <p:bgPr>
         <a:blipFill rotWithShape="1">
-          <a:blip r:embed="rId2"/>
+          <a:blip r:embed="rId2" cstate="print"/>
           <a:stretch>
             <a:fillRect/>
           </a:stretch>
@@ -4852,7 +4852,7 @@
     </p:spTree>
     <p:extLst>
       <p:ext uri="{BB962C8B-B14F-4D97-AF65-F5344CB8AC3E}">
-        <p14:creationId xmlns:p14="http://schemas.microsoft.com/office/powerpoint/2010/main" val="1280648132"/>
+        <p14:creationId xmlns:p14="http://schemas.microsoft.com/office/powerpoint/2010/main" xmlns="" val="1280648132"/>
       </p:ext>
     </p:extLst>
   </p:cSld>
@@ -4868,7 +4868,7 @@
     <p:bg>
       <p:bgPr>
         <a:blipFill rotWithShape="1">
-          <a:blip r:embed="rId2"/>
+          <a:blip r:embed="rId2" cstate="print"/>
           <a:stretch>
             <a:fillRect/>
           </a:stretch>
@@ -5126,7 +5126,7 @@
     </p:spTree>
     <p:extLst>
       <p:ext uri="{BB962C8B-B14F-4D97-AF65-F5344CB8AC3E}">
-        <p14:creationId xmlns:p14="http://schemas.microsoft.com/office/powerpoint/2010/main" val="3458582654"/>
+        <p14:creationId xmlns:p14="http://schemas.microsoft.com/office/powerpoint/2010/main" xmlns="" val="3458582654"/>
       </p:ext>
     </p:extLst>
   </p:cSld>
@@ -5142,7 +5142,7 @@
     <p:bg>
       <p:bgPr>
         <a:blipFill rotWithShape="1">
-          <a:blip r:embed="rId2"/>
+          <a:blip r:embed="rId2" cstate="print"/>
           <a:stretch>
             <a:fillRect/>
           </a:stretch>
@@ -5543,7 +5543,7 @@
     </p:spTree>
     <p:extLst>
       <p:ext uri="{BB962C8B-B14F-4D97-AF65-F5344CB8AC3E}">
-        <p14:creationId xmlns:p14="http://schemas.microsoft.com/office/powerpoint/2010/main" val="523443282"/>
+        <p14:creationId xmlns:p14="http://schemas.microsoft.com/office/powerpoint/2010/main" xmlns="" val="523443282"/>
       </p:ext>
     </p:extLst>
   </p:cSld>
@@ -5559,7 +5559,7 @@
     <p:bg>
       <p:bgPr>
         <a:blipFill rotWithShape="1">
-          <a:blip r:embed="rId2"/>
+          <a:blip r:embed="rId2" cstate="print"/>
           <a:stretch>
             <a:fillRect/>
           </a:stretch>
@@ -5968,7 +5968,7 @@
     </p:spTree>
     <p:extLst>
       <p:ext uri="{BB962C8B-B14F-4D97-AF65-F5344CB8AC3E}">
-        <p14:creationId xmlns:p14="http://schemas.microsoft.com/office/powerpoint/2010/main" val="1164388986"/>
+        <p14:creationId xmlns:p14="http://schemas.microsoft.com/office/powerpoint/2010/main" xmlns="" val="1164388986"/>
       </p:ext>
     </p:extLst>
   </p:cSld>
@@ -5984,7 +5984,7 @@
     <p:bg>
       <p:bgPr>
         <a:blipFill rotWithShape="1">
-          <a:blip r:embed="rId2"/>
+          <a:blip r:embed="rId2" cstate="print"/>
           <a:stretch>
             <a:fillRect/>
           </a:stretch>
@@ -6257,7 +6257,7 @@
     </p:spTree>
     <p:extLst>
       <p:ext uri="{BB962C8B-B14F-4D97-AF65-F5344CB8AC3E}">
-        <p14:creationId xmlns:p14="http://schemas.microsoft.com/office/powerpoint/2010/main" val="2232070381"/>
+        <p14:creationId xmlns:p14="http://schemas.microsoft.com/office/powerpoint/2010/main" xmlns="" val="2232070381"/>
       </p:ext>
     </p:extLst>
   </p:cSld>
@@ -6273,7 +6273,7 @@
     <p:bg>
       <p:bgPr>
         <a:blipFill rotWithShape="1">
-          <a:blip r:embed="rId2"/>
+          <a:blip r:embed="rId2" cstate="print"/>
           <a:stretch>
             <a:fillRect/>
           </a:stretch>
@@ -6741,7 +6741,7 @@
     </p:spTree>
     <p:extLst>
       <p:ext uri="{BB962C8B-B14F-4D97-AF65-F5344CB8AC3E}">
-        <p14:creationId xmlns:p14="http://schemas.microsoft.com/office/powerpoint/2010/main" val="3067956969"/>
+        <p14:creationId xmlns:p14="http://schemas.microsoft.com/office/powerpoint/2010/main" xmlns="" val="3067956969"/>
       </p:ext>
     </p:extLst>
   </p:cSld>
@@ -6757,7 +6757,7 @@
     <p:bg>
       <p:bgPr>
         <a:blipFill rotWithShape="1">
-          <a:blip r:embed="rId2"/>
+          <a:blip r:embed="rId2" cstate="print"/>
           <a:stretch>
             <a:fillRect/>
           </a:stretch>
@@ -7015,7 +7015,7 @@
     </p:spTree>
     <p:extLst>
       <p:ext uri="{BB962C8B-B14F-4D97-AF65-F5344CB8AC3E}">
-        <p14:creationId xmlns:p14="http://schemas.microsoft.com/office/powerpoint/2010/main" val="76174688"/>
+        <p14:creationId xmlns:p14="http://schemas.microsoft.com/office/powerpoint/2010/main" xmlns="" val="76174688"/>
       </p:ext>
     </p:extLst>
   </p:cSld>
@@ -7031,7 +7031,7 @@
     <p:bg>
       <p:bgPr>
         <a:blipFill rotWithShape="1">
-          <a:blip r:embed="rId2"/>
+          <a:blip r:embed="rId2" cstate="print"/>
           <a:stretch>
             <a:fillRect/>
           </a:stretch>
@@ -7432,7 +7432,7 @@
     </p:spTree>
     <p:extLst>
       <p:ext uri="{BB962C8B-B14F-4D97-AF65-F5344CB8AC3E}">
-        <p14:creationId xmlns:p14="http://schemas.microsoft.com/office/powerpoint/2010/main" val="1359278991"/>
+        <p14:creationId xmlns:p14="http://schemas.microsoft.com/office/powerpoint/2010/main" xmlns="" val="1359278991"/>
       </p:ext>
     </p:extLst>
   </p:cSld>
@@ -7448,7 +7448,7 @@
     <p:bg>
       <p:bgPr>
         <a:blipFill rotWithShape="1">
-          <a:blip r:embed="rId2"/>
+          <a:blip r:embed="rId2" cstate="print"/>
           <a:stretch>
             <a:fillRect/>
           </a:stretch>
@@ -7857,7 +7857,7 @@
     </p:spTree>
     <p:extLst>
       <p:ext uri="{BB962C8B-B14F-4D97-AF65-F5344CB8AC3E}">
-        <p14:creationId xmlns:p14="http://schemas.microsoft.com/office/powerpoint/2010/main" val="175406914"/>
+        <p14:creationId xmlns:p14="http://schemas.microsoft.com/office/powerpoint/2010/main" xmlns="" val="175406914"/>
       </p:ext>
     </p:extLst>
   </p:cSld>
@@ -8258,7 +8258,7 @@
     </p:spTree>
     <p:extLst>
       <p:ext uri="{BB962C8B-B14F-4D97-AF65-F5344CB8AC3E}">
-        <p14:creationId xmlns:p14="http://schemas.microsoft.com/office/powerpoint/2010/main" val="3188968520"/>
+        <p14:creationId xmlns:p14="http://schemas.microsoft.com/office/powerpoint/2010/main" xmlns="" val="3188968520"/>
       </p:ext>
     </p:extLst>
   </p:cSld>
@@ -8274,7 +8274,7 @@
     <p:bg>
       <p:bgPr>
         <a:blipFill rotWithShape="1">
-          <a:blip r:embed="rId2"/>
+          <a:blip r:embed="rId2" cstate="print"/>
           <a:stretch>
             <a:fillRect/>
           </a:stretch>
@@ -8547,7 +8547,7 @@
     </p:spTree>
     <p:extLst>
       <p:ext uri="{BB962C8B-B14F-4D97-AF65-F5344CB8AC3E}">
-        <p14:creationId xmlns:p14="http://schemas.microsoft.com/office/powerpoint/2010/main" val="4242643406"/>
+        <p14:creationId xmlns:p14="http://schemas.microsoft.com/office/powerpoint/2010/main" xmlns="" val="4242643406"/>
       </p:ext>
     </p:extLst>
   </p:cSld>
@@ -8563,7 +8563,7 @@
     <p:bg>
       <p:bgPr>
         <a:blipFill rotWithShape="1">
-          <a:blip r:embed="rId2"/>
+          <a:blip r:embed="rId2" cstate="print"/>
           <a:stretch>
             <a:fillRect/>
           </a:stretch>
@@ -9031,7 +9031,7 @@
     </p:spTree>
     <p:extLst>
       <p:ext uri="{BB962C8B-B14F-4D97-AF65-F5344CB8AC3E}">
-        <p14:creationId xmlns:p14="http://schemas.microsoft.com/office/powerpoint/2010/main" val="3882186434"/>
+        <p14:creationId xmlns:p14="http://schemas.microsoft.com/office/powerpoint/2010/main" xmlns="" val="3882186434"/>
       </p:ext>
     </p:extLst>
   </p:cSld>
@@ -9047,7 +9047,7 @@
     <p:bg>
       <p:bgPr>
         <a:blipFill rotWithShape="1">
-          <a:blip r:embed="rId2"/>
+          <a:blip r:embed="rId2" cstate="print"/>
           <a:stretch>
             <a:fillRect/>
           </a:stretch>
@@ -9305,7 +9305,7 @@
     </p:spTree>
     <p:extLst>
       <p:ext uri="{BB962C8B-B14F-4D97-AF65-F5344CB8AC3E}">
-        <p14:creationId xmlns:p14="http://schemas.microsoft.com/office/powerpoint/2010/main" val="2302826109"/>
+        <p14:creationId xmlns:p14="http://schemas.microsoft.com/office/powerpoint/2010/main" xmlns="" val="2302826109"/>
       </p:ext>
     </p:extLst>
   </p:cSld>
@@ -9321,7 +9321,7 @@
     <p:bg>
       <p:bgPr>
         <a:blipFill rotWithShape="1">
-          <a:blip r:embed="rId2"/>
+          <a:blip r:embed="rId2" cstate="print"/>
           <a:stretch>
             <a:fillRect/>
           </a:stretch>
@@ -9346,7 +9346,7 @@
     </p:spTree>
     <p:extLst>
       <p:ext uri="{BB962C8B-B14F-4D97-AF65-F5344CB8AC3E}">
-        <p14:creationId xmlns:p14="http://schemas.microsoft.com/office/powerpoint/2010/main" val="804637230"/>
+        <p14:creationId xmlns:p14="http://schemas.microsoft.com/office/powerpoint/2010/main" xmlns="" val="804637230"/>
       </p:ext>
     </p:extLst>
   </p:cSld>
@@ -9569,7 +9569,7 @@
     </p:spTree>
     <p:extLst>
       <p:ext uri="{BB962C8B-B14F-4D97-AF65-F5344CB8AC3E}">
-        <p14:creationId xmlns:p14="http://schemas.microsoft.com/office/powerpoint/2010/main" val="3613971981"/>
+        <p14:creationId xmlns:p14="http://schemas.microsoft.com/office/powerpoint/2010/main" xmlns="" val="3613971981"/>
       </p:ext>
     </p:extLst>
   </p:cSld>
@@ -9718,7 +9718,8 @@
           <a:p>
             <a:fld id="{BD316801-2A97-4601-919F-FCA6A6B76BCF}" type="datetimeFigureOut">
               <a:rPr lang="fr-CH" smtClean="0"/>
-              <a:t>27.05.2019</a:t>
+              <a:pPr/>
+              <a:t>28.05.2019</a:t>
             </a:fld>
             <a:endParaRPr lang="fr-CH"/>
           </a:p>
@@ -9768,6 +9769,7 @@
           <a:p>
             <a:fld id="{FDE333F6-557E-4A0A-BA29-2BD7F4CD5DAF}" type="slidenum">
               <a:rPr lang="fr-CH" smtClean="0"/>
+              <a:pPr/>
               <a:t>‹N°›</a:t>
             </a:fld>
             <a:endParaRPr lang="fr-CH"/>
@@ -9777,7 +9779,7 @@
     </p:spTree>
     <p:extLst>
       <p:ext uri="{BB962C8B-B14F-4D97-AF65-F5344CB8AC3E}">
-        <p14:creationId xmlns:p14="http://schemas.microsoft.com/office/powerpoint/2010/main" val="683260140"/>
+        <p14:creationId xmlns:p14="http://schemas.microsoft.com/office/powerpoint/2010/main" xmlns="" val="683260140"/>
       </p:ext>
     </p:extLst>
   </p:cSld>
@@ -10198,7 +10200,7 @@
     </p:spTree>
     <p:extLst>
       <p:ext uri="{BB962C8B-B14F-4D97-AF65-F5344CB8AC3E}">
-        <p14:creationId xmlns:p14="http://schemas.microsoft.com/office/powerpoint/2010/main" val="881434715"/>
+        <p14:creationId xmlns:p14="http://schemas.microsoft.com/office/powerpoint/2010/main" xmlns="" val="881434715"/>
       </p:ext>
     </p:extLst>
   </p:cSld>
@@ -10548,7 +10550,7 @@
     </p:spTree>
     <p:extLst>
       <p:ext uri="{BB962C8B-B14F-4D97-AF65-F5344CB8AC3E}">
-        <p14:creationId xmlns:p14="http://schemas.microsoft.com/office/powerpoint/2010/main" val="807858922"/>
+        <p14:creationId xmlns:p14="http://schemas.microsoft.com/office/powerpoint/2010/main" xmlns="" val="807858922"/>
       </p:ext>
     </p:extLst>
   </p:cSld>
@@ -10822,7 +10824,7 @@
     </p:spTree>
     <p:extLst>
       <p:ext uri="{BB962C8B-B14F-4D97-AF65-F5344CB8AC3E}">
-        <p14:creationId xmlns:p14="http://schemas.microsoft.com/office/powerpoint/2010/main" val="2315089144"/>
+        <p14:creationId xmlns:p14="http://schemas.microsoft.com/office/powerpoint/2010/main" xmlns="" val="2315089144"/>
       </p:ext>
     </p:extLst>
   </p:cSld>
@@ -11287,7 +11289,7 @@
     </p:spTree>
     <p:extLst>
       <p:ext uri="{BB962C8B-B14F-4D97-AF65-F5344CB8AC3E}">
-        <p14:creationId xmlns:p14="http://schemas.microsoft.com/office/powerpoint/2010/main" val="1435952600"/>
+        <p14:creationId xmlns:p14="http://schemas.microsoft.com/office/powerpoint/2010/main" xmlns="" val="1435952600"/>
       </p:ext>
     </p:extLst>
   </p:cSld>
@@ -11303,7 +11305,7 @@
     <p:bg>
       <p:bgPr>
         <a:blipFill rotWithShape="1">
-          <a:blip r:embed="rId2"/>
+          <a:blip r:embed="rId2" cstate="print"/>
           <a:stretch>
             <a:fillRect/>
           </a:stretch>
@@ -11561,7 +11563,7 @@
     </p:spTree>
     <p:extLst>
       <p:ext uri="{BB962C8B-B14F-4D97-AF65-F5344CB8AC3E}">
-        <p14:creationId xmlns:p14="http://schemas.microsoft.com/office/powerpoint/2010/main" val="1384935472"/>
+        <p14:creationId xmlns:p14="http://schemas.microsoft.com/office/powerpoint/2010/main" xmlns="" val="1384935472"/>
       </p:ext>
     </p:extLst>
   </p:cSld>
@@ -11981,7 +11983,7 @@
     </p:spTree>
     <p:extLst>
       <p:ext uri="{BB962C8B-B14F-4D97-AF65-F5344CB8AC3E}">
-        <p14:creationId xmlns:p14="http://schemas.microsoft.com/office/powerpoint/2010/main" val="3175933899"/>
+        <p14:creationId xmlns:p14="http://schemas.microsoft.com/office/powerpoint/2010/main" xmlns="" val="3175933899"/>
       </p:ext>
     </p:extLst>
   </p:cSld>
@@ -11997,7 +11999,7 @@
     <p:bg>
       <p:bgPr>
         <a:blipFill rotWithShape="1">
-          <a:blip r:embed="rId37"/>
+          <a:blip r:embed="rId37" cstate="print"/>
           <a:stretch>
             <a:fillRect/>
           </a:stretch>
@@ -12229,7 +12231,7 @@
     </p:spTree>
     <p:extLst>
       <p:ext uri="{BB962C8B-B14F-4D97-AF65-F5344CB8AC3E}">
-        <p14:creationId xmlns:p14="http://schemas.microsoft.com/office/powerpoint/2010/main" val="3254166600"/>
+        <p14:creationId xmlns:p14="http://schemas.microsoft.com/office/powerpoint/2010/main" xmlns="" val="3254166600"/>
       </p:ext>
     </p:extLst>
   </p:cSld>
@@ -12649,7 +12651,7 @@
     </p:spTree>
     <p:extLst>
       <p:ext uri="{BB962C8B-B14F-4D97-AF65-F5344CB8AC3E}">
-        <p14:creationId xmlns:p14="http://schemas.microsoft.com/office/powerpoint/2010/main" val="4210199016"/>
+        <p14:creationId xmlns:p14="http://schemas.microsoft.com/office/powerpoint/2010/main" xmlns="" val="4210199016"/>
       </p:ext>
     </p:extLst>
   </p:cSld>
@@ -13115,7 +13117,7 @@
     </p:spTree>
     <p:extLst>
       <p:ext uri="{BB962C8B-B14F-4D97-AF65-F5344CB8AC3E}">
-        <p14:creationId xmlns:p14="http://schemas.microsoft.com/office/powerpoint/2010/main" val="200065128"/>
+        <p14:creationId xmlns:p14="http://schemas.microsoft.com/office/powerpoint/2010/main" xmlns="" val="200065128"/>
       </p:ext>
     </p:extLst>
   </p:cSld>
@@ -13387,7 +13389,7 @@
     </p:spTree>
     <p:extLst>
       <p:ext uri="{BB962C8B-B14F-4D97-AF65-F5344CB8AC3E}">
-        <p14:creationId xmlns:p14="http://schemas.microsoft.com/office/powerpoint/2010/main" val="1884906889"/>
+        <p14:creationId xmlns:p14="http://schemas.microsoft.com/office/powerpoint/2010/main" xmlns="" val="1884906889"/>
       </p:ext>
     </p:extLst>
   </p:cSld>
@@ -13682,7 +13684,7 @@
     </p:spTree>
     <p:extLst>
       <p:ext uri="{BB962C8B-B14F-4D97-AF65-F5344CB8AC3E}">
-        <p14:creationId xmlns:p14="http://schemas.microsoft.com/office/powerpoint/2010/main" val="1859369483"/>
+        <p14:creationId xmlns:p14="http://schemas.microsoft.com/office/powerpoint/2010/main" xmlns="" val="1859369483"/>
       </p:ext>
     </p:extLst>
   </p:cSld>
@@ -13748,10 +13750,10 @@
           <p:nvPr/>
         </p:nvPicPr>
         <p:blipFill>
-          <a:blip r:embed="rId2">
+          <a:blip r:embed="rId2" cstate="print">
             <a:extLst>
               <a:ext uri="{28A0092B-C50C-407E-A947-70E740481C1C}">
-                <a14:useLocalDpi xmlns:a14="http://schemas.microsoft.com/office/drawing/2010/main" val="0"/>
+                <a14:useLocalDpi xmlns:a14="http://schemas.microsoft.com/office/drawing/2010/main" xmlns="" val="0"/>
               </a:ext>
             </a:extLst>
           </a:blip>
@@ -13771,7 +13773,7 @@
           <a:noFill/>
           <a:extLst>
             <a:ext uri="{909E8E84-426E-40DD-AFC4-6F175D3DCCD1}">
-              <a14:hiddenFill xmlns:a14="http://schemas.microsoft.com/office/drawing/2010/main">
+              <a14:hiddenFill xmlns:a14="http://schemas.microsoft.com/office/drawing/2010/main" xmlns="">
                 <a:solidFill>
                   <a:srgbClr val="FFFFFF"/>
                 </a:solidFill>
@@ -13783,7 +13785,7 @@
     </p:spTree>
     <p:extLst>
       <p:ext uri="{BB962C8B-B14F-4D97-AF65-F5344CB8AC3E}">
-        <p14:creationId xmlns:p14="http://schemas.microsoft.com/office/powerpoint/2010/main" val="3989956408"/>
+        <p14:creationId xmlns:p14="http://schemas.microsoft.com/office/powerpoint/2010/main" xmlns="" val="3989956408"/>
       </p:ext>
     </p:extLst>
   </p:cSld>
@@ -13849,7 +13851,7 @@
           <p:nvPr>
             <p:extLst>
               <p:ext uri="{D42A27DB-BD31-4B8C-83A1-F6EECF244321}">
-                <p14:modId xmlns:p14="http://schemas.microsoft.com/office/powerpoint/2010/main" val="1503628926"/>
+                <p14:modId xmlns:p14="http://schemas.microsoft.com/office/powerpoint/2010/main" xmlns="" val="1503628926"/>
               </p:ext>
             </p:extLst>
           </p:nvPr>
@@ -14055,7 +14057,7 @@
           <p:nvPr>
             <p:extLst>
               <p:ext uri="{D42A27DB-BD31-4B8C-83A1-F6EECF244321}">
-                <p14:modId xmlns:p14="http://schemas.microsoft.com/office/powerpoint/2010/main" val="1744336829"/>
+                <p14:modId xmlns:p14="http://schemas.microsoft.com/office/powerpoint/2010/main" xmlns="" val="1744336829"/>
               </p:ext>
             </p:extLst>
           </p:nvPr>
@@ -14293,7 +14295,7 @@
     </p:spTree>
     <p:extLst>
       <p:ext uri="{BB962C8B-B14F-4D97-AF65-F5344CB8AC3E}">
-        <p14:creationId xmlns:p14="http://schemas.microsoft.com/office/powerpoint/2010/main" val="1352867182"/>
+        <p14:creationId xmlns:p14="http://schemas.microsoft.com/office/powerpoint/2010/main" xmlns="" val="1352867182"/>
       </p:ext>
     </p:extLst>
   </p:cSld>
@@ -14446,7 +14448,7 @@
     </p:spTree>
     <p:extLst>
       <p:ext uri="{BB962C8B-B14F-4D97-AF65-F5344CB8AC3E}">
-        <p14:creationId xmlns:p14="http://schemas.microsoft.com/office/powerpoint/2010/main" val="840039618"/>
+        <p14:creationId xmlns:p14="http://schemas.microsoft.com/office/powerpoint/2010/main" xmlns="" val="840039618"/>
       </p:ext>
     </p:extLst>
   </p:cSld>
@@ -14522,7 +14524,7 @@
           <a:noFill/>
           <a:extLst>
             <a:ext uri="{909E8E84-426E-40DD-AFC4-6F175D3DCCD1}">
-              <a14:hiddenFill xmlns:a14="http://schemas.microsoft.com/office/drawing/2010/main">
+              <a14:hiddenFill xmlns:a14="http://schemas.microsoft.com/office/drawing/2010/main" xmlns="">
                 <a:solidFill>
                   <a:srgbClr val="FFFFFF"/>
                 </a:solidFill>
@@ -14551,10 +14553,10 @@
           <p:nvPr/>
         </p:nvPicPr>
         <p:blipFill>
-          <a:blip r:embed="rId2">
+          <a:blip r:embed="rId2" cstate="print">
             <a:extLst>
               <a:ext uri="{28A0092B-C50C-407E-A947-70E740481C1C}">
-                <a14:useLocalDpi xmlns:a14="http://schemas.microsoft.com/office/drawing/2010/main" val="0"/>
+                <a14:useLocalDpi xmlns:a14="http://schemas.microsoft.com/office/drawing/2010/main" xmlns="" val="0"/>
               </a:ext>
             </a:extLst>
           </a:blip>
@@ -14574,7 +14576,7 @@
           <a:noFill/>
           <a:extLst>
             <a:ext uri="{909E8E84-426E-40DD-AFC4-6F175D3DCCD1}">
-              <a14:hiddenFill xmlns:a14="http://schemas.microsoft.com/office/drawing/2010/main">
+              <a14:hiddenFill xmlns:a14="http://schemas.microsoft.com/office/drawing/2010/main" xmlns="">
                 <a:solidFill>
                   <a:srgbClr val="FFFFFF"/>
                 </a:solidFill>
@@ -14586,7 +14588,7 @@
     </p:spTree>
     <p:extLst>
       <p:ext uri="{BB962C8B-B14F-4D97-AF65-F5344CB8AC3E}">
-        <p14:creationId xmlns:p14="http://schemas.microsoft.com/office/powerpoint/2010/main" val="462287351"/>
+        <p14:creationId xmlns:p14="http://schemas.microsoft.com/office/powerpoint/2010/main" xmlns="" val="462287351"/>
       </p:ext>
     </p:extLst>
   </p:cSld>
@@ -14652,7 +14654,7 @@
           <p:nvPr/>
         </p:nvPicPr>
         <p:blipFill>
-          <a:blip r:embed="rId2"/>
+          <a:blip r:embed="rId2" cstate="print"/>
           <a:stretch>
             <a:fillRect/>
           </a:stretch>
@@ -14676,7 +14678,7 @@
           <p:nvPr/>
         </p:nvPicPr>
         <p:blipFill>
-          <a:blip r:embed="rId3"/>
+          <a:blip r:embed="rId3" cstate="print"/>
           <a:stretch>
             <a:fillRect/>
           </a:stretch>
@@ -14694,7 +14696,7 @@
     </p:spTree>
     <p:extLst>
       <p:ext uri="{BB962C8B-B14F-4D97-AF65-F5344CB8AC3E}">
-        <p14:creationId xmlns:p14="http://schemas.microsoft.com/office/powerpoint/2010/main" val="3973309223"/>
+        <p14:creationId xmlns:p14="http://schemas.microsoft.com/office/powerpoint/2010/main" xmlns="" val="3973309223"/>
       </p:ext>
     </p:extLst>
   </p:cSld>
@@ -14824,10 +14826,10 @@
           <p:nvPr/>
         </p:nvPicPr>
         <p:blipFill>
-          <a:blip r:embed="rId2">
+          <a:blip r:embed="rId2" cstate="print">
             <a:extLst>
               <a:ext uri="{28A0092B-C50C-407E-A947-70E740481C1C}">
-                <a14:useLocalDpi xmlns:a14="http://schemas.microsoft.com/office/drawing/2010/main" val="0"/>
+                <a14:useLocalDpi xmlns:a14="http://schemas.microsoft.com/office/drawing/2010/main" xmlns="" val="0"/>
               </a:ext>
             </a:extLst>
           </a:blip>
@@ -14847,7 +14849,7 @@
           <a:noFill/>
           <a:extLst>
             <a:ext uri="{909E8E84-426E-40DD-AFC4-6F175D3DCCD1}">
-              <a14:hiddenFill xmlns:a14="http://schemas.microsoft.com/office/drawing/2010/main">
+              <a14:hiddenFill xmlns:a14="http://schemas.microsoft.com/office/drawing/2010/main" xmlns="">
                 <a:solidFill>
                   <a:srgbClr val="FFFFFF"/>
                 </a:solidFill>
@@ -14859,7 +14861,7 @@
     </p:spTree>
     <p:extLst>
       <p:ext uri="{BB962C8B-B14F-4D97-AF65-F5344CB8AC3E}">
-        <p14:creationId xmlns:p14="http://schemas.microsoft.com/office/powerpoint/2010/main" val="2781478533"/>
+        <p14:creationId xmlns:p14="http://schemas.microsoft.com/office/powerpoint/2010/main" xmlns="" val="2781478533"/>
       </p:ext>
     </p:extLst>
   </p:cSld>
@@ -15026,7 +15028,7 @@
           <a:noFill/>
           <a:extLst>
             <a:ext uri="{909E8E84-426E-40DD-AFC4-6F175D3DCCD1}">
-              <a14:hiddenFill xmlns:a14="http://schemas.microsoft.com/office/drawing/2010/main">
+              <a14:hiddenFill xmlns:a14="http://schemas.microsoft.com/office/drawing/2010/main" xmlns="">
                 <a:solidFill>
                   <a:srgbClr val="FFFFFF"/>
                 </a:solidFill>
@@ -15055,10 +15057,10 @@
           <p:nvPr/>
         </p:nvPicPr>
         <p:blipFill>
-          <a:blip r:embed="rId2">
+          <a:blip r:embed="rId2" cstate="print">
             <a:extLst>
               <a:ext uri="{28A0092B-C50C-407E-A947-70E740481C1C}">
-                <a14:useLocalDpi xmlns:a14="http://schemas.microsoft.com/office/drawing/2010/main" val="0"/>
+                <a14:useLocalDpi xmlns:a14="http://schemas.microsoft.com/office/drawing/2010/main" xmlns="" val="0"/>
               </a:ext>
             </a:extLst>
           </a:blip>
@@ -15078,7 +15080,7 @@
           <a:noFill/>
           <a:extLst>
             <a:ext uri="{909E8E84-426E-40DD-AFC4-6F175D3DCCD1}">
-              <a14:hiddenFill xmlns:a14="http://schemas.microsoft.com/office/drawing/2010/main">
+              <a14:hiddenFill xmlns:a14="http://schemas.microsoft.com/office/drawing/2010/main" xmlns="">
                 <a:solidFill>
                   <a:srgbClr val="FFFFFF"/>
                 </a:solidFill>
@@ -15090,7 +15092,7 @@
     </p:spTree>
     <p:extLst>
       <p:ext uri="{BB962C8B-B14F-4D97-AF65-F5344CB8AC3E}">
-        <p14:creationId xmlns:p14="http://schemas.microsoft.com/office/powerpoint/2010/main" val="1991721104"/>
+        <p14:creationId xmlns:p14="http://schemas.microsoft.com/office/powerpoint/2010/main" xmlns="" val="1991721104"/>
       </p:ext>
     </p:extLst>
   </p:cSld>
@@ -15273,7 +15275,7 @@
     </p:spTree>
     <p:extLst>
       <p:ext uri="{BB962C8B-B14F-4D97-AF65-F5344CB8AC3E}">
-        <p14:creationId xmlns:p14="http://schemas.microsoft.com/office/powerpoint/2010/main" val="2320235557"/>
+        <p14:creationId xmlns:p14="http://schemas.microsoft.com/office/powerpoint/2010/main" xmlns="" val="2320235557"/>
       </p:ext>
     </p:extLst>
   </p:cSld>
@@ -15339,10 +15341,10 @@
           <p:nvPr/>
         </p:nvPicPr>
         <p:blipFill>
-          <a:blip r:embed="rId2">
+          <a:blip r:embed="rId2" cstate="print">
             <a:extLst>
               <a:ext uri="{28A0092B-C50C-407E-A947-70E740481C1C}">
-                <a14:useLocalDpi xmlns:a14="http://schemas.microsoft.com/office/drawing/2010/main" val="0"/>
+                <a14:useLocalDpi xmlns:a14="http://schemas.microsoft.com/office/drawing/2010/main" xmlns="" val="0"/>
               </a:ext>
             </a:extLst>
           </a:blip>
@@ -15362,7 +15364,7 @@
           <a:noFill/>
           <a:extLst>
             <a:ext uri="{909E8E84-426E-40DD-AFC4-6F175D3DCCD1}">
-              <a14:hiddenFill xmlns:a14="http://schemas.microsoft.com/office/drawing/2010/main">
+              <a14:hiddenFill xmlns:a14="http://schemas.microsoft.com/office/drawing/2010/main" xmlns="">
                 <a:solidFill>
                   <a:srgbClr val="FFFFFF"/>
                 </a:solidFill>
@@ -15408,7 +15410,7 @@
     </p:spTree>
     <p:extLst>
       <p:ext uri="{BB962C8B-B14F-4D97-AF65-F5344CB8AC3E}">
-        <p14:creationId xmlns:p14="http://schemas.microsoft.com/office/powerpoint/2010/main" val="2106503276"/>
+        <p14:creationId xmlns:p14="http://schemas.microsoft.com/office/powerpoint/2010/main" xmlns="" val="2106503276"/>
       </p:ext>
     </p:extLst>
   </p:cSld>
@@ -15485,10 +15487,10 @@
           <p:nvPr/>
         </p:nvPicPr>
         <p:blipFill>
-          <a:blip r:embed="rId2">
+          <a:blip r:embed="rId2" cstate="print">
             <a:extLst>
               <a:ext uri="{28A0092B-C50C-407E-A947-70E740481C1C}">
-                <a14:useLocalDpi xmlns:a14="http://schemas.microsoft.com/office/drawing/2010/main" val="0"/>
+                <a14:useLocalDpi xmlns:a14="http://schemas.microsoft.com/office/drawing/2010/main" xmlns="" val="0"/>
               </a:ext>
             </a:extLst>
           </a:blip>
@@ -15508,7 +15510,7 @@
           <a:noFill/>
           <a:extLst>
             <a:ext uri="{909E8E84-426E-40DD-AFC4-6F175D3DCCD1}">
-              <a14:hiddenFill xmlns:a14="http://schemas.microsoft.com/office/drawing/2010/main">
+              <a14:hiddenFill xmlns:a14="http://schemas.microsoft.com/office/drawing/2010/main" xmlns="">
                 <a:solidFill>
                   <a:srgbClr val="FFFFFF"/>
                 </a:solidFill>
@@ -15520,7 +15522,7 @@
     </p:spTree>
     <p:extLst>
       <p:ext uri="{BB962C8B-B14F-4D97-AF65-F5344CB8AC3E}">
-        <p14:creationId xmlns:p14="http://schemas.microsoft.com/office/powerpoint/2010/main" val="4229803060"/>
+        <p14:creationId xmlns:p14="http://schemas.microsoft.com/office/powerpoint/2010/main" xmlns="" val="4229803060"/>
       </p:ext>
     </p:extLst>
   </p:cSld>
@@ -15628,7 +15630,15 @@
             <a:pPr lvl="1"/>
             <a:r>
               <a:rPr lang="fr-FR" sz="1600" dirty="0" smtClean="0"/>
-              <a:t>Redirige sur une page web local expliquant </a:t>
+              <a:t>Redirige sur une page web </a:t>
+            </a:r>
+            <a:r>
+              <a:rPr lang="fr-FR" sz="1600" dirty="0" smtClean="0"/>
+              <a:t>locale </a:t>
+            </a:r>
+            <a:r>
+              <a:rPr lang="fr-FR" sz="1600" dirty="0" smtClean="0"/>
+              <a:t>expliquant </a:t>
             </a:r>
             <a:r>
               <a:rPr lang="fr-FR" sz="1600" dirty="0"/>
@@ -15664,7 +15674,11 @@
             <a:pPr lvl="1"/>
             <a:r>
               <a:rPr lang="fr-FR" sz="1600" dirty="0" smtClean="0"/>
-              <a:t>Exemple: git help commit</a:t>
+              <a:t>Exemple : </a:t>
+            </a:r>
+            <a:r>
+              <a:rPr lang="fr-FR" sz="1600" dirty="0" smtClean="0"/>
+              <a:t>git help commit</a:t>
             </a:r>
           </a:p>
           <a:p>
@@ -15687,7 +15701,7 @@
     </p:spTree>
     <p:extLst>
       <p:ext uri="{BB962C8B-B14F-4D97-AF65-F5344CB8AC3E}">
-        <p14:creationId xmlns:p14="http://schemas.microsoft.com/office/powerpoint/2010/main" val="2914928396"/>
+        <p14:creationId xmlns:p14="http://schemas.microsoft.com/office/powerpoint/2010/main" xmlns="" val="2914928396"/>
       </p:ext>
     </p:extLst>
   </p:cSld>
@@ -15783,7 +15797,15 @@
             <a:pPr lvl="1"/>
             <a:r>
               <a:rPr lang="fr-FR" sz="1700" dirty="0" smtClean="0"/>
-              <a:t>commit les fichiers dans le stage</a:t>
+              <a:t>C</a:t>
+            </a:r>
+            <a:r>
+              <a:rPr lang="fr-FR" sz="1700" dirty="0" smtClean="0"/>
+              <a:t>ommit </a:t>
+            </a:r>
+            <a:r>
+              <a:rPr lang="fr-FR" sz="1700" dirty="0" smtClean="0"/>
+              <a:t>les fichiers dans le stage</a:t>
             </a:r>
           </a:p>
           <a:p>
@@ -15858,7 +15880,11 @@
             <a:pPr lvl="1"/>
             <a:r>
               <a:rPr lang="fr-FR" sz="1700" dirty="0" smtClean="0"/>
-              <a:t>les </a:t>
+              <a:t>L</a:t>
+            </a:r>
+            <a:r>
+              <a:rPr lang="fr-FR" sz="1700" dirty="0" smtClean="0"/>
+              <a:t>es </a:t>
             </a:r>
             <a:r>
               <a:rPr lang="fr-FR" sz="1700" dirty="0"/>
@@ -15870,7 +15896,11 @@
             </a:r>
             <a:r>
               <a:rPr lang="fr-FR" sz="1700" dirty="0" smtClean="0"/>
-              <a:t>: git </a:t>
+              <a:t> : </a:t>
+            </a:r>
+            <a:r>
+              <a:rPr lang="fr-FR" sz="1700" dirty="0" smtClean="0"/>
+              <a:t>git </a:t>
             </a:r>
             <a:r>
               <a:rPr lang="fr-FR" sz="1700" dirty="0" err="1" smtClean="0"/>
@@ -15882,7 +15912,11 @@
             <a:pPr lvl="1"/>
             <a:r>
               <a:rPr lang="fr-FR" sz="1700" dirty="0" smtClean="0"/>
-              <a:t>les </a:t>
+              <a:t>L</a:t>
+            </a:r>
+            <a:r>
+              <a:rPr lang="fr-FR" sz="1700" dirty="0" smtClean="0"/>
+              <a:t>es </a:t>
             </a:r>
             <a:r>
               <a:rPr lang="fr-FR" sz="1700" dirty="0"/>
@@ -15893,8 +15927,12 @@
               <a:t>stagées</a:t>
             </a:r>
             <a:r>
+              <a:rPr lang="fr-FR" sz="1700" dirty="0" smtClean="0"/>
+              <a:t> : </a:t>
+            </a:r>
+            <a:r>
               <a:rPr lang="fr-FR" sz="1700" dirty="0"/>
-              <a:t>: git </a:t>
+              <a:t>git </a:t>
             </a:r>
             <a:r>
               <a:rPr lang="fr-FR" sz="1700" dirty="0" err="1"/>
@@ -15925,7 +15963,7 @@
     </p:spTree>
     <p:extLst>
       <p:ext uri="{BB962C8B-B14F-4D97-AF65-F5344CB8AC3E}">
-        <p14:creationId xmlns:p14="http://schemas.microsoft.com/office/powerpoint/2010/main" val="1621459482"/>
+        <p14:creationId xmlns:p14="http://schemas.microsoft.com/office/powerpoint/2010/main" xmlns="" val="1621459482"/>
       </p:ext>
     </p:extLst>
   </p:cSld>
@@ -15969,7 +16007,7 @@
           <a:p>
             <a:r>
               <a:rPr lang="fr-FR" dirty="0" smtClean="0"/>
-              <a:t>Exercice: </a:t>
+              <a:t>Exercice : </a:t>
             </a:r>
             <a:r>
               <a:rPr lang="fr-FR" dirty="0" err="1" smtClean="0"/>
@@ -16148,7 +16186,7 @@
     </p:spTree>
     <p:extLst>
       <p:ext uri="{BB962C8B-B14F-4D97-AF65-F5344CB8AC3E}">
-        <p14:creationId xmlns:p14="http://schemas.microsoft.com/office/powerpoint/2010/main" val="869247745"/>
+        <p14:creationId xmlns:p14="http://schemas.microsoft.com/office/powerpoint/2010/main" xmlns="" val="869247745"/>
       </p:ext>
     </p:extLst>
   </p:cSld>
@@ -16222,7 +16260,19 @@
           <a:p>
             <a:r>
               <a:rPr lang="fr-FR" dirty="0" smtClean="0"/>
-              <a:t>Permet d’afficher la liste des commit sous différente forme</a:t>
+              <a:t>Permet d’afficher la liste des </a:t>
+            </a:r>
+            <a:r>
+              <a:rPr lang="fr-FR" dirty="0" err="1" smtClean="0"/>
+              <a:t>commits</a:t>
+            </a:r>
+            <a:r>
+              <a:rPr lang="fr-FR" dirty="0" smtClean="0"/>
+              <a:t> </a:t>
+            </a:r>
+            <a:r>
+              <a:rPr lang="fr-FR" dirty="0" smtClean="0"/>
+              <a:t>sous différente forme</a:t>
             </a:r>
           </a:p>
           <a:p>
@@ -16310,7 +16360,11 @@
             <a:pPr lvl="1"/>
             <a:r>
               <a:rPr lang="fr-FR" dirty="0" smtClean="0"/>
-              <a:t>à partir </a:t>
+              <a:t>À </a:t>
+            </a:r>
+            <a:r>
+              <a:rPr lang="fr-FR" dirty="0" smtClean="0"/>
+              <a:t>partir </a:t>
             </a:r>
             <a:r>
               <a:rPr lang="fr-FR" dirty="0"/>
@@ -16318,7 +16372,27 @@
             </a:r>
             <a:r>
               <a:rPr lang="fr-FR" dirty="0" smtClean="0"/>
-              <a:t>es 2 derniers commit de la branches du HEAD</a:t>
+              <a:t>es 2 derniers </a:t>
+            </a:r>
+            <a:r>
+              <a:rPr lang="fr-FR" dirty="0" err="1" smtClean="0"/>
+              <a:t>commits</a:t>
+            </a:r>
+            <a:r>
+              <a:rPr lang="fr-FR" dirty="0" smtClean="0"/>
+              <a:t> </a:t>
+            </a:r>
+            <a:r>
+              <a:rPr lang="fr-FR" dirty="0" smtClean="0"/>
+              <a:t>de la </a:t>
+            </a:r>
+            <a:r>
+              <a:rPr lang="fr-FR" dirty="0" smtClean="0"/>
+              <a:t>branche </a:t>
+            </a:r>
+            <a:r>
+              <a:rPr lang="fr-FR" dirty="0" smtClean="0"/>
+              <a:t>du HEAD</a:t>
             </a:r>
           </a:p>
           <a:p>
@@ -16331,8 +16405,13 @@
             <a:pPr lvl="1"/>
             <a:r>
               <a:rPr lang="fr-FR" dirty="0" smtClean="0"/>
-              <a:t>Afficher les 2 derniers commit</a:t>
-            </a:r>
+              <a:t>Afficher les 2 derniers </a:t>
+            </a:r>
+            <a:r>
+              <a:rPr lang="fr-FR" dirty="0" err="1" smtClean="0"/>
+              <a:t>commits</a:t>
+            </a:r>
+            <a:endParaRPr lang="fr-FR" dirty="0" smtClean="0"/>
           </a:p>
           <a:p>
             <a:pPr marL="361950" lvl="1" indent="0">
@@ -16345,7 +16424,7 @@
     </p:spTree>
     <p:extLst>
       <p:ext uri="{BB962C8B-B14F-4D97-AF65-F5344CB8AC3E}">
-        <p14:creationId xmlns:p14="http://schemas.microsoft.com/office/powerpoint/2010/main" val="3041169679"/>
+        <p14:creationId xmlns:p14="http://schemas.microsoft.com/office/powerpoint/2010/main" xmlns="" val="3041169679"/>
       </p:ext>
     </p:extLst>
   </p:cSld>
@@ -16389,7 +16468,11 @@
           <a:p>
             <a:r>
               <a:rPr lang="fr-FR" dirty="0" smtClean="0"/>
-              <a:t>Exercice: Log</a:t>
+              <a:t>Exercice : </a:t>
+            </a:r>
+            <a:r>
+              <a:rPr lang="fr-FR" dirty="0" smtClean="0"/>
+              <a:t>Log</a:t>
             </a:r>
             <a:endParaRPr lang="fr-CH" dirty="0"/>
           </a:p>
@@ -16462,7 +16545,15 @@
             </a:r>
             <a:r>
               <a:rPr lang="fr-FR" dirty="0" smtClean="0"/>
-              <a:t> sur une seule ligne: sha1 commentaire</a:t>
+              <a:t> sur une seule </a:t>
+            </a:r>
+            <a:r>
+              <a:rPr lang="fr-FR" dirty="0" smtClean="0"/>
+              <a:t>ligne : </a:t>
+            </a:r>
+            <a:r>
+              <a:rPr lang="fr-FR" dirty="0" smtClean="0"/>
+              <a:t>sha1 commentaire</a:t>
             </a:r>
           </a:p>
           <a:p>
@@ -16510,7 +16601,19 @@
             <a:pPr lvl="1"/>
             <a:r>
               <a:rPr lang="fr-FR" dirty="0" smtClean="0"/>
-              <a:t>Utilisez les hash de commit pour faire un </a:t>
+              <a:t>Utilisez les </a:t>
+            </a:r>
+            <a:r>
+              <a:rPr lang="fr-FR" dirty="0" err="1" smtClean="0"/>
+              <a:t>hashs</a:t>
+            </a:r>
+            <a:r>
+              <a:rPr lang="fr-FR" dirty="0" smtClean="0"/>
+              <a:t> </a:t>
+            </a:r>
+            <a:r>
+              <a:rPr lang="fr-FR" dirty="0" smtClean="0"/>
+              <a:t>de commit pour faire un </a:t>
             </a:r>
             <a:r>
               <a:rPr lang="fr-FR" dirty="0" err="1" smtClean="0"/>
@@ -16537,7 +16640,7 @@
     </p:spTree>
     <p:extLst>
       <p:ext uri="{BB962C8B-B14F-4D97-AF65-F5344CB8AC3E}">
-        <p14:creationId xmlns:p14="http://schemas.microsoft.com/office/powerpoint/2010/main" val="472612757"/>
+        <p14:creationId xmlns:p14="http://schemas.microsoft.com/office/powerpoint/2010/main" xmlns="" val="472612757"/>
       </p:ext>
     </p:extLst>
   </p:cSld>
@@ -16581,7 +16684,7 @@
           <a:p>
             <a:r>
               <a:rPr lang="fr-FR" dirty="0" smtClean="0"/>
-              <a:t>Exercice: </a:t>
+              <a:t>Exercice : </a:t>
             </a:r>
             <a:r>
               <a:rPr lang="fr-FR" dirty="0"/>
@@ -16680,7 +16783,15 @@
             </a:r>
             <a:r>
               <a:rPr lang="fr-FR" dirty="0"/>
-              <a:t> sur une seule ligne: sha1 </a:t>
+              <a:t> sur une seule </a:t>
+            </a:r>
+            <a:r>
+              <a:rPr lang="fr-FR" dirty="0" smtClean="0"/>
+              <a:t>ligne : </a:t>
+            </a:r>
+            <a:r>
+              <a:rPr lang="fr-FR" dirty="0"/>
+              <a:t>sha1 </a:t>
             </a:r>
             <a:r>
               <a:rPr lang="fr-FR" dirty="0" smtClean="0"/>
@@ -16833,7 +16944,19 @@
             <a:pPr lvl="1"/>
             <a:r>
               <a:rPr lang="fr-FR" dirty="0"/>
-              <a:t>Utilisez les hash de commit pour faire un </a:t>
+              <a:t>Utilisez les </a:t>
+            </a:r>
+            <a:r>
+              <a:rPr lang="fr-FR" dirty="0" err="1" smtClean="0"/>
+              <a:t>hashs</a:t>
+            </a:r>
+            <a:r>
+              <a:rPr lang="fr-FR" dirty="0" smtClean="0"/>
+              <a:t> </a:t>
+            </a:r>
+            <a:r>
+              <a:rPr lang="fr-FR" dirty="0"/>
+              <a:t>de commit pour faire un </a:t>
             </a:r>
             <a:r>
               <a:rPr lang="fr-FR" dirty="0" err="1" smtClean="0"/>
@@ -16898,7 +17021,7 @@
     </p:spTree>
     <p:extLst>
       <p:ext uri="{BB962C8B-B14F-4D97-AF65-F5344CB8AC3E}">
-        <p14:creationId xmlns:p14="http://schemas.microsoft.com/office/powerpoint/2010/main" val="2892175777"/>
+        <p14:creationId xmlns:p14="http://schemas.microsoft.com/office/powerpoint/2010/main" xmlns="" val="2892175777"/>
       </p:ext>
     </p:extLst>
   </p:cSld>
@@ -16994,7 +17117,11 @@
             </a:r>
             <a:r>
               <a:rPr lang="fr-FR" sz="1600" dirty="0" smtClean="0"/>
-              <a:t> directory (=non </a:t>
+              <a:t> directory </a:t>
+            </a:r>
+            <a:r>
+              <a:rPr lang="fr-FR" sz="1600" dirty="0" smtClean="0"/>
+              <a:t>(= non </a:t>
             </a:r>
             <a:r>
               <a:rPr lang="fr-FR" sz="1600" dirty="0" err="1" smtClean="0"/>
@@ -17102,7 +17229,7 @@
     </p:spTree>
     <p:extLst>
       <p:ext uri="{BB962C8B-B14F-4D97-AF65-F5344CB8AC3E}">
-        <p14:creationId xmlns:p14="http://schemas.microsoft.com/office/powerpoint/2010/main" val="884569990"/>
+        <p14:creationId xmlns:p14="http://schemas.microsoft.com/office/powerpoint/2010/main" xmlns="" val="884569990"/>
       </p:ext>
     </p:extLst>
   </p:cSld>
@@ -17163,10 +17290,10 @@
           </p:nvPr>
         </p:nvPicPr>
         <p:blipFill>
-          <a:blip r:embed="rId2">
+          <a:blip r:embed="rId2" cstate="print">
             <a:extLst>
               <a:ext uri="{28A0092B-C50C-407E-A947-70E740481C1C}">
-                <a14:useLocalDpi xmlns:a14="http://schemas.microsoft.com/office/drawing/2010/main" val="0"/>
+                <a14:useLocalDpi xmlns:a14="http://schemas.microsoft.com/office/drawing/2010/main" xmlns="" val="0"/>
               </a:ext>
             </a:extLst>
           </a:blip>
@@ -17184,7 +17311,7 @@
     </p:spTree>
     <p:extLst>
       <p:ext uri="{BB962C8B-B14F-4D97-AF65-F5344CB8AC3E}">
-        <p14:creationId xmlns:p14="http://schemas.microsoft.com/office/powerpoint/2010/main" val="544002868"/>
+        <p14:creationId xmlns:p14="http://schemas.microsoft.com/office/powerpoint/2010/main" xmlns="" val="544002868"/>
       </p:ext>
     </p:extLst>
   </p:cSld>
@@ -17243,10 +17370,10 @@
           <p:nvPr/>
         </p:nvPicPr>
         <p:blipFill>
-          <a:blip r:embed="rId2">
+          <a:blip r:embed="rId2" cstate="print">
             <a:extLst>
               <a:ext uri="{28A0092B-C50C-407E-A947-70E740481C1C}">
-                <a14:useLocalDpi xmlns:a14="http://schemas.microsoft.com/office/drawing/2010/main" val="0"/>
+                <a14:useLocalDpi xmlns:a14="http://schemas.microsoft.com/office/drawing/2010/main" xmlns="" val="0"/>
               </a:ext>
             </a:extLst>
           </a:blip>
@@ -17266,7 +17393,7 @@
           <a:noFill/>
           <a:extLst>
             <a:ext uri="{909E8E84-426E-40DD-AFC4-6F175D3DCCD1}">
-              <a14:hiddenFill xmlns:a14="http://schemas.microsoft.com/office/drawing/2010/main">
+              <a14:hiddenFill xmlns:a14="http://schemas.microsoft.com/office/drawing/2010/main" xmlns="">
                 <a:solidFill>
                   <a:srgbClr val="FFFFFF"/>
                 </a:solidFill>
@@ -17278,7 +17405,7 @@
     </p:spTree>
     <p:extLst>
       <p:ext uri="{BB962C8B-B14F-4D97-AF65-F5344CB8AC3E}">
-        <p14:creationId xmlns:p14="http://schemas.microsoft.com/office/powerpoint/2010/main" val="48308707"/>
+        <p14:creationId xmlns:p14="http://schemas.microsoft.com/office/powerpoint/2010/main" xmlns="" val="48308707"/>
       </p:ext>
     </p:extLst>
   </p:cSld>
@@ -17446,8 +17573,8 @@
               <a:t>si </a:t>
             </a:r>
             <a:r>
-              <a:rPr lang="fr-CH" dirty="0" err="1" smtClean="0"/>
-              <a:t>necessaire</a:t>
+              <a:rPr lang="fr-CH" dirty="0" smtClean="0"/>
+              <a:t>nécessaire</a:t>
             </a:r>
             <a:r>
               <a:rPr lang="fr-CH" dirty="0" smtClean="0"/>
@@ -17594,7 +17721,7 @@
     </p:spTree>
     <p:extLst>
       <p:ext uri="{BB962C8B-B14F-4D97-AF65-F5344CB8AC3E}">
-        <p14:creationId xmlns:p14="http://schemas.microsoft.com/office/powerpoint/2010/main" val="2988441966"/>
+        <p14:creationId xmlns:p14="http://schemas.microsoft.com/office/powerpoint/2010/main" xmlns="" val="2988441966"/>
       </p:ext>
     </p:extLst>
   </p:cSld>
@@ -17778,7 +17905,31 @@
                   <a:schemeClr val="bg1"/>
                 </a:solidFill>
               </a:rPr>
-              <a:t> Quel </a:t>
+              <a:t> </a:t>
+            </a:r>
+            <a:r>
+              <a:rPr lang="fr-CH" sz="1600" dirty="0" smtClean="0">
+                <a:solidFill>
+                  <a:schemeClr val="bg1"/>
+                </a:solidFill>
+              </a:rPr>
+              <a:t> </a:t>
+            </a:r>
+            <a:r>
+              <a:rPr lang="fr-CH" sz="1600" dirty="0" smtClean="0">
+                <a:solidFill>
+                  <a:schemeClr val="bg1"/>
+                </a:solidFill>
+              </a:rPr>
+              <a:t>   </a:t>
+            </a:r>
+            <a:r>
+              <a:rPr lang="fr-CH" sz="1600" dirty="0" smtClean="0">
+                <a:solidFill>
+                  <a:schemeClr val="bg1"/>
+                </a:solidFill>
+              </a:rPr>
+              <a:t>Quel </a:t>
             </a:r>
             <a:r>
               <a:rPr lang="fr-CH" sz="1600" dirty="0">
@@ -17818,7 +17969,7 @@
     </p:spTree>
     <p:extLst>
       <p:ext uri="{BB962C8B-B14F-4D97-AF65-F5344CB8AC3E}">
-        <p14:creationId xmlns:p14="http://schemas.microsoft.com/office/powerpoint/2010/main" val="1168706576"/>
+        <p14:creationId xmlns:p14="http://schemas.microsoft.com/office/powerpoint/2010/main" xmlns="" val="1168706576"/>
       </p:ext>
     </p:extLst>
   </p:cSld>
@@ -17879,10 +18030,10 @@
           </p:nvPr>
         </p:nvPicPr>
         <p:blipFill>
-          <a:blip r:embed="rId2">
+          <a:blip r:embed="rId2" cstate="print">
             <a:extLst>
               <a:ext uri="{28A0092B-C50C-407E-A947-70E740481C1C}">
-                <a14:useLocalDpi xmlns:a14="http://schemas.microsoft.com/office/drawing/2010/main" val="0"/>
+                <a14:useLocalDpi xmlns:a14="http://schemas.microsoft.com/office/drawing/2010/main" xmlns="" val="0"/>
               </a:ext>
             </a:extLst>
           </a:blip>
@@ -17900,7 +18051,7 @@
     </p:spTree>
     <p:extLst>
       <p:ext uri="{BB962C8B-B14F-4D97-AF65-F5344CB8AC3E}">
-        <p14:creationId xmlns:p14="http://schemas.microsoft.com/office/powerpoint/2010/main" val="3410348830"/>
+        <p14:creationId xmlns:p14="http://schemas.microsoft.com/office/powerpoint/2010/main" xmlns="" val="3410348830"/>
       </p:ext>
     </p:extLst>
   </p:cSld>
@@ -18063,21 +18214,25 @@
               <a:t>supprimer une référence d’un dépôt </a:t>
             </a:r>
             <a:r>
+              <a:rPr lang="fr-CH" dirty="0" err="1" smtClean="0"/>
+              <a:t>remote</a:t>
+            </a:r>
+            <a:r>
+              <a:rPr lang="fr-CH" dirty="0" smtClean="0"/>
+              <a:t> :</a:t>
+            </a:r>
+            <a:endParaRPr lang="fr-CH" dirty="0"/>
+          </a:p>
+          <a:p>
+            <a:pPr lvl="1"/>
+            <a:r>
+              <a:rPr lang="fr-CH" dirty="0" smtClean="0"/>
+              <a:t>git </a:t>
+            </a:r>
+            <a:r>
               <a:rPr lang="fr-CH" dirty="0" err="1"/>
               <a:t>remote</a:t>
             </a:r>
-            <a:endParaRPr lang="fr-CH" dirty="0"/>
-          </a:p>
-          <a:p>
-            <a:pPr lvl="1"/>
-            <a:r>
-              <a:rPr lang="fr-CH" dirty="0" smtClean="0"/>
-              <a:t>git </a:t>
-            </a:r>
-            <a:r>
-              <a:rPr lang="fr-CH" dirty="0" err="1"/>
-              <a:t>remote</a:t>
-            </a:r>
             <a:r>
               <a:rPr lang="fr-CH" dirty="0"/>
               <a:t> </a:t>
@@ -18095,85 +18250,13 @@
               <a:t>monrepo</a:t>
             </a:r>
             <a:endParaRPr lang="fr-CH" dirty="0"/>
-          </a:p>
-        </p:txBody>
-      </p:sp>
-      <p:sp>
-        <p:nvSpPr>
-          <p:cNvPr id="4" name="Espace réservé du pied de page 3"/>
-          <p:cNvSpPr>
-            <a:spLocks noGrp="1"/>
-          </p:cNvSpPr>
-          <p:nvPr>
-            <p:ph type="ftr" sz="quarter" idx="11"/>
-          </p:nvPr>
-        </p:nvSpPr>
-        <p:spPr/>
-        <p:txBody>
-          <a:bodyPr/>
-          <a:lstStyle/>
-          <a:p>
-            <a:pPr algn="l" defTabSz="914400" eaLnBrk="0" fontAlgn="base" hangingPunct="0">
-              <a:spcBef>
-                <a:spcPct val="0"/>
-              </a:spcBef>
-              <a:spcAft>
-                <a:spcPct val="0"/>
-              </a:spcAft>
-            </a:pPr>
-            <a:r>
-              <a:rPr lang="fr-CH" b="1" smtClean="0">
-                <a:solidFill>
-                  <a:srgbClr val="000000"/>
-                </a:solidFill>
-                <a:latin typeface="HelveticaNeueLT Com 65 Md" charset="0"/>
-                <a:ea typeface="MS PGothic" charset="0"/>
-                <a:cs typeface="MS PGothic" charset="0"/>
-              </a:rPr>
-              <a:t>Titre de la présentation, HelveticaNeueLT 65, 10pts, gras</a:t>
-            </a:r>
-          </a:p>
-          <a:p>
-            <a:pPr algn="l" defTabSz="914400" eaLnBrk="0" fontAlgn="base" hangingPunct="0">
-              <a:spcBef>
-                <a:spcPct val="0"/>
-              </a:spcBef>
-              <a:spcAft>
-                <a:spcPct val="0"/>
-              </a:spcAft>
-            </a:pPr>
-            <a:r>
-              <a:rPr lang="fr-CH" smtClean="0">
-                <a:solidFill>
-                  <a:schemeClr val="tx1">
-                    <a:lumMod val="50000"/>
-                    <a:lumOff val="50000"/>
-                  </a:schemeClr>
-                </a:solidFill>
-                <a:latin typeface="HelveticaNeueLT Std Med"/>
-                <a:ea typeface="MS PGothic" charset="0"/>
-                <a:cs typeface="HelveticaNeueLT Std Med"/>
-              </a:rPr>
-              <a:t>Complément au titre HelveticaNeueLT 65, 10pts</a:t>
-            </a:r>
-            <a:endParaRPr lang="fr-CH" dirty="0" smtClean="0">
-              <a:solidFill>
-                <a:schemeClr val="tx1">
-                  <a:lumMod val="50000"/>
-                  <a:lumOff val="50000"/>
-                </a:schemeClr>
-              </a:solidFill>
-              <a:latin typeface="HelveticaNeueLT Std Med"/>
-              <a:ea typeface="MS PGothic" charset="0"/>
-              <a:cs typeface="HelveticaNeueLT Std Med"/>
-            </a:endParaRPr>
           </a:p>
         </p:txBody>
       </p:sp>
     </p:spTree>
     <p:extLst>
       <p:ext uri="{BB962C8B-B14F-4D97-AF65-F5344CB8AC3E}">
-        <p14:creationId xmlns:p14="http://schemas.microsoft.com/office/powerpoint/2010/main" val="1302987055"/>
+        <p14:creationId xmlns:p14="http://schemas.microsoft.com/office/powerpoint/2010/main" xmlns="" val="1302987055"/>
       </p:ext>
     </p:extLst>
   </p:cSld>
@@ -18217,7 +18300,11 @@
           <a:p>
             <a:r>
               <a:rPr lang="fr-FR" dirty="0" smtClean="0"/>
-              <a:t>Exercice: Mon premier repo distant</a:t>
+              <a:t>Exercice : </a:t>
+            </a:r>
+            <a:r>
+              <a:rPr lang="fr-FR" dirty="0" smtClean="0"/>
+              <a:t>Mon premier repo distant</a:t>
             </a:r>
             <a:endParaRPr lang="fr-CH" dirty="0"/>
           </a:p>
@@ -18331,8 +18418,9 @@
             </a:r>
             <a:r>
               <a:rPr lang="fr-FR" dirty="0" smtClean="0"/>
-              <a:t> le</a:t>
-            </a:r>
+              <a:t>-le</a:t>
+            </a:r>
+            <a:endParaRPr lang="fr-FR" dirty="0" smtClean="0"/>
           </a:p>
           <a:p>
             <a:r>
@@ -18368,7 +18456,7 @@
     </p:spTree>
     <p:extLst>
       <p:ext uri="{BB962C8B-B14F-4D97-AF65-F5344CB8AC3E}">
-        <p14:creationId xmlns:p14="http://schemas.microsoft.com/office/powerpoint/2010/main" val="2358899414"/>
+        <p14:creationId xmlns:p14="http://schemas.microsoft.com/office/powerpoint/2010/main" xmlns="" val="2358899414"/>
       </p:ext>
     </p:extLst>
   </p:cSld>
@@ -18492,15 +18580,28 @@
             </a:r>
             <a:r>
               <a:rPr lang="fr-FR" dirty="0" smtClean="0"/>
-              <a:t> distants. </a:t>
+              <a:t> </a:t>
+            </a:r>
+            <a:r>
+              <a:rPr lang="fr-FR" dirty="0" smtClean="0"/>
+              <a:t>distants </a:t>
+            </a:r>
+            <a:r>
+              <a:rPr lang="fr-FR" dirty="0" smtClean="0"/>
+              <a:t/>
             </a:r>
             <a:br>
               <a:rPr lang="fr-FR" dirty="0" smtClean="0"/>
             </a:br>
             <a:r>
               <a:rPr lang="fr-FR" dirty="0" smtClean="0"/>
-              <a:t>2 Possibilités:</a:t>
-            </a:r>
+              <a:t>2 </a:t>
+            </a:r>
+            <a:r>
+              <a:rPr lang="fr-FR" dirty="0" smtClean="0"/>
+              <a:t>possibilités :</a:t>
+            </a:r>
+            <a:endParaRPr lang="fr-FR" dirty="0" smtClean="0"/>
           </a:p>
           <a:p>
             <a:pPr lvl="1"/>
@@ -18616,7 +18717,7 @@
                 <a:ea typeface="MS PGothic" charset="0"/>
                 <a:cs typeface="HelveticaNeueLT Std Med"/>
               </a:rPr>
-              <a:t>--force:</a:t>
+              <a:t>–force :</a:t>
             </a:r>
             <a:endParaRPr lang="fr-FR" sz="1600" dirty="0">
               <a:solidFill>
@@ -18697,12 +18798,12 @@
               <a:t>publique d’un </a:t>
             </a:r>
             <a:r>
-              <a:rPr lang="fr-CH" sz="1800" b="1" dirty="0" err="1">
+              <a:rPr lang="fr-CH" sz="1800" b="1" dirty="0" smtClean="0">
                 <a:solidFill>
                   <a:schemeClr val="bg1"/>
                 </a:solidFill>
               </a:rPr>
-              <a:t>dépot</a:t>
+              <a:t>dépôt </a:t>
             </a:r>
             <a:r>
               <a:rPr lang="fr-CH" sz="1800" b="1" dirty="0">
@@ -18710,7 +18811,7 @@
                   <a:schemeClr val="bg1"/>
                 </a:solidFill>
               </a:rPr>
-              <a:t> central !</a:t>
+              <a:t>central !</a:t>
             </a:r>
           </a:p>
           <a:p>
@@ -18728,7 +18829,7 @@
     </p:spTree>
     <p:extLst>
       <p:ext uri="{BB962C8B-B14F-4D97-AF65-F5344CB8AC3E}">
-        <p14:creationId xmlns:p14="http://schemas.microsoft.com/office/powerpoint/2010/main" val="3915343205"/>
+        <p14:creationId xmlns:p14="http://schemas.microsoft.com/office/powerpoint/2010/main" xmlns="" val="3915343205"/>
       </p:ext>
     </p:extLst>
   </p:cSld>
@@ -18793,10 +18894,10 @@
           </p:nvPr>
         </p:nvPicPr>
         <p:blipFill>
-          <a:blip r:embed="rId2">
+          <a:blip r:embed="rId2" cstate="print">
             <a:extLst>
               <a:ext uri="{28A0092B-C50C-407E-A947-70E740481C1C}">
-                <a14:useLocalDpi xmlns:a14="http://schemas.microsoft.com/office/drawing/2010/main" val="0"/>
+                <a14:useLocalDpi xmlns:a14="http://schemas.microsoft.com/office/drawing/2010/main" xmlns="" val="0"/>
               </a:ext>
             </a:extLst>
           </a:blip>
@@ -18814,7 +18915,7 @@
     </p:spTree>
     <p:extLst>
       <p:ext uri="{BB962C8B-B14F-4D97-AF65-F5344CB8AC3E}">
-        <p14:creationId xmlns:p14="http://schemas.microsoft.com/office/powerpoint/2010/main" val="3428790882"/>
+        <p14:creationId xmlns:p14="http://schemas.microsoft.com/office/powerpoint/2010/main" xmlns="" val="3428790882"/>
       </p:ext>
     </p:extLst>
   </p:cSld>
@@ -18858,7 +18959,7 @@
           <a:p>
             <a:r>
               <a:rPr lang="fr-FR" dirty="0" smtClean="0"/>
-              <a:t>Exercice: </a:t>
+              <a:t>Exercice : </a:t>
             </a:r>
             <a:r>
               <a:rPr lang="fr-FR" dirty="0"/>
@@ -18957,7 +19058,7 @@
           <p:nvPr/>
         </p:nvPicPr>
         <p:blipFill>
-          <a:blip r:embed="rId3"/>
+          <a:blip r:embed="rId3" cstate="print"/>
           <a:stretch>
             <a:fillRect/>
           </a:stretch>
@@ -18975,7 +19076,7 @@
     </p:spTree>
     <p:extLst>
       <p:ext uri="{BB962C8B-B14F-4D97-AF65-F5344CB8AC3E}">
-        <p14:creationId xmlns:p14="http://schemas.microsoft.com/office/powerpoint/2010/main" val="3363287170"/>
+        <p14:creationId xmlns:p14="http://schemas.microsoft.com/office/powerpoint/2010/main" xmlns="" val="3363287170"/>
       </p:ext>
     </p:extLst>
   </p:cSld>
@@ -19018,7 +19119,7 @@
           <a:lstStyle/>
           <a:p>
             <a:r>
-              <a:rPr lang="fr-FR" dirty="0" smtClean="0"/>
+              <a:rPr lang="fr-FR" dirty="0" err="1" smtClean="0"/>
               <a:t>Branch</a:t>
             </a:r>
             <a:endParaRPr lang="fr-CH" dirty="0"/>
@@ -19053,7 +19154,11 @@
             </a:r>
             <a:r>
               <a:rPr lang="fr-CH" dirty="0" smtClean="0"/>
-              <a:t>locale à partir de la branche courante:</a:t>
+              <a:t>locale à partir de la branche </a:t>
+            </a:r>
+            <a:r>
+              <a:rPr lang="fr-CH" dirty="0" smtClean="0"/>
+              <a:t>courante :</a:t>
             </a:r>
             <a:endParaRPr lang="fr-CH" dirty="0"/>
           </a:p>
@@ -19083,8 +19188,12 @@
               <a:t>Passer </a:t>
             </a:r>
             <a:r>
+              <a:rPr lang="fr-CH" dirty="0" smtClean="0"/>
+              <a:t>l’environnement </a:t>
+            </a:r>
+            <a:r>
               <a:rPr lang="fr-CH" dirty="0"/>
-              <a:t>votre environnement de travail sur </a:t>
+              <a:t>de travail sur </a:t>
             </a:r>
             <a:r>
               <a:rPr lang="fr-CH" dirty="0" err="1"/>
@@ -19119,7 +19228,15 @@
             </a:r>
             <a:r>
               <a:rPr lang="fr-CH" dirty="0"/>
-              <a:t>fait des modifications, on commit etc. puis pousser sa branche en </a:t>
+              <a:t>fait des modifications, on commit etc</a:t>
+            </a:r>
+            <a:r>
+              <a:rPr lang="fr-CH" dirty="0" smtClean="0"/>
+              <a:t>., </a:t>
+            </a:r>
+            <a:r>
+              <a:rPr lang="fr-CH" dirty="0"/>
+              <a:t>puis pousser sa branche en </a:t>
             </a:r>
             <a:r>
               <a:rPr lang="fr-CH" dirty="0" err="1"/>
@@ -19214,7 +19331,15 @@
             </a:r>
             <a:r>
               <a:rPr lang="fr-CH" dirty="0"/>
-              <a:t> (pensez à </a:t>
+              <a:t> (</a:t>
+            </a:r>
+            <a:r>
+              <a:rPr lang="fr-CH" dirty="0" smtClean="0"/>
+              <a:t>penser </a:t>
+            </a:r>
+            <a:r>
+              <a:rPr lang="fr-CH" dirty="0"/>
+              <a:t>à </a:t>
             </a:r>
             <a:r>
               <a:rPr lang="fr-CH" dirty="0" smtClean="0"/>
@@ -19241,11 +19366,19 @@
           <a:p>
             <a:r>
               <a:rPr lang="fr-CH" dirty="0" smtClean="0"/>
-              <a:t>supprimer </a:t>
+              <a:t>Supprimer </a:t>
             </a:r>
             <a:r>
               <a:rPr lang="fr-CH" dirty="0"/>
-              <a:t>la branche sur le repo. distant (définitif)</a:t>
+              <a:t>la branche sur le </a:t>
+            </a:r>
+            <a:r>
+              <a:rPr lang="fr-CH" dirty="0" smtClean="0"/>
+              <a:t>repo </a:t>
+            </a:r>
+            <a:r>
+              <a:rPr lang="fr-CH" dirty="0"/>
+              <a:t>distant (définitif)</a:t>
             </a:r>
           </a:p>
           <a:p>
@@ -19264,10 +19397,14 @@
             </a:r>
             <a:r>
               <a:rPr lang="fr-CH" dirty="0"/>
-              <a:t> :</a:t>
-            </a:r>
-            <a:r>
-              <a:rPr lang="fr-CH" dirty="0" err="1"/>
+              <a:t> </a:t>
+            </a:r>
+            <a:r>
+              <a:rPr lang="fr-CH" dirty="0" smtClean="0"/>
+              <a:t>:</a:t>
+            </a:r>
+            <a:r>
+              <a:rPr lang="fr-CH" dirty="0" err="1" smtClean="0"/>
               <a:t>mabranche</a:t>
             </a:r>
             <a:endParaRPr lang="fr-CH" dirty="0"/>
@@ -19275,7 +19412,7 @@
           <a:p>
             <a:r>
               <a:rPr lang="fr-CH" dirty="0" smtClean="0"/>
-              <a:t>supprimer </a:t>
+              <a:t>Supprimer </a:t>
             </a:r>
             <a:r>
               <a:rPr lang="fr-CH" dirty="0"/>
@@ -19403,7 +19540,7 @@
     </p:spTree>
     <p:extLst>
       <p:ext uri="{BB962C8B-B14F-4D97-AF65-F5344CB8AC3E}">
-        <p14:creationId xmlns:p14="http://schemas.microsoft.com/office/powerpoint/2010/main" val="130035458"/>
+        <p14:creationId xmlns:p14="http://schemas.microsoft.com/office/powerpoint/2010/main" xmlns="" val="130035458"/>
       </p:ext>
     </p:extLst>
   </p:cSld>
@@ -19447,7 +19584,7 @@
           <a:p>
             <a:r>
               <a:rPr lang="fr-FR" dirty="0" smtClean="0"/>
-              <a:t>Exercice: </a:t>
+              <a:t>Exercice : </a:t>
             </a:r>
             <a:r>
               <a:rPr lang="fr-FR" dirty="0"/>
@@ -19505,7 +19642,11 @@
           <a:p>
             <a:r>
               <a:rPr lang="fr-FR" dirty="0" smtClean="0"/>
-              <a:t>Créer une branche de travail </a:t>
+              <a:t>Créez </a:t>
+            </a:r>
+            <a:r>
+              <a:rPr lang="fr-FR" dirty="0" smtClean="0"/>
+              <a:t>une branche de travail </a:t>
             </a:r>
             <a:r>
               <a:rPr lang="fr-FR" dirty="0" err="1" smtClean="0"/>
@@ -19612,7 +19753,7 @@
     </p:spTree>
     <p:extLst>
       <p:ext uri="{BB962C8B-B14F-4D97-AF65-F5344CB8AC3E}">
-        <p14:creationId xmlns:p14="http://schemas.microsoft.com/office/powerpoint/2010/main" val="1693579718"/>
+        <p14:creationId xmlns:p14="http://schemas.microsoft.com/office/powerpoint/2010/main" xmlns="" val="1693579718"/>
       </p:ext>
     </p:extLst>
   </p:cSld>
@@ -19834,7 +19975,7 @@
     </p:spTree>
     <p:extLst>
       <p:ext uri="{BB962C8B-B14F-4D97-AF65-F5344CB8AC3E}">
-        <p14:creationId xmlns:p14="http://schemas.microsoft.com/office/powerpoint/2010/main" val="2955915587"/>
+        <p14:creationId xmlns:p14="http://schemas.microsoft.com/office/powerpoint/2010/main" xmlns="" val="2955915587"/>
       </p:ext>
     </p:extLst>
   </p:cSld>
@@ -19983,7 +20124,15 @@
             <a:pPr lvl="1"/>
             <a:r>
               <a:rPr lang="fr-FR" dirty="0" smtClean="0"/>
-              <a:t>Git marque les parties du fichiers en conflit</a:t>
+              <a:t>Git marque les parties du </a:t>
+            </a:r>
+            <a:r>
+              <a:rPr lang="fr-FR" dirty="0" smtClean="0"/>
+              <a:t>fichier </a:t>
+            </a:r>
+            <a:r>
+              <a:rPr lang="fr-FR" dirty="0" smtClean="0"/>
+              <a:t>en conflit</a:t>
             </a:r>
           </a:p>
           <a:p>
@@ -20070,8 +20219,8 @@
               <a:t>Modifier le contenu du fichier et supprimer les </a:t>
             </a:r>
             <a:r>
-              <a:rPr lang="fr-FR" dirty="0" err="1" smtClean="0"/>
-              <a:t>maqueurs</a:t>
+              <a:rPr lang="fr-FR" dirty="0" smtClean="0"/>
+              <a:t>marqueurs</a:t>
             </a:r>
             <a:endParaRPr lang="fr-FR" dirty="0" smtClean="0"/>
           </a:p>
@@ -20106,7 +20255,7 @@
     </p:spTree>
     <p:extLst>
       <p:ext uri="{BB962C8B-B14F-4D97-AF65-F5344CB8AC3E}">
-        <p14:creationId xmlns:p14="http://schemas.microsoft.com/office/powerpoint/2010/main" val="941900157"/>
+        <p14:creationId xmlns:p14="http://schemas.microsoft.com/office/powerpoint/2010/main" xmlns="" val="941900157"/>
       </p:ext>
     </p:extLst>
   </p:cSld>
@@ -20175,10 +20324,10 @@
           </p:nvPr>
         </p:nvPicPr>
         <p:blipFill>
-          <a:blip r:embed="rId2">
+          <a:blip r:embed="rId2" cstate="print">
             <a:extLst>
               <a:ext uri="{28A0092B-C50C-407E-A947-70E740481C1C}">
-                <a14:useLocalDpi xmlns:a14="http://schemas.microsoft.com/office/drawing/2010/main" val="0"/>
+                <a14:useLocalDpi xmlns:a14="http://schemas.microsoft.com/office/drawing/2010/main" xmlns="" val="0"/>
               </a:ext>
             </a:extLst>
           </a:blip>
@@ -20198,7 +20347,7 @@
           <a:noFill/>
           <a:extLst>
             <a:ext uri="{909E8E84-426E-40DD-AFC4-6F175D3DCCD1}">
-              <a14:hiddenFill xmlns:a14="http://schemas.microsoft.com/office/drawing/2010/main">
+              <a14:hiddenFill xmlns:a14="http://schemas.microsoft.com/office/drawing/2010/main" xmlns="">
                 <a:solidFill>
                   <a:srgbClr val="FFFFFF"/>
                 </a:solidFill>
@@ -20210,7 +20359,7 @@
     </p:spTree>
     <p:extLst>
       <p:ext uri="{BB962C8B-B14F-4D97-AF65-F5344CB8AC3E}">
-        <p14:creationId xmlns:p14="http://schemas.microsoft.com/office/powerpoint/2010/main" val="577121423"/>
+        <p14:creationId xmlns:p14="http://schemas.microsoft.com/office/powerpoint/2010/main" xmlns="" val="577121423"/>
       </p:ext>
     </p:extLst>
   </p:cSld>
@@ -20335,7 +20484,7 @@
     </p:spTree>
     <p:extLst>
       <p:ext uri="{BB962C8B-B14F-4D97-AF65-F5344CB8AC3E}">
-        <p14:creationId xmlns:p14="http://schemas.microsoft.com/office/powerpoint/2010/main" val="1828814820"/>
+        <p14:creationId xmlns:p14="http://schemas.microsoft.com/office/powerpoint/2010/main" xmlns="" val="1828814820"/>
       </p:ext>
     </p:extLst>
   </p:cSld>
@@ -20464,7 +20613,11 @@
             <a:pPr lvl="1"/>
             <a:r>
               <a:rPr lang="fr-FR" dirty="0" smtClean="0"/>
-              <a:t>Git </a:t>
+              <a:t>g</a:t>
+            </a:r>
+            <a:r>
+              <a:rPr lang="fr-FR" dirty="0" smtClean="0"/>
+              <a:t>it </a:t>
             </a:r>
             <a:r>
               <a:rPr lang="fr-FR" dirty="0" err="1" smtClean="0"/>
@@ -20502,7 +20655,7 @@
             </a:r>
             <a:r>
               <a:rPr lang="fr-FR" dirty="0" smtClean="0"/>
-              <a:t>: </a:t>
+              <a:t> </a:t>
             </a:r>
           </a:p>
           <a:p>
@@ -20528,7 +20681,11 @@
           <a:p>
             <a:r>
               <a:rPr lang="fr-FR" dirty="0" smtClean="0"/>
-              <a:t>Utiliser un </a:t>
+              <a:t>Utiliser </a:t>
+            </a:r>
+            <a:r>
+              <a:rPr lang="fr-FR" dirty="0" smtClean="0"/>
+              <a:t>un </a:t>
             </a:r>
             <a:r>
               <a:rPr lang="fr-FR" dirty="0" err="1" smtClean="0"/>
@@ -20622,7 +20779,7 @@
             <a:pPr lvl="1"/>
             <a:r>
               <a:rPr lang="fr-FR" dirty="0" smtClean="0"/>
-              <a:t>Git </a:t>
+              <a:t>git </a:t>
             </a:r>
             <a:r>
               <a:rPr lang="fr-FR" dirty="0" err="1" smtClean="0"/>
@@ -20639,7 +20796,7 @@
     </p:spTree>
     <p:extLst>
       <p:ext uri="{BB962C8B-B14F-4D97-AF65-F5344CB8AC3E}">
-        <p14:creationId xmlns:p14="http://schemas.microsoft.com/office/powerpoint/2010/main" val="2278927565"/>
+        <p14:creationId xmlns:p14="http://schemas.microsoft.com/office/powerpoint/2010/main" xmlns="" val="2278927565"/>
       </p:ext>
     </p:extLst>
   </p:cSld>
@@ -20683,7 +20840,7 @@
           <a:p>
             <a:r>
               <a:rPr lang="fr-FR" dirty="0" smtClean="0"/>
-              <a:t>Exercice: </a:t>
+              <a:t>Exercice : </a:t>
             </a:r>
             <a:r>
               <a:rPr lang="fr-FR" dirty="0" err="1" smtClean="0"/>
@@ -20720,7 +20877,23 @@
             </a:r>
             <a:r>
               <a:rPr lang="fr-CH" dirty="0"/>
-              <a:t>un fichier “stashme.txt” à votre repo. et </a:t>
+              <a:t>un fichier </a:t>
+            </a:r>
+            <a:r>
+              <a:rPr lang="fr-CH" dirty="0" smtClean="0"/>
+              <a:t>« stashme.txt » </a:t>
+            </a:r>
+            <a:r>
+              <a:rPr lang="fr-CH" dirty="0"/>
+              <a:t>à votre </a:t>
+            </a:r>
+            <a:r>
+              <a:rPr lang="fr-CH" dirty="0" smtClean="0"/>
+              <a:t>repo </a:t>
+            </a:r>
+            <a:r>
+              <a:rPr lang="fr-CH" dirty="0"/>
+              <a:t>et </a:t>
             </a:r>
             <a:r>
               <a:rPr lang="fr-CH" dirty="0" smtClean="0"/>
@@ -20739,7 +20912,7 @@
           <a:p>
             <a:r>
               <a:rPr lang="fr-CH" dirty="0" smtClean="0"/>
-              <a:t>Faire </a:t>
+              <a:t>Faites </a:t>
             </a:r>
             <a:r>
               <a:rPr lang="fr-CH" dirty="0"/>
@@ -20753,34 +20926,68 @@
             </a:r>
             <a:r>
               <a:rPr lang="fr-CH" dirty="0"/>
-              <a:t>un autre fichier “stashmeagain.txt” à votre repo. et le </a:t>
-            </a:r>
-            <a:r>
-              <a:rPr lang="fr-CH" dirty="0" err="1"/>
+              <a:t>un autre fichier </a:t>
+            </a:r>
+            <a:r>
+              <a:rPr lang="fr-CH" dirty="0" smtClean="0"/>
+              <a:t>« stashmeagain.txt » </a:t>
+            </a:r>
+            <a:r>
+              <a:rPr lang="fr-CH" dirty="0"/>
+              <a:t>à votre </a:t>
+            </a:r>
+            <a:r>
+              <a:rPr lang="fr-CH" dirty="0" smtClean="0"/>
+              <a:t>repo </a:t>
+            </a:r>
+            <a:r>
+              <a:rPr lang="fr-CH" dirty="0"/>
+              <a:t>et le </a:t>
+            </a:r>
+            <a:r>
+              <a:rPr lang="fr-CH" dirty="0" err="1" smtClean="0"/>
               <a:t>stasher</a:t>
             </a:r>
+            <a:endParaRPr lang="fr-CH" dirty="0"/>
+          </a:p>
+          <a:p>
+            <a:r>
+              <a:rPr lang="fr-CH" dirty="0" smtClean="0"/>
+              <a:t>Ajoutez </a:t>
+            </a:r>
             <a:r>
               <a:rPr lang="fr-CH" dirty="0"/>
-              <a:t>.</a:t>
-            </a:r>
-          </a:p>
-          <a:p>
-            <a:r>
-              <a:rPr lang="fr-CH" dirty="0" smtClean="0"/>
-              <a:t>Ajoutez </a:t>
+              <a:t>un autre fichier </a:t>
+            </a:r>
+            <a:r>
+              <a:rPr lang="fr-CH" dirty="0" smtClean="0"/>
+              <a:t>« stashmeagain2.txt</a:t>
+            </a:r>
+            <a:r>
+              <a:rPr lang="fr-CH" dirty="0" smtClean="0"/>
+              <a:t> »</a:t>
+            </a:r>
+            <a:r>
+              <a:rPr lang="fr-CH" dirty="0" smtClean="0"/>
+              <a:t> </a:t>
             </a:r>
             <a:r>
               <a:rPr lang="fr-CH" dirty="0"/>
-              <a:t>un autre fichier “stashmeagain2.txt” à votre repo. et le </a:t>
-            </a:r>
-            <a:r>
-              <a:rPr lang="fr-CH" dirty="0" err="1"/>
+              <a:t>à votre </a:t>
+            </a:r>
+            <a:r>
+              <a:rPr lang="fr-CH" dirty="0" smtClean="0"/>
+              <a:t>repo </a:t>
+            </a:r>
+            <a:r>
+              <a:rPr lang="fr-CH" dirty="0"/>
+              <a:t>et le </a:t>
+            </a:r>
+            <a:r>
+              <a:rPr lang="fr-CH" dirty="0" err="1" smtClean="0"/>
               <a:t>stasher</a:t>
             </a:r>
-            <a:r>
-              <a:rPr lang="fr-CH" dirty="0"/>
-              <a:t>.</a:t>
-            </a:r>
+            <a:endParaRPr lang="fr-CH" dirty="0"/>
           </a:p>
           <a:p>
             <a:r>
@@ -20800,13 +21007,10 @@
               <a:t>, puis appliquez le 1er </a:t>
             </a:r>
             <a:r>
-              <a:rPr lang="fr-CH" dirty="0" err="1"/>
+              <a:rPr lang="fr-CH" dirty="0" err="1" smtClean="0"/>
               <a:t>stash</a:t>
             </a:r>
-            <a:r>
-              <a:rPr lang="fr-CH" dirty="0"/>
-              <a:t>.</a:t>
-            </a:r>
+            <a:endParaRPr lang="fr-CH" dirty="0"/>
           </a:p>
           <a:p>
             <a:r>
@@ -20831,7 +21035,7 @@
     </p:spTree>
     <p:extLst>
       <p:ext uri="{BB962C8B-B14F-4D97-AF65-F5344CB8AC3E}">
-        <p14:creationId xmlns:p14="http://schemas.microsoft.com/office/powerpoint/2010/main" val="2639179278"/>
+        <p14:creationId xmlns:p14="http://schemas.microsoft.com/office/powerpoint/2010/main" xmlns="" val="2639179278"/>
       </p:ext>
     </p:extLst>
   </p:cSld>
@@ -20935,14 +21139,19 @@
           <a:p>
             <a:r>
               <a:rPr lang="fr-FR" dirty="0" smtClean="0"/>
-              <a:t>Exercice: </a:t>
-            </a:r>
+              <a:t>Exercice : </a:t>
+            </a:r>
+            <a:endParaRPr lang="fr-FR" dirty="0" smtClean="0"/>
           </a:p>
           <a:p>
             <a:pPr lvl="1"/>
             <a:r>
               <a:rPr lang="fr-FR" dirty="0" smtClean="0"/>
-              <a:t>Aller dans le repo </a:t>
+              <a:t>Allez </a:t>
+            </a:r>
+            <a:r>
+              <a:rPr lang="fr-FR" dirty="0" smtClean="0"/>
+              <a:t>dans le repo </a:t>
             </a:r>
             <a:r>
               <a:rPr lang="fr-CH" dirty="0" smtClean="0"/>
@@ -20965,7 +21174,7 @@
     </p:spTree>
     <p:extLst>
       <p:ext uri="{BB962C8B-B14F-4D97-AF65-F5344CB8AC3E}">
-        <p14:creationId xmlns:p14="http://schemas.microsoft.com/office/powerpoint/2010/main" val="1543318610"/>
+        <p14:creationId xmlns:p14="http://schemas.microsoft.com/office/powerpoint/2010/main" xmlns="" val="1543318610"/>
       </p:ext>
     </p:extLst>
   </p:cSld>
@@ -21026,10 +21235,10 @@
           </p:nvPr>
         </p:nvPicPr>
         <p:blipFill>
-          <a:blip r:embed="rId2">
+          <a:blip r:embed="rId2" cstate="print">
             <a:extLst>
               <a:ext uri="{28A0092B-C50C-407E-A947-70E740481C1C}">
-                <a14:useLocalDpi xmlns:a14="http://schemas.microsoft.com/office/drawing/2010/main" val="0"/>
+                <a14:useLocalDpi xmlns:a14="http://schemas.microsoft.com/office/drawing/2010/main" xmlns="" val="0"/>
               </a:ext>
             </a:extLst>
           </a:blip>
@@ -21047,7 +21256,7 @@
     </p:spTree>
     <p:extLst>
       <p:ext uri="{BB962C8B-B14F-4D97-AF65-F5344CB8AC3E}">
-        <p14:creationId xmlns:p14="http://schemas.microsoft.com/office/powerpoint/2010/main" val="3320452912"/>
+        <p14:creationId xmlns:p14="http://schemas.microsoft.com/office/powerpoint/2010/main" xmlns="" val="3320452912"/>
       </p:ext>
     </p:extLst>
   </p:cSld>
@@ -21122,7 +21331,15 @@
           <a:p>
             <a:r>
               <a:rPr lang="fr-CH" dirty="0"/>
-              <a:t>créer une branche de travail</a:t>
+              <a:t>C</a:t>
+            </a:r>
+            <a:r>
+              <a:rPr lang="fr-CH" dirty="0" smtClean="0"/>
+              <a:t>réer </a:t>
+            </a:r>
+            <a:r>
+              <a:rPr lang="fr-CH" dirty="0"/>
+              <a:t>une branche de travail</a:t>
             </a:r>
           </a:p>
           <a:p>
@@ -21148,29 +21365,37 @@
           <a:p>
             <a:r>
               <a:rPr lang="fr-CH" dirty="0" smtClean="0"/>
-              <a:t>faire </a:t>
+              <a:t>F</a:t>
+            </a:r>
+            <a:r>
+              <a:rPr lang="fr-CH" dirty="0" smtClean="0"/>
+              <a:t>aire des </a:t>
+            </a:r>
+            <a:r>
+              <a:rPr lang="fr-CH" dirty="0" err="1" smtClean="0"/>
+              <a:t>commits</a:t>
+            </a:r>
+            <a:r>
+              <a:rPr lang="fr-CH" dirty="0" smtClean="0"/>
+              <a:t> </a:t>
             </a:r>
             <a:r>
               <a:rPr lang="fr-CH" dirty="0"/>
-              <a:t>vos </a:t>
-            </a:r>
-            <a:r>
-              <a:rPr lang="fr-CH" dirty="0" err="1"/>
-              <a:t>commits</a:t>
+              <a:t>régulièrement</a:t>
+            </a:r>
+          </a:p>
+          <a:p>
+            <a:r>
+              <a:rPr lang="fr-CH" dirty="0" smtClean="0"/>
+              <a:t>S</a:t>
+            </a:r>
+            <a:r>
+              <a:rPr lang="fr-CH" dirty="0" smtClean="0"/>
+              <a:t>ynchroniser la branche </a:t>
             </a:r>
             <a:r>
               <a:rPr lang="fr-CH" dirty="0"/>
-              <a:t> régulièrement</a:t>
-            </a:r>
-          </a:p>
-          <a:p>
-            <a:r>
-              <a:rPr lang="fr-CH" dirty="0" smtClean="0"/>
-              <a:t>synchroniser </a:t>
-            </a:r>
-            <a:r>
-              <a:rPr lang="fr-CH" dirty="0"/>
-              <a:t>votre branche régulièrement</a:t>
+              <a:t>régulièrement</a:t>
             </a:r>
           </a:p>
           <a:p>
@@ -21196,7 +21421,7 @@
           <a:p>
             <a:r>
               <a:rPr lang="fr-CH" dirty="0" smtClean="0"/>
-              <a:t>pousser </a:t>
+              <a:t>Pousser </a:t>
             </a:r>
             <a:r>
               <a:rPr lang="fr-CH" dirty="0"/>
@@ -21246,7 +21471,7 @@
           <p:nvPr/>
         </p:nvPicPr>
         <p:blipFill>
-          <a:blip r:embed="rId2"/>
+          <a:blip r:embed="rId2" cstate="print"/>
           <a:stretch>
             <a:fillRect/>
           </a:stretch>
@@ -21264,7 +21489,7 @@
     </p:spTree>
     <p:extLst>
       <p:ext uri="{BB962C8B-B14F-4D97-AF65-F5344CB8AC3E}">
-        <p14:creationId xmlns:p14="http://schemas.microsoft.com/office/powerpoint/2010/main" val="1005402051"/>
+        <p14:creationId xmlns:p14="http://schemas.microsoft.com/office/powerpoint/2010/main" xmlns="" val="1005402051"/>
       </p:ext>
     </p:extLst>
   </p:cSld>
@@ -21329,10 +21554,10 @@
           </p:nvPr>
         </p:nvPicPr>
         <p:blipFill>
-          <a:blip r:embed="rId2">
+          <a:blip r:embed="rId2" cstate="print">
             <a:extLst>
               <a:ext uri="{28A0092B-C50C-407E-A947-70E740481C1C}">
-                <a14:useLocalDpi xmlns:a14="http://schemas.microsoft.com/office/drawing/2010/main" val="0"/>
+                <a14:useLocalDpi xmlns:a14="http://schemas.microsoft.com/office/drawing/2010/main" xmlns="" val="0"/>
               </a:ext>
             </a:extLst>
           </a:blip>
@@ -21350,7 +21575,7 @@
     </p:spTree>
     <p:extLst>
       <p:ext uri="{BB962C8B-B14F-4D97-AF65-F5344CB8AC3E}">
-        <p14:creationId xmlns:p14="http://schemas.microsoft.com/office/powerpoint/2010/main" val="3008056003"/>
+        <p14:creationId xmlns:p14="http://schemas.microsoft.com/office/powerpoint/2010/main" xmlns="" val="3008056003"/>
       </p:ext>
     </p:extLst>
   </p:cSld>
@@ -21393,12 +21618,12 @@
           <a:lstStyle/>
           <a:p>
             <a:r>
-              <a:rPr lang="fr-FR" dirty="0" err="1" smtClean="0"/>
-              <a:t>Ré-écrire</a:t>
-            </a:r>
-            <a:r>
-              <a:rPr lang="fr-FR" dirty="0" smtClean="0"/>
-              <a:t> l’histoire</a:t>
+              <a:rPr lang="fr-FR" dirty="0" smtClean="0"/>
+              <a:t>Réécrire </a:t>
+            </a:r>
+            <a:r>
+              <a:rPr lang="fr-FR" dirty="0" smtClean="0"/>
+              <a:t>l’histoire</a:t>
             </a:r>
             <a:endParaRPr lang="fr-CH" dirty="0"/>
           </a:p>
@@ -21415,10 +21640,10 @@
           </p:nvPr>
         </p:nvPicPr>
         <p:blipFill>
-          <a:blip r:embed="rId2">
+          <a:blip r:embed="rId2" cstate="print">
             <a:extLst>
               <a:ext uri="{28A0092B-C50C-407E-A947-70E740481C1C}">
-                <a14:useLocalDpi xmlns:a14="http://schemas.microsoft.com/office/drawing/2010/main" val="0"/>
+                <a14:useLocalDpi xmlns:a14="http://schemas.microsoft.com/office/drawing/2010/main" xmlns="" val="0"/>
               </a:ext>
             </a:extLst>
           </a:blip>
@@ -21436,7 +21661,7 @@
     </p:spTree>
     <p:extLst>
       <p:ext uri="{BB962C8B-B14F-4D97-AF65-F5344CB8AC3E}">
-        <p14:creationId xmlns:p14="http://schemas.microsoft.com/office/powerpoint/2010/main" val="4122106432"/>
+        <p14:creationId xmlns:p14="http://schemas.microsoft.com/office/powerpoint/2010/main" xmlns="" val="4122106432"/>
       </p:ext>
     </p:extLst>
   </p:cSld>
@@ -21600,7 +21825,7 @@
     </p:spTree>
     <p:extLst>
       <p:ext uri="{BB962C8B-B14F-4D97-AF65-F5344CB8AC3E}">
-        <p14:creationId xmlns:p14="http://schemas.microsoft.com/office/powerpoint/2010/main" val="1814769662"/>
+        <p14:creationId xmlns:p14="http://schemas.microsoft.com/office/powerpoint/2010/main" xmlns="" val="1814769662"/>
       </p:ext>
     </p:extLst>
   </p:cSld>
@@ -21705,7 +21930,11 @@
             <a:pPr lvl="1"/>
             <a:r>
               <a:rPr lang="fr-FR" dirty="0" smtClean="0"/>
-              <a:t>Se placez dans un repo existant</a:t>
+              <a:t>Placez-vous </a:t>
+            </a:r>
+            <a:r>
+              <a:rPr lang="fr-FR" dirty="0" smtClean="0"/>
+              <a:t>dans un repo existant</a:t>
             </a:r>
           </a:p>
           <a:p>
@@ -21734,10 +21963,10 @@
           <p:nvPr/>
         </p:nvPicPr>
         <p:blipFill>
-          <a:blip r:embed="rId2">
+          <a:blip r:embed="rId2" cstate="print">
             <a:extLst>
               <a:ext uri="{28A0092B-C50C-407E-A947-70E740481C1C}">
-                <a14:useLocalDpi xmlns:a14="http://schemas.microsoft.com/office/drawing/2010/main" val="0"/>
+                <a14:useLocalDpi xmlns:a14="http://schemas.microsoft.com/office/drawing/2010/main" xmlns="" val="0"/>
               </a:ext>
             </a:extLst>
           </a:blip>
@@ -21758,7 +21987,7 @@
     </p:spTree>
     <p:extLst>
       <p:ext uri="{BB962C8B-B14F-4D97-AF65-F5344CB8AC3E}">
-        <p14:creationId xmlns:p14="http://schemas.microsoft.com/office/powerpoint/2010/main" val="89987842"/>
+        <p14:creationId xmlns:p14="http://schemas.microsoft.com/office/powerpoint/2010/main" xmlns="" val="89987842"/>
       </p:ext>
     </p:extLst>
   </p:cSld>
@@ -21893,7 +22122,11 @@
             <a:pPr lvl="1"/>
             <a:r>
               <a:rPr lang="fr-FR" dirty="0" smtClean="0"/>
-              <a:t>Se placez dans un repo existant </a:t>
+              <a:t>Placez-vous </a:t>
+            </a:r>
+            <a:r>
+              <a:rPr lang="fr-FR" dirty="0" smtClean="0"/>
+              <a:t>dans un repo existant </a:t>
             </a:r>
           </a:p>
           <a:p>
@@ -21947,10 +22180,10 @@
           <p:nvPr/>
         </p:nvPicPr>
         <p:blipFill>
-          <a:blip r:embed="rId2">
+          <a:blip r:embed="rId2" cstate="print">
             <a:extLst>
               <a:ext uri="{28A0092B-C50C-407E-A947-70E740481C1C}">
-                <a14:useLocalDpi xmlns:a14="http://schemas.microsoft.com/office/drawing/2010/main" val="0"/>
+                <a14:useLocalDpi xmlns:a14="http://schemas.microsoft.com/office/drawing/2010/main" xmlns="" val="0"/>
               </a:ext>
             </a:extLst>
           </a:blip>
@@ -21971,7 +22204,7 @@
     </p:spTree>
     <p:extLst>
       <p:ext uri="{BB962C8B-B14F-4D97-AF65-F5344CB8AC3E}">
-        <p14:creationId xmlns:p14="http://schemas.microsoft.com/office/powerpoint/2010/main" val="3545655747"/>
+        <p14:creationId xmlns:p14="http://schemas.microsoft.com/office/powerpoint/2010/main" xmlns="" val="3545655747"/>
       </p:ext>
     </p:extLst>
   </p:cSld>
@@ -22090,14 +22323,22 @@
             <a:pPr lvl="1"/>
             <a:r>
               <a:rPr lang="fr-FR" dirty="0" smtClean="0"/>
-              <a:t>Reprendre le repo précédent </a:t>
+              <a:t>Reprenez </a:t>
+            </a:r>
+            <a:r>
+              <a:rPr lang="fr-FR" dirty="0" smtClean="0"/>
+              <a:t>le repo précédent </a:t>
             </a:r>
           </a:p>
           <a:p>
             <a:pPr lvl="1"/>
             <a:r>
               <a:rPr lang="fr-FR" dirty="0" smtClean="0"/>
-              <a:t>Revenir à l’état avant le </a:t>
+              <a:t>Revenez </a:t>
+            </a:r>
+            <a:r>
+              <a:rPr lang="fr-FR" dirty="0" smtClean="0"/>
+              <a:t>à l’état avant le </a:t>
             </a:r>
             <a:r>
               <a:rPr lang="fr-FR" dirty="0" err="1" smtClean="0"/>
@@ -22131,7 +22372,7 @@
           <p:nvPr/>
         </p:nvPicPr>
         <p:blipFill>
-          <a:blip r:embed="rId2"/>
+          <a:blip r:embed="rId2" cstate="print"/>
           <a:stretch>
             <a:fillRect/>
           </a:stretch>
@@ -22149,7 +22390,7 @@
     </p:spTree>
     <p:extLst>
       <p:ext uri="{BB962C8B-B14F-4D97-AF65-F5344CB8AC3E}">
-        <p14:creationId xmlns:p14="http://schemas.microsoft.com/office/powerpoint/2010/main" val="4070964728"/>
+        <p14:creationId xmlns:p14="http://schemas.microsoft.com/office/powerpoint/2010/main" xmlns="" val="4070964728"/>
       </p:ext>
     </p:extLst>
   </p:cSld>
@@ -22227,12 +22468,12 @@
               <a:t> qui sont </a:t>
             </a:r>
             <a:r>
-              <a:rPr lang="fr-FR" dirty="0" err="1" smtClean="0"/>
-              <a:t>ré-écrit</a:t>
-            </a:r>
-            <a:r>
-              <a:rPr lang="fr-FR" dirty="0" smtClean="0"/>
-              <a:t> ont été </a:t>
+              <a:rPr lang="fr-FR" dirty="0" smtClean="0"/>
+              <a:t>réécrits </a:t>
+            </a:r>
+            <a:r>
+              <a:rPr lang="fr-FR" dirty="0" smtClean="0"/>
+              <a:t>ont été </a:t>
             </a:r>
             <a:r>
               <a:rPr lang="fr-FR" dirty="0" err="1" smtClean="0"/>
@@ -22261,7 +22502,15 @@
           <a:p>
             <a:r>
               <a:rPr lang="fr-FR" dirty="0" smtClean="0"/>
-              <a:t>Si plusieurs personnes utilisent le même historique (=travaillent sur la même branche)</a:t>
+              <a:t>Si plusieurs personnes utilisent le même historique </a:t>
+            </a:r>
+            <a:r>
+              <a:rPr lang="fr-FR" dirty="0" smtClean="0"/>
+              <a:t>(= travaillent </a:t>
+            </a:r>
+            <a:r>
+              <a:rPr lang="fr-FR" dirty="0" smtClean="0"/>
+              <a:t>sur la même branche)</a:t>
             </a:r>
           </a:p>
           <a:p>
@@ -22296,7 +22545,7 @@
     </p:spTree>
     <p:extLst>
       <p:ext uri="{BB962C8B-B14F-4D97-AF65-F5344CB8AC3E}">
-        <p14:creationId xmlns:p14="http://schemas.microsoft.com/office/powerpoint/2010/main" val="531401785"/>
+        <p14:creationId xmlns:p14="http://schemas.microsoft.com/office/powerpoint/2010/main" xmlns="" val="531401785"/>
       </p:ext>
     </p:extLst>
   </p:cSld>
@@ -22340,7 +22589,7 @@
           <a:p>
             <a:r>
               <a:rPr lang="fr-FR" dirty="0" smtClean="0"/>
-              <a:t>Questions?</a:t>
+              <a:t>Questions ?</a:t>
             </a:r>
             <a:endParaRPr lang="fr-CH" dirty="0"/>
           </a:p>
@@ -22357,10 +22606,10 @@
           </p:nvPr>
         </p:nvPicPr>
         <p:blipFill>
-          <a:blip r:embed="rId2">
+          <a:blip r:embed="rId2" cstate="print">
             <a:extLst>
               <a:ext uri="{28A0092B-C50C-407E-A947-70E740481C1C}">
-                <a14:useLocalDpi xmlns:a14="http://schemas.microsoft.com/office/drawing/2010/main" val="0"/>
+                <a14:useLocalDpi xmlns:a14="http://schemas.microsoft.com/office/drawing/2010/main" xmlns="" val="0"/>
               </a:ext>
             </a:extLst>
           </a:blip>
@@ -22380,7 +22629,7 @@
           <a:noFill/>
           <a:extLst>
             <a:ext uri="{909E8E84-426E-40DD-AFC4-6F175D3DCCD1}">
-              <a14:hiddenFill xmlns:a14="http://schemas.microsoft.com/office/drawing/2010/main">
+              <a14:hiddenFill xmlns:a14="http://schemas.microsoft.com/office/drawing/2010/main" xmlns="">
                 <a:solidFill>
                   <a:srgbClr val="FFFFFF"/>
                 </a:solidFill>
@@ -22392,7 +22641,7 @@
     </p:spTree>
     <p:extLst>
       <p:ext uri="{BB962C8B-B14F-4D97-AF65-F5344CB8AC3E}">
-        <p14:creationId xmlns:p14="http://schemas.microsoft.com/office/powerpoint/2010/main" val="262972144"/>
+        <p14:creationId xmlns:p14="http://schemas.microsoft.com/office/powerpoint/2010/main" xmlns="" val="262972144"/>
       </p:ext>
     </p:extLst>
   </p:cSld>
@@ -22478,10 +22727,10 @@
           <p:nvPr/>
         </p:nvPicPr>
         <p:blipFill>
-          <a:blip r:embed="rId2">
+          <a:blip r:embed="rId2" cstate="print">
             <a:extLst>
               <a:ext uri="{28A0092B-C50C-407E-A947-70E740481C1C}">
-                <a14:useLocalDpi xmlns:a14="http://schemas.microsoft.com/office/drawing/2010/main" val="0"/>
+                <a14:useLocalDpi xmlns:a14="http://schemas.microsoft.com/office/drawing/2010/main" xmlns="" val="0"/>
               </a:ext>
             </a:extLst>
           </a:blip>
@@ -22501,7 +22750,7 @@
           <a:noFill/>
           <a:extLst>
             <a:ext uri="{909E8E84-426E-40DD-AFC4-6F175D3DCCD1}">
-              <a14:hiddenFill xmlns:a14="http://schemas.microsoft.com/office/drawing/2010/main">
+              <a14:hiddenFill xmlns:a14="http://schemas.microsoft.com/office/drawing/2010/main" xmlns="">
                 <a:solidFill>
                   <a:srgbClr val="FFFFFF"/>
                 </a:solidFill>
@@ -22519,10 +22768,10 @@
           <p:nvPr/>
         </p:nvPicPr>
         <p:blipFill>
-          <a:blip r:embed="rId3">
+          <a:blip r:embed="rId3" cstate="print">
             <a:extLst>
               <a:ext uri="{28A0092B-C50C-407E-A947-70E740481C1C}">
-                <a14:useLocalDpi xmlns:a14="http://schemas.microsoft.com/office/drawing/2010/main" val="0"/>
+                <a14:useLocalDpi xmlns:a14="http://schemas.microsoft.com/office/drawing/2010/main" xmlns="" val="0"/>
               </a:ext>
             </a:extLst>
           </a:blip>
@@ -22542,7 +22791,7 @@
           <a:noFill/>
           <a:extLst>
             <a:ext uri="{909E8E84-426E-40DD-AFC4-6F175D3DCCD1}">
-              <a14:hiddenFill xmlns:a14="http://schemas.microsoft.com/office/drawing/2010/main">
+              <a14:hiddenFill xmlns:a14="http://schemas.microsoft.com/office/drawing/2010/main" xmlns="">
                 <a:solidFill>
                   <a:srgbClr val="FFFFFF"/>
                 </a:solidFill>
@@ -22554,7 +22803,7 @@
     </p:spTree>
     <p:extLst>
       <p:ext uri="{BB962C8B-B14F-4D97-AF65-F5344CB8AC3E}">
-        <p14:creationId xmlns:p14="http://schemas.microsoft.com/office/powerpoint/2010/main" val="348157985"/>
+        <p14:creationId xmlns:p14="http://schemas.microsoft.com/office/powerpoint/2010/main" xmlns="" val="348157985"/>
       </p:ext>
     </p:extLst>
   </p:cSld>
@@ -22716,10 +22965,10 @@
           <p:nvPr/>
         </p:nvPicPr>
         <p:blipFill>
-          <a:blip r:embed="rId2">
+          <a:blip r:embed="rId2" cstate="print">
             <a:extLst>
               <a:ext uri="{28A0092B-C50C-407E-A947-70E740481C1C}">
-                <a14:useLocalDpi xmlns:a14="http://schemas.microsoft.com/office/drawing/2010/main" val="0"/>
+                <a14:useLocalDpi xmlns:a14="http://schemas.microsoft.com/office/drawing/2010/main" xmlns="" val="0"/>
               </a:ext>
             </a:extLst>
           </a:blip>
@@ -22739,7 +22988,7 @@
           <a:noFill/>
           <a:extLst>
             <a:ext uri="{909E8E84-426E-40DD-AFC4-6F175D3DCCD1}">
-              <a14:hiddenFill xmlns:a14="http://schemas.microsoft.com/office/drawing/2010/main">
+              <a14:hiddenFill xmlns:a14="http://schemas.microsoft.com/office/drawing/2010/main" xmlns="">
                 <a:solidFill>
                   <a:srgbClr val="FFFFFF"/>
                 </a:solidFill>
@@ -22843,7 +23092,7 @@
     </p:spTree>
     <p:extLst>
       <p:ext uri="{BB962C8B-B14F-4D97-AF65-F5344CB8AC3E}">
-        <p14:creationId xmlns:p14="http://schemas.microsoft.com/office/powerpoint/2010/main" val="1385216298"/>
+        <p14:creationId xmlns:p14="http://schemas.microsoft.com/office/powerpoint/2010/main" xmlns="" val="1385216298"/>
       </p:ext>
     </p:extLst>
   </p:cSld>
@@ -22912,10 +23161,10 @@
           <p:nvPr/>
         </p:nvPicPr>
         <p:blipFill>
-          <a:blip r:embed="rId2">
+          <a:blip r:embed="rId2" cstate="print">
             <a:extLst>
               <a:ext uri="{28A0092B-C50C-407E-A947-70E740481C1C}">
-                <a14:useLocalDpi xmlns:a14="http://schemas.microsoft.com/office/drawing/2010/main" val="0"/>
+                <a14:useLocalDpi xmlns:a14="http://schemas.microsoft.com/office/drawing/2010/main" xmlns="" val="0"/>
               </a:ext>
             </a:extLst>
           </a:blip>
@@ -22935,7 +23184,7 @@
           <a:noFill/>
           <a:extLst>
             <a:ext uri="{909E8E84-426E-40DD-AFC4-6F175D3DCCD1}">
-              <a14:hiddenFill xmlns:a14="http://schemas.microsoft.com/office/drawing/2010/main">
+              <a14:hiddenFill xmlns:a14="http://schemas.microsoft.com/office/drawing/2010/main" xmlns="">
                 <a:solidFill>
                   <a:srgbClr val="FFFFFF"/>
                 </a:solidFill>
@@ -22947,7 +23196,7 @@
     </p:spTree>
     <p:extLst>
       <p:ext uri="{BB962C8B-B14F-4D97-AF65-F5344CB8AC3E}">
-        <p14:creationId xmlns:p14="http://schemas.microsoft.com/office/powerpoint/2010/main" val="1976281903"/>
+        <p14:creationId xmlns:p14="http://schemas.microsoft.com/office/powerpoint/2010/main" xmlns="" val="1976281903"/>
       </p:ext>
     </p:extLst>
   </p:cSld>
@@ -23163,7 +23412,7 @@
     </p:spTree>
     <p:extLst>
       <p:ext uri="{BB962C8B-B14F-4D97-AF65-F5344CB8AC3E}">
-        <p14:creationId xmlns:p14="http://schemas.microsoft.com/office/powerpoint/2010/main" val="4044941657"/>
+        <p14:creationId xmlns:p14="http://schemas.microsoft.com/office/powerpoint/2010/main" xmlns="" val="4044941657"/>
       </p:ext>
     </p:extLst>
   </p:cSld>
